--- a/design/wireframe.pptx
+++ b/design/wireframe.pptx
@@ -123,6 +123,11 @@
       </a:defRPr>
     </a:lvl9pPr>
   </p:defaultTextStyle>
+  <p:extLst>
+    <p:ext uri="{EFAFB233-063F-42B5-8137-9DF3F51BA10A}">
+      <p15:sldGuideLst xmlns:p15="http://schemas.microsoft.com/office/powerpoint/2012/main"/>
+    </p:ext>
+  </p:extLst>
 </p:presentation>
 </file>
 
@@ -183,6 +188,11 @@
               </a:ln>
               <a:effectLst/>
             </c:spPr>
+            <c:extLst>
+              <c:ext xmlns:c16="http://schemas.microsoft.com/office/drawing/2014/chart" uri="{C3380CC4-5D6E-409C-BE32-E72D297353CC}">
+                <c16:uniqueId val="{00000001-38B8-4326-9310-0B9C9AF7A37E}"/>
+              </c:ext>
+            </c:extLst>
           </c:dPt>
           <c:dPt>
             <c:idx val="1"/>
@@ -198,6 +208,11 @@
               </a:ln>
               <a:effectLst/>
             </c:spPr>
+            <c:extLst>
+              <c:ext xmlns:c16="http://schemas.microsoft.com/office/drawing/2014/chart" uri="{C3380CC4-5D6E-409C-BE32-E72D297353CC}">
+                <c16:uniqueId val="{00000003-38B8-4326-9310-0B9C9AF7A37E}"/>
+              </c:ext>
+            </c:extLst>
           </c:dPt>
           <c:dPt>
             <c:idx val="2"/>
@@ -213,6 +228,11 @@
               </a:ln>
               <a:effectLst/>
             </c:spPr>
+            <c:extLst>
+              <c:ext xmlns:c16="http://schemas.microsoft.com/office/drawing/2014/chart" uri="{C3380CC4-5D6E-409C-BE32-E72D297353CC}">
+                <c16:uniqueId val="{00000005-38B8-4326-9310-0B9C9AF7A37E}"/>
+              </c:ext>
+            </c:extLst>
           </c:dPt>
           <c:dPt>
             <c:idx val="3"/>
@@ -228,6 +248,11 @@
               </a:ln>
               <a:effectLst/>
             </c:spPr>
+            <c:extLst>
+              <c:ext xmlns:c16="http://schemas.microsoft.com/office/drawing/2014/chart" uri="{C3380CC4-5D6E-409C-BE32-E72D297353CC}">
+                <c16:uniqueId val="{00000007-38B8-4326-9310-0B9C9AF7A37E}"/>
+              </c:ext>
+            </c:extLst>
           </c:dPt>
           <c:cat>
             <c:strRef>
@@ -2424,7 +2449,7 @@
           <a:p>
             <a:fld id="{B7EBE38B-55AE-4351-BB05-58087A95BDC2}" type="datetimeFigureOut">
               <a:rPr lang="en-GB" smtClean="0"/>
-              <a:t>20/09/2020</a:t>
+              <a:t>21/09/2020</a:t>
             </a:fld>
             <a:endParaRPr lang="en-GB"/>
           </a:p>
@@ -2841,7 +2866,7 @@
           <a:p>
             <a:fld id="{624FC7A1-A2FE-47F2-A82A-8B79412D5120}" type="datetimeFigureOut">
               <a:rPr lang="en-GB" smtClean="0"/>
-              <a:t>20/09/2020</a:t>
+              <a:t>21/09/2020</a:t>
             </a:fld>
             <a:endParaRPr lang="en-GB"/>
           </a:p>
@@ -3041,7 +3066,7 @@
           <a:p>
             <a:fld id="{624FC7A1-A2FE-47F2-A82A-8B79412D5120}" type="datetimeFigureOut">
               <a:rPr lang="en-GB" smtClean="0"/>
-              <a:t>20/09/2020</a:t>
+              <a:t>21/09/2020</a:t>
             </a:fld>
             <a:endParaRPr lang="en-GB"/>
           </a:p>
@@ -3251,7 +3276,7 @@
           <a:p>
             <a:fld id="{624FC7A1-A2FE-47F2-A82A-8B79412D5120}" type="datetimeFigureOut">
               <a:rPr lang="en-GB" smtClean="0"/>
-              <a:t>20/09/2020</a:t>
+              <a:t>21/09/2020</a:t>
             </a:fld>
             <a:endParaRPr lang="en-GB"/>
           </a:p>
@@ -3451,7 +3476,7 @@
           <a:p>
             <a:fld id="{624FC7A1-A2FE-47F2-A82A-8B79412D5120}" type="datetimeFigureOut">
               <a:rPr lang="en-GB" smtClean="0"/>
-              <a:t>20/09/2020</a:t>
+              <a:t>21/09/2020</a:t>
             </a:fld>
             <a:endParaRPr lang="en-GB"/>
           </a:p>
@@ -3727,7 +3752,7 @@
           <a:p>
             <a:fld id="{624FC7A1-A2FE-47F2-A82A-8B79412D5120}" type="datetimeFigureOut">
               <a:rPr lang="en-GB" smtClean="0"/>
-              <a:t>20/09/2020</a:t>
+              <a:t>21/09/2020</a:t>
             </a:fld>
             <a:endParaRPr lang="en-GB"/>
           </a:p>
@@ -3995,7 +4020,7 @@
           <a:p>
             <a:fld id="{624FC7A1-A2FE-47F2-A82A-8B79412D5120}" type="datetimeFigureOut">
               <a:rPr lang="en-GB" smtClean="0"/>
-              <a:t>20/09/2020</a:t>
+              <a:t>21/09/2020</a:t>
             </a:fld>
             <a:endParaRPr lang="en-GB"/>
           </a:p>
@@ -4410,7 +4435,7 @@
           <a:p>
             <a:fld id="{624FC7A1-A2FE-47F2-A82A-8B79412D5120}" type="datetimeFigureOut">
               <a:rPr lang="en-GB" smtClean="0"/>
-              <a:t>20/09/2020</a:t>
+              <a:t>21/09/2020</a:t>
             </a:fld>
             <a:endParaRPr lang="en-GB"/>
           </a:p>
@@ -4552,7 +4577,7 @@
           <a:p>
             <a:fld id="{624FC7A1-A2FE-47F2-A82A-8B79412D5120}" type="datetimeFigureOut">
               <a:rPr lang="en-GB" smtClean="0"/>
-              <a:t>20/09/2020</a:t>
+              <a:t>21/09/2020</a:t>
             </a:fld>
             <a:endParaRPr lang="en-GB"/>
           </a:p>
@@ -4665,7 +4690,7 @@
           <a:p>
             <a:fld id="{624FC7A1-A2FE-47F2-A82A-8B79412D5120}" type="datetimeFigureOut">
               <a:rPr lang="en-GB" smtClean="0"/>
-              <a:t>20/09/2020</a:t>
+              <a:t>21/09/2020</a:t>
             </a:fld>
             <a:endParaRPr lang="en-GB"/>
           </a:p>
@@ -4978,7 +5003,7 @@
           <a:p>
             <a:fld id="{624FC7A1-A2FE-47F2-A82A-8B79412D5120}" type="datetimeFigureOut">
               <a:rPr lang="en-GB" smtClean="0"/>
-              <a:t>20/09/2020</a:t>
+              <a:t>21/09/2020</a:t>
             </a:fld>
             <a:endParaRPr lang="en-GB"/>
           </a:p>
@@ -5267,7 +5292,7 @@
           <a:p>
             <a:fld id="{624FC7A1-A2FE-47F2-A82A-8B79412D5120}" type="datetimeFigureOut">
               <a:rPr lang="en-GB" smtClean="0"/>
-              <a:t>20/09/2020</a:t>
+              <a:t>21/09/2020</a:t>
             </a:fld>
             <a:endParaRPr lang="en-GB"/>
           </a:p>
@@ -5510,7 +5535,7 @@
           <a:p>
             <a:fld id="{624FC7A1-A2FE-47F2-A82A-8B79412D5120}" type="datetimeFigureOut">
               <a:rPr lang="en-GB" smtClean="0"/>
-              <a:t>20/09/2020</a:t>
+              <a:t>21/09/2020</a:t>
             </a:fld>
             <a:endParaRPr lang="en-GB"/>
           </a:p>
@@ -6789,7 +6814,7 @@
         </p:blipFill>
         <p:spPr>
           <a:xfrm>
-            <a:off x="142874" y="496123"/>
+            <a:off x="142874" y="477073"/>
             <a:ext cx="11887201" cy="6250067"/>
           </a:xfrm>
           <a:prstGeom prst="rect">
@@ -6813,19 +6838,159 @@
         </p:nvPicPr>
         <p:blipFill rotWithShape="1">
           <a:blip r:embed="rId3"/>
-          <a:srcRect t="8081"/>
+          <a:srcRect t="16468" b="-1"/>
           <a:stretch/>
         </p:blipFill>
         <p:spPr>
           <a:xfrm>
-            <a:off x="4900089" y="1342202"/>
-            <a:ext cx="3540771" cy="5019675"/>
+            <a:off x="4900089" y="1800225"/>
+            <a:ext cx="3540771" cy="4561652"/>
           </a:xfrm>
           <a:prstGeom prst="rect">
             <a:avLst/>
           </a:prstGeom>
         </p:spPr>
       </p:pic>
+      <p:sp>
+        <p:nvSpPr>
+          <p:cNvPr id="2" name="TextBox 1">
+            <a:extLst>
+              <a:ext uri="{FF2B5EF4-FFF2-40B4-BE49-F238E27FC236}">
+                <a16:creationId xmlns:a16="http://schemas.microsoft.com/office/drawing/2014/main" id="{1EC138BE-F899-48B5-BFDA-A743E2712189}"/>
+              </a:ext>
+            </a:extLst>
+          </p:cNvPr>
+          <p:cNvSpPr txBox="1"/>
+          <p:nvPr/>
+        </p:nvSpPr>
+        <p:spPr>
+          <a:xfrm>
+            <a:off x="4970261" y="1177864"/>
+            <a:ext cx="3400425" cy="369332"/>
+          </a:xfrm>
+          <a:prstGeom prst="rect">
+            <a:avLst/>
+          </a:prstGeom>
+          <a:noFill/>
+        </p:spPr>
+        <p:txBody>
+          <a:bodyPr wrap="square" rtlCol="0">
+            <a:spAutoFit/>
+          </a:bodyPr>
+          <a:lstStyle/>
+          <a:p>
+            <a:pPr algn="ctr"/>
+            <a:r>
+              <a:rPr lang="en-GB" dirty="0"/>
+              <a:t>Analysis Report</a:t>
+            </a:r>
+          </a:p>
+        </p:txBody>
+      </p:sp>
+      <p:sp>
+        <p:nvSpPr>
+          <p:cNvPr id="12" name="Rectangle 11">
+            <a:extLst>
+              <a:ext uri="{FF2B5EF4-FFF2-40B4-BE49-F238E27FC236}">
+                <a16:creationId xmlns:a16="http://schemas.microsoft.com/office/drawing/2014/main" id="{0E772F17-DBB1-4CC6-BC16-E38DBA42A580}"/>
+              </a:ext>
+            </a:extLst>
+          </p:cNvPr>
+          <p:cNvSpPr/>
+          <p:nvPr/>
+        </p:nvSpPr>
+        <p:spPr>
+          <a:xfrm>
+            <a:off x="5399821" y="1557998"/>
+            <a:ext cx="1114425" cy="242227"/>
+          </a:xfrm>
+          <a:prstGeom prst="rect">
+            <a:avLst/>
+          </a:prstGeom>
+          <a:solidFill>
+            <a:srgbClr val="1A919A"/>
+          </a:solidFill>
+        </p:spPr>
+        <p:style>
+          <a:lnRef idx="2">
+            <a:schemeClr val="accent1">
+              <a:shade val="50000"/>
+            </a:schemeClr>
+          </a:lnRef>
+          <a:fillRef idx="1">
+            <a:schemeClr val="accent1"/>
+          </a:fillRef>
+          <a:effectRef idx="0">
+            <a:schemeClr val="accent1"/>
+          </a:effectRef>
+          <a:fontRef idx="minor">
+            <a:schemeClr val="lt1"/>
+          </a:fontRef>
+        </p:style>
+        <p:txBody>
+          <a:bodyPr rtlCol="0" anchor="ctr"/>
+          <a:lstStyle/>
+          <a:p>
+            <a:pPr algn="ctr"/>
+            <a:r>
+              <a:rPr lang="en-GB" sz="1400" dirty="0"/>
+              <a:t>PDF</a:t>
+            </a:r>
+          </a:p>
+        </p:txBody>
+      </p:sp>
+      <p:sp>
+        <p:nvSpPr>
+          <p:cNvPr id="17" name="Rectangle 16">
+            <a:extLst>
+              <a:ext uri="{FF2B5EF4-FFF2-40B4-BE49-F238E27FC236}">
+                <a16:creationId xmlns:a16="http://schemas.microsoft.com/office/drawing/2014/main" id="{D9CC9A23-1DB9-41BB-9CC6-3F5B6530E246}"/>
+              </a:ext>
+            </a:extLst>
+          </p:cNvPr>
+          <p:cNvSpPr/>
+          <p:nvPr/>
+        </p:nvSpPr>
+        <p:spPr>
+          <a:xfrm>
+            <a:off x="6863190" y="1566246"/>
+            <a:ext cx="1114425" cy="242227"/>
+          </a:xfrm>
+          <a:prstGeom prst="rect">
+            <a:avLst/>
+          </a:prstGeom>
+          <a:solidFill>
+            <a:srgbClr val="1A919A"/>
+          </a:solidFill>
+        </p:spPr>
+        <p:style>
+          <a:lnRef idx="2">
+            <a:schemeClr val="accent1">
+              <a:shade val="50000"/>
+            </a:schemeClr>
+          </a:lnRef>
+          <a:fillRef idx="1">
+            <a:schemeClr val="accent1"/>
+          </a:fillRef>
+          <a:effectRef idx="0">
+            <a:schemeClr val="accent1"/>
+          </a:effectRef>
+          <a:fontRef idx="minor">
+            <a:schemeClr val="lt1"/>
+          </a:fontRef>
+        </p:style>
+        <p:txBody>
+          <a:bodyPr rtlCol="0" anchor="ctr"/>
+          <a:lstStyle/>
+          <a:p>
+            <a:pPr algn="ctr"/>
+            <a:r>
+              <a:rPr lang="en-GB" sz="1400" dirty="0"/>
+              <a:t>XML</a:t>
+            </a:r>
+          </a:p>
+        </p:txBody>
+      </p:sp>
     </p:spTree>
     <p:extLst>
       <p:ext uri="{BB962C8B-B14F-4D97-AF65-F5344CB8AC3E}">

--- a/design/wireframe.pptx
+++ b/design/wireframe.pptx
@@ -12,9 +12,9 @@
     <p:sldId id="258" r:id="rId3"/>
     <p:sldId id="274" r:id="rId4"/>
     <p:sldId id="275" r:id="rId5"/>
-    <p:sldId id="257" r:id="rId6"/>
-    <p:sldId id="259" r:id="rId7"/>
-    <p:sldId id="276" r:id="rId8"/>
+    <p:sldId id="259" r:id="rId6"/>
+    <p:sldId id="283" r:id="rId7"/>
+    <p:sldId id="284" r:id="rId8"/>
     <p:sldId id="260" r:id="rId9"/>
     <p:sldId id="261" r:id="rId10"/>
     <p:sldId id="272" r:id="rId11"/>
@@ -7092,7 +7092,7 @@
           <a:p>
             <a:fld id="{B7EBE38B-55AE-4351-BB05-58087A95BDC2}" type="datetimeFigureOut">
               <a:rPr lang="en-GB" smtClean="0"/>
-              <a:t>23/09/2020</a:t>
+              <a:t>25/09/2020</a:t>
             </a:fld>
             <a:endParaRPr lang="en-GB"/>
           </a:p>
@@ -7509,7 +7509,7 @@
           <a:p>
             <a:fld id="{624FC7A1-A2FE-47F2-A82A-8B79412D5120}" type="datetimeFigureOut">
               <a:rPr lang="en-GB" smtClean="0"/>
-              <a:t>23/09/2020</a:t>
+              <a:t>25/09/2020</a:t>
             </a:fld>
             <a:endParaRPr lang="en-GB"/>
           </a:p>
@@ -7709,7 +7709,7 @@
           <a:p>
             <a:fld id="{624FC7A1-A2FE-47F2-A82A-8B79412D5120}" type="datetimeFigureOut">
               <a:rPr lang="en-GB" smtClean="0"/>
-              <a:t>23/09/2020</a:t>
+              <a:t>25/09/2020</a:t>
             </a:fld>
             <a:endParaRPr lang="en-GB"/>
           </a:p>
@@ -7919,7 +7919,7 @@
           <a:p>
             <a:fld id="{624FC7A1-A2FE-47F2-A82A-8B79412D5120}" type="datetimeFigureOut">
               <a:rPr lang="en-GB" smtClean="0"/>
-              <a:t>23/09/2020</a:t>
+              <a:t>25/09/2020</a:t>
             </a:fld>
             <a:endParaRPr lang="en-GB"/>
           </a:p>
@@ -8119,7 +8119,7 @@
           <a:p>
             <a:fld id="{624FC7A1-A2FE-47F2-A82A-8B79412D5120}" type="datetimeFigureOut">
               <a:rPr lang="en-GB" smtClean="0"/>
-              <a:t>23/09/2020</a:t>
+              <a:t>25/09/2020</a:t>
             </a:fld>
             <a:endParaRPr lang="en-GB"/>
           </a:p>
@@ -8395,7 +8395,7 @@
           <a:p>
             <a:fld id="{624FC7A1-A2FE-47F2-A82A-8B79412D5120}" type="datetimeFigureOut">
               <a:rPr lang="en-GB" smtClean="0"/>
-              <a:t>23/09/2020</a:t>
+              <a:t>25/09/2020</a:t>
             </a:fld>
             <a:endParaRPr lang="en-GB"/>
           </a:p>
@@ -8663,7 +8663,7 @@
           <a:p>
             <a:fld id="{624FC7A1-A2FE-47F2-A82A-8B79412D5120}" type="datetimeFigureOut">
               <a:rPr lang="en-GB" smtClean="0"/>
-              <a:t>23/09/2020</a:t>
+              <a:t>25/09/2020</a:t>
             </a:fld>
             <a:endParaRPr lang="en-GB"/>
           </a:p>
@@ -9078,7 +9078,7 @@
           <a:p>
             <a:fld id="{624FC7A1-A2FE-47F2-A82A-8B79412D5120}" type="datetimeFigureOut">
               <a:rPr lang="en-GB" smtClean="0"/>
-              <a:t>23/09/2020</a:t>
+              <a:t>25/09/2020</a:t>
             </a:fld>
             <a:endParaRPr lang="en-GB"/>
           </a:p>
@@ -9220,7 +9220,7 @@
           <a:p>
             <a:fld id="{624FC7A1-A2FE-47F2-A82A-8B79412D5120}" type="datetimeFigureOut">
               <a:rPr lang="en-GB" smtClean="0"/>
-              <a:t>23/09/2020</a:t>
+              <a:t>25/09/2020</a:t>
             </a:fld>
             <a:endParaRPr lang="en-GB"/>
           </a:p>
@@ -9333,7 +9333,7 @@
           <a:p>
             <a:fld id="{624FC7A1-A2FE-47F2-A82A-8B79412D5120}" type="datetimeFigureOut">
               <a:rPr lang="en-GB" smtClean="0"/>
-              <a:t>23/09/2020</a:t>
+              <a:t>25/09/2020</a:t>
             </a:fld>
             <a:endParaRPr lang="en-GB"/>
           </a:p>
@@ -9646,7 +9646,7 @@
           <a:p>
             <a:fld id="{624FC7A1-A2FE-47F2-A82A-8B79412D5120}" type="datetimeFigureOut">
               <a:rPr lang="en-GB" smtClean="0"/>
-              <a:t>23/09/2020</a:t>
+              <a:t>25/09/2020</a:t>
             </a:fld>
             <a:endParaRPr lang="en-GB"/>
           </a:p>
@@ -9935,7 +9935,7 @@
           <a:p>
             <a:fld id="{624FC7A1-A2FE-47F2-A82A-8B79412D5120}" type="datetimeFigureOut">
               <a:rPr lang="en-GB" smtClean="0"/>
-              <a:t>23/09/2020</a:t>
+              <a:t>25/09/2020</a:t>
             </a:fld>
             <a:endParaRPr lang="en-GB"/>
           </a:p>
@@ -10178,7 +10178,7 @@
           <a:p>
             <a:fld id="{624FC7A1-A2FE-47F2-A82A-8B79412D5120}" type="datetimeFigureOut">
               <a:rPr lang="en-GB" smtClean="0"/>
-              <a:t>23/09/2020</a:t>
+              <a:t>25/09/2020</a:t>
             </a:fld>
             <a:endParaRPr lang="en-GB"/>
           </a:p>
@@ -10910,10 +10910,10 @@
       </p:sp>
       <p:pic>
         <p:nvPicPr>
-          <p:cNvPr id="8" name="Picture 7">
-            <a:extLst>
-              <a:ext uri="{FF2B5EF4-FFF2-40B4-BE49-F238E27FC236}">
-                <a16:creationId xmlns:a16="http://schemas.microsoft.com/office/drawing/2014/main" id="{4399D7B8-D835-4145-BC25-33AAF3B7F3A9}"/>
+          <p:cNvPr id="14" name="Picture 13">
+            <a:extLst>
+              <a:ext uri="{FF2B5EF4-FFF2-40B4-BE49-F238E27FC236}">
+                <a16:creationId xmlns:a16="http://schemas.microsoft.com/office/drawing/2014/main" id="{4FCCE283-E9EA-4273-A643-7EC080D44422}"/>
               </a:ext>
             </a:extLst>
           </p:cNvPr>
@@ -10930,8 +10930,8 @@
         </p:blipFill>
         <p:spPr>
           <a:xfrm>
-            <a:off x="1743075" y="1465554"/>
-            <a:ext cx="10191750" cy="1045630"/>
+            <a:off x="1721138" y="985839"/>
+            <a:ext cx="10244643" cy="360990"/>
           </a:xfrm>
           <a:prstGeom prst="rect">
             <a:avLst/>
@@ -10940,10 +10940,10 @@
       </p:pic>
       <p:pic>
         <p:nvPicPr>
-          <p:cNvPr id="14" name="Picture 13">
-            <a:extLst>
-              <a:ext uri="{FF2B5EF4-FFF2-40B4-BE49-F238E27FC236}">
-                <a16:creationId xmlns:a16="http://schemas.microsoft.com/office/drawing/2014/main" id="{4FCCE283-E9EA-4273-A643-7EC080D44422}"/>
+          <p:cNvPr id="3" name="Picture 2">
+            <a:extLst>
+              <a:ext uri="{FF2B5EF4-FFF2-40B4-BE49-F238E27FC236}">
+                <a16:creationId xmlns:a16="http://schemas.microsoft.com/office/drawing/2014/main" id="{0F6C4D70-C9B9-444E-96F6-CB8E91A1AC17}"/>
               </a:ext>
             </a:extLst>
           </p:cNvPr>
@@ -10960,8 +10960,8 @@
         </p:blipFill>
         <p:spPr>
           <a:xfrm>
-            <a:off x="1721138" y="985839"/>
-            <a:ext cx="10244643" cy="360990"/>
+            <a:off x="1748460" y="1346829"/>
+            <a:ext cx="10189997" cy="1370852"/>
           </a:xfrm>
           <a:prstGeom prst="rect">
             <a:avLst/>
@@ -12461,7 +12461,7 @@
         </p:blipFill>
         <p:spPr>
           <a:xfrm>
-            <a:off x="1990725" y="1832168"/>
+            <a:off x="1990725" y="2086295"/>
             <a:ext cx="2095201" cy="711007"/>
           </a:xfrm>
           <a:prstGeom prst="rect">
@@ -12491,7 +12491,7 @@
         </p:blipFill>
         <p:spPr>
           <a:xfrm>
-            <a:off x="4467225" y="1832168"/>
+            <a:off x="4467225" y="2086295"/>
             <a:ext cx="2095201" cy="685973"/>
           </a:xfrm>
           <a:prstGeom prst="rect">
@@ -12501,10 +12501,10 @@
       </p:pic>
       <p:pic>
         <p:nvPicPr>
-          <p:cNvPr id="19" name="Picture 18">
-            <a:extLst>
-              <a:ext uri="{FF2B5EF4-FFF2-40B4-BE49-F238E27FC236}">
-                <a16:creationId xmlns:a16="http://schemas.microsoft.com/office/drawing/2014/main" id="{FB40F8DA-8F22-49F3-921E-705278C6BC5E}"/>
+          <p:cNvPr id="25" name="Picture 24">
+            <a:extLst>
+              <a:ext uri="{FF2B5EF4-FFF2-40B4-BE49-F238E27FC236}">
+                <a16:creationId xmlns:a16="http://schemas.microsoft.com/office/drawing/2014/main" id="{11C5DBAB-2417-4AB1-A2C3-38B4ABD3999A}"/>
               </a:ext>
             </a:extLst>
           </p:cNvPr>
@@ -12521,37 +12521,7 @@
         </p:blipFill>
         <p:spPr>
           <a:xfrm>
-            <a:off x="1990725" y="2824470"/>
-            <a:ext cx="2095201" cy="678517"/>
-          </a:xfrm>
-          <a:prstGeom prst="rect">
-            <a:avLst/>
-          </a:prstGeom>
-        </p:spPr>
-      </p:pic>
-      <p:pic>
-        <p:nvPicPr>
-          <p:cNvPr id="25" name="Picture 24">
-            <a:extLst>
-              <a:ext uri="{FF2B5EF4-FFF2-40B4-BE49-F238E27FC236}">
-                <a16:creationId xmlns:a16="http://schemas.microsoft.com/office/drawing/2014/main" id="{11C5DBAB-2417-4AB1-A2C3-38B4ABD3999A}"/>
-              </a:ext>
-            </a:extLst>
-          </p:cNvPr>
-          <p:cNvPicPr>
-            <a:picLocks noChangeAspect="1"/>
-          </p:cNvPicPr>
-          <p:nvPr/>
-        </p:nvPicPr>
-        <p:blipFill>
-          <a:blip r:embed="rId9"/>
-          <a:stretch>
-            <a:fillRect/>
-          </a:stretch>
-        </p:blipFill>
-        <p:spPr>
-          <a:xfrm>
-            <a:off x="4467225" y="2806377"/>
+            <a:off x="3239558" y="3051770"/>
             <a:ext cx="2095200" cy="678518"/>
           </a:xfrm>
           <a:prstGeom prst="rect">
@@ -12574,7 +12544,7 @@
           <p:nvPr/>
         </p:nvPicPr>
         <p:blipFill>
-          <a:blip r:embed="rId10"/>
+          <a:blip r:embed="rId9"/>
           <a:stretch>
             <a:fillRect/>
           </a:stretch>
@@ -13724,10 +13694,10 @@
       </p:graphicFrame>
       <p:pic>
         <p:nvPicPr>
-          <p:cNvPr id="24" name="Picture 23">
-            <a:extLst>
-              <a:ext uri="{FF2B5EF4-FFF2-40B4-BE49-F238E27FC236}">
-                <a16:creationId xmlns:a16="http://schemas.microsoft.com/office/drawing/2014/main" id="{CE5E92F0-CFAF-40A1-A87A-E0FF75D95BDF}"/>
+          <p:cNvPr id="28" name="Picture 27">
+            <a:extLst>
+              <a:ext uri="{FF2B5EF4-FFF2-40B4-BE49-F238E27FC236}">
+                <a16:creationId xmlns:a16="http://schemas.microsoft.com/office/drawing/2014/main" id="{8AE26CE1-9386-4123-BC81-EEAFDCA78E71}"/>
               </a:ext>
             </a:extLst>
           </p:cNvPr>
@@ -13738,126 +13708,6 @@
         </p:nvPicPr>
         <p:blipFill>
           <a:blip r:embed="rId6"/>
-          <a:stretch>
-            <a:fillRect/>
-          </a:stretch>
-        </p:blipFill>
-        <p:spPr>
-          <a:xfrm>
-            <a:off x="1990725" y="1832168"/>
-            <a:ext cx="2095201" cy="711007"/>
-          </a:xfrm>
-          <a:prstGeom prst="rect">
-            <a:avLst/>
-          </a:prstGeom>
-        </p:spPr>
-      </p:pic>
-      <p:pic>
-        <p:nvPicPr>
-          <p:cNvPr id="17" name="Picture 16">
-            <a:extLst>
-              <a:ext uri="{FF2B5EF4-FFF2-40B4-BE49-F238E27FC236}">
-                <a16:creationId xmlns:a16="http://schemas.microsoft.com/office/drawing/2014/main" id="{A486CF6C-4CE7-4291-8C86-F28424C066F7}"/>
-              </a:ext>
-            </a:extLst>
-          </p:cNvPr>
-          <p:cNvPicPr>
-            <a:picLocks noChangeAspect="1"/>
-          </p:cNvPicPr>
-          <p:nvPr/>
-        </p:nvPicPr>
-        <p:blipFill>
-          <a:blip r:embed="rId7"/>
-          <a:stretch>
-            <a:fillRect/>
-          </a:stretch>
-        </p:blipFill>
-        <p:spPr>
-          <a:xfrm>
-            <a:off x="4467225" y="1832168"/>
-            <a:ext cx="2095201" cy="685973"/>
-          </a:xfrm>
-          <a:prstGeom prst="rect">
-            <a:avLst/>
-          </a:prstGeom>
-        </p:spPr>
-      </p:pic>
-      <p:pic>
-        <p:nvPicPr>
-          <p:cNvPr id="19" name="Picture 18">
-            <a:extLst>
-              <a:ext uri="{FF2B5EF4-FFF2-40B4-BE49-F238E27FC236}">
-                <a16:creationId xmlns:a16="http://schemas.microsoft.com/office/drawing/2014/main" id="{FB40F8DA-8F22-49F3-921E-705278C6BC5E}"/>
-              </a:ext>
-            </a:extLst>
-          </p:cNvPr>
-          <p:cNvPicPr>
-            <a:picLocks noChangeAspect="1"/>
-          </p:cNvPicPr>
-          <p:nvPr/>
-        </p:nvPicPr>
-        <p:blipFill>
-          <a:blip r:embed="rId8"/>
-          <a:stretch>
-            <a:fillRect/>
-          </a:stretch>
-        </p:blipFill>
-        <p:spPr>
-          <a:xfrm>
-            <a:off x="1990725" y="2824470"/>
-            <a:ext cx="2095201" cy="678517"/>
-          </a:xfrm>
-          <a:prstGeom prst="rect">
-            <a:avLst/>
-          </a:prstGeom>
-        </p:spPr>
-      </p:pic>
-      <p:pic>
-        <p:nvPicPr>
-          <p:cNvPr id="25" name="Picture 24">
-            <a:extLst>
-              <a:ext uri="{FF2B5EF4-FFF2-40B4-BE49-F238E27FC236}">
-                <a16:creationId xmlns:a16="http://schemas.microsoft.com/office/drawing/2014/main" id="{11C5DBAB-2417-4AB1-A2C3-38B4ABD3999A}"/>
-              </a:ext>
-            </a:extLst>
-          </p:cNvPr>
-          <p:cNvPicPr>
-            <a:picLocks noChangeAspect="1"/>
-          </p:cNvPicPr>
-          <p:nvPr/>
-        </p:nvPicPr>
-        <p:blipFill>
-          <a:blip r:embed="rId9"/>
-          <a:stretch>
-            <a:fillRect/>
-          </a:stretch>
-        </p:blipFill>
-        <p:spPr>
-          <a:xfrm>
-            <a:off x="4467225" y="2806377"/>
-            <a:ext cx="2095200" cy="678518"/>
-          </a:xfrm>
-          <a:prstGeom prst="rect">
-            <a:avLst/>
-          </a:prstGeom>
-        </p:spPr>
-      </p:pic>
-      <p:pic>
-        <p:nvPicPr>
-          <p:cNvPr id="28" name="Picture 27">
-            <a:extLst>
-              <a:ext uri="{FF2B5EF4-FFF2-40B4-BE49-F238E27FC236}">
-                <a16:creationId xmlns:a16="http://schemas.microsoft.com/office/drawing/2014/main" id="{8AE26CE1-9386-4123-BC81-EEAFDCA78E71}"/>
-              </a:ext>
-            </a:extLst>
-          </p:cNvPr>
-          <p:cNvPicPr>
-            <a:picLocks noChangeAspect="1"/>
-          </p:cNvPicPr>
-          <p:nvPr/>
-        </p:nvPicPr>
-        <p:blipFill>
-          <a:blip r:embed="rId10"/>
           <a:stretch>
             <a:fillRect/>
           </a:stretch>
@@ -13887,7 +13737,7 @@
           <p:nvPr/>
         </p:nvPicPr>
         <p:blipFill rotWithShape="1">
-          <a:blip r:embed="rId11"/>
+          <a:blip r:embed="rId7"/>
           <a:srcRect t="1334" r="1412"/>
           <a:stretch/>
         </p:blipFill>
@@ -13906,6 +13756,96 @@
               </a:prstClr>
             </a:outerShdw>
           </a:effectLst>
+        </p:spPr>
+      </p:pic>
+      <p:pic>
+        <p:nvPicPr>
+          <p:cNvPr id="3" name="Picture 2">
+            <a:extLst>
+              <a:ext uri="{FF2B5EF4-FFF2-40B4-BE49-F238E27FC236}">
+                <a16:creationId xmlns:a16="http://schemas.microsoft.com/office/drawing/2014/main" id="{C8514D8C-CA5A-4593-A1D6-4507DA509854}"/>
+              </a:ext>
+            </a:extLst>
+          </p:cNvPr>
+          <p:cNvPicPr>
+            <a:picLocks noChangeAspect="1"/>
+          </p:cNvPicPr>
+          <p:nvPr/>
+        </p:nvPicPr>
+        <p:blipFill>
+          <a:blip r:embed="rId8"/>
+          <a:stretch>
+            <a:fillRect/>
+          </a:stretch>
+        </p:blipFill>
+        <p:spPr>
+          <a:xfrm>
+            <a:off x="1975469" y="2151627"/>
+            <a:ext cx="2095201" cy="711007"/>
+          </a:xfrm>
+          <a:prstGeom prst="rect">
+            <a:avLst/>
+          </a:prstGeom>
+        </p:spPr>
+      </p:pic>
+      <p:pic>
+        <p:nvPicPr>
+          <p:cNvPr id="5" name="Picture 4">
+            <a:extLst>
+              <a:ext uri="{FF2B5EF4-FFF2-40B4-BE49-F238E27FC236}">
+                <a16:creationId xmlns:a16="http://schemas.microsoft.com/office/drawing/2014/main" id="{D71755A0-FD02-486C-8C1D-C5E35CD3C3C7}"/>
+              </a:ext>
+            </a:extLst>
+          </p:cNvPr>
+          <p:cNvPicPr>
+            <a:picLocks noChangeAspect="1"/>
+          </p:cNvPicPr>
+          <p:nvPr/>
+        </p:nvPicPr>
+        <p:blipFill>
+          <a:blip r:embed="rId9"/>
+          <a:stretch>
+            <a:fillRect/>
+          </a:stretch>
+        </p:blipFill>
+        <p:spPr>
+          <a:xfrm>
+            <a:off x="4451969" y="2151627"/>
+            <a:ext cx="2095201" cy="685973"/>
+          </a:xfrm>
+          <a:prstGeom prst="rect">
+            <a:avLst/>
+          </a:prstGeom>
+        </p:spPr>
+      </p:pic>
+      <p:pic>
+        <p:nvPicPr>
+          <p:cNvPr id="6" name="Picture 5">
+            <a:extLst>
+              <a:ext uri="{FF2B5EF4-FFF2-40B4-BE49-F238E27FC236}">
+                <a16:creationId xmlns:a16="http://schemas.microsoft.com/office/drawing/2014/main" id="{5C192003-29ED-4406-9DA1-1A44F858762A}"/>
+              </a:ext>
+            </a:extLst>
+          </p:cNvPr>
+          <p:cNvPicPr>
+            <a:picLocks noChangeAspect="1"/>
+          </p:cNvPicPr>
+          <p:nvPr/>
+        </p:nvPicPr>
+        <p:blipFill>
+          <a:blip r:embed="rId10"/>
+          <a:stretch>
+            <a:fillRect/>
+          </a:stretch>
+        </p:blipFill>
+        <p:spPr>
+          <a:xfrm>
+            <a:off x="3224302" y="3117102"/>
+            <a:ext cx="2095200" cy="678518"/>
+          </a:xfrm>
+          <a:prstGeom prst="rect">
+            <a:avLst/>
+          </a:prstGeom>
         </p:spPr>
       </p:pic>
     </p:spTree>
@@ -14078,10 +14018,10 @@
       </p:graphicFrame>
       <p:pic>
         <p:nvPicPr>
-          <p:cNvPr id="24" name="Picture 23">
-            <a:extLst>
-              <a:ext uri="{FF2B5EF4-FFF2-40B4-BE49-F238E27FC236}">
-                <a16:creationId xmlns:a16="http://schemas.microsoft.com/office/drawing/2014/main" id="{CE5E92F0-CFAF-40A1-A87A-E0FF75D95BDF}"/>
+          <p:cNvPr id="28" name="Picture 27">
+            <a:extLst>
+              <a:ext uri="{FF2B5EF4-FFF2-40B4-BE49-F238E27FC236}">
+                <a16:creationId xmlns:a16="http://schemas.microsoft.com/office/drawing/2014/main" id="{8AE26CE1-9386-4123-BC81-EEAFDCA78E71}"/>
               </a:ext>
             </a:extLst>
           </p:cNvPr>
@@ -14092,126 +14032,6 @@
         </p:nvPicPr>
         <p:blipFill>
           <a:blip r:embed="rId6"/>
-          <a:stretch>
-            <a:fillRect/>
-          </a:stretch>
-        </p:blipFill>
-        <p:spPr>
-          <a:xfrm>
-            <a:off x="1990725" y="1832168"/>
-            <a:ext cx="2095201" cy="711007"/>
-          </a:xfrm>
-          <a:prstGeom prst="rect">
-            <a:avLst/>
-          </a:prstGeom>
-        </p:spPr>
-      </p:pic>
-      <p:pic>
-        <p:nvPicPr>
-          <p:cNvPr id="17" name="Picture 16">
-            <a:extLst>
-              <a:ext uri="{FF2B5EF4-FFF2-40B4-BE49-F238E27FC236}">
-                <a16:creationId xmlns:a16="http://schemas.microsoft.com/office/drawing/2014/main" id="{A486CF6C-4CE7-4291-8C86-F28424C066F7}"/>
-              </a:ext>
-            </a:extLst>
-          </p:cNvPr>
-          <p:cNvPicPr>
-            <a:picLocks noChangeAspect="1"/>
-          </p:cNvPicPr>
-          <p:nvPr/>
-        </p:nvPicPr>
-        <p:blipFill>
-          <a:blip r:embed="rId7"/>
-          <a:stretch>
-            <a:fillRect/>
-          </a:stretch>
-        </p:blipFill>
-        <p:spPr>
-          <a:xfrm>
-            <a:off x="4467225" y="1832168"/>
-            <a:ext cx="2095201" cy="685973"/>
-          </a:xfrm>
-          <a:prstGeom prst="rect">
-            <a:avLst/>
-          </a:prstGeom>
-        </p:spPr>
-      </p:pic>
-      <p:pic>
-        <p:nvPicPr>
-          <p:cNvPr id="19" name="Picture 18">
-            <a:extLst>
-              <a:ext uri="{FF2B5EF4-FFF2-40B4-BE49-F238E27FC236}">
-                <a16:creationId xmlns:a16="http://schemas.microsoft.com/office/drawing/2014/main" id="{FB40F8DA-8F22-49F3-921E-705278C6BC5E}"/>
-              </a:ext>
-            </a:extLst>
-          </p:cNvPr>
-          <p:cNvPicPr>
-            <a:picLocks noChangeAspect="1"/>
-          </p:cNvPicPr>
-          <p:nvPr/>
-        </p:nvPicPr>
-        <p:blipFill>
-          <a:blip r:embed="rId8"/>
-          <a:stretch>
-            <a:fillRect/>
-          </a:stretch>
-        </p:blipFill>
-        <p:spPr>
-          <a:xfrm>
-            <a:off x="1990725" y="2824470"/>
-            <a:ext cx="2095201" cy="678517"/>
-          </a:xfrm>
-          <a:prstGeom prst="rect">
-            <a:avLst/>
-          </a:prstGeom>
-        </p:spPr>
-      </p:pic>
-      <p:pic>
-        <p:nvPicPr>
-          <p:cNvPr id="25" name="Picture 24">
-            <a:extLst>
-              <a:ext uri="{FF2B5EF4-FFF2-40B4-BE49-F238E27FC236}">
-                <a16:creationId xmlns:a16="http://schemas.microsoft.com/office/drawing/2014/main" id="{11C5DBAB-2417-4AB1-A2C3-38B4ABD3999A}"/>
-              </a:ext>
-            </a:extLst>
-          </p:cNvPr>
-          <p:cNvPicPr>
-            <a:picLocks noChangeAspect="1"/>
-          </p:cNvPicPr>
-          <p:nvPr/>
-        </p:nvPicPr>
-        <p:blipFill>
-          <a:blip r:embed="rId9"/>
-          <a:stretch>
-            <a:fillRect/>
-          </a:stretch>
-        </p:blipFill>
-        <p:spPr>
-          <a:xfrm>
-            <a:off x="4467225" y="2806377"/>
-            <a:ext cx="2095200" cy="678518"/>
-          </a:xfrm>
-          <a:prstGeom prst="rect">
-            <a:avLst/>
-          </a:prstGeom>
-        </p:spPr>
-      </p:pic>
-      <p:pic>
-        <p:nvPicPr>
-          <p:cNvPr id="28" name="Picture 27">
-            <a:extLst>
-              <a:ext uri="{FF2B5EF4-FFF2-40B4-BE49-F238E27FC236}">
-                <a16:creationId xmlns:a16="http://schemas.microsoft.com/office/drawing/2014/main" id="{8AE26CE1-9386-4123-BC81-EEAFDCA78E71}"/>
-              </a:ext>
-            </a:extLst>
-          </p:cNvPr>
-          <p:cNvPicPr>
-            <a:picLocks noChangeAspect="1"/>
-          </p:cNvPicPr>
-          <p:nvPr/>
-        </p:nvPicPr>
-        <p:blipFill>
-          <a:blip r:embed="rId10"/>
           <a:stretch>
             <a:fillRect/>
           </a:stretch>
@@ -14228,10 +14048,10 @@
       </p:pic>
       <p:pic>
         <p:nvPicPr>
-          <p:cNvPr id="3" name="Picture 2">
-            <a:extLst>
-              <a:ext uri="{FF2B5EF4-FFF2-40B4-BE49-F238E27FC236}">
-                <a16:creationId xmlns:a16="http://schemas.microsoft.com/office/drawing/2014/main" id="{80E248B4-E04D-4089-A3CA-82CB54BA78D9}"/>
+          <p:cNvPr id="4" name="Picture 3">
+            <a:extLst>
+              <a:ext uri="{FF2B5EF4-FFF2-40B4-BE49-F238E27FC236}">
+                <a16:creationId xmlns:a16="http://schemas.microsoft.com/office/drawing/2014/main" id="{C62A172A-9B79-4019-ADE1-7052F6010A6C}"/>
               </a:ext>
             </a:extLst>
           </p:cNvPr>
@@ -14241,7 +14061,97 @@
           <p:nvPr/>
         </p:nvPicPr>
         <p:blipFill>
-          <a:blip r:embed="rId11"/>
+          <a:blip r:embed="rId7"/>
+          <a:stretch>
+            <a:fillRect/>
+          </a:stretch>
+        </p:blipFill>
+        <p:spPr>
+          <a:xfrm>
+            <a:off x="1990725" y="2086295"/>
+            <a:ext cx="2095201" cy="711007"/>
+          </a:xfrm>
+          <a:prstGeom prst="rect">
+            <a:avLst/>
+          </a:prstGeom>
+        </p:spPr>
+      </p:pic>
+      <p:pic>
+        <p:nvPicPr>
+          <p:cNvPr id="5" name="Picture 4">
+            <a:extLst>
+              <a:ext uri="{FF2B5EF4-FFF2-40B4-BE49-F238E27FC236}">
+                <a16:creationId xmlns:a16="http://schemas.microsoft.com/office/drawing/2014/main" id="{DF0565CC-299E-4429-8E9A-2FDCAC6198A9}"/>
+              </a:ext>
+            </a:extLst>
+          </p:cNvPr>
+          <p:cNvPicPr>
+            <a:picLocks noChangeAspect="1"/>
+          </p:cNvPicPr>
+          <p:nvPr/>
+        </p:nvPicPr>
+        <p:blipFill>
+          <a:blip r:embed="rId8"/>
+          <a:stretch>
+            <a:fillRect/>
+          </a:stretch>
+        </p:blipFill>
+        <p:spPr>
+          <a:xfrm>
+            <a:off x="4467225" y="2086295"/>
+            <a:ext cx="2095201" cy="685973"/>
+          </a:xfrm>
+          <a:prstGeom prst="rect">
+            <a:avLst/>
+          </a:prstGeom>
+        </p:spPr>
+      </p:pic>
+      <p:pic>
+        <p:nvPicPr>
+          <p:cNvPr id="6" name="Picture 5">
+            <a:extLst>
+              <a:ext uri="{FF2B5EF4-FFF2-40B4-BE49-F238E27FC236}">
+                <a16:creationId xmlns:a16="http://schemas.microsoft.com/office/drawing/2014/main" id="{29857FA9-4667-4C42-A1BD-B6CDC4546E78}"/>
+              </a:ext>
+            </a:extLst>
+          </p:cNvPr>
+          <p:cNvPicPr>
+            <a:picLocks noChangeAspect="1"/>
+          </p:cNvPicPr>
+          <p:nvPr/>
+        </p:nvPicPr>
+        <p:blipFill>
+          <a:blip r:embed="rId9"/>
+          <a:stretch>
+            <a:fillRect/>
+          </a:stretch>
+        </p:blipFill>
+        <p:spPr>
+          <a:xfrm>
+            <a:off x="3239558" y="3051770"/>
+            <a:ext cx="2095200" cy="678518"/>
+          </a:xfrm>
+          <a:prstGeom prst="rect">
+            <a:avLst/>
+          </a:prstGeom>
+        </p:spPr>
+      </p:pic>
+      <p:pic>
+        <p:nvPicPr>
+          <p:cNvPr id="3" name="Picture 2">
+            <a:extLst>
+              <a:ext uri="{FF2B5EF4-FFF2-40B4-BE49-F238E27FC236}">
+                <a16:creationId xmlns:a16="http://schemas.microsoft.com/office/drawing/2014/main" id="{80E248B4-E04D-4089-A3CA-82CB54BA78D9}"/>
+              </a:ext>
+            </a:extLst>
+          </p:cNvPr>
+          <p:cNvPicPr>
+            <a:picLocks noChangeAspect="1"/>
+          </p:cNvPicPr>
+          <p:nvPr/>
+        </p:nvPicPr>
+        <p:blipFill>
+          <a:blip r:embed="rId10"/>
           <a:stretch>
             <a:fillRect/>
           </a:stretch>
@@ -14293,12 +14203,288 @@
           <a:chExt cx="0" cy="0"/>
         </a:xfrm>
       </p:grpSpPr>
+      <p:sp>
+        <p:nvSpPr>
+          <p:cNvPr id="4" name="Title 3">
+            <a:extLst>
+              <a:ext uri="{FF2B5EF4-FFF2-40B4-BE49-F238E27FC236}">
+                <a16:creationId xmlns:a16="http://schemas.microsoft.com/office/drawing/2014/main" id="{2CF25F69-A8AB-40A1-A575-C589FC2B2101}"/>
+              </a:ext>
+            </a:extLst>
+          </p:cNvPr>
+          <p:cNvSpPr>
+            <a:spLocks noGrp="1"/>
+          </p:cNvSpPr>
+          <p:nvPr>
+            <p:ph type="title"/>
+          </p:nvPr>
+        </p:nvSpPr>
+        <p:spPr/>
+        <p:txBody>
+          <a:bodyPr/>
+          <a:lstStyle/>
+          <a:p>
+            <a:endParaRPr lang="en-GB"/>
+          </a:p>
+        </p:txBody>
+      </p:sp>
+      <p:grpSp>
+        <p:nvGrpSpPr>
+          <p:cNvPr id="9" name="Group 8">
+            <a:extLst>
+              <a:ext uri="{FF2B5EF4-FFF2-40B4-BE49-F238E27FC236}">
+                <a16:creationId xmlns:a16="http://schemas.microsoft.com/office/drawing/2014/main" id="{EE2272F8-8513-4C5E-B320-797C2EE2F298}"/>
+              </a:ext>
+            </a:extLst>
+          </p:cNvPr>
+          <p:cNvGrpSpPr/>
+          <p:nvPr/>
+        </p:nvGrpSpPr>
+        <p:grpSpPr>
+          <a:xfrm>
+            <a:off x="109020" y="457688"/>
+            <a:ext cx="11973960" cy="6291872"/>
+            <a:chOff x="104776" y="438150"/>
+            <a:chExt cx="11973960" cy="6291872"/>
+          </a:xfrm>
+        </p:grpSpPr>
+        <p:pic>
+          <p:nvPicPr>
+            <p:cNvPr id="16" name="Picture 15">
+              <a:extLst>
+                <a:ext uri="{FF2B5EF4-FFF2-40B4-BE49-F238E27FC236}">
+                  <a16:creationId xmlns:a16="http://schemas.microsoft.com/office/drawing/2014/main" id="{E6FD92FC-4FEE-410B-9921-47DA8A48BC6D}"/>
+                </a:ext>
+              </a:extLst>
+            </p:cNvPr>
+            <p:cNvPicPr>
+              <a:picLocks noChangeAspect="1"/>
+            </p:cNvPicPr>
+            <p:nvPr/>
+          </p:nvPicPr>
+          <p:blipFill rotWithShape="1">
+            <a:blip r:embed="rId2"/>
+            <a:srcRect t="6584"/>
+            <a:stretch/>
+          </p:blipFill>
+          <p:spPr>
+            <a:xfrm>
+              <a:off x="104776" y="438150"/>
+              <a:ext cx="11973960" cy="6291872"/>
+            </a:xfrm>
+            <a:prstGeom prst="rect">
+              <a:avLst/>
+            </a:prstGeom>
+          </p:spPr>
+        </p:pic>
+        <p:sp>
+          <p:nvSpPr>
+            <p:cNvPr id="18" name="Rectangle: Rounded Corners 17">
+              <a:extLst>
+                <a:ext uri="{FF2B5EF4-FFF2-40B4-BE49-F238E27FC236}">
+                  <a16:creationId xmlns:a16="http://schemas.microsoft.com/office/drawing/2014/main" id="{719D3AC7-84E8-4FA2-AE95-07F8B99C95FD}"/>
+                </a:ext>
+              </a:extLst>
+            </p:cNvPr>
+            <p:cNvSpPr/>
+            <p:nvPr/>
+          </p:nvSpPr>
+          <p:spPr>
+            <a:xfrm>
+              <a:off x="1730376" y="946150"/>
+              <a:ext cx="403224" cy="114300"/>
+            </a:xfrm>
+            <a:prstGeom prst="roundRect">
+              <a:avLst/>
+            </a:prstGeom>
+            <a:solidFill>
+              <a:schemeClr val="bg1"/>
+            </a:solidFill>
+            <a:ln>
+              <a:noFill/>
+            </a:ln>
+          </p:spPr>
+          <p:style>
+            <a:lnRef idx="2">
+              <a:schemeClr val="accent1">
+                <a:shade val="50000"/>
+              </a:schemeClr>
+            </a:lnRef>
+            <a:fillRef idx="1">
+              <a:schemeClr val="accent1"/>
+            </a:fillRef>
+            <a:effectRef idx="0">
+              <a:schemeClr val="accent1"/>
+            </a:effectRef>
+            <a:fontRef idx="minor">
+              <a:schemeClr val="lt1"/>
+            </a:fontRef>
+          </p:style>
+          <p:txBody>
+            <a:bodyPr rtlCol="0" anchor="ctr"/>
+            <a:lstStyle>
+              <a:defPPr>
+                <a:defRPr lang="en-US"/>
+              </a:defPPr>
+              <a:lvl1pPr marL="0" algn="l" defTabSz="914400" rtl="0" eaLnBrk="1" latinLnBrk="0" hangingPunct="1">
+                <a:defRPr sz="1800" kern="1200">
+                  <a:solidFill>
+                    <a:schemeClr val="lt1"/>
+                  </a:solidFill>
+                  <a:latin typeface="+mn-lt"/>
+                  <a:ea typeface="+mn-ea"/>
+                  <a:cs typeface="+mn-cs"/>
+                </a:defRPr>
+              </a:lvl1pPr>
+              <a:lvl2pPr marL="457200" algn="l" defTabSz="914400" rtl="0" eaLnBrk="1" latinLnBrk="0" hangingPunct="1">
+                <a:defRPr sz="1800" kern="1200">
+                  <a:solidFill>
+                    <a:schemeClr val="lt1"/>
+                  </a:solidFill>
+                  <a:latin typeface="+mn-lt"/>
+                  <a:ea typeface="+mn-ea"/>
+                  <a:cs typeface="+mn-cs"/>
+                </a:defRPr>
+              </a:lvl2pPr>
+              <a:lvl3pPr marL="914400" algn="l" defTabSz="914400" rtl="0" eaLnBrk="1" latinLnBrk="0" hangingPunct="1">
+                <a:defRPr sz="1800" kern="1200">
+                  <a:solidFill>
+                    <a:schemeClr val="lt1"/>
+                  </a:solidFill>
+                  <a:latin typeface="+mn-lt"/>
+                  <a:ea typeface="+mn-ea"/>
+                  <a:cs typeface="+mn-cs"/>
+                </a:defRPr>
+              </a:lvl3pPr>
+              <a:lvl4pPr marL="1371600" algn="l" defTabSz="914400" rtl="0" eaLnBrk="1" latinLnBrk="0" hangingPunct="1">
+                <a:defRPr sz="1800" kern="1200">
+                  <a:solidFill>
+                    <a:schemeClr val="lt1"/>
+                  </a:solidFill>
+                  <a:latin typeface="+mn-lt"/>
+                  <a:ea typeface="+mn-ea"/>
+                  <a:cs typeface="+mn-cs"/>
+                </a:defRPr>
+              </a:lvl4pPr>
+              <a:lvl5pPr marL="1828800" algn="l" defTabSz="914400" rtl="0" eaLnBrk="1" latinLnBrk="0" hangingPunct="1">
+                <a:defRPr sz="1800" kern="1200">
+                  <a:solidFill>
+                    <a:schemeClr val="lt1"/>
+                  </a:solidFill>
+                  <a:latin typeface="+mn-lt"/>
+                  <a:ea typeface="+mn-ea"/>
+                  <a:cs typeface="+mn-cs"/>
+                </a:defRPr>
+              </a:lvl5pPr>
+              <a:lvl6pPr marL="2286000" algn="l" defTabSz="914400" rtl="0" eaLnBrk="1" latinLnBrk="0" hangingPunct="1">
+                <a:defRPr sz="1800" kern="1200">
+                  <a:solidFill>
+                    <a:schemeClr val="lt1"/>
+                  </a:solidFill>
+                  <a:latin typeface="+mn-lt"/>
+                  <a:ea typeface="+mn-ea"/>
+                  <a:cs typeface="+mn-cs"/>
+                </a:defRPr>
+              </a:lvl6pPr>
+              <a:lvl7pPr marL="2743200" algn="l" defTabSz="914400" rtl="0" eaLnBrk="1" latinLnBrk="0" hangingPunct="1">
+                <a:defRPr sz="1800" kern="1200">
+                  <a:solidFill>
+                    <a:schemeClr val="lt1"/>
+                  </a:solidFill>
+                  <a:latin typeface="+mn-lt"/>
+                  <a:ea typeface="+mn-ea"/>
+                  <a:cs typeface="+mn-cs"/>
+                </a:defRPr>
+              </a:lvl7pPr>
+              <a:lvl8pPr marL="3200400" algn="l" defTabSz="914400" rtl="0" eaLnBrk="1" latinLnBrk="0" hangingPunct="1">
+                <a:defRPr sz="1800" kern="1200">
+                  <a:solidFill>
+                    <a:schemeClr val="lt1"/>
+                  </a:solidFill>
+                  <a:latin typeface="+mn-lt"/>
+                  <a:ea typeface="+mn-ea"/>
+                  <a:cs typeface="+mn-cs"/>
+                </a:defRPr>
+              </a:lvl8pPr>
+              <a:lvl9pPr marL="3657600" algn="l" defTabSz="914400" rtl="0" eaLnBrk="1" latinLnBrk="0" hangingPunct="1">
+                <a:defRPr sz="1800" kern="1200">
+                  <a:solidFill>
+                    <a:schemeClr val="lt1"/>
+                  </a:solidFill>
+                  <a:latin typeface="+mn-lt"/>
+                  <a:ea typeface="+mn-ea"/>
+                  <a:cs typeface="+mn-cs"/>
+                </a:defRPr>
+              </a:lvl9pPr>
+            </a:lstStyle>
+            <a:p>
+              <a:pPr algn="ctr"/>
+              <a:endParaRPr lang="en-GB"/>
+            </a:p>
+          </p:txBody>
+        </p:sp>
+      </p:grpSp>
+      <p:sp>
+        <p:nvSpPr>
+          <p:cNvPr id="10" name="Title 1">
+            <a:extLst>
+              <a:ext uri="{FF2B5EF4-FFF2-40B4-BE49-F238E27FC236}">
+                <a16:creationId xmlns:a16="http://schemas.microsoft.com/office/drawing/2014/main" id="{6722E98C-1726-42B3-B853-7850D5D3FD20}"/>
+              </a:ext>
+            </a:extLst>
+          </p:cNvPr>
+          <p:cNvSpPr>
+            <a:spLocks noGrp="1"/>
+          </p:cNvSpPr>
+          <p:nvPr/>
+        </p:nvSpPr>
+        <p:spPr>
+          <a:xfrm>
+            <a:off x="842444" y="108439"/>
+            <a:ext cx="10515600" cy="292099"/>
+          </a:xfrm>
+          <a:prstGeom prst="rect">
+            <a:avLst/>
+          </a:prstGeom>
+        </p:spPr>
+        <p:txBody>
+          <a:bodyPr vert="horz" lIns="91440" tIns="45720" rIns="91440" bIns="45720" rtlCol="0" anchor="ctr">
+            <a:normAutofit fontScale="90000" lnSpcReduction="10000"/>
+          </a:bodyPr>
+          <a:lstStyle>
+            <a:lvl1pPr algn="l" defTabSz="914400" rtl="0" eaLnBrk="1" latinLnBrk="0" hangingPunct="1">
+              <a:lnSpc>
+                <a:spcPct val="90000"/>
+              </a:lnSpc>
+              <a:spcBef>
+                <a:spcPct val="0"/>
+              </a:spcBef>
+              <a:buNone/>
+              <a:defRPr sz="4400" kern="1200">
+                <a:solidFill>
+                  <a:schemeClr val="tx1"/>
+                </a:solidFill>
+                <a:latin typeface="+mj-lt"/>
+                <a:ea typeface="+mj-ea"/>
+                <a:cs typeface="+mj-cs"/>
+              </a:defRPr>
+            </a:lvl1pPr>
+          </a:lstStyle>
+          <a:p>
+            <a:pPr algn="ctr"/>
+            <a:r>
+              <a:rPr lang="en-GB" sz="1800" b="1" dirty="0"/>
+              <a:t>3.2.2 – Policy Management</a:t>
+            </a:r>
+          </a:p>
+        </p:txBody>
+      </p:sp>
       <p:pic>
         <p:nvPicPr>
-          <p:cNvPr id="10" name="Picture 9">
-            <a:extLst>
-              <a:ext uri="{FF2B5EF4-FFF2-40B4-BE49-F238E27FC236}">
-                <a16:creationId xmlns:a16="http://schemas.microsoft.com/office/drawing/2014/main" id="{F9483936-1376-4B6D-A8F1-0F18847DBC28}"/>
+          <p:cNvPr id="11" name="Picture 10">
+            <a:extLst>
+              <a:ext uri="{FF2B5EF4-FFF2-40B4-BE49-F238E27FC236}">
+                <a16:creationId xmlns:a16="http://schemas.microsoft.com/office/drawing/2014/main" id="{BE50435F-943B-4FCC-ACCE-007DDD8A04D8}"/>
               </a:ext>
             </a:extLst>
           </p:cNvPr>
@@ -14309,13 +14495,13 @@
         </p:nvPicPr>
         <p:blipFill rotWithShape="1">
           <a:blip r:embed="rId2"/>
-          <a:srcRect t="6666"/>
+          <a:srcRect l="13543" t="26175" r="2476" b="67489"/>
           <a:stretch/>
         </p:blipFill>
         <p:spPr>
           <a:xfrm>
-            <a:off x="163043" y="381000"/>
-            <a:ext cx="11865914" cy="6229604"/>
+            <a:off x="1734620" y="4959837"/>
+            <a:ext cx="10204450" cy="359411"/>
           </a:xfrm>
           <a:prstGeom prst="rect">
             <a:avLst/>
@@ -14324,10 +14510,10 @@
       </p:pic>
       <p:pic>
         <p:nvPicPr>
-          <p:cNvPr id="18" name="Picture 17">
-            <a:extLst>
-              <a:ext uri="{FF2B5EF4-FFF2-40B4-BE49-F238E27FC236}">
-                <a16:creationId xmlns:a16="http://schemas.microsoft.com/office/drawing/2014/main" id="{17C977BB-C7E3-41F3-A3E8-D20D18FFCB61}"/>
+          <p:cNvPr id="13" name="Picture 12">
+            <a:extLst>
+              <a:ext uri="{FF2B5EF4-FFF2-40B4-BE49-F238E27FC236}">
+                <a16:creationId xmlns:a16="http://schemas.microsoft.com/office/drawing/2014/main" id="{2B6B485A-43CE-45A2-8447-679AC959E7D8}"/>
               </a:ext>
             </a:extLst>
           </p:cNvPr>
@@ -14336,109 +14522,16 @@
           </p:cNvPicPr>
           <p:nvPr/>
         </p:nvPicPr>
-        <p:blipFill rotWithShape="1">
+        <p:blipFill>
           <a:blip r:embed="rId3"/>
-          <a:srcRect l="14764" t="16062" r="2736" b="4176"/>
-          <a:stretch/>
+          <a:stretch>
+            <a:fillRect/>
+          </a:stretch>
         </p:blipFill>
         <p:spPr>
           <a:xfrm>
-            <a:off x="1721081" y="835841"/>
-            <a:ext cx="10217867" cy="5641159"/>
-          </a:xfrm>
-          <a:prstGeom prst="rect">
-            <a:avLst/>
-          </a:prstGeom>
-        </p:spPr>
-      </p:pic>
-      <p:sp>
-        <p:nvSpPr>
-          <p:cNvPr id="2" name="Title 1">
-            <a:extLst>
-              <a:ext uri="{FF2B5EF4-FFF2-40B4-BE49-F238E27FC236}">
-                <a16:creationId xmlns:a16="http://schemas.microsoft.com/office/drawing/2014/main" id="{68E1338A-396C-4358-8642-6941DC0A23FD}"/>
-              </a:ext>
-            </a:extLst>
-          </p:cNvPr>
-          <p:cNvSpPr>
-            <a:spLocks noGrp="1"/>
-          </p:cNvSpPr>
-          <p:nvPr>
-            <p:ph type="title"/>
-          </p:nvPr>
-        </p:nvSpPr>
-        <p:spPr>
-          <a:xfrm>
-            <a:off x="838200" y="88901"/>
-            <a:ext cx="10515600" cy="292099"/>
-          </a:xfrm>
-        </p:spPr>
-        <p:txBody>
-          <a:bodyPr>
-            <a:normAutofit fontScale="90000"/>
-          </a:bodyPr>
-          <a:lstStyle/>
-          <a:p>
-            <a:pPr algn="ctr"/>
-            <a:r>
-              <a:rPr lang="en-GB" sz="1800" b="1" dirty="0"/>
-              <a:t>3.2.1 – Performance Display</a:t>
-            </a:r>
-          </a:p>
-        </p:txBody>
-      </p:sp>
-      <p:pic>
-        <p:nvPicPr>
-          <p:cNvPr id="6" name="Picture 5">
-            <a:extLst>
-              <a:ext uri="{FF2B5EF4-FFF2-40B4-BE49-F238E27FC236}">
-                <a16:creationId xmlns:a16="http://schemas.microsoft.com/office/drawing/2014/main" id="{5D6A4318-8BE3-4912-BB6C-ED17138ADE23}"/>
-              </a:ext>
-            </a:extLst>
-          </p:cNvPr>
-          <p:cNvPicPr>
-            <a:picLocks noChangeAspect="1"/>
-          </p:cNvPicPr>
-          <p:nvPr/>
-        </p:nvPicPr>
-        <p:blipFill rotWithShape="1">
-          <a:blip r:embed="rId4"/>
-          <a:srcRect r="51775"/>
-          <a:stretch/>
-        </p:blipFill>
-        <p:spPr>
-          <a:xfrm>
-            <a:off x="2167443" y="1404131"/>
-            <a:ext cx="3928557" cy="1839889"/>
-          </a:xfrm>
-          <a:prstGeom prst="rect">
-            <a:avLst/>
-          </a:prstGeom>
-        </p:spPr>
-      </p:pic>
-      <p:pic>
-        <p:nvPicPr>
-          <p:cNvPr id="30" name="Picture 29">
-            <a:extLst>
-              <a:ext uri="{FF2B5EF4-FFF2-40B4-BE49-F238E27FC236}">
-                <a16:creationId xmlns:a16="http://schemas.microsoft.com/office/drawing/2014/main" id="{259875E3-CBF8-4246-AF57-DE98C75C3B3A}"/>
-              </a:ext>
-            </a:extLst>
-          </p:cNvPr>
-          <p:cNvPicPr>
-            <a:picLocks noChangeAspect="1"/>
-          </p:cNvPicPr>
-          <p:nvPr/>
-        </p:nvPicPr>
-        <p:blipFill rotWithShape="1">
-          <a:blip r:embed="rId4"/>
-          <a:srcRect l="50001"/>
-          <a:stretch/>
-        </p:blipFill>
-        <p:spPr>
-          <a:xfrm>
-            <a:off x="7161238" y="1404131"/>
-            <a:ext cx="4073042" cy="1839889"/>
+            <a:off x="1856857" y="1022838"/>
+            <a:ext cx="9934575" cy="4052436"/>
           </a:xfrm>
           <a:prstGeom prst="rect">
             <a:avLst/>
@@ -14450,7 +14543,7 @@
           <p:cNvPr id="14" name="Picture 13">
             <a:extLst>
               <a:ext uri="{FF2B5EF4-FFF2-40B4-BE49-F238E27FC236}">
-                <a16:creationId xmlns:a16="http://schemas.microsoft.com/office/drawing/2014/main" id="{C76FF965-9CF3-44A8-9854-CEDFA83CDF32}"/>
+                <a16:creationId xmlns:a16="http://schemas.microsoft.com/office/drawing/2014/main" id="{55578109-4D69-498F-8FCE-CE5F53118050}"/>
               </a:ext>
             </a:extLst>
           </p:cNvPr>
@@ -14459,16 +14552,44 @@
           </p:cNvPicPr>
           <p:nvPr/>
         </p:nvPicPr>
-        <p:blipFill>
-          <a:blip r:embed="rId5"/>
-          <a:stretch>
-            <a:fillRect/>
-          </a:stretch>
+        <p:blipFill rotWithShape="1">
+          <a:blip r:embed="rId4"/>
+          <a:srcRect l="15614" t="15972" r="3085" b="28033"/>
+          <a:stretch/>
         </p:blipFill>
         <p:spPr>
           <a:xfrm>
-            <a:off x="1930325" y="3495802"/>
-            <a:ext cx="9814559" cy="1791595"/>
+            <a:off x="2019309" y="1419345"/>
+            <a:ext cx="9609667" cy="3491182"/>
+          </a:xfrm>
+          <a:prstGeom prst="rect">
+            <a:avLst/>
+          </a:prstGeom>
+        </p:spPr>
+      </p:pic>
+      <p:pic>
+        <p:nvPicPr>
+          <p:cNvPr id="15" name="Picture 14">
+            <a:extLst>
+              <a:ext uri="{FF2B5EF4-FFF2-40B4-BE49-F238E27FC236}">
+                <a16:creationId xmlns:a16="http://schemas.microsoft.com/office/drawing/2014/main" id="{4A5127A3-82CF-4F20-9F6E-3F810D794486}"/>
+              </a:ext>
+            </a:extLst>
+          </p:cNvPr>
+          <p:cNvPicPr>
+            <a:picLocks noChangeAspect="1"/>
+          </p:cNvPicPr>
+          <p:nvPr/>
+        </p:nvPicPr>
+        <p:blipFill rotWithShape="1">
+          <a:blip r:embed="rId5"/>
+          <a:srcRect l="333"/>
+          <a:stretch/>
+        </p:blipFill>
+        <p:spPr>
+          <a:xfrm>
+            <a:off x="1882257" y="5122527"/>
+            <a:ext cx="9909175" cy="1415802"/>
           </a:xfrm>
           <a:prstGeom prst="rect">
             <a:avLst/>
@@ -14478,7 +14599,7 @@
     </p:spTree>
     <p:extLst>
       <p:ext uri="{BB962C8B-B14F-4D97-AF65-F5344CB8AC3E}">
-        <p14:creationId xmlns:p14="http://schemas.microsoft.com/office/powerpoint/2010/main" val="3203092106"/>
+        <p14:creationId xmlns:p14="http://schemas.microsoft.com/office/powerpoint/2010/main" val="1074608132"/>
       </p:ext>
     </p:extLst>
   </p:cSld>
@@ -14565,7 +14686,7 @@
             <a:pPr algn="ctr"/>
             <a:r>
               <a:rPr lang="en-GB" sz="1800" b="1" dirty="0"/>
-              <a:t>3.2.2 – Policy Management</a:t>
+              <a:t>3.2.2 – Policy Management –Policy Edit</a:t>
             </a:r>
           </a:p>
         </p:txBody>
@@ -14599,10 +14720,265 @@
           </a:prstGeom>
         </p:spPr>
       </p:pic>
+      <p:pic>
+        <p:nvPicPr>
+          <p:cNvPr id="13" name="Picture 12">
+            <a:extLst>
+              <a:ext uri="{FF2B5EF4-FFF2-40B4-BE49-F238E27FC236}">
+                <a16:creationId xmlns:a16="http://schemas.microsoft.com/office/drawing/2014/main" id="{FEE46EBC-654E-4C1F-B22E-B4D47E892445}"/>
+              </a:ext>
+            </a:extLst>
+          </p:cNvPr>
+          <p:cNvPicPr>
+            <a:picLocks noChangeAspect="1"/>
+          </p:cNvPicPr>
+          <p:nvPr/>
+        </p:nvPicPr>
+        <p:blipFill rotWithShape="1">
+          <a:blip r:embed="rId4"/>
+          <a:srcRect b="73908"/>
+          <a:stretch/>
+        </p:blipFill>
+        <p:spPr>
+          <a:xfrm>
+            <a:off x="1816208" y="5924777"/>
+            <a:ext cx="10032786" cy="607950"/>
+          </a:xfrm>
+          <a:prstGeom prst="rect">
+            <a:avLst/>
+          </a:prstGeom>
+        </p:spPr>
+      </p:pic>
+      <p:pic>
+        <p:nvPicPr>
+          <p:cNvPr id="17" name="Picture 16">
+            <a:extLst>
+              <a:ext uri="{FF2B5EF4-FFF2-40B4-BE49-F238E27FC236}">
+                <a16:creationId xmlns:a16="http://schemas.microsoft.com/office/drawing/2014/main" id="{BE50435F-943B-4FCC-ACCE-007DDD8A04D8}"/>
+              </a:ext>
+            </a:extLst>
+          </p:cNvPr>
+          <p:cNvPicPr>
+            <a:picLocks noChangeAspect="1"/>
+          </p:cNvPicPr>
+          <p:nvPr/>
+        </p:nvPicPr>
+        <p:blipFill rotWithShape="1">
+          <a:blip r:embed="rId2"/>
+          <a:srcRect l="13543" t="26175" r="2476" b="67489"/>
+          <a:stretch/>
+        </p:blipFill>
+        <p:spPr>
+          <a:xfrm>
+            <a:off x="1730376" y="4940299"/>
+            <a:ext cx="10204450" cy="359411"/>
+          </a:xfrm>
+          <a:prstGeom prst="rect">
+            <a:avLst/>
+          </a:prstGeom>
+        </p:spPr>
+      </p:pic>
+      <p:pic>
+        <p:nvPicPr>
+          <p:cNvPr id="2" name="Picture 1">
+            <a:extLst>
+              <a:ext uri="{FF2B5EF4-FFF2-40B4-BE49-F238E27FC236}">
+                <a16:creationId xmlns:a16="http://schemas.microsoft.com/office/drawing/2014/main" id="{F7C307A8-CA7C-464F-AA16-19424DCB4152}"/>
+              </a:ext>
+            </a:extLst>
+          </p:cNvPr>
+          <p:cNvPicPr>
+            <a:picLocks noChangeAspect="1"/>
+          </p:cNvPicPr>
+          <p:nvPr/>
+        </p:nvPicPr>
+        <p:blipFill>
+          <a:blip r:embed="rId5"/>
+          <a:stretch>
+            <a:fillRect/>
+          </a:stretch>
+        </p:blipFill>
+        <p:spPr>
+          <a:xfrm>
+            <a:off x="1926430" y="1837848"/>
+            <a:ext cx="1097757" cy="251839"/>
+          </a:xfrm>
+          <a:prstGeom prst="rect">
+            <a:avLst/>
+          </a:prstGeom>
+        </p:spPr>
+      </p:pic>
+      <p:pic>
+        <p:nvPicPr>
+          <p:cNvPr id="3" name="Picture 2">
+            <a:extLst>
+              <a:ext uri="{FF2B5EF4-FFF2-40B4-BE49-F238E27FC236}">
+                <a16:creationId xmlns:a16="http://schemas.microsoft.com/office/drawing/2014/main" id="{72E55C90-B05F-4339-85A1-13767C64A2D4}"/>
+              </a:ext>
+            </a:extLst>
+          </p:cNvPr>
+          <p:cNvPicPr>
+            <a:picLocks noChangeAspect="1"/>
+          </p:cNvPicPr>
+          <p:nvPr/>
+        </p:nvPicPr>
+        <p:blipFill rotWithShape="1">
+          <a:blip r:embed="rId3"/>
+          <a:srcRect l="14919" t="15564" r="2390" b="25790"/>
+          <a:stretch/>
+        </p:blipFill>
+        <p:spPr>
+          <a:xfrm>
+            <a:off x="1730376" y="1926591"/>
+            <a:ext cx="10204450" cy="3817450"/>
+          </a:xfrm>
+          <a:prstGeom prst="rect">
+            <a:avLst/>
+          </a:prstGeom>
+        </p:spPr>
+      </p:pic>
+      <p:grpSp>
+        <p:nvGrpSpPr>
+          <p:cNvPr id="21" name="Group 20">
+            <a:extLst>
+              <a:ext uri="{FF2B5EF4-FFF2-40B4-BE49-F238E27FC236}">
+                <a16:creationId xmlns:a16="http://schemas.microsoft.com/office/drawing/2014/main" id="{F9DC2B41-3DB1-4021-A5BE-14A8516F1028}"/>
+              </a:ext>
+            </a:extLst>
+          </p:cNvPr>
+          <p:cNvGrpSpPr/>
+          <p:nvPr/>
+        </p:nvGrpSpPr>
+        <p:grpSpPr>
+          <a:xfrm>
+            <a:off x="1730376" y="1279275"/>
+            <a:ext cx="10204450" cy="659311"/>
+            <a:chOff x="1730376" y="1351866"/>
+            <a:chExt cx="10204450" cy="659311"/>
+          </a:xfrm>
+        </p:grpSpPr>
+        <p:pic>
+          <p:nvPicPr>
+            <p:cNvPr id="10" name="Picture 9">
+              <a:extLst>
+                <a:ext uri="{FF2B5EF4-FFF2-40B4-BE49-F238E27FC236}">
+                  <a16:creationId xmlns:a16="http://schemas.microsoft.com/office/drawing/2014/main" id="{8C3B4A81-3E14-4DA2-BBB8-027D1F024428}"/>
+                </a:ext>
+              </a:extLst>
+            </p:cNvPr>
+            <p:cNvPicPr>
+              <a:picLocks noChangeAspect="1"/>
+            </p:cNvPicPr>
+            <p:nvPr/>
+          </p:nvPicPr>
+          <p:blipFill rotWithShape="1">
+            <a:blip r:embed="rId3"/>
+            <a:srcRect l="14919" t="74645" r="2390" b="15227"/>
+            <a:stretch/>
+          </p:blipFill>
+          <p:spPr>
+            <a:xfrm>
+              <a:off x="1730376" y="1351866"/>
+              <a:ext cx="10204450" cy="659311"/>
+            </a:xfrm>
+            <a:prstGeom prst="rect">
+              <a:avLst/>
+            </a:prstGeom>
+          </p:spPr>
+        </p:pic>
+        <p:pic>
+          <p:nvPicPr>
+            <p:cNvPr id="11" name="Picture 10">
+              <a:extLst>
+                <a:ext uri="{FF2B5EF4-FFF2-40B4-BE49-F238E27FC236}">
+                  <a16:creationId xmlns:a16="http://schemas.microsoft.com/office/drawing/2014/main" id="{24999384-21E7-4228-B87A-9F8125E54122}"/>
+                </a:ext>
+              </a:extLst>
+            </p:cNvPr>
+            <p:cNvPicPr>
+              <a:picLocks noChangeAspect="1"/>
+            </p:cNvPicPr>
+            <p:nvPr/>
+          </p:nvPicPr>
+          <p:blipFill rotWithShape="1">
+            <a:blip r:embed="rId3"/>
+            <a:srcRect l="27491" t="77444" r="59748" b="16890"/>
+            <a:stretch/>
+          </p:blipFill>
+          <p:spPr>
+            <a:xfrm>
+              <a:off x="1730376" y="1551539"/>
+              <a:ext cx="1574800" cy="368771"/>
+            </a:xfrm>
+            <a:prstGeom prst="rect">
+              <a:avLst/>
+            </a:prstGeom>
+          </p:spPr>
+        </p:pic>
+      </p:grpSp>
+      <p:pic>
+        <p:nvPicPr>
+          <p:cNvPr id="16" name="Picture 15">
+            <a:extLst>
+              <a:ext uri="{FF2B5EF4-FFF2-40B4-BE49-F238E27FC236}">
+                <a16:creationId xmlns:a16="http://schemas.microsoft.com/office/drawing/2014/main" id="{CAC9959E-07CD-492D-B422-CC41D0F8EF7D}"/>
+              </a:ext>
+            </a:extLst>
+          </p:cNvPr>
+          <p:cNvPicPr>
+            <a:picLocks noChangeAspect="1"/>
+          </p:cNvPicPr>
+          <p:nvPr/>
+        </p:nvPicPr>
+        <p:blipFill rotWithShape="1">
+          <a:blip r:embed="rId2"/>
+          <a:srcRect l="13543" t="27696" r="2476" b="67489"/>
+          <a:stretch/>
+        </p:blipFill>
+        <p:spPr>
+          <a:xfrm>
+            <a:off x="1730376" y="5628102"/>
+            <a:ext cx="10204450" cy="273116"/>
+          </a:xfrm>
+          <a:prstGeom prst="rect">
+            <a:avLst/>
+          </a:prstGeom>
+        </p:spPr>
+      </p:pic>
+      <p:pic>
+        <p:nvPicPr>
+          <p:cNvPr id="20" name="Picture 19">
+            <a:extLst>
+              <a:ext uri="{FF2B5EF4-FFF2-40B4-BE49-F238E27FC236}">
+                <a16:creationId xmlns:a16="http://schemas.microsoft.com/office/drawing/2014/main" id="{9D3B3893-E9F5-4D00-A6C1-8FC94E7DA099}"/>
+              </a:ext>
+            </a:extLst>
+          </p:cNvPr>
+          <p:cNvPicPr>
+            <a:picLocks noChangeAspect="1"/>
+          </p:cNvPicPr>
+          <p:nvPr/>
+        </p:nvPicPr>
+        <p:blipFill>
+          <a:blip r:embed="rId5"/>
+          <a:stretch>
+            <a:fillRect/>
+          </a:stretch>
+        </p:blipFill>
+        <p:spPr>
+          <a:xfrm>
+            <a:off x="1926430" y="2485164"/>
+            <a:ext cx="1097757" cy="251839"/>
+          </a:xfrm>
+          <a:prstGeom prst="rect">
+            <a:avLst/>
+          </a:prstGeom>
+        </p:spPr>
+      </p:pic>
     </p:spTree>
     <p:extLst>
       <p:ext uri="{BB962C8B-B14F-4D97-AF65-F5344CB8AC3E}">
-        <p14:creationId xmlns:p14="http://schemas.microsoft.com/office/powerpoint/2010/main" val="1074608132"/>
+        <p14:creationId xmlns:p14="http://schemas.microsoft.com/office/powerpoint/2010/main" val="3878662920"/>
       </p:ext>
     </p:extLst>
   </p:cSld>
@@ -14658,85 +15034,6 @@
           </a:prstGeom>
         </p:spPr>
       </p:pic>
-      <p:grpSp>
-        <p:nvGrpSpPr>
-          <p:cNvPr id="10" name="Group 9">
-            <a:extLst>
-              <a:ext uri="{FF2B5EF4-FFF2-40B4-BE49-F238E27FC236}">
-                <a16:creationId xmlns:a16="http://schemas.microsoft.com/office/drawing/2014/main" id="{0C23781B-2739-4ED3-AAC4-5D34BECC4C0C}"/>
-              </a:ext>
-            </a:extLst>
-          </p:cNvPr>
-          <p:cNvGrpSpPr/>
-          <p:nvPr/>
-        </p:nvGrpSpPr>
-        <p:grpSpPr>
-          <a:xfrm>
-            <a:off x="1730375" y="930274"/>
-            <a:ext cx="10204451" cy="4949825"/>
-            <a:chOff x="1730375" y="930274"/>
-            <a:chExt cx="10204451" cy="4949825"/>
-          </a:xfrm>
-        </p:grpSpPr>
-        <p:pic>
-          <p:nvPicPr>
-            <p:cNvPr id="8" name="Picture 7">
-              <a:extLst>
-                <a:ext uri="{FF2B5EF4-FFF2-40B4-BE49-F238E27FC236}">
-                  <a16:creationId xmlns:a16="http://schemas.microsoft.com/office/drawing/2014/main" id="{55578109-4D69-498F-8FCE-CE5F53118050}"/>
-                </a:ext>
-              </a:extLst>
-            </p:cNvPr>
-            <p:cNvPicPr>
-              <a:picLocks noChangeAspect="1"/>
-            </p:cNvPicPr>
-            <p:nvPr/>
-          </p:nvPicPr>
-          <p:blipFill rotWithShape="1">
-            <a:blip r:embed="rId3"/>
-            <a:srcRect l="14919" t="10361" r="2390" b="13596"/>
-            <a:stretch/>
-          </p:blipFill>
-          <p:spPr>
-            <a:xfrm>
-              <a:off x="1730376" y="930274"/>
-              <a:ext cx="10204450" cy="4949825"/>
-            </a:xfrm>
-            <a:prstGeom prst="rect">
-              <a:avLst/>
-            </a:prstGeom>
-          </p:spPr>
-        </p:pic>
-        <p:pic>
-          <p:nvPicPr>
-            <p:cNvPr id="7" name="Picture 6">
-              <a:extLst>
-                <a:ext uri="{FF2B5EF4-FFF2-40B4-BE49-F238E27FC236}">
-                  <a16:creationId xmlns:a16="http://schemas.microsoft.com/office/drawing/2014/main" id="{0F4B9DF8-D366-472A-8E18-A547D90D4D4E}"/>
-                </a:ext>
-              </a:extLst>
-            </p:cNvPr>
-            <p:cNvPicPr>
-              <a:picLocks noChangeAspect="1"/>
-            </p:cNvPicPr>
-            <p:nvPr/>
-          </p:nvPicPr>
-          <p:blipFill rotWithShape="1">
-            <a:blip r:embed="rId3"/>
-            <a:srcRect l="20309" t="74893" r="64318" b="19059"/>
-            <a:stretch/>
-          </p:blipFill>
-          <p:spPr>
-            <a:xfrm>
-              <a:off x="1730375" y="5128637"/>
-              <a:ext cx="1976327" cy="410151"/>
-            </a:xfrm>
-            <a:prstGeom prst="rect">
-              <a:avLst/>
-            </a:prstGeom>
-          </p:spPr>
-        </p:pic>
-      </p:grpSp>
       <p:sp>
         <p:nvSpPr>
           <p:cNvPr id="6" name="Title 1">
@@ -14768,17 +15065,17 @@
             <a:pPr algn="ctr"/>
             <a:r>
               <a:rPr lang="en-GB" sz="1800" b="1" dirty="0"/>
-              <a:t>3.2.2 – Policy Management – Policy Edit</a:t>
+              <a:t>3.2.2 – Policy Management – Non Compliant Files</a:t>
             </a:r>
           </a:p>
         </p:txBody>
       </p:sp>
       <p:pic>
         <p:nvPicPr>
-          <p:cNvPr id="5" name="Picture 4">
-            <a:extLst>
-              <a:ext uri="{FF2B5EF4-FFF2-40B4-BE49-F238E27FC236}">
-                <a16:creationId xmlns:a16="http://schemas.microsoft.com/office/drawing/2014/main" id="{6DBA0E53-27B3-43CF-9680-24E068E10130}"/>
+          <p:cNvPr id="8" name="Picture 7">
+            <a:extLst>
+              <a:ext uri="{FF2B5EF4-FFF2-40B4-BE49-F238E27FC236}">
+                <a16:creationId xmlns:a16="http://schemas.microsoft.com/office/drawing/2014/main" id="{55578109-4D69-498F-8FCE-CE5F53118050}"/>
               </a:ext>
             </a:extLst>
           </p:cNvPr>
@@ -14787,16 +15084,73 @@
           </p:cNvPicPr>
           <p:nvPr/>
         </p:nvPicPr>
-        <p:blipFill>
-          <a:blip r:embed="rId4"/>
-          <a:stretch>
-            <a:fillRect/>
-          </a:stretch>
+        <p:blipFill rotWithShape="1">
+          <a:blip r:embed="rId3"/>
+          <a:srcRect l="14919" t="10362" r="2390" b="85199"/>
+          <a:stretch/>
         </p:blipFill>
         <p:spPr>
           <a:xfrm>
-            <a:off x="1926430" y="1837848"/>
-            <a:ext cx="1097757" cy="251839"/>
+            <a:off x="1730376" y="930275"/>
+            <a:ext cx="10204450" cy="288925"/>
+          </a:xfrm>
+          <a:prstGeom prst="rect">
+            <a:avLst/>
+          </a:prstGeom>
+        </p:spPr>
+      </p:pic>
+      <p:pic>
+        <p:nvPicPr>
+          <p:cNvPr id="13" name="Picture 12">
+            <a:extLst>
+              <a:ext uri="{FF2B5EF4-FFF2-40B4-BE49-F238E27FC236}">
+                <a16:creationId xmlns:a16="http://schemas.microsoft.com/office/drawing/2014/main" id="{FEE46EBC-654E-4C1F-B22E-B4D47E892445}"/>
+              </a:ext>
+            </a:extLst>
+          </p:cNvPr>
+          <p:cNvPicPr>
+            <a:picLocks noChangeAspect="1"/>
+          </p:cNvPicPr>
+          <p:nvPr/>
+        </p:nvPicPr>
+        <p:blipFill rotWithShape="1">
+          <a:blip r:embed="rId4"/>
+          <a:srcRect t="-1" b="-1831"/>
+          <a:stretch/>
+        </p:blipFill>
+        <p:spPr>
+          <a:xfrm>
+            <a:off x="1816208" y="1313429"/>
+            <a:ext cx="10032786" cy="2372746"/>
+          </a:xfrm>
+          <a:prstGeom prst="rect">
+            <a:avLst/>
+          </a:prstGeom>
+        </p:spPr>
+      </p:pic>
+      <p:pic>
+        <p:nvPicPr>
+          <p:cNvPr id="17" name="Picture 16">
+            <a:extLst>
+              <a:ext uri="{FF2B5EF4-FFF2-40B4-BE49-F238E27FC236}">
+                <a16:creationId xmlns:a16="http://schemas.microsoft.com/office/drawing/2014/main" id="{BE50435F-943B-4FCC-ACCE-007DDD8A04D8}"/>
+              </a:ext>
+            </a:extLst>
+          </p:cNvPr>
+          <p:cNvPicPr>
+            <a:picLocks noChangeAspect="1"/>
+          </p:cNvPicPr>
+          <p:nvPr/>
+        </p:nvPicPr>
+        <p:blipFill rotWithShape="1">
+          <a:blip r:embed="rId2"/>
+          <a:srcRect l="13543" t="26175" r="2476" b="67489"/>
+          <a:stretch/>
+        </p:blipFill>
+        <p:spPr>
+          <a:xfrm>
+            <a:off x="1730376" y="4940299"/>
+            <a:ext cx="10204450" cy="359411"/>
           </a:xfrm>
           <a:prstGeom prst="rect">
             <a:avLst/>
@@ -14806,7 +15160,7 @@
     </p:spTree>
     <p:extLst>
       <p:ext uri="{BB962C8B-B14F-4D97-AF65-F5344CB8AC3E}">
-        <p14:creationId xmlns:p14="http://schemas.microsoft.com/office/powerpoint/2010/main" val="3299452642"/>
+        <p14:creationId xmlns:p14="http://schemas.microsoft.com/office/powerpoint/2010/main" val="3746330977"/>
       </p:ext>
     </p:extLst>
   </p:cSld>

--- a/design/wireframe.pptx
+++ b/design/wireframe.pptx
@@ -5,32 +5,28 @@
     <p:sldMasterId id="2147483648" r:id="rId1"/>
   </p:sldMasterIdLst>
   <p:notesMasterIdLst>
-    <p:notesMasterId r:id="rId25"/>
+    <p:notesMasterId r:id="rId21"/>
   </p:notesMasterIdLst>
   <p:sldIdLst>
     <p:sldId id="256" r:id="rId2"/>
     <p:sldId id="258" r:id="rId3"/>
     <p:sldId id="274" r:id="rId4"/>
     <p:sldId id="275" r:id="rId5"/>
-    <p:sldId id="285" r:id="rId6"/>
-    <p:sldId id="259" r:id="rId7"/>
-    <p:sldId id="283" r:id="rId8"/>
-    <p:sldId id="284" r:id="rId9"/>
-    <p:sldId id="260" r:id="rId10"/>
-    <p:sldId id="261" r:id="rId11"/>
-    <p:sldId id="262" r:id="rId12"/>
-    <p:sldId id="263" r:id="rId13"/>
-    <p:sldId id="281" r:id="rId14"/>
-    <p:sldId id="265" r:id="rId15"/>
-    <p:sldId id="278" r:id="rId16"/>
-    <p:sldId id="282" r:id="rId17"/>
-    <p:sldId id="266" r:id="rId18"/>
-    <p:sldId id="277" r:id="rId19"/>
-    <p:sldId id="268" r:id="rId20"/>
-    <p:sldId id="279" r:id="rId21"/>
-    <p:sldId id="280" r:id="rId22"/>
-    <p:sldId id="271" r:id="rId23"/>
-    <p:sldId id="273" r:id="rId24"/>
+    <p:sldId id="259" r:id="rId6"/>
+    <p:sldId id="283" r:id="rId7"/>
+    <p:sldId id="284" r:id="rId8"/>
+    <p:sldId id="260" r:id="rId9"/>
+    <p:sldId id="261" r:id="rId10"/>
+    <p:sldId id="262" r:id="rId11"/>
+    <p:sldId id="265" r:id="rId12"/>
+    <p:sldId id="278" r:id="rId13"/>
+    <p:sldId id="266" r:id="rId14"/>
+    <p:sldId id="277" r:id="rId15"/>
+    <p:sldId id="263" r:id="rId16"/>
+    <p:sldId id="268" r:id="rId17"/>
+    <p:sldId id="279" r:id="rId18"/>
+    <p:sldId id="280" r:id="rId19"/>
+    <p:sldId id="271" r:id="rId20"/>
   </p:sldIdLst>
   <p:sldSz cx="12192000" cy="6858000"/>
   <p:notesSz cx="6858000" cy="9144000"/>
@@ -10689,35 +10685,1102 @@
           </a:p>
         </p:txBody>
       </p:sp>
-      <p:pic>
-        <p:nvPicPr>
-          <p:cNvPr id="5" name="Picture 4">
+      <p:graphicFrame>
+        <p:nvGraphicFramePr>
+          <p:cNvPr id="4" name="Table 3">
             <a:extLst>
               <a:ext uri="{FF2B5EF4-FFF2-40B4-BE49-F238E27FC236}">
-                <a16:creationId xmlns:a16="http://schemas.microsoft.com/office/drawing/2014/main" id="{55EBA5A4-F64B-4179-ADC6-4F12A5A7DA50}"/>
+                <a16:creationId xmlns:a16="http://schemas.microsoft.com/office/drawing/2014/main" id="{F870F0C3-6093-4AF2-ADF0-5935F149371B}"/>
               </a:ext>
             </a:extLst>
           </p:cNvPr>
-          <p:cNvPicPr>
-            <a:picLocks noChangeAspect="1"/>
-          </p:cNvPicPr>
-          <p:nvPr/>
-        </p:nvPicPr>
-        <p:blipFill rotWithShape="1">
-          <a:blip r:embed="rId3"/>
-          <a:srcRect r="75462"/>
-          <a:stretch/>
-        </p:blipFill>
-        <p:spPr>
-          <a:xfrm>
-            <a:off x="5228253" y="1491985"/>
-            <a:ext cx="1735493" cy="4980174"/>
-          </a:xfrm>
-          <a:prstGeom prst="rect">
-            <a:avLst/>
-          </a:prstGeom>
-        </p:spPr>
-      </p:pic>
+          <p:cNvGraphicFramePr>
+            <a:graphicFrameLocks noGrp="1"/>
+          </p:cNvGraphicFramePr>
+          <p:nvPr>
+            <p:extLst>
+              <p:ext uri="{D42A27DB-BD31-4B8C-83A1-F6EECF244321}">
+                <p14:modId xmlns:p14="http://schemas.microsoft.com/office/powerpoint/2010/main" val="1408984898"/>
+              </p:ext>
+            </p:extLst>
+          </p:nvPr>
+        </p:nvGraphicFramePr>
+        <p:xfrm>
+          <a:off x="2306113" y="1610756"/>
+          <a:ext cx="7818963" cy="4351337"/>
+        </p:xfrm>
+        <a:graphic>
+          <a:graphicData uri="http://schemas.openxmlformats.org/drawingml/2006/table">
+            <a:tbl>
+              <a:tblPr/>
+              <a:tblGrid>
+                <a:gridCol w="779987">
+                  <a:extLst>
+                    <a:ext uri="{9D8B030D-6E8A-4147-A177-3AD203B41FA5}">
+                      <a16:colId xmlns:a16="http://schemas.microsoft.com/office/drawing/2014/main" val="2299099707"/>
+                    </a:ext>
+                  </a:extLst>
+                </a:gridCol>
+                <a:gridCol w="2276475">
+                  <a:extLst>
+                    <a:ext uri="{9D8B030D-6E8A-4147-A177-3AD203B41FA5}">
+                      <a16:colId xmlns:a16="http://schemas.microsoft.com/office/drawing/2014/main" val="3888191094"/>
+                    </a:ext>
+                  </a:extLst>
+                </a:gridCol>
+                <a:gridCol w="4762501">
+                  <a:extLst>
+                    <a:ext uri="{9D8B030D-6E8A-4147-A177-3AD203B41FA5}">
+                      <a16:colId xmlns:a16="http://schemas.microsoft.com/office/drawing/2014/main" val="2178080469"/>
+                    </a:ext>
+                  </a:extLst>
+                </a:gridCol>
+              </a:tblGrid>
+              <a:tr h="212439">
+                <a:tc>
+                  <a:txBody>
+                    <a:bodyPr/>
+                    <a:lstStyle/>
+                    <a:p>
+                      <a:r>
+                        <a:rPr lang="en-GB" sz="1100" i="1">
+                          <a:effectLst/>
+                        </a:rPr>
+                        <a:t>3.2</a:t>
+                      </a:r>
+                      <a:endParaRPr lang="en-GB" sz="1100">
+                        <a:effectLst/>
+                      </a:endParaRPr>
+                    </a:p>
+                  </a:txBody>
+                  <a:tcPr marL="39680" marR="39680" marT="18314" marB="18314" anchor="ctr">
+                    <a:lnL w="9525" cap="flat" cmpd="sng" algn="ctr">
+                      <a:solidFill>
+                        <a:srgbClr val="DFE2E5"/>
+                      </a:solidFill>
+                      <a:prstDash val="solid"/>
+                      <a:round/>
+                      <a:headEnd type="none" w="med" len="med"/>
+                      <a:tailEnd type="none" w="med" len="med"/>
+                    </a:lnL>
+                    <a:lnR w="9525" cap="flat" cmpd="sng" algn="ctr">
+                      <a:solidFill>
+                        <a:srgbClr val="DFE2E5"/>
+                      </a:solidFill>
+                      <a:prstDash val="solid"/>
+                      <a:round/>
+                      <a:headEnd type="none" w="med" len="med"/>
+                      <a:tailEnd type="none" w="med" len="med"/>
+                    </a:lnR>
+                    <a:lnT w="9525" cap="flat" cmpd="sng" algn="ctr">
+                      <a:solidFill>
+                        <a:srgbClr val="DFE2E5"/>
+                      </a:solidFill>
+                      <a:prstDash val="solid"/>
+                      <a:round/>
+                      <a:headEnd type="none" w="med" len="med"/>
+                      <a:tailEnd type="none" w="med" len="med"/>
+                    </a:lnT>
+                    <a:lnB w="9525" cap="flat" cmpd="sng" algn="ctr">
+                      <a:solidFill>
+                        <a:srgbClr val="DFE2E5"/>
+                      </a:solidFill>
+                      <a:prstDash val="solid"/>
+                      <a:round/>
+                      <a:headEnd type="none" w="med" len="med"/>
+                      <a:tailEnd type="none" w="med" len="med"/>
+                    </a:lnB>
+                    <a:solidFill>
+                      <a:srgbClr val="FFFFFF"/>
+                    </a:solidFill>
+                  </a:tcPr>
+                </a:tc>
+                <a:tc>
+                  <a:txBody>
+                    <a:bodyPr/>
+                    <a:lstStyle/>
+                    <a:p>
+                      <a:r>
+                        <a:rPr lang="en-GB" sz="1100" i="1">
+                          <a:effectLst/>
+                        </a:rPr>
+                        <a:t>Management UI</a:t>
+                      </a:r>
+                      <a:endParaRPr lang="en-GB" sz="1100">
+                        <a:effectLst/>
+                      </a:endParaRPr>
+                    </a:p>
+                  </a:txBody>
+                  <a:tcPr marL="39680" marR="39680" marT="18314" marB="18314" anchor="ctr">
+                    <a:lnL w="9525" cap="flat" cmpd="sng" algn="ctr">
+                      <a:solidFill>
+                        <a:srgbClr val="DFE2E5"/>
+                      </a:solidFill>
+                      <a:prstDash val="solid"/>
+                      <a:round/>
+                      <a:headEnd type="none" w="med" len="med"/>
+                      <a:tailEnd type="none" w="med" len="med"/>
+                    </a:lnL>
+                    <a:lnR w="9525" cap="flat" cmpd="sng" algn="ctr">
+                      <a:solidFill>
+                        <a:srgbClr val="DFE2E5"/>
+                      </a:solidFill>
+                      <a:prstDash val="solid"/>
+                      <a:round/>
+                      <a:headEnd type="none" w="med" len="med"/>
+                      <a:tailEnd type="none" w="med" len="med"/>
+                    </a:lnR>
+                    <a:lnT w="9525" cap="flat" cmpd="sng" algn="ctr">
+                      <a:solidFill>
+                        <a:srgbClr val="DFE2E5"/>
+                      </a:solidFill>
+                      <a:prstDash val="solid"/>
+                      <a:round/>
+                      <a:headEnd type="none" w="med" len="med"/>
+                      <a:tailEnd type="none" w="med" len="med"/>
+                    </a:lnT>
+                    <a:lnB w="9525" cap="flat" cmpd="sng" algn="ctr">
+                      <a:solidFill>
+                        <a:srgbClr val="DFE2E5"/>
+                      </a:solidFill>
+                      <a:prstDash val="solid"/>
+                      <a:round/>
+                      <a:headEnd type="none" w="med" len="med"/>
+                      <a:tailEnd type="none" w="med" len="med"/>
+                    </a:lnB>
+                    <a:solidFill>
+                      <a:srgbClr val="FFFFFF"/>
+                    </a:solidFill>
+                  </a:tcPr>
+                </a:tc>
+                <a:tc>
+                  <a:txBody>
+                    <a:bodyPr/>
+                    <a:lstStyle/>
+                    <a:p>
+                      <a:r>
+                        <a:rPr lang="en-GB" sz="1100" i="1">
+                          <a:effectLst/>
+                        </a:rPr>
+                        <a:t>Requirements pertaining to the delivery of UI features</a:t>
+                      </a:r>
+                      <a:endParaRPr lang="en-GB" sz="1100">
+                        <a:effectLst/>
+                      </a:endParaRPr>
+                    </a:p>
+                  </a:txBody>
+                  <a:tcPr marL="39680" marR="39680" marT="18314" marB="18314" anchor="ctr">
+                    <a:lnL w="9525" cap="flat" cmpd="sng" algn="ctr">
+                      <a:solidFill>
+                        <a:srgbClr val="DFE2E5"/>
+                      </a:solidFill>
+                      <a:prstDash val="solid"/>
+                      <a:round/>
+                      <a:headEnd type="none" w="med" len="med"/>
+                      <a:tailEnd type="none" w="med" len="med"/>
+                    </a:lnL>
+                    <a:lnR w="9525" cap="flat" cmpd="sng" algn="ctr">
+                      <a:solidFill>
+                        <a:srgbClr val="DFE2E5"/>
+                      </a:solidFill>
+                      <a:prstDash val="solid"/>
+                      <a:round/>
+                      <a:headEnd type="none" w="med" len="med"/>
+                      <a:tailEnd type="none" w="med" len="med"/>
+                    </a:lnR>
+                    <a:lnT w="9525" cap="flat" cmpd="sng" algn="ctr">
+                      <a:solidFill>
+                        <a:srgbClr val="DFE2E5"/>
+                      </a:solidFill>
+                      <a:prstDash val="solid"/>
+                      <a:round/>
+                      <a:headEnd type="none" w="med" len="med"/>
+                      <a:tailEnd type="none" w="med" len="med"/>
+                    </a:lnT>
+                    <a:lnB w="9525" cap="flat" cmpd="sng" algn="ctr">
+                      <a:solidFill>
+                        <a:srgbClr val="DFE2E5"/>
+                      </a:solidFill>
+                      <a:prstDash val="solid"/>
+                      <a:round/>
+                      <a:headEnd type="none" w="med" len="med"/>
+                      <a:tailEnd type="none" w="med" len="med"/>
+                    </a:lnB>
+                    <a:solidFill>
+                      <a:srgbClr val="FFFFFF"/>
+                    </a:solidFill>
+                  </a:tcPr>
+                </a:tc>
+                <a:extLst>
+                  <a:ext uri="{0D108BD9-81ED-4DB2-BD59-A6C34878D82A}">
+                    <a16:rowId xmlns:a16="http://schemas.microsoft.com/office/drawing/2014/main" val="1207917269"/>
+                  </a:ext>
+                </a:extLst>
+              </a:tr>
+              <a:tr h="1003591">
+                <a:tc>
+                  <a:txBody>
+                    <a:bodyPr/>
+                    <a:lstStyle/>
+                    <a:p>
+                      <a:r>
+                        <a:rPr lang="en-GB" sz="1100" dirty="0">
+                          <a:effectLst/>
+                        </a:rPr>
+                        <a:t>3.2.1</a:t>
+                      </a:r>
+                    </a:p>
+                  </a:txBody>
+                  <a:tcPr marL="39680" marR="39680" marT="18314" marB="18314" anchor="ctr">
+                    <a:lnL w="9525" cap="flat" cmpd="sng" algn="ctr">
+                      <a:solidFill>
+                        <a:srgbClr val="DFE2E5"/>
+                      </a:solidFill>
+                      <a:prstDash val="solid"/>
+                      <a:round/>
+                      <a:headEnd type="none" w="med" len="med"/>
+                      <a:tailEnd type="none" w="med" len="med"/>
+                    </a:lnL>
+                    <a:lnR w="9525" cap="flat" cmpd="sng" algn="ctr">
+                      <a:solidFill>
+                        <a:srgbClr val="DFE2E5"/>
+                      </a:solidFill>
+                      <a:prstDash val="solid"/>
+                      <a:round/>
+                      <a:headEnd type="none" w="med" len="med"/>
+                      <a:tailEnd type="none" w="med" len="med"/>
+                    </a:lnR>
+                    <a:lnT w="9525" cap="flat" cmpd="sng" algn="ctr">
+                      <a:solidFill>
+                        <a:srgbClr val="DFE2E5"/>
+                      </a:solidFill>
+                      <a:prstDash val="solid"/>
+                      <a:round/>
+                      <a:headEnd type="none" w="med" len="med"/>
+                      <a:tailEnd type="none" w="med" len="med"/>
+                    </a:lnT>
+                    <a:lnB w="9525" cap="flat" cmpd="sng" algn="ctr">
+                      <a:solidFill>
+                        <a:srgbClr val="DFE2E5"/>
+                      </a:solidFill>
+                      <a:prstDash val="solid"/>
+                      <a:round/>
+                      <a:headEnd type="none" w="med" len="med"/>
+                      <a:tailEnd type="none" w="med" len="med"/>
+                    </a:lnB>
+                    <a:solidFill>
+                      <a:srgbClr val="F6F8FA"/>
+                    </a:solidFill>
+                  </a:tcPr>
+                </a:tc>
+                <a:tc>
+                  <a:txBody>
+                    <a:bodyPr/>
+                    <a:lstStyle/>
+                    <a:p>
+                      <a:r>
+                        <a:rPr lang="en-GB" sz="1100" dirty="0">
+                          <a:effectLst/>
+                        </a:rPr>
+                        <a:t>Performance Display</a:t>
+                      </a:r>
+                    </a:p>
+                  </a:txBody>
+                  <a:tcPr marL="39680" marR="39680" marT="18314" marB="18314" anchor="ctr">
+                    <a:lnL w="9525" cap="flat" cmpd="sng" algn="ctr">
+                      <a:solidFill>
+                        <a:srgbClr val="DFE2E5"/>
+                      </a:solidFill>
+                      <a:prstDash val="solid"/>
+                      <a:round/>
+                      <a:headEnd type="none" w="med" len="med"/>
+                      <a:tailEnd type="none" w="med" len="med"/>
+                    </a:lnL>
+                    <a:lnR w="9525" cap="flat" cmpd="sng" algn="ctr">
+                      <a:solidFill>
+                        <a:srgbClr val="DFE2E5"/>
+                      </a:solidFill>
+                      <a:prstDash val="solid"/>
+                      <a:round/>
+                      <a:headEnd type="none" w="med" len="med"/>
+                      <a:tailEnd type="none" w="med" len="med"/>
+                    </a:lnR>
+                    <a:lnT w="9525" cap="flat" cmpd="sng" algn="ctr">
+                      <a:solidFill>
+                        <a:srgbClr val="DFE2E5"/>
+                      </a:solidFill>
+                      <a:prstDash val="solid"/>
+                      <a:round/>
+                      <a:headEnd type="none" w="med" len="med"/>
+                      <a:tailEnd type="none" w="med" len="med"/>
+                    </a:lnT>
+                    <a:lnB w="9525" cap="flat" cmpd="sng" algn="ctr">
+                      <a:solidFill>
+                        <a:srgbClr val="DFE2E5"/>
+                      </a:solidFill>
+                      <a:prstDash val="solid"/>
+                      <a:round/>
+                      <a:headEnd type="none" w="med" len="med"/>
+                      <a:tailEnd type="none" w="med" len="med"/>
+                    </a:lnB>
+                    <a:solidFill>
+                      <a:srgbClr val="F6F8FA"/>
+                    </a:solidFill>
+                  </a:tcPr>
+                </a:tc>
+                <a:tc>
+                  <a:txBody>
+                    <a:bodyPr/>
+                    <a:lstStyle/>
+                    <a:p>
+                      <a:r>
+                        <a:rPr lang="en-GB" sz="1100" dirty="0">
+                          <a:effectLst/>
+                        </a:rPr>
+                        <a:t>UI shall display statistics concerning the operating status of the GW Engine to include file processing performance, processing rates, priority findings, trend analysis and other information as determined by the Enhancement 4 Technical Exchange Meeting and subsequently documented in the Enhancement 4 Design Document.</a:t>
+                      </a:r>
+                    </a:p>
+                  </a:txBody>
+                  <a:tcPr marL="39680" marR="39680" marT="18314" marB="18314" anchor="ctr">
+                    <a:lnL w="9525" cap="flat" cmpd="sng" algn="ctr">
+                      <a:solidFill>
+                        <a:srgbClr val="DFE2E5"/>
+                      </a:solidFill>
+                      <a:prstDash val="solid"/>
+                      <a:round/>
+                      <a:headEnd type="none" w="med" len="med"/>
+                      <a:tailEnd type="none" w="med" len="med"/>
+                    </a:lnL>
+                    <a:lnR w="9525" cap="flat" cmpd="sng" algn="ctr">
+                      <a:solidFill>
+                        <a:srgbClr val="DFE2E5"/>
+                      </a:solidFill>
+                      <a:prstDash val="solid"/>
+                      <a:round/>
+                      <a:headEnd type="none" w="med" len="med"/>
+                      <a:tailEnd type="none" w="med" len="med"/>
+                    </a:lnR>
+                    <a:lnT w="9525" cap="flat" cmpd="sng" algn="ctr">
+                      <a:solidFill>
+                        <a:srgbClr val="DFE2E5"/>
+                      </a:solidFill>
+                      <a:prstDash val="solid"/>
+                      <a:round/>
+                      <a:headEnd type="none" w="med" len="med"/>
+                      <a:tailEnd type="none" w="med" len="med"/>
+                    </a:lnT>
+                    <a:lnB w="9525" cap="flat" cmpd="sng" algn="ctr">
+                      <a:solidFill>
+                        <a:srgbClr val="DFE2E5"/>
+                      </a:solidFill>
+                      <a:prstDash val="solid"/>
+                      <a:round/>
+                      <a:headEnd type="none" w="med" len="med"/>
+                      <a:tailEnd type="none" w="med" len="med"/>
+                    </a:lnB>
+                    <a:solidFill>
+                      <a:srgbClr val="F6F8FA"/>
+                    </a:solidFill>
+                  </a:tcPr>
+                </a:tc>
+                <a:extLst>
+                  <a:ext uri="{0D108BD9-81ED-4DB2-BD59-A6C34878D82A}">
+                    <a16:rowId xmlns:a16="http://schemas.microsoft.com/office/drawing/2014/main" val="3804953095"/>
+                  </a:ext>
+                </a:extLst>
+              </a:tr>
+              <a:tr h="564062">
+                <a:tc>
+                  <a:txBody>
+                    <a:bodyPr/>
+                    <a:lstStyle/>
+                    <a:p>
+                      <a:r>
+                        <a:rPr lang="en-GB" sz="1100">
+                          <a:effectLst/>
+                        </a:rPr>
+                        <a:t>3.2.2</a:t>
+                      </a:r>
+                    </a:p>
+                  </a:txBody>
+                  <a:tcPr marL="39680" marR="39680" marT="18314" marB="18314" anchor="ctr">
+                    <a:lnL w="9525" cap="flat" cmpd="sng" algn="ctr">
+                      <a:solidFill>
+                        <a:srgbClr val="DFE2E5"/>
+                      </a:solidFill>
+                      <a:prstDash val="solid"/>
+                      <a:round/>
+                      <a:headEnd type="none" w="med" len="med"/>
+                      <a:tailEnd type="none" w="med" len="med"/>
+                    </a:lnL>
+                    <a:lnR w="9525" cap="flat" cmpd="sng" algn="ctr">
+                      <a:solidFill>
+                        <a:srgbClr val="DFE2E5"/>
+                      </a:solidFill>
+                      <a:prstDash val="solid"/>
+                      <a:round/>
+                      <a:headEnd type="none" w="med" len="med"/>
+                      <a:tailEnd type="none" w="med" len="med"/>
+                    </a:lnR>
+                    <a:lnT w="9525" cap="flat" cmpd="sng" algn="ctr">
+                      <a:solidFill>
+                        <a:srgbClr val="DFE2E5"/>
+                      </a:solidFill>
+                      <a:prstDash val="solid"/>
+                      <a:round/>
+                      <a:headEnd type="none" w="med" len="med"/>
+                      <a:tailEnd type="none" w="med" len="med"/>
+                    </a:lnT>
+                    <a:lnB w="9525" cap="flat" cmpd="sng" algn="ctr">
+                      <a:solidFill>
+                        <a:srgbClr val="DFE2E5"/>
+                      </a:solidFill>
+                      <a:prstDash val="solid"/>
+                      <a:round/>
+                      <a:headEnd type="none" w="med" len="med"/>
+                      <a:tailEnd type="none" w="med" len="med"/>
+                    </a:lnB>
+                    <a:solidFill>
+                      <a:srgbClr val="FFFFFF"/>
+                    </a:solidFill>
+                  </a:tcPr>
+                </a:tc>
+                <a:tc>
+                  <a:txBody>
+                    <a:bodyPr/>
+                    <a:lstStyle/>
+                    <a:p>
+                      <a:r>
+                        <a:rPr lang="en-GB" sz="1100">
+                          <a:effectLst/>
+                        </a:rPr>
+                        <a:t>Policy Management</a:t>
+                      </a:r>
+                    </a:p>
+                  </a:txBody>
+                  <a:tcPr marL="39680" marR="39680" marT="18314" marB="18314" anchor="ctr">
+                    <a:lnL w="9525" cap="flat" cmpd="sng" algn="ctr">
+                      <a:solidFill>
+                        <a:srgbClr val="DFE2E5"/>
+                      </a:solidFill>
+                      <a:prstDash val="solid"/>
+                      <a:round/>
+                      <a:headEnd type="none" w="med" len="med"/>
+                      <a:tailEnd type="none" w="med" len="med"/>
+                    </a:lnL>
+                    <a:lnR w="9525" cap="flat" cmpd="sng" algn="ctr">
+                      <a:solidFill>
+                        <a:srgbClr val="DFE2E5"/>
+                      </a:solidFill>
+                      <a:prstDash val="solid"/>
+                      <a:round/>
+                      <a:headEnd type="none" w="med" len="med"/>
+                      <a:tailEnd type="none" w="med" len="med"/>
+                    </a:lnR>
+                    <a:lnT w="9525" cap="flat" cmpd="sng" algn="ctr">
+                      <a:solidFill>
+                        <a:srgbClr val="DFE2E5"/>
+                      </a:solidFill>
+                      <a:prstDash val="solid"/>
+                      <a:round/>
+                      <a:headEnd type="none" w="med" len="med"/>
+                      <a:tailEnd type="none" w="med" len="med"/>
+                    </a:lnT>
+                    <a:lnB w="9525" cap="flat" cmpd="sng" algn="ctr">
+                      <a:solidFill>
+                        <a:srgbClr val="DFE2E5"/>
+                      </a:solidFill>
+                      <a:prstDash val="solid"/>
+                      <a:round/>
+                      <a:headEnd type="none" w="med" len="med"/>
+                      <a:tailEnd type="none" w="med" len="med"/>
+                    </a:lnB>
+                    <a:solidFill>
+                      <a:srgbClr val="FFFFFF"/>
+                    </a:solidFill>
+                  </a:tcPr>
+                </a:tc>
+                <a:tc>
+                  <a:txBody>
+                    <a:bodyPr/>
+                    <a:lstStyle/>
+                    <a:p>
+                      <a:r>
+                        <a:rPr lang="en-GB" sz="1100">
+                          <a:effectLst/>
+                        </a:rPr>
+                        <a:t>UI shall allow administrative users to configure and update ICAP proxy file inspection. This feature shall also allow users to see which policies were applied to non- compliant files.</a:t>
+                      </a:r>
+                    </a:p>
+                  </a:txBody>
+                  <a:tcPr marL="39680" marR="39680" marT="18314" marB="18314" anchor="ctr">
+                    <a:lnL w="9525" cap="flat" cmpd="sng" algn="ctr">
+                      <a:solidFill>
+                        <a:srgbClr val="DFE2E5"/>
+                      </a:solidFill>
+                      <a:prstDash val="solid"/>
+                      <a:round/>
+                      <a:headEnd type="none" w="med" len="med"/>
+                      <a:tailEnd type="none" w="med" len="med"/>
+                    </a:lnL>
+                    <a:lnR w="9525" cap="flat" cmpd="sng" algn="ctr">
+                      <a:solidFill>
+                        <a:srgbClr val="DFE2E5"/>
+                      </a:solidFill>
+                      <a:prstDash val="solid"/>
+                      <a:round/>
+                      <a:headEnd type="none" w="med" len="med"/>
+                      <a:tailEnd type="none" w="med" len="med"/>
+                    </a:lnR>
+                    <a:lnT w="9525" cap="flat" cmpd="sng" algn="ctr">
+                      <a:solidFill>
+                        <a:srgbClr val="DFE2E5"/>
+                      </a:solidFill>
+                      <a:prstDash val="solid"/>
+                      <a:round/>
+                      <a:headEnd type="none" w="med" len="med"/>
+                      <a:tailEnd type="none" w="med" len="med"/>
+                    </a:lnT>
+                    <a:lnB w="9525" cap="flat" cmpd="sng" algn="ctr">
+                      <a:solidFill>
+                        <a:srgbClr val="DFE2E5"/>
+                      </a:solidFill>
+                      <a:prstDash val="solid"/>
+                      <a:round/>
+                      <a:headEnd type="none" w="med" len="med"/>
+                      <a:tailEnd type="none" w="med" len="med"/>
+                    </a:lnB>
+                    <a:solidFill>
+                      <a:srgbClr val="FFFFFF"/>
+                    </a:solidFill>
+                  </a:tcPr>
+                </a:tc>
+                <a:extLst>
+                  <a:ext uri="{0D108BD9-81ED-4DB2-BD59-A6C34878D82A}">
+                    <a16:rowId xmlns:a16="http://schemas.microsoft.com/office/drawing/2014/main" val="806645577"/>
+                  </a:ext>
+                </a:extLst>
+              </a:tr>
+              <a:tr h="1003591">
+                <a:tc>
+                  <a:txBody>
+                    <a:bodyPr/>
+                    <a:lstStyle/>
+                    <a:p>
+                      <a:r>
+                        <a:rPr lang="en-GB" sz="1100">
+                          <a:effectLst/>
+                        </a:rPr>
+                        <a:t>3.2.3</a:t>
+                      </a:r>
+                    </a:p>
+                  </a:txBody>
+                  <a:tcPr marL="39680" marR="39680" marT="18314" marB="18314" anchor="ctr">
+                    <a:lnL w="9525" cap="flat" cmpd="sng" algn="ctr">
+                      <a:solidFill>
+                        <a:srgbClr val="DFE2E5"/>
+                      </a:solidFill>
+                      <a:prstDash val="solid"/>
+                      <a:round/>
+                      <a:headEnd type="none" w="med" len="med"/>
+                      <a:tailEnd type="none" w="med" len="med"/>
+                    </a:lnL>
+                    <a:lnR w="9525" cap="flat" cmpd="sng" algn="ctr">
+                      <a:solidFill>
+                        <a:srgbClr val="DFE2E5"/>
+                      </a:solidFill>
+                      <a:prstDash val="solid"/>
+                      <a:round/>
+                      <a:headEnd type="none" w="med" len="med"/>
+                      <a:tailEnd type="none" w="med" len="med"/>
+                    </a:lnR>
+                    <a:lnT w="9525" cap="flat" cmpd="sng" algn="ctr">
+                      <a:solidFill>
+                        <a:srgbClr val="DFE2E5"/>
+                      </a:solidFill>
+                      <a:prstDash val="solid"/>
+                      <a:round/>
+                      <a:headEnd type="none" w="med" len="med"/>
+                      <a:tailEnd type="none" w="med" len="med"/>
+                    </a:lnT>
+                    <a:lnB w="9525" cap="flat" cmpd="sng" algn="ctr">
+                      <a:solidFill>
+                        <a:srgbClr val="DFE2E5"/>
+                      </a:solidFill>
+                      <a:prstDash val="solid"/>
+                      <a:round/>
+                      <a:headEnd type="none" w="med" len="med"/>
+                      <a:tailEnd type="none" w="med" len="med"/>
+                    </a:lnB>
+                    <a:solidFill>
+                      <a:srgbClr val="F6F8FA"/>
+                    </a:solidFill>
+                  </a:tcPr>
+                </a:tc>
+                <a:tc>
+                  <a:txBody>
+                    <a:bodyPr/>
+                    <a:lstStyle/>
+                    <a:p>
+                      <a:r>
+                        <a:rPr lang="en-GB" sz="1100" dirty="0">
+                          <a:effectLst/>
+                        </a:rPr>
+                        <a:t>Non-compliant File Routing</a:t>
+                      </a:r>
+                    </a:p>
+                  </a:txBody>
+                  <a:tcPr marL="39680" marR="39680" marT="18314" marB="18314" anchor="ctr">
+                    <a:lnL w="9525" cap="flat" cmpd="sng" algn="ctr">
+                      <a:solidFill>
+                        <a:srgbClr val="DFE2E5"/>
+                      </a:solidFill>
+                      <a:prstDash val="solid"/>
+                      <a:round/>
+                      <a:headEnd type="none" w="med" len="med"/>
+                      <a:tailEnd type="none" w="med" len="med"/>
+                    </a:lnL>
+                    <a:lnR w="9525" cap="flat" cmpd="sng" algn="ctr">
+                      <a:solidFill>
+                        <a:srgbClr val="DFE2E5"/>
+                      </a:solidFill>
+                      <a:prstDash val="solid"/>
+                      <a:round/>
+                      <a:headEnd type="none" w="med" len="med"/>
+                      <a:tailEnd type="none" w="med" len="med"/>
+                    </a:lnR>
+                    <a:lnT w="9525" cap="flat" cmpd="sng" algn="ctr">
+                      <a:solidFill>
+                        <a:srgbClr val="DFE2E5"/>
+                      </a:solidFill>
+                      <a:prstDash val="solid"/>
+                      <a:round/>
+                      <a:headEnd type="none" w="med" len="med"/>
+                      <a:tailEnd type="none" w="med" len="med"/>
+                    </a:lnT>
+                    <a:lnB w="9525" cap="flat" cmpd="sng" algn="ctr">
+                      <a:solidFill>
+                        <a:srgbClr val="DFE2E5"/>
+                      </a:solidFill>
+                      <a:prstDash val="solid"/>
+                      <a:round/>
+                      <a:headEnd type="none" w="med" len="med"/>
+                      <a:tailEnd type="none" w="med" len="med"/>
+                    </a:lnB>
+                    <a:solidFill>
+                      <a:srgbClr val="F6F8FA"/>
+                    </a:solidFill>
+                  </a:tcPr>
+                </a:tc>
+                <a:tc>
+                  <a:txBody>
+                    <a:bodyPr/>
+                    <a:lstStyle/>
+                    <a:p>
+                      <a:r>
+                        <a:rPr lang="en-GB" sz="1100">
+                          <a:effectLst/>
+                        </a:rPr>
+                        <a:t>UI shall include a file routing feature that allows users to route files that do not comply with stated management policies for passage onto separate file systems. Specified file systems and routing mechanism(s) will be determined at the Enhancement 4 Technical Exchange Meeting and subsequently documented in the Enhancement 4 Design Document.</a:t>
+                      </a:r>
+                    </a:p>
+                  </a:txBody>
+                  <a:tcPr marL="39680" marR="39680" marT="18314" marB="18314" anchor="ctr">
+                    <a:lnL w="9525" cap="flat" cmpd="sng" algn="ctr">
+                      <a:solidFill>
+                        <a:srgbClr val="DFE2E5"/>
+                      </a:solidFill>
+                      <a:prstDash val="solid"/>
+                      <a:round/>
+                      <a:headEnd type="none" w="med" len="med"/>
+                      <a:tailEnd type="none" w="med" len="med"/>
+                    </a:lnL>
+                    <a:lnR w="9525" cap="flat" cmpd="sng" algn="ctr">
+                      <a:solidFill>
+                        <a:srgbClr val="DFE2E5"/>
+                      </a:solidFill>
+                      <a:prstDash val="solid"/>
+                      <a:round/>
+                      <a:headEnd type="none" w="med" len="med"/>
+                      <a:tailEnd type="none" w="med" len="med"/>
+                    </a:lnR>
+                    <a:lnT w="9525" cap="flat" cmpd="sng" algn="ctr">
+                      <a:solidFill>
+                        <a:srgbClr val="DFE2E5"/>
+                      </a:solidFill>
+                      <a:prstDash val="solid"/>
+                      <a:round/>
+                      <a:headEnd type="none" w="med" len="med"/>
+                      <a:tailEnd type="none" w="med" len="med"/>
+                    </a:lnT>
+                    <a:lnB w="9525" cap="flat" cmpd="sng" algn="ctr">
+                      <a:solidFill>
+                        <a:srgbClr val="DFE2E5"/>
+                      </a:solidFill>
+                      <a:prstDash val="solid"/>
+                      <a:round/>
+                      <a:headEnd type="none" w="med" len="med"/>
+                      <a:tailEnd type="none" w="med" len="med"/>
+                    </a:lnB>
+                    <a:solidFill>
+                      <a:srgbClr val="F6F8FA"/>
+                    </a:solidFill>
+                  </a:tcPr>
+                </a:tc>
+                <a:extLst>
+                  <a:ext uri="{0D108BD9-81ED-4DB2-BD59-A6C34878D82A}">
+                    <a16:rowId xmlns:a16="http://schemas.microsoft.com/office/drawing/2014/main" val="1314044460"/>
+                  </a:ext>
+                </a:extLst>
+              </a:tr>
+              <a:tr h="388251">
+                <a:tc>
+                  <a:txBody>
+                    <a:bodyPr/>
+                    <a:lstStyle/>
+                    <a:p>
+                      <a:r>
+                        <a:rPr lang="en-GB" sz="1100">
+                          <a:effectLst/>
+                        </a:rPr>
+                        <a:t>3.2.4</a:t>
+                      </a:r>
+                    </a:p>
+                  </a:txBody>
+                  <a:tcPr marL="39680" marR="39680" marT="18314" marB="18314" anchor="ctr">
+                    <a:lnL w="9525" cap="flat" cmpd="sng" algn="ctr">
+                      <a:solidFill>
+                        <a:srgbClr val="DFE2E5"/>
+                      </a:solidFill>
+                      <a:prstDash val="solid"/>
+                      <a:round/>
+                      <a:headEnd type="none" w="med" len="med"/>
+                      <a:tailEnd type="none" w="med" len="med"/>
+                    </a:lnL>
+                    <a:lnR w="9525" cap="flat" cmpd="sng" algn="ctr">
+                      <a:solidFill>
+                        <a:srgbClr val="DFE2E5"/>
+                      </a:solidFill>
+                      <a:prstDash val="solid"/>
+                      <a:round/>
+                      <a:headEnd type="none" w="med" len="med"/>
+                      <a:tailEnd type="none" w="med" len="med"/>
+                    </a:lnR>
+                    <a:lnT w="9525" cap="flat" cmpd="sng" algn="ctr">
+                      <a:solidFill>
+                        <a:srgbClr val="DFE2E5"/>
+                      </a:solidFill>
+                      <a:prstDash val="solid"/>
+                      <a:round/>
+                      <a:headEnd type="none" w="med" len="med"/>
+                      <a:tailEnd type="none" w="med" len="med"/>
+                    </a:lnT>
+                    <a:lnB w="9525" cap="flat" cmpd="sng" algn="ctr">
+                      <a:solidFill>
+                        <a:srgbClr val="DFE2E5"/>
+                      </a:solidFill>
+                      <a:prstDash val="solid"/>
+                      <a:round/>
+                      <a:headEnd type="none" w="med" len="med"/>
+                      <a:tailEnd type="none" w="med" len="med"/>
+                    </a:lnB>
+                    <a:solidFill>
+                      <a:srgbClr val="FFFFFF"/>
+                    </a:solidFill>
+                  </a:tcPr>
+                </a:tc>
+                <a:tc>
+                  <a:txBody>
+                    <a:bodyPr/>
+                    <a:lstStyle/>
+                    <a:p>
+                      <a:r>
+                        <a:rPr lang="en-GB" sz="1100">
+                          <a:effectLst/>
+                        </a:rPr>
+                        <a:t>Risk and File Extension-based Views</a:t>
+                      </a:r>
+                    </a:p>
+                  </a:txBody>
+                  <a:tcPr marL="39680" marR="39680" marT="18314" marB="18314" anchor="ctr">
+                    <a:lnL w="9525" cap="flat" cmpd="sng" algn="ctr">
+                      <a:solidFill>
+                        <a:srgbClr val="DFE2E5"/>
+                      </a:solidFill>
+                      <a:prstDash val="solid"/>
+                      <a:round/>
+                      <a:headEnd type="none" w="med" len="med"/>
+                      <a:tailEnd type="none" w="med" len="med"/>
+                    </a:lnL>
+                    <a:lnR w="9525" cap="flat" cmpd="sng" algn="ctr">
+                      <a:solidFill>
+                        <a:srgbClr val="DFE2E5"/>
+                      </a:solidFill>
+                      <a:prstDash val="solid"/>
+                      <a:round/>
+                      <a:headEnd type="none" w="med" len="med"/>
+                      <a:tailEnd type="none" w="med" len="med"/>
+                    </a:lnR>
+                    <a:lnT w="9525" cap="flat" cmpd="sng" algn="ctr">
+                      <a:solidFill>
+                        <a:srgbClr val="DFE2E5"/>
+                      </a:solidFill>
+                      <a:prstDash val="solid"/>
+                      <a:round/>
+                      <a:headEnd type="none" w="med" len="med"/>
+                      <a:tailEnd type="none" w="med" len="med"/>
+                    </a:lnT>
+                    <a:lnB w="9525" cap="flat" cmpd="sng" algn="ctr">
+                      <a:solidFill>
+                        <a:srgbClr val="DFE2E5"/>
+                      </a:solidFill>
+                      <a:prstDash val="solid"/>
+                      <a:round/>
+                      <a:headEnd type="none" w="med" len="med"/>
+                      <a:tailEnd type="none" w="med" len="med"/>
+                    </a:lnB>
+                    <a:solidFill>
+                      <a:srgbClr val="FFFFFF"/>
+                    </a:solidFill>
+                  </a:tcPr>
+                </a:tc>
+                <a:tc>
+                  <a:txBody>
+                    <a:bodyPr/>
+                    <a:lstStyle/>
+                    <a:p>
+                      <a:r>
+                        <a:rPr lang="en-GB" sz="1100">
+                          <a:effectLst/>
+                        </a:rPr>
+                        <a:t>UI shall allow administrative users to view and filter file’s processing results based on risk level and detected file extension.</a:t>
+                      </a:r>
+                    </a:p>
+                  </a:txBody>
+                  <a:tcPr marL="39680" marR="39680" marT="18314" marB="18314" anchor="ctr">
+                    <a:lnL w="9525" cap="flat" cmpd="sng" algn="ctr">
+                      <a:solidFill>
+                        <a:srgbClr val="DFE2E5"/>
+                      </a:solidFill>
+                      <a:prstDash val="solid"/>
+                      <a:round/>
+                      <a:headEnd type="none" w="med" len="med"/>
+                      <a:tailEnd type="none" w="med" len="med"/>
+                    </a:lnL>
+                    <a:lnR w="9525" cap="flat" cmpd="sng" algn="ctr">
+                      <a:solidFill>
+                        <a:srgbClr val="DFE2E5"/>
+                      </a:solidFill>
+                      <a:prstDash val="solid"/>
+                      <a:round/>
+                      <a:headEnd type="none" w="med" len="med"/>
+                      <a:tailEnd type="none" w="med" len="med"/>
+                    </a:lnR>
+                    <a:lnT w="9525" cap="flat" cmpd="sng" algn="ctr">
+                      <a:solidFill>
+                        <a:srgbClr val="DFE2E5"/>
+                      </a:solidFill>
+                      <a:prstDash val="solid"/>
+                      <a:round/>
+                      <a:headEnd type="none" w="med" len="med"/>
+                      <a:tailEnd type="none" w="med" len="med"/>
+                    </a:lnT>
+                    <a:lnB w="9525" cap="flat" cmpd="sng" algn="ctr">
+                      <a:solidFill>
+                        <a:srgbClr val="DFE2E5"/>
+                      </a:solidFill>
+                      <a:prstDash val="solid"/>
+                      <a:round/>
+                      <a:headEnd type="none" w="med" len="med"/>
+                      <a:tailEnd type="none" w="med" len="med"/>
+                    </a:lnB>
+                    <a:solidFill>
+                      <a:srgbClr val="FFFFFF"/>
+                    </a:solidFill>
+                  </a:tcPr>
+                </a:tc>
+                <a:extLst>
+                  <a:ext uri="{0D108BD9-81ED-4DB2-BD59-A6C34878D82A}">
+                    <a16:rowId xmlns:a16="http://schemas.microsoft.com/office/drawing/2014/main" val="2025486567"/>
+                  </a:ext>
+                </a:extLst>
+              </a:tr>
+              <a:tr h="1179403">
+                <a:tc>
+                  <a:txBody>
+                    <a:bodyPr/>
+                    <a:lstStyle/>
+                    <a:p>
+                      <a:r>
+                        <a:rPr lang="en-GB" sz="1100">
+                          <a:effectLst/>
+                        </a:rPr>
+                        <a:t>3.2.5</a:t>
+                      </a:r>
+                    </a:p>
+                  </a:txBody>
+                  <a:tcPr marL="39680" marR="39680" marT="18314" marB="18314" anchor="ctr">
+                    <a:lnL w="9525" cap="flat" cmpd="sng" algn="ctr">
+                      <a:solidFill>
+                        <a:srgbClr val="DFE2E5"/>
+                      </a:solidFill>
+                      <a:prstDash val="solid"/>
+                      <a:round/>
+                      <a:headEnd type="none" w="med" len="med"/>
+                      <a:tailEnd type="none" w="med" len="med"/>
+                    </a:lnL>
+                    <a:lnR w="9525" cap="flat" cmpd="sng" algn="ctr">
+                      <a:solidFill>
+                        <a:srgbClr val="DFE2E5"/>
+                      </a:solidFill>
+                      <a:prstDash val="solid"/>
+                      <a:round/>
+                      <a:headEnd type="none" w="med" len="med"/>
+                      <a:tailEnd type="none" w="med" len="med"/>
+                    </a:lnR>
+                    <a:lnT w="9525" cap="flat" cmpd="sng" algn="ctr">
+                      <a:solidFill>
+                        <a:srgbClr val="DFE2E5"/>
+                      </a:solidFill>
+                      <a:prstDash val="solid"/>
+                      <a:round/>
+                      <a:headEnd type="none" w="med" len="med"/>
+                      <a:tailEnd type="none" w="med" len="med"/>
+                    </a:lnT>
+                    <a:lnB w="9525" cap="flat" cmpd="sng" algn="ctr">
+                      <a:solidFill>
+                        <a:srgbClr val="DFE2E5"/>
+                      </a:solidFill>
+                      <a:prstDash val="solid"/>
+                      <a:round/>
+                      <a:headEnd type="none" w="med" len="med"/>
+                      <a:tailEnd type="none" w="med" len="med"/>
+                    </a:lnB>
+                    <a:solidFill>
+                      <a:srgbClr val="F6F8FA"/>
+                    </a:solidFill>
+                  </a:tcPr>
+                </a:tc>
+                <a:tc>
+                  <a:txBody>
+                    <a:bodyPr/>
+                    <a:lstStyle/>
+                    <a:p>
+                      <a:r>
+                        <a:rPr lang="en-GB" sz="1100">
+                          <a:effectLst/>
+                        </a:rPr>
+                        <a:t>File Drop Service*</a:t>
+                      </a:r>
+                    </a:p>
+                  </a:txBody>
+                  <a:tcPr marL="39680" marR="39680" marT="18314" marB="18314" anchor="ctr">
+                    <a:lnL w="9525" cap="flat" cmpd="sng" algn="ctr">
+                      <a:solidFill>
+                        <a:srgbClr val="DFE2E5"/>
+                      </a:solidFill>
+                      <a:prstDash val="solid"/>
+                      <a:round/>
+                      <a:headEnd type="none" w="med" len="med"/>
+                      <a:tailEnd type="none" w="med" len="med"/>
+                    </a:lnL>
+                    <a:lnR w="9525" cap="flat" cmpd="sng" algn="ctr">
+                      <a:solidFill>
+                        <a:srgbClr val="DFE2E5"/>
+                      </a:solidFill>
+                      <a:prstDash val="solid"/>
+                      <a:round/>
+                      <a:headEnd type="none" w="med" len="med"/>
+                      <a:tailEnd type="none" w="med" len="med"/>
+                    </a:lnR>
+                    <a:lnT w="9525" cap="flat" cmpd="sng" algn="ctr">
+                      <a:solidFill>
+                        <a:srgbClr val="DFE2E5"/>
+                      </a:solidFill>
+                      <a:prstDash val="solid"/>
+                      <a:round/>
+                      <a:headEnd type="none" w="med" len="med"/>
+                      <a:tailEnd type="none" w="med" len="med"/>
+                    </a:lnT>
+                    <a:lnB w="9525" cap="flat" cmpd="sng" algn="ctr">
+                      <a:solidFill>
+                        <a:srgbClr val="DFE2E5"/>
+                      </a:solidFill>
+                      <a:prstDash val="solid"/>
+                      <a:round/>
+                      <a:headEnd type="none" w="med" len="med"/>
+                      <a:tailEnd type="none" w="med" len="med"/>
+                    </a:lnB>
+                    <a:solidFill>
+                      <a:srgbClr val="F6F8FA"/>
+                    </a:solidFill>
+                  </a:tcPr>
+                </a:tc>
+                <a:tc>
+                  <a:txBody>
+                    <a:bodyPr/>
+                    <a:lstStyle/>
+                    <a:p>
+                      <a:r>
+                        <a:rPr lang="en-GB" sz="1100" dirty="0">
+                          <a:effectLst/>
+                        </a:rPr>
+                        <a:t>UI shall allow administrative and non-administrative users to upload supported file types via browser for GW Engine inspection and subsequent report generation of priority findings. Reports shall be delivered to users through the UI and minimally allow for XML and PDF export. Report content will be determined at the Enhancement 4 Technical Exchange Meeting and subsequently documented in the Enhancement 4 Design Document.</a:t>
+                      </a:r>
+                    </a:p>
+                  </a:txBody>
+                  <a:tcPr marL="39680" marR="39680" marT="18314" marB="18314" anchor="ctr">
+                    <a:lnL w="9525" cap="flat" cmpd="sng" algn="ctr">
+                      <a:solidFill>
+                        <a:srgbClr val="DFE2E5"/>
+                      </a:solidFill>
+                      <a:prstDash val="solid"/>
+                      <a:round/>
+                      <a:headEnd type="none" w="med" len="med"/>
+                      <a:tailEnd type="none" w="med" len="med"/>
+                    </a:lnL>
+                    <a:lnR w="9525" cap="flat" cmpd="sng" algn="ctr">
+                      <a:solidFill>
+                        <a:srgbClr val="DFE2E5"/>
+                      </a:solidFill>
+                      <a:prstDash val="solid"/>
+                      <a:round/>
+                      <a:headEnd type="none" w="med" len="med"/>
+                      <a:tailEnd type="none" w="med" len="med"/>
+                    </a:lnR>
+                    <a:lnT w="9525" cap="flat" cmpd="sng" algn="ctr">
+                      <a:solidFill>
+                        <a:srgbClr val="DFE2E5"/>
+                      </a:solidFill>
+                      <a:prstDash val="solid"/>
+                      <a:round/>
+                      <a:headEnd type="none" w="med" len="med"/>
+                      <a:tailEnd type="none" w="med" len="med"/>
+                    </a:lnT>
+                    <a:lnB w="9525" cap="flat" cmpd="sng" algn="ctr">
+                      <a:solidFill>
+                        <a:srgbClr val="DFE2E5"/>
+                      </a:solidFill>
+                      <a:prstDash val="solid"/>
+                      <a:round/>
+                      <a:headEnd type="none" w="med" len="med"/>
+                      <a:tailEnd type="none" w="med" len="med"/>
+                    </a:lnB>
+                    <a:solidFill>
+                      <a:srgbClr val="F6F8FA"/>
+                    </a:solidFill>
+                  </a:tcPr>
+                </a:tc>
+                <a:extLst>
+                  <a:ext uri="{0D108BD9-81ED-4DB2-BD59-A6C34878D82A}">
+                    <a16:rowId xmlns:a16="http://schemas.microsoft.com/office/drawing/2014/main" val="2113475455"/>
+                  </a:ext>
+                </a:extLst>
+              </a:tr>
+            </a:tbl>
+          </a:graphicData>
+        </a:graphic>
+      </p:graphicFrame>
     </p:spTree>
     <p:extLst>
       <p:ext uri="{BB962C8B-B14F-4D97-AF65-F5344CB8AC3E}">
@@ -10732,327 +11795,6 @@
 </file>
 
 <file path=ppt/slides/slide10.xml><?xml version="1.0" encoding="utf-8"?>
-<p:sld xmlns:a="http://schemas.openxmlformats.org/drawingml/2006/main" xmlns:r="http://schemas.openxmlformats.org/officeDocument/2006/relationships" xmlns:p="http://schemas.openxmlformats.org/presentationml/2006/main">
-  <p:cSld>
-    <p:spTree>
-      <p:nvGrpSpPr>
-        <p:cNvPr id="1" name=""/>
-        <p:cNvGrpSpPr/>
-        <p:nvPr/>
-      </p:nvGrpSpPr>
-      <p:grpSpPr>
-        <a:xfrm>
-          <a:off x="0" y="0"/>
-          <a:ext cx="0" cy="0"/>
-          <a:chOff x="0" y="0"/>
-          <a:chExt cx="0" cy="0"/>
-        </a:xfrm>
-      </p:grpSpPr>
-      <p:sp>
-        <p:nvSpPr>
-          <p:cNvPr id="8" name="Title 1">
-            <a:extLst>
-              <a:ext uri="{FF2B5EF4-FFF2-40B4-BE49-F238E27FC236}">
-                <a16:creationId xmlns:a16="http://schemas.microsoft.com/office/drawing/2014/main" id="{495F528B-8C71-4A5E-AC80-AB8789E96AA6}"/>
-              </a:ext>
-            </a:extLst>
-          </p:cNvPr>
-          <p:cNvSpPr>
-            <a:spLocks noGrp="1"/>
-          </p:cNvSpPr>
-          <p:nvPr>
-            <p:ph type="title"/>
-          </p:nvPr>
-        </p:nvSpPr>
-        <p:spPr>
-          <a:xfrm>
-            <a:off x="838200" y="88901"/>
-            <a:ext cx="10515600" cy="292099"/>
-          </a:xfrm>
-        </p:spPr>
-        <p:txBody>
-          <a:bodyPr>
-            <a:normAutofit fontScale="90000"/>
-          </a:bodyPr>
-          <a:lstStyle/>
-          <a:p>
-            <a:pPr algn="ctr"/>
-            <a:r>
-              <a:rPr lang="en-GB" sz="1800" b="1" dirty="0"/>
-              <a:t>3.2.2 – Policy Management – View a Previous Policy</a:t>
-            </a:r>
-          </a:p>
-        </p:txBody>
-      </p:sp>
-      <p:grpSp>
-        <p:nvGrpSpPr>
-          <p:cNvPr id="5" name="Group 4">
-            <a:extLst>
-              <a:ext uri="{FF2B5EF4-FFF2-40B4-BE49-F238E27FC236}">
-                <a16:creationId xmlns:a16="http://schemas.microsoft.com/office/drawing/2014/main" id="{35D48634-8846-4BBB-B002-5CDD0825C44D}"/>
-              </a:ext>
-            </a:extLst>
-          </p:cNvPr>
-          <p:cNvGrpSpPr/>
-          <p:nvPr/>
-        </p:nvGrpSpPr>
-        <p:grpSpPr>
-          <a:xfrm>
-            <a:off x="100529" y="467349"/>
-            <a:ext cx="11990941" cy="6285876"/>
-            <a:chOff x="100529" y="467349"/>
-            <a:chExt cx="11990941" cy="6285876"/>
-          </a:xfrm>
-        </p:grpSpPr>
-        <p:grpSp>
-          <p:nvGrpSpPr>
-            <p:cNvPr id="11" name="Group 10">
-              <a:extLst>
-                <a:ext uri="{FF2B5EF4-FFF2-40B4-BE49-F238E27FC236}">
-                  <a16:creationId xmlns:a16="http://schemas.microsoft.com/office/drawing/2014/main" id="{5CE6A3D1-4D2D-469E-9E23-0A85A1E51371}"/>
-                </a:ext>
-              </a:extLst>
-            </p:cNvPr>
-            <p:cNvGrpSpPr/>
-            <p:nvPr/>
-          </p:nvGrpSpPr>
-          <p:grpSpPr>
-            <a:xfrm>
-              <a:off x="100529" y="467349"/>
-              <a:ext cx="11990941" cy="6285876"/>
-              <a:chOff x="100529" y="467349"/>
-              <a:chExt cx="11990941" cy="6285876"/>
-            </a:xfrm>
-          </p:grpSpPr>
-          <p:pic>
-            <p:nvPicPr>
-              <p:cNvPr id="7" name="Picture 6">
-                <a:extLst>
-                  <a:ext uri="{FF2B5EF4-FFF2-40B4-BE49-F238E27FC236}">
-                    <a16:creationId xmlns:a16="http://schemas.microsoft.com/office/drawing/2014/main" id="{47FD72ED-E1B1-4062-9BF8-8A17BFD0E0B3}"/>
-                  </a:ext>
-                </a:extLst>
-              </p:cNvPr>
-              <p:cNvPicPr>
-                <a:picLocks noChangeAspect="1"/>
-              </p:cNvPicPr>
-              <p:nvPr/>
-            </p:nvPicPr>
-            <p:blipFill rotWithShape="1">
-              <a:blip r:embed="rId2">
-                <a:extLst>
-                  <a:ext uri="{BEBA8EAE-BF5A-486C-A8C5-ECC9F3942E4B}">
-                    <a14:imgProps xmlns:a14="http://schemas.microsoft.com/office/drawing/2010/main">
-                      <a14:imgLayer r:embed="rId3">
-                        <a14:imgEffect>
-                          <a14:artisticBlur/>
-                        </a14:imgEffect>
-                      </a14:imgLayer>
-                    </a14:imgProps>
-                  </a:ext>
-                </a:extLst>
-              </a:blip>
-              <a:srcRect t="6805"/>
-              <a:stretch/>
-            </p:blipFill>
-            <p:spPr>
-              <a:xfrm>
-                <a:off x="100529" y="467349"/>
-                <a:ext cx="11990941" cy="6285876"/>
-              </a:xfrm>
-              <a:prstGeom prst="rect">
-                <a:avLst/>
-              </a:prstGeom>
-            </p:spPr>
-          </p:pic>
-          <p:pic>
-            <p:nvPicPr>
-              <p:cNvPr id="10" name="Picture 9">
-                <a:extLst>
-                  <a:ext uri="{FF2B5EF4-FFF2-40B4-BE49-F238E27FC236}">
-                    <a16:creationId xmlns:a16="http://schemas.microsoft.com/office/drawing/2014/main" id="{8A8FE4EA-7640-4AEC-AA6A-143865BB0F0D}"/>
-                  </a:ext>
-                </a:extLst>
-              </p:cNvPr>
-              <p:cNvPicPr>
-                <a:picLocks noChangeAspect="1"/>
-              </p:cNvPicPr>
-              <p:nvPr/>
-            </p:nvPicPr>
-            <p:blipFill>
-              <a:blip r:embed="rId4">
-                <a:extLst>
-                  <a:ext uri="{BEBA8EAE-BF5A-486C-A8C5-ECC9F3942E4B}">
-                    <a14:imgProps xmlns:a14="http://schemas.microsoft.com/office/drawing/2010/main">
-                      <a14:imgLayer r:embed="rId5">
-                        <a14:imgEffect>
-                          <a14:artisticBlur/>
-                        </a14:imgEffect>
-                      </a14:imgLayer>
-                    </a14:imgProps>
-                  </a:ext>
-                </a:extLst>
-              </a:blip>
-              <a:stretch>
-                <a:fillRect/>
-              </a:stretch>
-            </p:blipFill>
-            <p:spPr>
-              <a:xfrm>
-                <a:off x="1730376" y="498278"/>
-                <a:ext cx="4651374" cy="263184"/>
-              </a:xfrm>
-              <a:prstGeom prst="rect">
-                <a:avLst/>
-              </a:prstGeom>
-            </p:spPr>
-          </p:pic>
-        </p:grpSp>
-        <p:pic>
-          <p:nvPicPr>
-            <p:cNvPr id="13" name="Picture 12">
-              <a:extLst>
-                <a:ext uri="{FF2B5EF4-FFF2-40B4-BE49-F238E27FC236}">
-                  <a16:creationId xmlns:a16="http://schemas.microsoft.com/office/drawing/2014/main" id="{BD711627-7BE6-4D33-B895-A94CB02087B8}"/>
-                </a:ext>
-              </a:extLst>
-            </p:cNvPr>
-            <p:cNvPicPr>
-              <a:picLocks noChangeAspect="1"/>
-            </p:cNvPicPr>
-            <p:nvPr/>
-          </p:nvPicPr>
-          <p:blipFill>
-            <a:blip r:embed="rId6">
-              <a:extLst>
-                <a:ext uri="{BEBA8EAE-BF5A-486C-A8C5-ECC9F3942E4B}">
-                  <a14:imgProps xmlns:a14="http://schemas.microsoft.com/office/drawing/2010/main">
-                    <a14:imgLayer r:embed="rId7">
-                      <a14:imgEffect>
-                        <a14:artisticBlur/>
-                      </a14:imgEffect>
-                    </a14:imgLayer>
-                  </a14:imgProps>
-                </a:ext>
-              </a:extLst>
-            </a:blip>
-            <a:stretch>
-              <a:fillRect/>
-            </a:stretch>
-          </p:blipFill>
-          <p:spPr>
-            <a:xfrm>
-              <a:off x="1847849" y="997822"/>
-              <a:ext cx="9912923" cy="850028"/>
-            </a:xfrm>
-            <a:prstGeom prst="rect">
-              <a:avLst/>
-            </a:prstGeom>
-          </p:spPr>
-        </p:pic>
-      </p:grpSp>
-      <p:pic>
-        <p:nvPicPr>
-          <p:cNvPr id="3" name="Picture 2">
-            <a:extLst>
-              <a:ext uri="{FF2B5EF4-FFF2-40B4-BE49-F238E27FC236}">
-                <a16:creationId xmlns:a16="http://schemas.microsoft.com/office/drawing/2014/main" id="{216E7151-AA3F-4CD5-9AD6-8E6CD2142DB8}"/>
-              </a:ext>
-            </a:extLst>
-          </p:cNvPr>
-          <p:cNvPicPr>
-            <a:picLocks noChangeAspect="1"/>
-          </p:cNvPicPr>
-          <p:nvPr/>
-        </p:nvPicPr>
-        <p:blipFill rotWithShape="1">
-          <a:blip r:embed="rId8"/>
-          <a:srcRect l="-1" r="105" b="539"/>
-          <a:stretch/>
-        </p:blipFill>
-        <p:spPr>
-          <a:xfrm>
-            <a:off x="740367" y="1333570"/>
-            <a:ext cx="11075396" cy="4502874"/>
-          </a:xfrm>
-          <a:prstGeom prst="rect">
-            <a:avLst/>
-          </a:prstGeom>
-        </p:spPr>
-      </p:pic>
-      <p:pic>
-        <p:nvPicPr>
-          <p:cNvPr id="4" name="Picture 3">
-            <a:extLst>
-              <a:ext uri="{FF2B5EF4-FFF2-40B4-BE49-F238E27FC236}">
-                <a16:creationId xmlns:a16="http://schemas.microsoft.com/office/drawing/2014/main" id="{EB8A01E2-21C3-4024-AA1F-504D35A1A916}"/>
-              </a:ext>
-            </a:extLst>
-          </p:cNvPr>
-          <p:cNvPicPr>
-            <a:picLocks noChangeAspect="1"/>
-          </p:cNvPicPr>
-          <p:nvPr/>
-        </p:nvPicPr>
-        <p:blipFill rotWithShape="1">
-          <a:blip r:embed="rId9"/>
-          <a:srcRect l="14919" t="15625" r="2930" b="27670"/>
-          <a:stretch/>
-        </p:blipFill>
-        <p:spPr>
-          <a:xfrm>
-            <a:off x="788987" y="1730551"/>
-            <a:ext cx="10747375" cy="3912975"/>
-          </a:xfrm>
-          <a:prstGeom prst="rect">
-            <a:avLst/>
-          </a:prstGeom>
-        </p:spPr>
-      </p:pic>
-      <p:pic>
-        <p:nvPicPr>
-          <p:cNvPr id="9" name="Picture 8">
-            <a:extLst>
-              <a:ext uri="{FF2B5EF4-FFF2-40B4-BE49-F238E27FC236}">
-                <a16:creationId xmlns:a16="http://schemas.microsoft.com/office/drawing/2014/main" id="{4A3BD407-D9D6-4B57-8191-FF9CD6183E5D}"/>
-              </a:ext>
-            </a:extLst>
-          </p:cNvPr>
-          <p:cNvPicPr>
-            <a:picLocks noChangeAspect="1"/>
-          </p:cNvPicPr>
-          <p:nvPr/>
-        </p:nvPicPr>
-        <p:blipFill>
-          <a:blip r:embed="rId10"/>
-          <a:stretch>
-            <a:fillRect/>
-          </a:stretch>
-        </p:blipFill>
-        <p:spPr>
-          <a:xfrm>
-            <a:off x="1002631" y="2319078"/>
-            <a:ext cx="1142907" cy="262197"/>
-          </a:xfrm>
-          <a:prstGeom prst="rect">
-            <a:avLst/>
-          </a:prstGeom>
-        </p:spPr>
-      </p:pic>
-    </p:spTree>
-    <p:extLst>
-      <p:ext uri="{BB962C8B-B14F-4D97-AF65-F5344CB8AC3E}">
-        <p14:creationId xmlns:p14="http://schemas.microsoft.com/office/powerpoint/2010/main" val="3349736007"/>
-      </p:ext>
-    </p:extLst>
-  </p:cSld>
-  <p:clrMapOvr>
-    <a:masterClrMapping/>
-  </p:clrMapOvr>
-</p:sld>
-</file>
-
-<file path=ppt/slides/slide11.xml><?xml version="1.0" encoding="utf-8"?>
 <p:sld xmlns:a="http://schemas.openxmlformats.org/drawingml/2006/main" xmlns:r="http://schemas.openxmlformats.org/officeDocument/2006/relationships" xmlns:p="http://schemas.openxmlformats.org/presentationml/2006/main">
   <p:cSld>
     <p:spTree>
@@ -11258,413 +12000,7 @@
 </p:sld>
 </file>
 
-<file path=ppt/slides/slide12.xml><?xml version="1.0" encoding="utf-8"?>
-<p:sld xmlns:a="http://schemas.openxmlformats.org/drawingml/2006/main" xmlns:r="http://schemas.openxmlformats.org/officeDocument/2006/relationships" xmlns:p="http://schemas.openxmlformats.org/presentationml/2006/main">
-  <p:cSld>
-    <p:spTree>
-      <p:nvGrpSpPr>
-        <p:cNvPr id="1" name=""/>
-        <p:cNvGrpSpPr/>
-        <p:nvPr/>
-      </p:nvGrpSpPr>
-      <p:grpSpPr>
-        <a:xfrm>
-          <a:off x="0" y="0"/>
-          <a:ext cx="0" cy="0"/>
-          <a:chOff x="0" y="0"/>
-          <a:chExt cx="0" cy="0"/>
-        </a:xfrm>
-      </p:grpSpPr>
-      <p:grpSp>
-        <p:nvGrpSpPr>
-          <p:cNvPr id="3" name="Group 2">
-            <a:extLst>
-              <a:ext uri="{FF2B5EF4-FFF2-40B4-BE49-F238E27FC236}">
-                <a16:creationId xmlns:a16="http://schemas.microsoft.com/office/drawing/2014/main" id="{605E3C00-D803-46DA-966B-05B729484185}"/>
-              </a:ext>
-            </a:extLst>
-          </p:cNvPr>
-          <p:cNvGrpSpPr/>
-          <p:nvPr/>
-        </p:nvGrpSpPr>
-        <p:grpSpPr>
-          <a:xfrm>
-            <a:off x="117754" y="499723"/>
-            <a:ext cx="11956491" cy="6289616"/>
-            <a:chOff x="117754" y="499723"/>
-            <a:chExt cx="11956491" cy="6289616"/>
-          </a:xfrm>
-        </p:grpSpPr>
-        <p:pic>
-          <p:nvPicPr>
-            <p:cNvPr id="15" name="Picture 14">
-              <a:extLst>
-                <a:ext uri="{FF2B5EF4-FFF2-40B4-BE49-F238E27FC236}">
-                  <a16:creationId xmlns:a16="http://schemas.microsoft.com/office/drawing/2014/main" id="{3275CF61-A5E8-44B0-B772-A1E711CCC63C}"/>
-                </a:ext>
-              </a:extLst>
-            </p:cNvPr>
-            <p:cNvPicPr>
-              <a:picLocks noChangeAspect="1"/>
-            </p:cNvPicPr>
-            <p:nvPr/>
-          </p:nvPicPr>
-          <p:blipFill rotWithShape="1">
-            <a:blip r:embed="rId2">
-              <a:extLst>
-                <a:ext uri="{BEBA8EAE-BF5A-486C-A8C5-ECC9F3942E4B}">
-                  <a14:imgProps xmlns:a14="http://schemas.microsoft.com/office/drawing/2010/main">
-                    <a14:imgLayer r:embed="rId3">
-                      <a14:imgEffect>
-                        <a14:artisticBlur/>
-                      </a14:imgEffect>
-                    </a14:imgLayer>
-                  </a14:imgProps>
-                </a:ext>
-              </a:extLst>
-            </a:blip>
-            <a:srcRect t="6481"/>
-            <a:stretch/>
-          </p:blipFill>
-          <p:spPr>
-            <a:xfrm>
-              <a:off x="117754" y="499725"/>
-              <a:ext cx="11956491" cy="6289614"/>
-            </a:xfrm>
-            <a:prstGeom prst="rect">
-              <a:avLst/>
-            </a:prstGeom>
-          </p:spPr>
-        </p:pic>
-        <p:pic>
-          <p:nvPicPr>
-            <p:cNvPr id="2" name="Picture 1">
-              <a:extLst>
-                <a:ext uri="{FF2B5EF4-FFF2-40B4-BE49-F238E27FC236}">
-                  <a16:creationId xmlns:a16="http://schemas.microsoft.com/office/drawing/2014/main" id="{C60F1ADF-AE33-46BC-8F35-C13DFA8528E9}"/>
-                </a:ext>
-              </a:extLst>
-            </p:cNvPr>
-            <p:cNvPicPr>
-              <a:picLocks noChangeAspect="1"/>
-            </p:cNvPicPr>
-            <p:nvPr/>
-          </p:nvPicPr>
-          <p:blipFill>
-            <a:blip r:embed="rId4">
-              <a:extLst>
-                <a:ext uri="{BEBA8EAE-BF5A-486C-A8C5-ECC9F3942E4B}">
-                  <a14:imgProps xmlns:a14="http://schemas.microsoft.com/office/drawing/2010/main">
-                    <a14:imgLayer r:embed="rId5">
-                      <a14:imgEffect>
-                        <a14:artisticBlur/>
-                      </a14:imgEffect>
-                    </a14:imgLayer>
-                  </a14:imgProps>
-                </a:ext>
-              </a:extLst>
-            </a:blip>
-            <a:stretch>
-              <a:fillRect/>
-            </a:stretch>
-          </p:blipFill>
-          <p:spPr>
-            <a:xfrm>
-              <a:off x="128561" y="499723"/>
-              <a:ext cx="1500789" cy="6289615"/>
-            </a:xfrm>
-            <a:prstGeom prst="rect">
-              <a:avLst/>
-            </a:prstGeom>
-          </p:spPr>
-        </p:pic>
-      </p:grpSp>
-      <p:pic>
-        <p:nvPicPr>
-          <p:cNvPr id="11" name="Picture 10">
-            <a:extLst>
-              <a:ext uri="{FF2B5EF4-FFF2-40B4-BE49-F238E27FC236}">
-                <a16:creationId xmlns:a16="http://schemas.microsoft.com/office/drawing/2014/main" id="{0E5EA9E8-28BF-4AFD-830A-2D757E4F3FCA}"/>
-              </a:ext>
-            </a:extLst>
-          </p:cNvPr>
-          <p:cNvPicPr>
-            <a:picLocks noChangeAspect="1"/>
-          </p:cNvPicPr>
-          <p:nvPr/>
-        </p:nvPicPr>
-        <p:blipFill>
-          <a:blip r:embed="rId6"/>
-          <a:stretch>
-            <a:fillRect/>
-          </a:stretch>
-        </p:blipFill>
-        <p:spPr>
-          <a:xfrm>
-            <a:off x="1713578" y="768191"/>
-            <a:ext cx="9011571" cy="5321617"/>
-          </a:xfrm>
-          <a:prstGeom prst="rect">
-            <a:avLst/>
-          </a:prstGeom>
-        </p:spPr>
-      </p:pic>
-      <p:sp>
-        <p:nvSpPr>
-          <p:cNvPr id="4" name="Title 1">
-            <a:extLst>
-              <a:ext uri="{FF2B5EF4-FFF2-40B4-BE49-F238E27FC236}">
-                <a16:creationId xmlns:a16="http://schemas.microsoft.com/office/drawing/2014/main" id="{E6CBCF4B-8EBB-4C69-8ED1-B5698B7CE542}"/>
-              </a:ext>
-            </a:extLst>
-          </p:cNvPr>
-          <p:cNvSpPr>
-            <a:spLocks noGrp="1"/>
-          </p:cNvSpPr>
-          <p:nvPr>
-            <p:ph type="title"/>
-          </p:nvPr>
-        </p:nvSpPr>
-        <p:spPr>
-          <a:xfrm>
-            <a:off x="838200" y="88901"/>
-            <a:ext cx="10515600" cy="292099"/>
-          </a:xfrm>
-        </p:spPr>
-        <p:txBody>
-          <a:bodyPr>
-            <a:normAutofit fontScale="90000"/>
-          </a:bodyPr>
-          <a:lstStyle/>
-          <a:p>
-            <a:pPr algn="ctr"/>
-            <a:r>
-              <a:rPr lang="en-GB" sz="1800" b="1" dirty="0"/>
-              <a:t>3.2.4 – Risk and File Extension-based Views – Clicking a Row in the Table</a:t>
-            </a:r>
-          </a:p>
-        </p:txBody>
-      </p:sp>
-    </p:spTree>
-    <p:extLst>
-      <p:ext uri="{BB962C8B-B14F-4D97-AF65-F5344CB8AC3E}">
-        <p14:creationId xmlns:p14="http://schemas.microsoft.com/office/powerpoint/2010/main" val="856715081"/>
-      </p:ext>
-    </p:extLst>
-  </p:cSld>
-  <p:clrMapOvr>
-    <a:masterClrMapping/>
-  </p:clrMapOvr>
-</p:sld>
-</file>
-
-<file path=ppt/slides/slide13.xml><?xml version="1.0" encoding="utf-8"?>
-<p:sld xmlns:a="http://schemas.openxmlformats.org/drawingml/2006/main" xmlns:r="http://schemas.openxmlformats.org/officeDocument/2006/relationships" xmlns:p="http://schemas.openxmlformats.org/presentationml/2006/main">
-  <p:cSld>
-    <p:spTree>
-      <p:nvGrpSpPr>
-        <p:cNvPr id="1" name=""/>
-        <p:cNvGrpSpPr/>
-        <p:nvPr/>
-      </p:nvGrpSpPr>
-      <p:grpSpPr>
-        <a:xfrm>
-          <a:off x="0" y="0"/>
-          <a:ext cx="0" cy="0"/>
-          <a:chOff x="0" y="0"/>
-          <a:chExt cx="0" cy="0"/>
-        </a:xfrm>
-      </p:grpSpPr>
-      <p:grpSp>
-        <p:nvGrpSpPr>
-          <p:cNvPr id="3" name="Group 2">
-            <a:extLst>
-              <a:ext uri="{FF2B5EF4-FFF2-40B4-BE49-F238E27FC236}">
-                <a16:creationId xmlns:a16="http://schemas.microsoft.com/office/drawing/2014/main" id="{A8DAD1AD-52B1-472E-92CA-387D40F8EE79}"/>
-              </a:ext>
-            </a:extLst>
-          </p:cNvPr>
-          <p:cNvGrpSpPr/>
-          <p:nvPr/>
-        </p:nvGrpSpPr>
-        <p:grpSpPr>
-          <a:xfrm>
-            <a:off x="117754" y="499723"/>
-            <a:ext cx="11956491" cy="6289616"/>
-            <a:chOff x="117754" y="499723"/>
-            <a:chExt cx="11956491" cy="6289616"/>
-          </a:xfrm>
-        </p:grpSpPr>
-        <p:pic>
-          <p:nvPicPr>
-            <p:cNvPr id="12" name="Picture 11">
-              <a:extLst>
-                <a:ext uri="{FF2B5EF4-FFF2-40B4-BE49-F238E27FC236}">
-                  <a16:creationId xmlns:a16="http://schemas.microsoft.com/office/drawing/2014/main" id="{BF7AEADE-FDF0-42EE-940A-2598ED335C33}"/>
-                </a:ext>
-              </a:extLst>
-            </p:cNvPr>
-            <p:cNvPicPr>
-              <a:picLocks noChangeAspect="1"/>
-            </p:cNvPicPr>
-            <p:nvPr/>
-          </p:nvPicPr>
-          <p:blipFill rotWithShape="1">
-            <a:blip r:embed="rId2"/>
-            <a:srcRect t="6481"/>
-            <a:stretch/>
-          </p:blipFill>
-          <p:spPr>
-            <a:xfrm>
-              <a:off x="117754" y="499725"/>
-              <a:ext cx="11956491" cy="6289614"/>
-            </a:xfrm>
-            <a:prstGeom prst="rect">
-              <a:avLst/>
-            </a:prstGeom>
-          </p:spPr>
-        </p:pic>
-        <p:pic>
-          <p:nvPicPr>
-            <p:cNvPr id="2" name="Picture 1">
-              <a:extLst>
-                <a:ext uri="{FF2B5EF4-FFF2-40B4-BE49-F238E27FC236}">
-                  <a16:creationId xmlns:a16="http://schemas.microsoft.com/office/drawing/2014/main" id="{540CD8B6-3783-4119-9496-2B864DAB3643}"/>
-                </a:ext>
-              </a:extLst>
-            </p:cNvPr>
-            <p:cNvPicPr>
-              <a:picLocks noChangeAspect="1"/>
-            </p:cNvPicPr>
-            <p:nvPr/>
-          </p:nvPicPr>
-          <p:blipFill>
-            <a:blip r:embed="rId3"/>
-            <a:stretch>
-              <a:fillRect/>
-            </a:stretch>
-          </p:blipFill>
-          <p:spPr>
-            <a:xfrm>
-              <a:off x="128561" y="499723"/>
-              <a:ext cx="1500789" cy="6289615"/>
-            </a:xfrm>
-            <a:prstGeom prst="rect">
-              <a:avLst/>
-            </a:prstGeom>
-          </p:spPr>
-        </p:pic>
-      </p:grpSp>
-      <p:sp>
-        <p:nvSpPr>
-          <p:cNvPr id="4" name="Title 1">
-            <a:extLst>
-              <a:ext uri="{FF2B5EF4-FFF2-40B4-BE49-F238E27FC236}">
-                <a16:creationId xmlns:a16="http://schemas.microsoft.com/office/drawing/2014/main" id="{E6CBCF4B-8EBB-4C69-8ED1-B5698B7CE542}"/>
-              </a:ext>
-            </a:extLst>
-          </p:cNvPr>
-          <p:cNvSpPr>
-            <a:spLocks noGrp="1"/>
-          </p:cNvSpPr>
-          <p:nvPr>
-            <p:ph type="title"/>
-          </p:nvPr>
-        </p:nvSpPr>
-        <p:spPr>
-          <a:xfrm>
-            <a:off x="838200" y="88901"/>
-            <a:ext cx="10515600" cy="292099"/>
-          </a:xfrm>
-        </p:spPr>
-        <p:txBody>
-          <a:bodyPr>
-            <a:normAutofit fontScale="90000"/>
-          </a:bodyPr>
-          <a:lstStyle/>
-          <a:p>
-            <a:pPr algn="ctr"/>
-            <a:r>
-              <a:rPr lang="en-GB" sz="1800" b="1" dirty="0"/>
-              <a:t>3.2.4 – Risk and File Extension-based Views</a:t>
-            </a:r>
-          </a:p>
-        </p:txBody>
-      </p:sp>
-      <p:pic>
-        <p:nvPicPr>
-          <p:cNvPr id="8" name="Picture 7">
-            <a:extLst>
-              <a:ext uri="{FF2B5EF4-FFF2-40B4-BE49-F238E27FC236}">
-                <a16:creationId xmlns:a16="http://schemas.microsoft.com/office/drawing/2014/main" id="{4399D7B8-D835-4145-BC25-33AAF3B7F3A9}"/>
-              </a:ext>
-            </a:extLst>
-          </p:cNvPr>
-          <p:cNvPicPr>
-            <a:picLocks noChangeAspect="1"/>
-          </p:cNvPicPr>
-          <p:nvPr/>
-        </p:nvPicPr>
-        <p:blipFill>
-          <a:blip r:embed="rId4"/>
-          <a:stretch>
-            <a:fillRect/>
-          </a:stretch>
-        </p:blipFill>
-        <p:spPr>
-          <a:xfrm>
-            <a:off x="1743075" y="1465554"/>
-            <a:ext cx="10191750" cy="1045630"/>
-          </a:xfrm>
-          <a:prstGeom prst="rect">
-            <a:avLst/>
-          </a:prstGeom>
-        </p:spPr>
-      </p:pic>
-      <p:pic>
-        <p:nvPicPr>
-          <p:cNvPr id="14" name="Picture 13">
-            <a:extLst>
-              <a:ext uri="{FF2B5EF4-FFF2-40B4-BE49-F238E27FC236}">
-                <a16:creationId xmlns:a16="http://schemas.microsoft.com/office/drawing/2014/main" id="{4FCCE283-E9EA-4273-A643-7EC080D44422}"/>
-              </a:ext>
-            </a:extLst>
-          </p:cNvPr>
-          <p:cNvPicPr>
-            <a:picLocks noChangeAspect="1"/>
-          </p:cNvPicPr>
-          <p:nvPr/>
-        </p:nvPicPr>
-        <p:blipFill>
-          <a:blip r:embed="rId5"/>
-          <a:stretch>
-            <a:fillRect/>
-          </a:stretch>
-        </p:blipFill>
-        <p:spPr>
-          <a:xfrm>
-            <a:off x="1721138" y="985839"/>
-            <a:ext cx="10244643" cy="360990"/>
-          </a:xfrm>
-          <a:prstGeom prst="rect">
-            <a:avLst/>
-          </a:prstGeom>
-        </p:spPr>
-      </p:pic>
-    </p:spTree>
-    <p:extLst>
-      <p:ext uri="{BB962C8B-B14F-4D97-AF65-F5344CB8AC3E}">
-        <p14:creationId xmlns:p14="http://schemas.microsoft.com/office/powerpoint/2010/main" val="1591564056"/>
-      </p:ext>
-    </p:extLst>
-  </p:cSld>
-  <p:clrMapOvr>
-    <a:masterClrMapping/>
-  </p:clrMapOvr>
-</p:sld>
-</file>
-
-<file path=ppt/slides/slide14.xml><?xml version="1.0" encoding="utf-8"?>
+<file path=ppt/slides/slide11.xml><?xml version="1.0" encoding="utf-8"?>
 <p:sld xmlns:a="http://schemas.openxmlformats.org/drawingml/2006/main" xmlns:r="http://schemas.openxmlformats.org/officeDocument/2006/relationships" xmlns:p="http://schemas.openxmlformats.org/presentationml/2006/main">
   <p:cSld>
     <p:spTree>
@@ -11872,7 +12208,7 @@
 </p:sld>
 </file>
 
-<file path=ppt/slides/slide15.xml><?xml version="1.0" encoding="utf-8"?>
+<file path=ppt/slides/slide12.xml><?xml version="1.0" encoding="utf-8"?>
 <p:sld xmlns:a="http://schemas.openxmlformats.org/drawingml/2006/main" xmlns:r="http://schemas.openxmlformats.org/officeDocument/2006/relationships" xmlns:p="http://schemas.openxmlformats.org/presentationml/2006/main">
   <p:cSld>
     <p:spTree>
@@ -12078,213 +12414,7 @@
 </p:sld>
 </file>
 
-<file path=ppt/slides/slide16.xml><?xml version="1.0" encoding="utf-8"?>
-<p:sld xmlns:a="http://schemas.openxmlformats.org/drawingml/2006/main" xmlns:r="http://schemas.openxmlformats.org/officeDocument/2006/relationships" xmlns:p="http://schemas.openxmlformats.org/presentationml/2006/main">
-  <p:cSld>
-    <p:spTree>
-      <p:nvGrpSpPr>
-        <p:cNvPr id="1" name=""/>
-        <p:cNvGrpSpPr/>
-        <p:nvPr/>
-      </p:nvGrpSpPr>
-      <p:grpSpPr>
-        <a:xfrm>
-          <a:off x="0" y="0"/>
-          <a:ext cx="0" cy="0"/>
-          <a:chOff x="0" y="0"/>
-          <a:chExt cx="0" cy="0"/>
-        </a:xfrm>
-      </p:grpSpPr>
-      <p:grpSp>
-        <p:nvGrpSpPr>
-          <p:cNvPr id="3" name="Group 2">
-            <a:extLst>
-              <a:ext uri="{FF2B5EF4-FFF2-40B4-BE49-F238E27FC236}">
-                <a16:creationId xmlns:a16="http://schemas.microsoft.com/office/drawing/2014/main" id="{E8D69F57-8954-44EE-9497-D259B14A93C8}"/>
-              </a:ext>
-            </a:extLst>
-          </p:cNvPr>
-          <p:cNvGrpSpPr/>
-          <p:nvPr/>
-        </p:nvGrpSpPr>
-        <p:grpSpPr>
-          <a:xfrm>
-            <a:off x="117754" y="499723"/>
-            <a:ext cx="11956491" cy="6289616"/>
-            <a:chOff x="117754" y="499723"/>
-            <a:chExt cx="11956491" cy="6289616"/>
-          </a:xfrm>
-        </p:grpSpPr>
-        <p:pic>
-          <p:nvPicPr>
-            <p:cNvPr id="12" name="Picture 11">
-              <a:extLst>
-                <a:ext uri="{FF2B5EF4-FFF2-40B4-BE49-F238E27FC236}">
-                  <a16:creationId xmlns:a16="http://schemas.microsoft.com/office/drawing/2014/main" id="{BF7AEADE-FDF0-42EE-940A-2598ED335C33}"/>
-                </a:ext>
-              </a:extLst>
-            </p:cNvPr>
-            <p:cNvPicPr>
-              <a:picLocks noChangeAspect="1"/>
-            </p:cNvPicPr>
-            <p:nvPr/>
-          </p:nvPicPr>
-          <p:blipFill rotWithShape="1">
-            <a:blip r:embed="rId2"/>
-            <a:srcRect t="6481"/>
-            <a:stretch/>
-          </p:blipFill>
-          <p:spPr>
-            <a:xfrm>
-              <a:off x="117754" y="499725"/>
-              <a:ext cx="11956491" cy="6289614"/>
-            </a:xfrm>
-            <a:prstGeom prst="rect">
-              <a:avLst/>
-            </a:prstGeom>
-          </p:spPr>
-        </p:pic>
-        <p:pic>
-          <p:nvPicPr>
-            <p:cNvPr id="2" name="Picture 1">
-              <a:extLst>
-                <a:ext uri="{FF2B5EF4-FFF2-40B4-BE49-F238E27FC236}">
-                  <a16:creationId xmlns:a16="http://schemas.microsoft.com/office/drawing/2014/main" id="{3664A162-F5B2-4FB8-B609-3E1065BF4907}"/>
-                </a:ext>
-              </a:extLst>
-            </p:cNvPr>
-            <p:cNvPicPr>
-              <a:picLocks noChangeAspect="1"/>
-            </p:cNvPicPr>
-            <p:nvPr/>
-          </p:nvPicPr>
-          <p:blipFill>
-            <a:blip r:embed="rId3"/>
-            <a:stretch>
-              <a:fillRect/>
-            </a:stretch>
-          </p:blipFill>
-          <p:spPr>
-            <a:xfrm>
-              <a:off x="128561" y="499723"/>
-              <a:ext cx="1500789" cy="6289615"/>
-            </a:xfrm>
-            <a:prstGeom prst="rect">
-              <a:avLst/>
-            </a:prstGeom>
-          </p:spPr>
-        </p:pic>
-      </p:grpSp>
-      <p:sp>
-        <p:nvSpPr>
-          <p:cNvPr id="4" name="Title 1">
-            <a:extLst>
-              <a:ext uri="{FF2B5EF4-FFF2-40B4-BE49-F238E27FC236}">
-                <a16:creationId xmlns:a16="http://schemas.microsoft.com/office/drawing/2014/main" id="{E6CBCF4B-8EBB-4C69-8ED1-B5698B7CE542}"/>
-              </a:ext>
-            </a:extLst>
-          </p:cNvPr>
-          <p:cNvSpPr>
-            <a:spLocks noGrp="1"/>
-          </p:cNvSpPr>
-          <p:nvPr>
-            <p:ph type="title"/>
-          </p:nvPr>
-        </p:nvSpPr>
-        <p:spPr>
-          <a:xfrm>
-            <a:off x="838200" y="88901"/>
-            <a:ext cx="10515600" cy="292099"/>
-          </a:xfrm>
-        </p:spPr>
-        <p:txBody>
-          <a:bodyPr>
-            <a:normAutofit fontScale="90000"/>
-          </a:bodyPr>
-          <a:lstStyle/>
-          <a:p>
-            <a:pPr algn="ctr"/>
-            <a:r>
-              <a:rPr lang="en-GB" sz="1800" b="1" dirty="0"/>
-              <a:t>3.2.4 – Risk and File Extension-based Views</a:t>
-            </a:r>
-          </a:p>
-        </p:txBody>
-      </p:sp>
-      <p:pic>
-        <p:nvPicPr>
-          <p:cNvPr id="8" name="Picture 7">
-            <a:extLst>
-              <a:ext uri="{FF2B5EF4-FFF2-40B4-BE49-F238E27FC236}">
-                <a16:creationId xmlns:a16="http://schemas.microsoft.com/office/drawing/2014/main" id="{4399D7B8-D835-4145-BC25-33AAF3B7F3A9}"/>
-              </a:ext>
-            </a:extLst>
-          </p:cNvPr>
-          <p:cNvPicPr>
-            <a:picLocks noChangeAspect="1"/>
-          </p:cNvPicPr>
-          <p:nvPr/>
-        </p:nvPicPr>
-        <p:blipFill>
-          <a:blip r:embed="rId4"/>
-          <a:stretch>
-            <a:fillRect/>
-          </a:stretch>
-        </p:blipFill>
-        <p:spPr>
-          <a:xfrm>
-            <a:off x="1743075" y="1465554"/>
-            <a:ext cx="10191750" cy="1045630"/>
-          </a:xfrm>
-          <a:prstGeom prst="rect">
-            <a:avLst/>
-          </a:prstGeom>
-        </p:spPr>
-      </p:pic>
-      <p:pic>
-        <p:nvPicPr>
-          <p:cNvPr id="14" name="Picture 13">
-            <a:extLst>
-              <a:ext uri="{FF2B5EF4-FFF2-40B4-BE49-F238E27FC236}">
-                <a16:creationId xmlns:a16="http://schemas.microsoft.com/office/drawing/2014/main" id="{4FCCE283-E9EA-4273-A643-7EC080D44422}"/>
-              </a:ext>
-            </a:extLst>
-          </p:cNvPr>
-          <p:cNvPicPr>
-            <a:picLocks noChangeAspect="1"/>
-          </p:cNvPicPr>
-          <p:nvPr/>
-        </p:nvPicPr>
-        <p:blipFill>
-          <a:blip r:embed="rId5"/>
-          <a:stretch>
-            <a:fillRect/>
-          </a:stretch>
-        </p:blipFill>
-        <p:spPr>
-          <a:xfrm>
-            <a:off x="1721138" y="985839"/>
-            <a:ext cx="10244643" cy="360990"/>
-          </a:xfrm>
-          <a:prstGeom prst="rect">
-            <a:avLst/>
-          </a:prstGeom>
-        </p:spPr>
-      </p:pic>
-    </p:spTree>
-    <p:extLst>
-      <p:ext uri="{BB962C8B-B14F-4D97-AF65-F5344CB8AC3E}">
-        <p14:creationId xmlns:p14="http://schemas.microsoft.com/office/powerpoint/2010/main" val="1305723281"/>
-      </p:ext>
-    </p:extLst>
-  </p:cSld>
-  <p:clrMapOvr>
-    <a:masterClrMapping/>
-  </p:clrMapOvr>
-</p:sld>
-</file>
-
-<file path=ppt/slides/slide17.xml><?xml version="1.0" encoding="utf-8"?>
+<file path=ppt/slides/slide13.xml><?xml version="1.0" encoding="utf-8"?>
 <p:sld xmlns:a="http://schemas.openxmlformats.org/drawingml/2006/main" xmlns:r="http://schemas.openxmlformats.org/officeDocument/2006/relationships" xmlns:p="http://schemas.openxmlformats.org/presentationml/2006/main">
   <p:cSld>
     <p:spTree>
@@ -12492,7 +12622,7 @@
 </p:sld>
 </file>
 
-<file path=ppt/slides/slide18.xml><?xml version="1.0" encoding="utf-8"?>
+<file path=ppt/slides/slide14.xml><?xml version="1.0" encoding="utf-8"?>
 <p:sld xmlns:a="http://schemas.openxmlformats.org/drawingml/2006/main" xmlns:r="http://schemas.openxmlformats.org/officeDocument/2006/relationships" xmlns:p="http://schemas.openxmlformats.org/presentationml/2006/main">
   <p:cSld>
     <p:spTree>
@@ -12700,7 +12830,213 @@
 </p:sld>
 </file>
 
-<file path=ppt/slides/slide19.xml><?xml version="1.0" encoding="utf-8"?>
+<file path=ppt/slides/slide15.xml><?xml version="1.0" encoding="utf-8"?>
+<p:sld xmlns:a="http://schemas.openxmlformats.org/drawingml/2006/main" xmlns:r="http://schemas.openxmlformats.org/officeDocument/2006/relationships" xmlns:p="http://schemas.openxmlformats.org/presentationml/2006/main">
+  <p:cSld>
+    <p:spTree>
+      <p:nvGrpSpPr>
+        <p:cNvPr id="1" name=""/>
+        <p:cNvGrpSpPr/>
+        <p:nvPr/>
+      </p:nvGrpSpPr>
+      <p:grpSpPr>
+        <a:xfrm>
+          <a:off x="0" y="0"/>
+          <a:ext cx="0" cy="0"/>
+          <a:chOff x="0" y="0"/>
+          <a:chExt cx="0" cy="0"/>
+        </a:xfrm>
+      </p:grpSpPr>
+      <p:grpSp>
+        <p:nvGrpSpPr>
+          <p:cNvPr id="3" name="Group 2">
+            <a:extLst>
+              <a:ext uri="{FF2B5EF4-FFF2-40B4-BE49-F238E27FC236}">
+                <a16:creationId xmlns:a16="http://schemas.microsoft.com/office/drawing/2014/main" id="{605E3C00-D803-46DA-966B-05B729484185}"/>
+              </a:ext>
+            </a:extLst>
+          </p:cNvPr>
+          <p:cNvGrpSpPr/>
+          <p:nvPr/>
+        </p:nvGrpSpPr>
+        <p:grpSpPr>
+          <a:xfrm>
+            <a:off x="117754" y="499723"/>
+            <a:ext cx="11956491" cy="6289616"/>
+            <a:chOff x="117754" y="499723"/>
+            <a:chExt cx="11956491" cy="6289616"/>
+          </a:xfrm>
+        </p:grpSpPr>
+        <p:pic>
+          <p:nvPicPr>
+            <p:cNvPr id="15" name="Picture 14">
+              <a:extLst>
+                <a:ext uri="{FF2B5EF4-FFF2-40B4-BE49-F238E27FC236}">
+                  <a16:creationId xmlns:a16="http://schemas.microsoft.com/office/drawing/2014/main" id="{3275CF61-A5E8-44B0-B772-A1E711CCC63C}"/>
+                </a:ext>
+              </a:extLst>
+            </p:cNvPr>
+            <p:cNvPicPr>
+              <a:picLocks noChangeAspect="1"/>
+            </p:cNvPicPr>
+            <p:nvPr/>
+          </p:nvPicPr>
+          <p:blipFill rotWithShape="1">
+            <a:blip r:embed="rId2">
+              <a:extLst>
+                <a:ext uri="{BEBA8EAE-BF5A-486C-A8C5-ECC9F3942E4B}">
+                  <a14:imgProps xmlns:a14="http://schemas.microsoft.com/office/drawing/2010/main">
+                    <a14:imgLayer r:embed="rId3">
+                      <a14:imgEffect>
+                        <a14:artisticBlur/>
+                      </a14:imgEffect>
+                    </a14:imgLayer>
+                  </a14:imgProps>
+                </a:ext>
+              </a:extLst>
+            </a:blip>
+            <a:srcRect t="6481"/>
+            <a:stretch/>
+          </p:blipFill>
+          <p:spPr>
+            <a:xfrm>
+              <a:off x="117754" y="499725"/>
+              <a:ext cx="11956491" cy="6289614"/>
+            </a:xfrm>
+            <a:prstGeom prst="rect">
+              <a:avLst/>
+            </a:prstGeom>
+          </p:spPr>
+        </p:pic>
+        <p:pic>
+          <p:nvPicPr>
+            <p:cNvPr id="2" name="Picture 1">
+              <a:extLst>
+                <a:ext uri="{FF2B5EF4-FFF2-40B4-BE49-F238E27FC236}">
+                  <a16:creationId xmlns:a16="http://schemas.microsoft.com/office/drawing/2014/main" id="{C60F1ADF-AE33-46BC-8F35-C13DFA8528E9}"/>
+                </a:ext>
+              </a:extLst>
+            </p:cNvPr>
+            <p:cNvPicPr>
+              <a:picLocks noChangeAspect="1"/>
+            </p:cNvPicPr>
+            <p:nvPr/>
+          </p:nvPicPr>
+          <p:blipFill>
+            <a:blip r:embed="rId4">
+              <a:extLst>
+                <a:ext uri="{BEBA8EAE-BF5A-486C-A8C5-ECC9F3942E4B}">
+                  <a14:imgProps xmlns:a14="http://schemas.microsoft.com/office/drawing/2010/main">
+                    <a14:imgLayer r:embed="rId5">
+                      <a14:imgEffect>
+                        <a14:artisticBlur/>
+                      </a14:imgEffect>
+                    </a14:imgLayer>
+                  </a14:imgProps>
+                </a:ext>
+              </a:extLst>
+            </a:blip>
+            <a:stretch>
+              <a:fillRect/>
+            </a:stretch>
+          </p:blipFill>
+          <p:spPr>
+            <a:xfrm>
+              <a:off x="128561" y="499723"/>
+              <a:ext cx="1500789" cy="6289615"/>
+            </a:xfrm>
+            <a:prstGeom prst="rect">
+              <a:avLst/>
+            </a:prstGeom>
+          </p:spPr>
+        </p:pic>
+      </p:grpSp>
+      <p:sp>
+        <p:nvSpPr>
+          <p:cNvPr id="4" name="Title 1">
+            <a:extLst>
+              <a:ext uri="{FF2B5EF4-FFF2-40B4-BE49-F238E27FC236}">
+                <a16:creationId xmlns:a16="http://schemas.microsoft.com/office/drawing/2014/main" id="{E6CBCF4B-8EBB-4C69-8ED1-B5698B7CE542}"/>
+              </a:ext>
+            </a:extLst>
+          </p:cNvPr>
+          <p:cNvSpPr>
+            <a:spLocks noGrp="1"/>
+          </p:cNvSpPr>
+          <p:nvPr>
+            <p:ph type="title"/>
+          </p:nvPr>
+        </p:nvSpPr>
+        <p:spPr>
+          <a:xfrm>
+            <a:off x="838200" y="88901"/>
+            <a:ext cx="10515600" cy="292099"/>
+          </a:xfrm>
+        </p:spPr>
+        <p:txBody>
+          <a:bodyPr>
+            <a:normAutofit fontScale="90000"/>
+          </a:bodyPr>
+          <a:lstStyle/>
+          <a:p>
+            <a:pPr algn="ctr"/>
+            <a:r>
+              <a:rPr lang="en-GB" sz="1800" b="1" dirty="0"/>
+              <a:t>3.2.4 – Risk and File Extension-based Views – Clicking a Row in the Table</a:t>
+            </a:r>
+          </a:p>
+        </p:txBody>
+      </p:sp>
+      <p:pic>
+        <p:nvPicPr>
+          <p:cNvPr id="6" name="Picture 5" descr="Graphical user interface, text, application, email&#10;&#10;Description automatically generated">
+            <a:extLst>
+              <a:ext uri="{FF2B5EF4-FFF2-40B4-BE49-F238E27FC236}">
+                <a16:creationId xmlns:a16="http://schemas.microsoft.com/office/drawing/2014/main" id="{4EF73A8D-8F20-4DF0-9DC9-D8CA03E8C910}"/>
+              </a:ext>
+            </a:extLst>
+          </p:cNvPr>
+          <p:cNvPicPr>
+            <a:picLocks noChangeAspect="1"/>
+          </p:cNvPicPr>
+          <p:nvPr/>
+        </p:nvPicPr>
+        <p:blipFill>
+          <a:blip r:embed="rId6">
+            <a:extLst>
+              <a:ext uri="{28A0092B-C50C-407E-A947-70E740481C1C}">
+                <a14:useLocalDpi xmlns:a14="http://schemas.microsoft.com/office/drawing/2010/main" val="0"/>
+              </a:ext>
+            </a:extLst>
+          </a:blip>
+          <a:stretch>
+            <a:fillRect/>
+          </a:stretch>
+        </p:blipFill>
+        <p:spPr>
+          <a:xfrm>
+            <a:off x="1894554" y="1158716"/>
+            <a:ext cx="9093807" cy="4824000"/>
+          </a:xfrm>
+          <a:prstGeom prst="rect">
+            <a:avLst/>
+          </a:prstGeom>
+        </p:spPr>
+      </p:pic>
+    </p:spTree>
+    <p:extLst>
+      <p:ext uri="{BB962C8B-B14F-4D97-AF65-F5344CB8AC3E}">
+        <p14:creationId xmlns:p14="http://schemas.microsoft.com/office/powerpoint/2010/main" val="856715081"/>
+      </p:ext>
+    </p:extLst>
+  </p:cSld>
+  <p:clrMapOvr>
+    <a:masterClrMapping/>
+  </p:clrMapOvr>
+</p:sld>
+</file>
+
+<file path=ppt/slides/slide16.xml><?xml version="1.0" encoding="utf-8"?>
 <p:sld xmlns:a="http://schemas.openxmlformats.org/drawingml/2006/main" xmlns:r="http://schemas.openxmlformats.org/officeDocument/2006/relationships" xmlns:p="http://schemas.openxmlformats.org/presentationml/2006/main">
   <p:cSld>
     <p:spTree>
@@ -12933,358 +13269,7 @@
 </p:sld>
 </file>
 
-<file path=ppt/slides/slide2.xml><?xml version="1.0" encoding="utf-8"?>
-<p:sld xmlns:a="http://schemas.openxmlformats.org/drawingml/2006/main" xmlns:r="http://schemas.openxmlformats.org/officeDocument/2006/relationships" xmlns:p="http://schemas.openxmlformats.org/presentationml/2006/main">
-  <p:cSld>
-    <p:spTree>
-      <p:nvGrpSpPr>
-        <p:cNvPr id="1" name=""/>
-        <p:cNvGrpSpPr/>
-        <p:nvPr/>
-      </p:nvGrpSpPr>
-      <p:grpSpPr>
-        <a:xfrm>
-          <a:off x="0" y="0"/>
-          <a:ext cx="0" cy="0"/>
-          <a:chOff x="0" y="0"/>
-          <a:chExt cx="0" cy="0"/>
-        </a:xfrm>
-      </p:grpSpPr>
-      <p:grpSp>
-        <p:nvGrpSpPr>
-          <p:cNvPr id="5" name="Group 4">
-            <a:extLst>
-              <a:ext uri="{FF2B5EF4-FFF2-40B4-BE49-F238E27FC236}">
-                <a16:creationId xmlns:a16="http://schemas.microsoft.com/office/drawing/2014/main" id="{90B661F0-1C3E-4DF9-8667-D7DCCEB97928}"/>
-              </a:ext>
-            </a:extLst>
-          </p:cNvPr>
-          <p:cNvGrpSpPr/>
-          <p:nvPr/>
-        </p:nvGrpSpPr>
-        <p:grpSpPr>
-          <a:xfrm>
-            <a:off x="132559" y="380999"/>
-            <a:ext cx="11926881" cy="6284620"/>
-            <a:chOff x="132559" y="380999"/>
-            <a:chExt cx="11926881" cy="6284620"/>
-          </a:xfrm>
-        </p:grpSpPr>
-        <p:pic>
-          <p:nvPicPr>
-            <p:cNvPr id="11" name="Picture 10">
-              <a:extLst>
-                <a:ext uri="{FF2B5EF4-FFF2-40B4-BE49-F238E27FC236}">
-                  <a16:creationId xmlns:a16="http://schemas.microsoft.com/office/drawing/2014/main" id="{D1714B7C-7372-4342-AB3E-29E3F2FC307A}"/>
-                </a:ext>
-              </a:extLst>
-            </p:cNvPr>
-            <p:cNvPicPr>
-              <a:picLocks noChangeAspect="1"/>
-            </p:cNvPicPr>
-            <p:nvPr/>
-          </p:nvPicPr>
-          <p:blipFill rotWithShape="1">
-            <a:blip r:embed="rId2"/>
-            <a:srcRect t="6323"/>
-            <a:stretch/>
-          </p:blipFill>
-          <p:spPr>
-            <a:xfrm>
-              <a:off x="132559" y="381000"/>
-              <a:ext cx="11926881" cy="6284619"/>
-            </a:xfrm>
-            <a:prstGeom prst="rect">
-              <a:avLst/>
-            </a:prstGeom>
-          </p:spPr>
-        </p:pic>
-        <p:pic>
-          <p:nvPicPr>
-            <p:cNvPr id="4" name="Picture 3">
-              <a:extLst>
-                <a:ext uri="{FF2B5EF4-FFF2-40B4-BE49-F238E27FC236}">
-                  <a16:creationId xmlns:a16="http://schemas.microsoft.com/office/drawing/2014/main" id="{7789D4B5-282B-42C2-AC42-5BCA86C041BF}"/>
-                </a:ext>
-              </a:extLst>
-            </p:cNvPr>
-            <p:cNvPicPr>
-              <a:picLocks noChangeAspect="1"/>
-            </p:cNvPicPr>
-            <p:nvPr/>
-          </p:nvPicPr>
-          <p:blipFill>
-            <a:blip r:embed="rId3"/>
-            <a:stretch>
-              <a:fillRect/>
-            </a:stretch>
-          </p:blipFill>
-          <p:spPr>
-            <a:xfrm>
-              <a:off x="132560" y="380999"/>
-              <a:ext cx="1498114" cy="6284620"/>
-            </a:xfrm>
-            <a:prstGeom prst="rect">
-              <a:avLst/>
-            </a:prstGeom>
-          </p:spPr>
-        </p:pic>
-      </p:grpSp>
-      <p:pic>
-        <p:nvPicPr>
-          <p:cNvPr id="15" name="Picture 14">
-            <a:extLst>
-              <a:ext uri="{FF2B5EF4-FFF2-40B4-BE49-F238E27FC236}">
-                <a16:creationId xmlns:a16="http://schemas.microsoft.com/office/drawing/2014/main" id="{4BE2D429-E650-4089-B5BB-D9531764BDBF}"/>
-              </a:ext>
-            </a:extLst>
-          </p:cNvPr>
-          <p:cNvPicPr>
-            <a:picLocks noChangeAspect="1"/>
-          </p:cNvPicPr>
-          <p:nvPr/>
-        </p:nvPicPr>
-        <p:blipFill rotWithShape="1">
-          <a:blip r:embed="rId4"/>
-          <a:srcRect l="1912" t="3131" r="2194" b="3129"/>
-          <a:stretch/>
-        </p:blipFill>
-        <p:spPr>
-          <a:xfrm>
-            <a:off x="1752478" y="865414"/>
-            <a:ext cx="10191871" cy="5664059"/>
-          </a:xfrm>
-          <a:prstGeom prst="rect">
-            <a:avLst/>
-          </a:prstGeom>
-        </p:spPr>
-      </p:pic>
-      <p:sp>
-        <p:nvSpPr>
-          <p:cNvPr id="2" name="Title 1">
-            <a:extLst>
-              <a:ext uri="{FF2B5EF4-FFF2-40B4-BE49-F238E27FC236}">
-                <a16:creationId xmlns:a16="http://schemas.microsoft.com/office/drawing/2014/main" id="{68E1338A-396C-4358-8642-6941DC0A23FD}"/>
-              </a:ext>
-            </a:extLst>
-          </p:cNvPr>
-          <p:cNvSpPr>
-            <a:spLocks noGrp="1"/>
-          </p:cNvSpPr>
-          <p:nvPr>
-            <p:ph type="title"/>
-          </p:nvPr>
-        </p:nvSpPr>
-        <p:spPr>
-          <a:xfrm>
-            <a:off x="838200" y="88901"/>
-            <a:ext cx="10515600" cy="292099"/>
-          </a:xfrm>
-        </p:spPr>
-        <p:txBody>
-          <a:bodyPr>
-            <a:normAutofit fontScale="90000"/>
-          </a:bodyPr>
-          <a:lstStyle/>
-          <a:p>
-            <a:pPr algn="ctr"/>
-            <a:r>
-              <a:rPr lang="en-GB" sz="1800" b="1" dirty="0"/>
-              <a:t>3.2.1 – Performance Display</a:t>
-            </a:r>
-          </a:p>
-        </p:txBody>
-      </p:sp>
-      <p:graphicFrame>
-        <p:nvGraphicFramePr>
-          <p:cNvPr id="12" name="Chart 11">
-            <a:extLst>
-              <a:ext uri="{FF2B5EF4-FFF2-40B4-BE49-F238E27FC236}">
-                <a16:creationId xmlns:a16="http://schemas.microsoft.com/office/drawing/2014/main" id="{2035DAC9-9AAD-4F72-A9CB-571CB7707E89}"/>
-              </a:ext>
-            </a:extLst>
-          </p:cNvPr>
-          <p:cNvGraphicFramePr/>
-          <p:nvPr>
-            <p:extLst>
-              <p:ext uri="{D42A27DB-BD31-4B8C-83A1-F6EECF244321}">
-                <p14:modId xmlns:p14="http://schemas.microsoft.com/office/powerpoint/2010/main" val="2276952693"/>
-              </p:ext>
-            </p:extLst>
-          </p:nvPr>
-        </p:nvGraphicFramePr>
-        <p:xfrm>
-          <a:off x="7287020" y="1633074"/>
-          <a:ext cx="3533775" cy="2416126"/>
-        </p:xfrm>
-        <a:graphic>
-          <a:graphicData uri="http://schemas.openxmlformats.org/drawingml/2006/chart">
-            <c:chart xmlns:c="http://schemas.openxmlformats.org/drawingml/2006/chart" xmlns:r="http://schemas.openxmlformats.org/officeDocument/2006/relationships" r:id="rId5"/>
-          </a:graphicData>
-        </a:graphic>
-      </p:graphicFrame>
-      <p:graphicFrame>
-        <p:nvGraphicFramePr>
-          <p:cNvPr id="22" name="Chart 21">
-            <a:extLst>
-              <a:ext uri="{FF2B5EF4-FFF2-40B4-BE49-F238E27FC236}">
-                <a16:creationId xmlns:a16="http://schemas.microsoft.com/office/drawing/2014/main" id="{C8329CD2-8A18-42AD-AD5A-CC3B77EE5C1B}"/>
-              </a:ext>
-            </a:extLst>
-          </p:cNvPr>
-          <p:cNvGraphicFramePr/>
-          <p:nvPr>
-            <p:extLst>
-              <p:ext uri="{D42A27DB-BD31-4B8C-83A1-F6EECF244321}">
-                <p14:modId xmlns:p14="http://schemas.microsoft.com/office/powerpoint/2010/main" val="1282408924"/>
-              </p:ext>
-            </p:extLst>
-          </p:nvPr>
-        </p:nvGraphicFramePr>
-        <p:xfrm>
-          <a:off x="1990725" y="3694271"/>
-          <a:ext cx="9363075" cy="2672106"/>
-        </p:xfrm>
-        <a:graphic>
-          <a:graphicData uri="http://schemas.openxmlformats.org/drawingml/2006/chart">
-            <c:chart xmlns:c="http://schemas.openxmlformats.org/drawingml/2006/chart" xmlns:r="http://schemas.openxmlformats.org/officeDocument/2006/relationships" r:id="rId6"/>
-          </a:graphicData>
-        </a:graphic>
-      </p:graphicFrame>
-      <p:pic>
-        <p:nvPicPr>
-          <p:cNvPr id="24" name="Picture 23">
-            <a:extLst>
-              <a:ext uri="{FF2B5EF4-FFF2-40B4-BE49-F238E27FC236}">
-                <a16:creationId xmlns:a16="http://schemas.microsoft.com/office/drawing/2014/main" id="{CE5E92F0-CFAF-40A1-A87A-E0FF75D95BDF}"/>
-              </a:ext>
-            </a:extLst>
-          </p:cNvPr>
-          <p:cNvPicPr>
-            <a:picLocks noChangeAspect="1"/>
-          </p:cNvPicPr>
-          <p:nvPr/>
-        </p:nvPicPr>
-        <p:blipFill>
-          <a:blip r:embed="rId7"/>
-          <a:stretch>
-            <a:fillRect/>
-          </a:stretch>
-        </p:blipFill>
-        <p:spPr>
-          <a:xfrm>
-            <a:off x="1990725" y="2086295"/>
-            <a:ext cx="2095201" cy="711007"/>
-          </a:xfrm>
-          <a:prstGeom prst="rect">
-            <a:avLst/>
-          </a:prstGeom>
-        </p:spPr>
-      </p:pic>
-      <p:pic>
-        <p:nvPicPr>
-          <p:cNvPr id="17" name="Picture 16">
-            <a:extLst>
-              <a:ext uri="{FF2B5EF4-FFF2-40B4-BE49-F238E27FC236}">
-                <a16:creationId xmlns:a16="http://schemas.microsoft.com/office/drawing/2014/main" id="{A486CF6C-4CE7-4291-8C86-F28424C066F7}"/>
-              </a:ext>
-            </a:extLst>
-          </p:cNvPr>
-          <p:cNvPicPr>
-            <a:picLocks noChangeAspect="1"/>
-          </p:cNvPicPr>
-          <p:nvPr/>
-        </p:nvPicPr>
-        <p:blipFill>
-          <a:blip r:embed="rId8"/>
-          <a:stretch>
-            <a:fillRect/>
-          </a:stretch>
-        </p:blipFill>
-        <p:spPr>
-          <a:xfrm>
-            <a:off x="4467225" y="2086295"/>
-            <a:ext cx="2095201" cy="685973"/>
-          </a:xfrm>
-          <a:prstGeom prst="rect">
-            <a:avLst/>
-          </a:prstGeom>
-        </p:spPr>
-      </p:pic>
-      <p:pic>
-        <p:nvPicPr>
-          <p:cNvPr id="25" name="Picture 24">
-            <a:extLst>
-              <a:ext uri="{FF2B5EF4-FFF2-40B4-BE49-F238E27FC236}">
-                <a16:creationId xmlns:a16="http://schemas.microsoft.com/office/drawing/2014/main" id="{11C5DBAB-2417-4AB1-A2C3-38B4ABD3999A}"/>
-              </a:ext>
-            </a:extLst>
-          </p:cNvPr>
-          <p:cNvPicPr>
-            <a:picLocks noChangeAspect="1"/>
-          </p:cNvPicPr>
-          <p:nvPr/>
-        </p:nvPicPr>
-        <p:blipFill>
-          <a:blip r:embed="rId9"/>
-          <a:stretch>
-            <a:fillRect/>
-          </a:stretch>
-        </p:blipFill>
-        <p:spPr>
-          <a:xfrm>
-            <a:off x="3239558" y="3051770"/>
-            <a:ext cx="2095200" cy="678518"/>
-          </a:xfrm>
-          <a:prstGeom prst="rect">
-            <a:avLst/>
-          </a:prstGeom>
-        </p:spPr>
-      </p:pic>
-      <p:pic>
-        <p:nvPicPr>
-          <p:cNvPr id="28" name="Picture 27">
-            <a:extLst>
-              <a:ext uri="{FF2B5EF4-FFF2-40B4-BE49-F238E27FC236}">
-                <a16:creationId xmlns:a16="http://schemas.microsoft.com/office/drawing/2014/main" id="{8AE26CE1-9386-4123-BC81-EEAFDCA78E71}"/>
-              </a:ext>
-            </a:extLst>
-          </p:cNvPr>
-          <p:cNvPicPr>
-            <a:picLocks noChangeAspect="1"/>
-          </p:cNvPicPr>
-          <p:nvPr/>
-        </p:nvPicPr>
-        <p:blipFill>
-          <a:blip r:embed="rId10"/>
-          <a:stretch>
-            <a:fillRect/>
-          </a:stretch>
-        </p:blipFill>
-        <p:spPr>
-          <a:xfrm>
-            <a:off x="1733550" y="1256206"/>
-            <a:ext cx="10210799" cy="333755"/>
-          </a:xfrm>
-          <a:prstGeom prst="rect">
-            <a:avLst/>
-          </a:prstGeom>
-        </p:spPr>
-      </p:pic>
-    </p:spTree>
-    <p:extLst>
-      <p:ext uri="{BB962C8B-B14F-4D97-AF65-F5344CB8AC3E}">
-        <p14:creationId xmlns:p14="http://schemas.microsoft.com/office/powerpoint/2010/main" val="3384355084"/>
-      </p:ext>
-    </p:extLst>
-  </p:cSld>
-  <p:clrMapOvr>
-    <a:masterClrMapping/>
-  </p:clrMapOvr>
-</p:sld>
-</file>
-
-<file path=ppt/slides/slide20.xml><?xml version="1.0" encoding="utf-8"?>
+<file path=ppt/slides/slide17.xml><?xml version="1.0" encoding="utf-8"?>
 <p:sld xmlns:a="http://schemas.openxmlformats.org/drawingml/2006/main" xmlns:r="http://schemas.openxmlformats.org/officeDocument/2006/relationships" xmlns:p="http://schemas.openxmlformats.org/presentationml/2006/main">
   <p:cSld>
     <p:spTree>
@@ -13701,7 +13686,7 @@
 </p:sld>
 </file>
 
-<file path=ppt/slides/slide21.xml><?xml version="1.0" encoding="utf-8"?>
+<file path=ppt/slides/slide18.xml><?xml version="1.0" encoding="utf-8"?>
 <p:sld xmlns:a="http://schemas.openxmlformats.org/drawingml/2006/main" xmlns:r="http://schemas.openxmlformats.org/officeDocument/2006/relationships" xmlns:p="http://schemas.openxmlformats.org/presentationml/2006/main">
   <p:cSld>
     <p:spTree>
@@ -13993,7 +13978,7 @@
 </p:sld>
 </file>
 
-<file path=ppt/slides/slide22.xml><?xml version="1.0" encoding="utf-8"?>
+<file path=ppt/slides/slide19.xml><?xml version="1.0" encoding="utf-8"?>
 <p:sld xmlns:a="http://schemas.openxmlformats.org/drawingml/2006/main" xmlns:r="http://schemas.openxmlformats.org/officeDocument/2006/relationships" xmlns:p="http://schemas.openxmlformats.org/presentationml/2006/main">
   <p:cSld>
     <p:spTree>
@@ -14010,86 +13995,6 @@
           <a:chExt cx="0" cy="0"/>
         </a:xfrm>
       </p:grpSpPr>
-      <p:grpSp>
-        <p:nvGrpSpPr>
-          <p:cNvPr id="7" name="Group 6">
-            <a:extLst>
-              <a:ext uri="{FF2B5EF4-FFF2-40B4-BE49-F238E27FC236}">
-                <a16:creationId xmlns:a16="http://schemas.microsoft.com/office/drawing/2014/main" id="{42389C65-2C76-4C72-AD6E-D6670EF0ABC9}"/>
-              </a:ext>
-            </a:extLst>
-          </p:cNvPr>
-          <p:cNvGrpSpPr/>
-          <p:nvPr/>
-        </p:nvGrpSpPr>
-        <p:grpSpPr>
-          <a:xfrm>
-            <a:off x="142875" y="527619"/>
-            <a:ext cx="11854305" cy="6241480"/>
-            <a:chOff x="142875" y="527619"/>
-            <a:chExt cx="11854305" cy="6241480"/>
-          </a:xfrm>
-        </p:grpSpPr>
-        <p:pic>
-          <p:nvPicPr>
-            <p:cNvPr id="9" name="Picture 8">
-              <a:extLst>
-                <a:ext uri="{FF2B5EF4-FFF2-40B4-BE49-F238E27FC236}">
-                  <a16:creationId xmlns:a16="http://schemas.microsoft.com/office/drawing/2014/main" id="{6C1F69D9-48D3-45BD-A08C-5F73FCF85E5F}"/>
-                </a:ext>
-              </a:extLst>
-            </p:cNvPr>
-            <p:cNvPicPr>
-              <a:picLocks noChangeAspect="1"/>
-            </p:cNvPicPr>
-            <p:nvPr/>
-          </p:nvPicPr>
-          <p:blipFill rotWithShape="1">
-            <a:blip r:embed="rId2"/>
-            <a:srcRect t="6397"/>
-            <a:stretch/>
-          </p:blipFill>
-          <p:spPr>
-            <a:xfrm>
-              <a:off x="142875" y="527620"/>
-              <a:ext cx="11854305" cy="6241479"/>
-            </a:xfrm>
-            <a:prstGeom prst="rect">
-              <a:avLst/>
-            </a:prstGeom>
-          </p:spPr>
-        </p:pic>
-        <p:pic>
-          <p:nvPicPr>
-            <p:cNvPr id="4" name="Picture 3">
-              <a:extLst>
-                <a:ext uri="{FF2B5EF4-FFF2-40B4-BE49-F238E27FC236}">
-                  <a16:creationId xmlns:a16="http://schemas.microsoft.com/office/drawing/2014/main" id="{A1806FEA-623F-48BF-B995-96387E3B88D4}"/>
-                </a:ext>
-              </a:extLst>
-            </p:cNvPr>
-            <p:cNvPicPr>
-              <a:picLocks noChangeAspect="1"/>
-            </p:cNvPicPr>
-            <p:nvPr/>
-          </p:nvPicPr>
-          <p:blipFill>
-            <a:blip r:embed="rId3"/>
-            <a:stretch>
-              <a:fillRect/>
-            </a:stretch>
-          </p:blipFill>
-          <p:spPr>
-            <a:xfrm>
-              <a:off x="142876" y="527619"/>
-              <a:ext cx="1484594" cy="6241479"/>
-            </a:xfrm>
-            <a:prstGeom prst="rect">
-              <a:avLst/>
-            </a:prstGeom>
-          </p:spPr>
-        </p:pic>
-      </p:grpSp>
       <p:sp>
         <p:nvSpPr>
           <p:cNvPr id="6" name="Title 1">
@@ -14126,111 +14031,66 @@
           </a:p>
         </p:txBody>
       </p:sp>
-      <p:grpSp>
-        <p:nvGrpSpPr>
-          <p:cNvPr id="5" name="Group 4">
+      <p:pic>
+        <p:nvPicPr>
+          <p:cNvPr id="12" name="Picture 11">
             <a:extLst>
               <a:ext uri="{FF2B5EF4-FFF2-40B4-BE49-F238E27FC236}">
-                <a16:creationId xmlns:a16="http://schemas.microsoft.com/office/drawing/2014/main" id="{5AF2E1FA-3D4F-4D2F-A0D7-F9F464B06C68}"/>
+                <a16:creationId xmlns:a16="http://schemas.microsoft.com/office/drawing/2014/main" id="{4D9FAE69-6E24-425F-9E76-64A7CE47C754}"/>
               </a:ext>
             </a:extLst>
           </p:cNvPr>
-          <p:cNvGrpSpPr/>
+          <p:cNvPicPr>
+            <a:picLocks noChangeAspect="1"/>
+          </p:cNvPicPr>
           <p:nvPr/>
-        </p:nvGrpSpPr>
-        <p:grpSpPr>
+        </p:nvPicPr>
+        <p:blipFill>
+          <a:blip r:embed="rId2"/>
+          <a:stretch>
+            <a:fillRect/>
+          </a:stretch>
+        </p:blipFill>
+        <p:spPr>
           <a:xfrm>
-            <a:off x="274721" y="1485901"/>
-            <a:ext cx="11447379" cy="5283198"/>
-            <a:chOff x="274721" y="1485901"/>
-            <a:chExt cx="11447379" cy="5283198"/>
+            <a:off x="166687" y="304800"/>
+            <a:ext cx="11858625" cy="6248400"/>
           </a:xfrm>
-        </p:grpSpPr>
-        <p:pic>
-          <p:nvPicPr>
-            <p:cNvPr id="8" name="Picture 7">
-              <a:extLst>
-                <a:ext uri="{FF2B5EF4-FFF2-40B4-BE49-F238E27FC236}">
-                  <a16:creationId xmlns:a16="http://schemas.microsoft.com/office/drawing/2014/main" id="{4CA65BDF-DF6E-4F08-8C63-E16E5A114E1B}"/>
-                </a:ext>
-              </a:extLst>
-            </p:cNvPr>
-            <p:cNvPicPr>
-              <a:picLocks noChangeAspect="1"/>
-            </p:cNvPicPr>
-            <p:nvPr/>
-          </p:nvPicPr>
-          <p:blipFill rotWithShape="1">
-            <a:blip r:embed="rId4"/>
-            <a:srcRect l="14906" t="21113" r="2747" b="62389"/>
-            <a:stretch/>
-          </p:blipFill>
-          <p:spPr>
-            <a:xfrm>
-              <a:off x="1917699" y="1485901"/>
-              <a:ext cx="9804401" cy="1104900"/>
-            </a:xfrm>
-            <a:prstGeom prst="rect">
-              <a:avLst/>
-            </a:prstGeom>
-          </p:spPr>
-        </p:pic>
-        <p:sp>
-          <p:nvSpPr>
-            <p:cNvPr id="2" name="TextBox 1">
-              <a:extLst>
-                <a:ext uri="{FF2B5EF4-FFF2-40B4-BE49-F238E27FC236}">
-                  <a16:creationId xmlns:a16="http://schemas.microsoft.com/office/drawing/2014/main" id="{269F27FE-8F0B-4D01-B2D1-FD6947A22327}"/>
-                </a:ext>
-              </a:extLst>
-            </p:cNvPr>
-            <p:cNvSpPr txBox="1"/>
-            <p:nvPr/>
-          </p:nvSpPr>
-          <p:spPr>
-            <a:xfrm>
-              <a:off x="274721" y="6461322"/>
-              <a:ext cx="1126958" cy="307777"/>
-            </a:xfrm>
-            <a:prstGeom prst="rect">
-              <a:avLst/>
-            </a:prstGeom>
-            <a:noFill/>
-          </p:spPr>
-          <p:txBody>
-            <a:bodyPr wrap="square" rtlCol="0">
-              <a:spAutoFit/>
-            </a:bodyPr>
-            <a:lstStyle/>
-            <a:p>
-              <a:pPr algn="ctr"/>
-              <a:r>
-                <a:rPr lang="en-GB" sz="700" dirty="0">
-                  <a:solidFill>
-                    <a:schemeClr val="bg1"/>
-                  </a:solidFill>
-                  <a:latin typeface="Arial" panose="020B0604020202020204" pitchFamily="34" charset="0"/>
-                  <a:cs typeface="Arial" panose="020B0604020202020204" pitchFamily="34" charset="0"/>
-                </a:rPr>
-                <a:t>ICAP - v1.0.0</a:t>
-              </a:r>
-            </a:p>
-            <a:p>
-              <a:pPr algn="ctr"/>
-              <a:r>
-                <a:rPr lang="en-GB" sz="700" dirty="0">
-                  <a:solidFill>
-                    <a:schemeClr val="bg1"/>
-                  </a:solidFill>
-                  <a:latin typeface="Arial" panose="020B0604020202020204" pitchFamily="34" charset="0"/>
-                  <a:cs typeface="Arial" panose="020B0604020202020204" pitchFamily="34" charset="0"/>
-                </a:rPr>
-                <a:t>Rebuild - v1.5</a:t>
-              </a:r>
-            </a:p>
-          </p:txBody>
-        </p:sp>
-      </p:grpSp>
+          <a:prstGeom prst="rect">
+            <a:avLst/>
+          </a:prstGeom>
+        </p:spPr>
+      </p:pic>
+      <p:pic>
+        <p:nvPicPr>
+          <p:cNvPr id="14" name="Picture 13">
+            <a:extLst>
+              <a:ext uri="{FF2B5EF4-FFF2-40B4-BE49-F238E27FC236}">
+                <a16:creationId xmlns:a16="http://schemas.microsoft.com/office/drawing/2014/main" id="{D1E36270-EFF9-435D-B603-1C835450CF46}"/>
+              </a:ext>
+            </a:extLst>
+          </p:cNvPr>
+          <p:cNvPicPr>
+            <a:picLocks noChangeAspect="1"/>
+          </p:cNvPicPr>
+          <p:nvPr/>
+        </p:nvPicPr>
+        <p:blipFill>
+          <a:blip r:embed="rId3"/>
+          <a:stretch>
+            <a:fillRect/>
+          </a:stretch>
+        </p:blipFill>
+        <p:spPr>
+          <a:xfrm>
+            <a:off x="1924049" y="1301773"/>
+            <a:ext cx="9810751" cy="1213957"/>
+          </a:xfrm>
+          <a:prstGeom prst="rect">
+            <a:avLst/>
+          </a:prstGeom>
+        </p:spPr>
+      </p:pic>
     </p:spTree>
     <p:extLst>
       <p:ext uri="{BB962C8B-B14F-4D97-AF65-F5344CB8AC3E}">
@@ -14244,7 +14104,7 @@
 </p:sld>
 </file>
 
-<file path=ppt/slides/slide23.xml><?xml version="1.0" encoding="utf-8"?>
+<file path=ppt/slides/slide2.xml><?xml version="1.0" encoding="utf-8"?>
 <p:sld xmlns:a="http://schemas.openxmlformats.org/drawingml/2006/main" xmlns:r="http://schemas.openxmlformats.org/officeDocument/2006/relationships" xmlns:p="http://schemas.openxmlformats.org/presentationml/2006/main">
   <p:cSld>
     <p:spTree>
@@ -14266,7 +14126,7 @@
           <p:cNvPr id="5" name="Group 4">
             <a:extLst>
               <a:ext uri="{FF2B5EF4-FFF2-40B4-BE49-F238E27FC236}">
-                <a16:creationId xmlns:a16="http://schemas.microsoft.com/office/drawing/2014/main" id="{E57A4BFB-B293-481E-A067-C25FC5F4097F}"/>
+                <a16:creationId xmlns:a16="http://schemas.microsoft.com/office/drawing/2014/main" id="{90B661F0-1C3E-4DF9-8667-D7DCCEB97928}"/>
               </a:ext>
             </a:extLst>
           </p:cNvPr>
@@ -14275,18 +14135,18 @@
         </p:nvGrpSpPr>
         <p:grpSpPr>
           <a:xfrm>
-            <a:off x="142875" y="527619"/>
-            <a:ext cx="11854305" cy="6241480"/>
-            <a:chOff x="142875" y="527619"/>
-            <a:chExt cx="11854305" cy="6241480"/>
+            <a:off x="132559" y="380999"/>
+            <a:ext cx="11926881" cy="6284620"/>
+            <a:chOff x="132559" y="380999"/>
+            <a:chExt cx="11926881" cy="6284620"/>
           </a:xfrm>
         </p:grpSpPr>
         <p:pic>
           <p:nvPicPr>
-            <p:cNvPr id="9" name="Picture 8">
+            <p:cNvPr id="11" name="Picture 10">
               <a:extLst>
                 <a:ext uri="{FF2B5EF4-FFF2-40B4-BE49-F238E27FC236}">
-                  <a16:creationId xmlns:a16="http://schemas.microsoft.com/office/drawing/2014/main" id="{3E8E18B0-B2BB-4864-8266-8741C9F5CB1A}"/>
+                  <a16:creationId xmlns:a16="http://schemas.microsoft.com/office/drawing/2014/main" id="{D1714B7C-7372-4342-AB3E-29E3F2FC307A}"/>
                 </a:ext>
               </a:extLst>
             </p:cNvPr>
@@ -14297,13 +14157,13 @@
           </p:nvPicPr>
           <p:blipFill rotWithShape="1">
             <a:blip r:embed="rId2"/>
-            <a:srcRect t="6397"/>
+            <a:srcRect t="6323"/>
             <a:stretch/>
           </p:blipFill>
           <p:spPr>
             <a:xfrm>
-              <a:off x="142875" y="527620"/>
-              <a:ext cx="11854305" cy="6241479"/>
+              <a:off x="132559" y="381000"/>
+              <a:ext cx="11926881" cy="6284619"/>
             </a:xfrm>
             <a:prstGeom prst="rect">
               <a:avLst/>
@@ -14315,7 +14175,7 @@
             <p:cNvPr id="4" name="Picture 3">
               <a:extLst>
                 <a:ext uri="{FF2B5EF4-FFF2-40B4-BE49-F238E27FC236}">
-                  <a16:creationId xmlns:a16="http://schemas.microsoft.com/office/drawing/2014/main" id="{268EC9F9-2005-4DDB-A709-93CDE275FBCA}"/>
+                  <a16:creationId xmlns:a16="http://schemas.microsoft.com/office/drawing/2014/main" id="{7789D4B5-282B-42C2-AC42-5BCA86C041BF}"/>
                 </a:ext>
               </a:extLst>
             </p:cNvPr>
@@ -14332,8 +14192,8 @@
           </p:blipFill>
           <p:spPr>
             <a:xfrm>
-              <a:off x="142876" y="527619"/>
-              <a:ext cx="1484594" cy="6241479"/>
+              <a:off x="132560" y="380999"/>
+              <a:ext cx="1498114" cy="6284620"/>
             </a:xfrm>
             <a:prstGeom prst="rect">
               <a:avLst/>
@@ -14341,12 +14201,41 @@
           </p:spPr>
         </p:pic>
       </p:grpSp>
+      <p:pic>
+        <p:nvPicPr>
+          <p:cNvPr id="15" name="Picture 14">
+            <a:extLst>
+              <a:ext uri="{FF2B5EF4-FFF2-40B4-BE49-F238E27FC236}">
+                <a16:creationId xmlns:a16="http://schemas.microsoft.com/office/drawing/2014/main" id="{4BE2D429-E650-4089-B5BB-D9531764BDBF}"/>
+              </a:ext>
+            </a:extLst>
+          </p:cNvPr>
+          <p:cNvPicPr>
+            <a:picLocks noChangeAspect="1"/>
+          </p:cNvPicPr>
+          <p:nvPr/>
+        </p:nvPicPr>
+        <p:blipFill rotWithShape="1">
+          <a:blip r:embed="rId4"/>
+          <a:srcRect l="1912" t="3131" r="2194" b="3129"/>
+          <a:stretch/>
+        </p:blipFill>
+        <p:spPr>
+          <a:xfrm>
+            <a:off x="1752478" y="865414"/>
+            <a:ext cx="10191871" cy="5664059"/>
+          </a:xfrm>
+          <a:prstGeom prst="rect">
+            <a:avLst/>
+          </a:prstGeom>
+        </p:spPr>
+      </p:pic>
       <p:sp>
         <p:nvSpPr>
-          <p:cNvPr id="11" name="Title 1">
+          <p:cNvPr id="2" name="Title 1">
             <a:extLst>
               <a:ext uri="{FF2B5EF4-FFF2-40B4-BE49-F238E27FC236}">
-                <a16:creationId xmlns:a16="http://schemas.microsoft.com/office/drawing/2014/main" id="{F1208A30-0B9B-4B05-9B44-C8E72DFAE90E}"/>
+                <a16:creationId xmlns:a16="http://schemas.microsoft.com/office/drawing/2014/main" id="{68E1338A-396C-4358-8642-6941DC0A23FD}"/>
               </a:ext>
             </a:extLst>
           </p:cNvPr>
@@ -14372,17 +14261,73 @@
             <a:pPr algn="ctr"/>
             <a:r>
               <a:rPr lang="en-GB" sz="1800" b="1" dirty="0"/>
-              <a:t>User Management -&gt; New User</a:t>
+              <a:t>3.2.1 – Performance Display</a:t>
             </a:r>
           </a:p>
         </p:txBody>
       </p:sp>
+      <p:graphicFrame>
+        <p:nvGraphicFramePr>
+          <p:cNvPr id="12" name="Chart 11">
+            <a:extLst>
+              <a:ext uri="{FF2B5EF4-FFF2-40B4-BE49-F238E27FC236}">
+                <a16:creationId xmlns:a16="http://schemas.microsoft.com/office/drawing/2014/main" id="{2035DAC9-9AAD-4F72-A9CB-571CB7707E89}"/>
+              </a:ext>
+            </a:extLst>
+          </p:cNvPr>
+          <p:cNvGraphicFramePr/>
+          <p:nvPr>
+            <p:extLst>
+              <p:ext uri="{D42A27DB-BD31-4B8C-83A1-F6EECF244321}">
+                <p14:modId xmlns:p14="http://schemas.microsoft.com/office/powerpoint/2010/main" val="2276952693"/>
+              </p:ext>
+            </p:extLst>
+          </p:nvPr>
+        </p:nvGraphicFramePr>
+        <p:xfrm>
+          <a:off x="7287020" y="1633074"/>
+          <a:ext cx="3533775" cy="2416126"/>
+        </p:xfrm>
+        <a:graphic>
+          <a:graphicData uri="http://schemas.openxmlformats.org/drawingml/2006/chart">
+            <c:chart xmlns:c="http://schemas.openxmlformats.org/drawingml/2006/chart" xmlns:r="http://schemas.openxmlformats.org/officeDocument/2006/relationships" r:id="rId5"/>
+          </a:graphicData>
+        </a:graphic>
+      </p:graphicFrame>
+      <p:graphicFrame>
+        <p:nvGraphicFramePr>
+          <p:cNvPr id="22" name="Chart 21">
+            <a:extLst>
+              <a:ext uri="{FF2B5EF4-FFF2-40B4-BE49-F238E27FC236}">
+                <a16:creationId xmlns:a16="http://schemas.microsoft.com/office/drawing/2014/main" id="{C8329CD2-8A18-42AD-AD5A-CC3B77EE5C1B}"/>
+              </a:ext>
+            </a:extLst>
+          </p:cNvPr>
+          <p:cNvGraphicFramePr/>
+          <p:nvPr>
+            <p:extLst>
+              <p:ext uri="{D42A27DB-BD31-4B8C-83A1-F6EECF244321}">
+                <p14:modId xmlns:p14="http://schemas.microsoft.com/office/powerpoint/2010/main" val="1282408924"/>
+              </p:ext>
+            </p:extLst>
+          </p:nvPr>
+        </p:nvGraphicFramePr>
+        <p:xfrm>
+          <a:off x="1990725" y="3694271"/>
+          <a:ext cx="9363075" cy="2672106"/>
+        </p:xfrm>
+        <a:graphic>
+          <a:graphicData uri="http://schemas.openxmlformats.org/drawingml/2006/chart">
+            <c:chart xmlns:c="http://schemas.openxmlformats.org/drawingml/2006/chart" xmlns:r="http://schemas.openxmlformats.org/officeDocument/2006/relationships" r:id="rId6"/>
+          </a:graphicData>
+        </a:graphic>
+      </p:graphicFrame>
       <p:pic>
         <p:nvPicPr>
-          <p:cNvPr id="15" name="Picture 14">
+          <p:cNvPr id="24" name="Picture 23">
             <a:extLst>
               <a:ext uri="{FF2B5EF4-FFF2-40B4-BE49-F238E27FC236}">
-                <a16:creationId xmlns:a16="http://schemas.microsoft.com/office/drawing/2014/main" id="{56F09245-CD76-4DFB-8FDD-10E54015CDBE}"/>
+                <a16:creationId xmlns:a16="http://schemas.microsoft.com/office/drawing/2014/main" id="{CE5E92F0-CFAF-40A1-A87A-E0FF75D95BDF}"/>
               </a:ext>
             </a:extLst>
           </p:cNvPr>
@@ -14391,15 +14336,16 @@
           </p:cNvPicPr>
           <p:nvPr/>
         </p:nvPicPr>
-        <p:blipFill rotWithShape="1">
-          <a:blip r:embed="rId4"/>
-          <a:srcRect l="77792" t="18319" r="1149" b="2043"/>
-          <a:stretch/>
+        <p:blipFill>
+          <a:blip r:embed="rId7"/>
+          <a:stretch>
+            <a:fillRect/>
+          </a:stretch>
         </p:blipFill>
         <p:spPr>
           <a:xfrm>
-            <a:off x="9721516" y="6104021"/>
-            <a:ext cx="1908509" cy="214413"/>
+            <a:off x="1990725" y="2086295"/>
+            <a:ext cx="2095201" cy="711007"/>
           </a:xfrm>
           <a:prstGeom prst="rect">
             <a:avLst/>
@@ -14408,10 +14354,10 @@
       </p:pic>
       <p:pic>
         <p:nvPicPr>
-          <p:cNvPr id="13" name="Picture 12">
+          <p:cNvPr id="17" name="Picture 16">
             <a:extLst>
               <a:ext uri="{FF2B5EF4-FFF2-40B4-BE49-F238E27FC236}">
-                <a16:creationId xmlns:a16="http://schemas.microsoft.com/office/drawing/2014/main" id="{15259AA6-3909-4155-9764-DDE8233E4F94}"/>
+                <a16:creationId xmlns:a16="http://schemas.microsoft.com/office/drawing/2014/main" id="{A486CF6C-4CE7-4291-8C86-F28424C066F7}"/>
               </a:ext>
             </a:extLst>
           </p:cNvPr>
@@ -14420,15 +14366,76 @@
           </p:cNvPicPr>
           <p:nvPr/>
         </p:nvPicPr>
-        <p:blipFill rotWithShape="1">
-          <a:blip r:embed="rId5"/>
-          <a:srcRect l="15033" t="25490" r="2532" b="54369"/>
-          <a:stretch/>
+        <p:blipFill>
+          <a:blip r:embed="rId8"/>
+          <a:stretch>
+            <a:fillRect/>
+          </a:stretch>
         </p:blipFill>
         <p:spPr>
           <a:xfrm>
-            <a:off x="2019300" y="1828800"/>
-            <a:ext cx="9610725" cy="1320800"/>
+            <a:off x="4467225" y="2086295"/>
+            <a:ext cx="2095201" cy="685973"/>
+          </a:xfrm>
+          <a:prstGeom prst="rect">
+            <a:avLst/>
+          </a:prstGeom>
+        </p:spPr>
+      </p:pic>
+      <p:pic>
+        <p:nvPicPr>
+          <p:cNvPr id="25" name="Picture 24">
+            <a:extLst>
+              <a:ext uri="{FF2B5EF4-FFF2-40B4-BE49-F238E27FC236}">
+                <a16:creationId xmlns:a16="http://schemas.microsoft.com/office/drawing/2014/main" id="{11C5DBAB-2417-4AB1-A2C3-38B4ABD3999A}"/>
+              </a:ext>
+            </a:extLst>
+          </p:cNvPr>
+          <p:cNvPicPr>
+            <a:picLocks noChangeAspect="1"/>
+          </p:cNvPicPr>
+          <p:nvPr/>
+        </p:nvPicPr>
+        <p:blipFill>
+          <a:blip r:embed="rId9"/>
+          <a:stretch>
+            <a:fillRect/>
+          </a:stretch>
+        </p:blipFill>
+        <p:spPr>
+          <a:xfrm>
+            <a:off x="3239558" y="3051770"/>
+            <a:ext cx="2095200" cy="678518"/>
+          </a:xfrm>
+          <a:prstGeom prst="rect">
+            <a:avLst/>
+          </a:prstGeom>
+        </p:spPr>
+      </p:pic>
+      <p:pic>
+        <p:nvPicPr>
+          <p:cNvPr id="28" name="Picture 27">
+            <a:extLst>
+              <a:ext uri="{FF2B5EF4-FFF2-40B4-BE49-F238E27FC236}">
+                <a16:creationId xmlns:a16="http://schemas.microsoft.com/office/drawing/2014/main" id="{8AE26CE1-9386-4123-BC81-EEAFDCA78E71}"/>
+              </a:ext>
+            </a:extLst>
+          </p:cNvPr>
+          <p:cNvPicPr>
+            <a:picLocks noChangeAspect="1"/>
+          </p:cNvPicPr>
+          <p:nvPr/>
+        </p:nvPicPr>
+        <p:blipFill>
+          <a:blip r:embed="rId10"/>
+          <a:stretch>
+            <a:fillRect/>
+          </a:stretch>
+        </p:blipFill>
+        <p:spPr>
+          <a:xfrm>
+            <a:off x="1733550" y="1256206"/>
+            <a:ext cx="10210799" cy="333755"/>
           </a:xfrm>
           <a:prstGeom prst="rect">
             <a:avLst/>
@@ -14438,7 +14445,7 @@
     </p:spTree>
     <p:extLst>
       <p:ext uri="{BB962C8B-B14F-4D97-AF65-F5344CB8AC3E}">
-        <p14:creationId xmlns:p14="http://schemas.microsoft.com/office/powerpoint/2010/main" val="854942800"/>
+        <p14:creationId xmlns:p14="http://schemas.microsoft.com/office/powerpoint/2010/main" val="3384355084"/>
       </p:ext>
     </p:extLst>
   </p:cSld>
@@ -15221,86 +15228,6 @@
           <a:chExt cx="0" cy="0"/>
         </a:xfrm>
       </p:grpSpPr>
-      <p:sp>
-        <p:nvSpPr>
-          <p:cNvPr id="2" name="Title 1">
-            <a:extLst>
-              <a:ext uri="{FF2B5EF4-FFF2-40B4-BE49-F238E27FC236}">
-                <a16:creationId xmlns:a16="http://schemas.microsoft.com/office/drawing/2014/main" id="{639B9BD0-8728-4957-9F26-894BEEC597ED}"/>
-              </a:ext>
-            </a:extLst>
-          </p:cNvPr>
-          <p:cNvSpPr>
-            <a:spLocks noGrp="1"/>
-          </p:cNvSpPr>
-          <p:nvPr>
-            <p:ph type="title"/>
-          </p:nvPr>
-        </p:nvSpPr>
-        <p:spPr/>
-        <p:txBody>
-          <a:bodyPr/>
-          <a:lstStyle/>
-          <a:p>
-            <a:endParaRPr lang="en-GB" dirty="0"/>
-          </a:p>
-        </p:txBody>
-      </p:sp>
-      <p:sp>
-        <p:nvSpPr>
-          <p:cNvPr id="3" name="Content Placeholder 2">
-            <a:extLst>
-              <a:ext uri="{FF2B5EF4-FFF2-40B4-BE49-F238E27FC236}">
-                <a16:creationId xmlns:a16="http://schemas.microsoft.com/office/drawing/2014/main" id="{60128703-107B-4DE7-934F-22E8124B4F7F}"/>
-              </a:ext>
-            </a:extLst>
-          </p:cNvPr>
-          <p:cNvSpPr>
-            <a:spLocks noGrp="1"/>
-          </p:cNvSpPr>
-          <p:nvPr>
-            <p:ph idx="1"/>
-          </p:nvPr>
-        </p:nvSpPr>
-        <p:spPr/>
-        <p:txBody>
-          <a:bodyPr/>
-          <a:lstStyle/>
-          <a:p>
-            <a:endParaRPr lang="en-GB"/>
-          </a:p>
-        </p:txBody>
-      </p:sp>
-    </p:spTree>
-    <p:extLst>
-      <p:ext uri="{BB962C8B-B14F-4D97-AF65-F5344CB8AC3E}">
-        <p14:creationId xmlns:p14="http://schemas.microsoft.com/office/powerpoint/2010/main" val="2806091332"/>
-      </p:ext>
-    </p:extLst>
-  </p:cSld>
-  <p:clrMapOvr>
-    <a:masterClrMapping/>
-  </p:clrMapOvr>
-</p:sld>
-</file>
-
-<file path=ppt/slides/slide6.xml><?xml version="1.0" encoding="utf-8"?>
-<p:sld xmlns:a="http://schemas.openxmlformats.org/drawingml/2006/main" xmlns:r="http://schemas.openxmlformats.org/officeDocument/2006/relationships" xmlns:p="http://schemas.openxmlformats.org/presentationml/2006/main">
-  <p:cSld>
-    <p:spTree>
-      <p:nvGrpSpPr>
-        <p:cNvPr id="1" name=""/>
-        <p:cNvGrpSpPr/>
-        <p:nvPr/>
-      </p:nvGrpSpPr>
-      <p:grpSpPr>
-        <a:xfrm>
-          <a:off x="0" y="0"/>
-          <a:ext cx="0" cy="0"/>
-          <a:chOff x="0" y="0"/>
-          <a:chExt cx="0" cy="0"/>
-        </a:xfrm>
-      </p:grpSpPr>
       <p:grpSp>
         <p:nvGrpSpPr>
           <p:cNvPr id="5" name="Group 4">
@@ -15356,7 +15283,7 @@
               <p:nvPr/>
             </p:nvPicPr>
             <p:blipFill rotWithShape="1">
-              <a:blip r:embed="rId2"/>
+              <a:blip r:embed="rId3"/>
               <a:srcRect t="6584"/>
               <a:stretch/>
             </p:blipFill>
@@ -15532,7 +15459,7 @@
             <p:nvPr/>
           </p:nvPicPr>
           <p:blipFill>
-            <a:blip r:embed="rId3"/>
+            <a:blip r:embed="rId4"/>
             <a:stretch>
               <a:fillRect/>
             </a:stretch>
@@ -15618,7 +15545,7 @@
           <p:nvPr/>
         </p:nvPicPr>
         <p:blipFill rotWithShape="1">
-          <a:blip r:embed="rId2"/>
+          <a:blip r:embed="rId3"/>
           <a:srcRect l="13543" t="26175" r="2476" b="67489"/>
           <a:stretch/>
         </p:blipFill>
@@ -15647,14 +15574,14 @@
           <p:nvPr/>
         </p:nvPicPr>
         <p:blipFill>
-          <a:blip r:embed="rId4"/>
+          <a:blip r:embed="rId5"/>
           <a:stretch>
             <a:fillRect/>
           </a:stretch>
         </p:blipFill>
         <p:spPr>
           <a:xfrm>
-            <a:off x="1856857" y="1022838"/>
+            <a:off x="1856857" y="1710372"/>
             <a:ext cx="9934575" cy="4052436"/>
           </a:xfrm>
           <a:prstGeom prst="rect">
@@ -15677,13 +15604,13 @@
           <p:nvPr/>
         </p:nvPicPr>
         <p:blipFill rotWithShape="1">
-          <a:blip r:embed="rId5"/>
+          <a:blip r:embed="rId6"/>
           <a:srcRect l="15614" t="15972" r="3085" b="28033"/>
           <a:stretch/>
         </p:blipFill>
         <p:spPr>
           <a:xfrm>
-            <a:off x="2019309" y="1419345"/>
+            <a:off x="2019309" y="2106879"/>
             <a:ext cx="9609667" cy="3491182"/>
           </a:xfrm>
           <a:prstGeom prst="rect">
@@ -15693,10 +15620,10 @@
       </p:pic>
       <p:pic>
         <p:nvPicPr>
-          <p:cNvPr id="15" name="Picture 14">
+          <p:cNvPr id="2" name="Picture 1">
             <a:extLst>
               <a:ext uri="{FF2B5EF4-FFF2-40B4-BE49-F238E27FC236}">
-                <a16:creationId xmlns:a16="http://schemas.microsoft.com/office/drawing/2014/main" id="{4A5127A3-82CF-4F20-9F6E-3F810D794486}"/>
+                <a16:creationId xmlns:a16="http://schemas.microsoft.com/office/drawing/2014/main" id="{1E1852F3-52B6-4E79-96B9-3B07108712E1}"/>
               </a:ext>
             </a:extLst>
           </p:cNvPr>
@@ -15706,20 +15633,173 @@
           <p:nvPr/>
         </p:nvPicPr>
         <p:blipFill rotWithShape="1">
-          <a:blip r:embed="rId6"/>
-          <a:srcRect l="333"/>
+          <a:blip r:embed="rId7"/>
+          <a:srcRect l="-684" t="-683" b="51561"/>
           <a:stretch/>
         </p:blipFill>
         <p:spPr>
           <a:xfrm>
-            <a:off x="1882257" y="5122527"/>
-            <a:ext cx="9909175" cy="1415802"/>
+            <a:off x="1856857" y="5777768"/>
+            <a:ext cx="9893057" cy="823057"/>
           </a:xfrm>
           <a:prstGeom prst="rect">
             <a:avLst/>
           </a:prstGeom>
         </p:spPr>
       </p:pic>
+      <p:graphicFrame>
+        <p:nvGraphicFramePr>
+          <p:cNvPr id="4" name="Object 3">
+            <a:extLst>
+              <a:ext uri="{FF2B5EF4-FFF2-40B4-BE49-F238E27FC236}">
+                <a16:creationId xmlns:a16="http://schemas.microsoft.com/office/drawing/2014/main" id="{78CFE111-4C21-4FBC-BA88-6289838AB726}"/>
+              </a:ext>
+            </a:extLst>
+          </p:cNvPr>
+          <p:cNvGraphicFramePr>
+            <a:graphicFrameLocks noChangeAspect="1"/>
+          </p:cNvGraphicFramePr>
+          <p:nvPr>
+            <p:extLst>
+              <p:ext uri="{D42A27DB-BD31-4B8C-83A1-F6EECF244321}">
+                <p14:modId xmlns:p14="http://schemas.microsoft.com/office/powerpoint/2010/main" val="1729697113"/>
+              </p:ext>
+            </p:extLst>
+          </p:nvPr>
+        </p:nvGraphicFramePr>
+        <p:xfrm>
+          <a:off x="1734620" y="965688"/>
+          <a:ext cx="10218703" cy="679949"/>
+        </p:xfrm>
+        <a:graphic>
+          <a:graphicData uri="http://schemas.openxmlformats.org/presentationml/2006/ole">
+            <mc:AlternateContent xmlns:mc="http://schemas.openxmlformats.org/markup-compatibility/2006">
+              <mc:Choice xmlns:v="urn:schemas-microsoft-com:vml" Requires="v">
+                <p:oleObj spid="_x0000_s1035" name="Image" r:id="rId8" imgW="13599720" imgH="888840" progId="Photoshop.Image.13">
+                  <p:embed/>
+                </p:oleObj>
+              </mc:Choice>
+              <mc:Fallback>
+                <p:oleObj name="Image" r:id="rId8" imgW="13599720" imgH="888840" progId="Photoshop.Image.13">
+                  <p:embed/>
+                  <p:pic>
+                    <p:nvPicPr>
+                      <p:cNvPr id="0" name=""/>
+                      <p:cNvPicPr/>
+                      <p:nvPr/>
+                    </p:nvPicPr>
+                    <p:blipFill>
+                      <a:blip r:embed="rId9"/>
+                      <a:stretch>
+                        <a:fillRect/>
+                      </a:stretch>
+                    </p:blipFill>
+                    <p:spPr>
+                      <a:xfrm>
+                        <a:off x="1734620" y="965688"/>
+                        <a:ext cx="10218703" cy="679949"/>
+                      </a:xfrm>
+                      <a:prstGeom prst="rect">
+                        <a:avLst/>
+                      </a:prstGeom>
+                    </p:spPr>
+                  </p:pic>
+                </p:oleObj>
+              </mc:Fallback>
+            </mc:AlternateContent>
+          </a:graphicData>
+        </a:graphic>
+      </p:graphicFrame>
+      <p:grpSp>
+        <p:nvGrpSpPr>
+          <p:cNvPr id="8" name="Group 7">
+            <a:extLst>
+              <a:ext uri="{FF2B5EF4-FFF2-40B4-BE49-F238E27FC236}">
+                <a16:creationId xmlns:a16="http://schemas.microsoft.com/office/drawing/2014/main" id="{D9C6A59A-957E-4523-84A4-25EA83025CBB}"/>
+              </a:ext>
+            </a:extLst>
+          </p:cNvPr>
+          <p:cNvGrpSpPr/>
+          <p:nvPr/>
+        </p:nvGrpSpPr>
+        <p:grpSpPr>
+          <a:xfrm>
+            <a:off x="1856857" y="1068597"/>
+            <a:ext cx="3847098" cy="385762"/>
+            <a:chOff x="1856857" y="1068597"/>
+            <a:chExt cx="3847098" cy="385762"/>
+          </a:xfrm>
+        </p:grpSpPr>
+        <p:pic>
+          <p:nvPicPr>
+            <p:cNvPr id="6" name="Picture 5">
+              <a:extLst>
+                <a:ext uri="{FF2B5EF4-FFF2-40B4-BE49-F238E27FC236}">
+                  <a16:creationId xmlns:a16="http://schemas.microsoft.com/office/drawing/2014/main" id="{111E47BB-FB33-4F0C-BC10-6A4AC75B8D7E}"/>
+                </a:ext>
+              </a:extLst>
+            </p:cNvPr>
+            <p:cNvPicPr>
+              <a:picLocks noChangeAspect="1"/>
+            </p:cNvPicPr>
+            <p:nvPr/>
+          </p:nvPicPr>
+          <p:blipFill rotWithShape="1">
+            <a:blip r:embed="rId10">
+              <a:clrChange>
+                <a:clrFrom>
+                  <a:srgbClr val="FFFFFF"/>
+                </a:clrFrom>
+                <a:clrTo>
+                  <a:srgbClr val="FFFFFF">
+                    <a:alpha val="0"/>
+                  </a:srgbClr>
+                </a:clrTo>
+              </a:clrChange>
+            </a:blip>
+            <a:srcRect r="50687" b="69098"/>
+            <a:stretch/>
+          </p:blipFill>
+          <p:spPr>
+            <a:xfrm>
+              <a:off x="1856857" y="1068597"/>
+              <a:ext cx="3847098" cy="206727"/>
+            </a:xfrm>
+            <a:prstGeom prst="rect">
+              <a:avLst/>
+            </a:prstGeom>
+          </p:spPr>
+        </p:pic>
+        <p:pic>
+          <p:nvPicPr>
+            <p:cNvPr id="7" name="Picture 6">
+              <a:extLst>
+                <a:ext uri="{FF2B5EF4-FFF2-40B4-BE49-F238E27FC236}">
+                  <a16:creationId xmlns:a16="http://schemas.microsoft.com/office/drawing/2014/main" id="{A8755C2A-A446-4F82-B7B1-238696A2AD54}"/>
+                </a:ext>
+              </a:extLst>
+            </p:cNvPr>
+            <p:cNvPicPr>
+              <a:picLocks noChangeAspect="1"/>
+            </p:cNvPicPr>
+            <p:nvPr/>
+          </p:nvPicPr>
+          <p:blipFill rotWithShape="1">
+            <a:blip r:embed="rId10"/>
+            <a:srcRect t="36640" r="50687" b="46274"/>
+            <a:stretch/>
+          </p:blipFill>
+          <p:spPr>
+            <a:xfrm>
+              <a:off x="1856857" y="1340059"/>
+              <a:ext cx="3847098" cy="114300"/>
+            </a:xfrm>
+            <a:prstGeom prst="rect">
+              <a:avLst/>
+            </a:prstGeom>
+          </p:spPr>
+        </p:pic>
+      </p:grpSp>
     </p:spTree>
     <p:extLst>
       <p:ext uri="{BB962C8B-B14F-4D97-AF65-F5344CB8AC3E}">
@@ -15733,7 +15813,7 @@
 </p:sld>
 </file>
 
-<file path=ppt/slides/slide7.xml><?xml version="1.0" encoding="utf-8"?>
+<file path=ppt/slides/slide6.xml><?xml version="1.0" encoding="utf-8"?>
 <p:sld xmlns:a="http://schemas.openxmlformats.org/drawingml/2006/main" xmlns:r="http://schemas.openxmlformats.org/officeDocument/2006/relationships" xmlns:p="http://schemas.openxmlformats.org/presentationml/2006/main">
   <p:cSld>
     <p:spTree>
@@ -15752,10 +15832,10 @@
       </p:grpSpPr>
       <p:grpSp>
         <p:nvGrpSpPr>
-          <p:cNvPr id="5" name="Group 4">
+          <p:cNvPr id="18" name="Group 17">
             <a:extLst>
               <a:ext uri="{FF2B5EF4-FFF2-40B4-BE49-F238E27FC236}">
-                <a16:creationId xmlns:a16="http://schemas.microsoft.com/office/drawing/2014/main" id="{5708D627-3D44-4380-BF96-D697ED5301F2}"/>
+                <a16:creationId xmlns:a16="http://schemas.microsoft.com/office/drawing/2014/main" id="{F3CDF1C2-17B8-485A-AA3E-8A8B1E1B4DAD}"/>
               </a:ext>
             </a:extLst>
           </p:cNvPr>
@@ -15764,47 +15844,214 @@
         </p:nvGrpSpPr>
         <p:grpSpPr>
           <a:xfrm>
-            <a:off x="113263" y="438150"/>
-            <a:ext cx="11950667" cy="6271852"/>
-            <a:chOff x="113263" y="438150"/>
-            <a:chExt cx="11950667" cy="6271852"/>
+            <a:off x="109020" y="457688"/>
+            <a:ext cx="11973960" cy="6291872"/>
+            <a:chOff x="109020" y="457688"/>
+            <a:chExt cx="11973960" cy="6291872"/>
           </a:xfrm>
         </p:grpSpPr>
-        <p:pic>
-          <p:nvPicPr>
-            <p:cNvPr id="12" name="Picture 11">
+        <p:grpSp>
+          <p:nvGrpSpPr>
+            <p:cNvPr id="19" name="Group 18">
               <a:extLst>
                 <a:ext uri="{FF2B5EF4-FFF2-40B4-BE49-F238E27FC236}">
-                  <a16:creationId xmlns:a16="http://schemas.microsoft.com/office/drawing/2014/main" id="{E6FD92FC-4FEE-410B-9921-47DA8A48BC6D}"/>
+                  <a16:creationId xmlns:a16="http://schemas.microsoft.com/office/drawing/2014/main" id="{90F1DB9E-382E-46D0-9886-46DD7649FEE8}"/>
                 </a:ext>
               </a:extLst>
             </p:cNvPr>
-            <p:cNvPicPr>
-              <a:picLocks noChangeAspect="1"/>
-            </p:cNvPicPr>
+            <p:cNvGrpSpPr/>
             <p:nvPr/>
-          </p:nvPicPr>
-          <p:blipFill rotWithShape="1">
-            <a:blip r:embed="rId2"/>
-            <a:srcRect t="6584"/>
-            <a:stretch/>
-          </p:blipFill>
-          <p:spPr>
+          </p:nvGrpSpPr>
+          <p:grpSpPr>
             <a:xfrm>
-              <a:off x="128069" y="438150"/>
-              <a:ext cx="11935861" cy="6271852"/>
+              <a:off x="109020" y="457688"/>
+              <a:ext cx="11973960" cy="6291872"/>
+              <a:chOff x="104776" y="438150"/>
+              <a:chExt cx="11973960" cy="6291872"/>
             </a:xfrm>
-            <a:prstGeom prst="rect">
-              <a:avLst/>
-            </a:prstGeom>
-          </p:spPr>
-        </p:pic>
+          </p:grpSpPr>
+          <p:pic>
+            <p:nvPicPr>
+              <p:cNvPr id="23" name="Picture 22">
+                <a:extLst>
+                  <a:ext uri="{FF2B5EF4-FFF2-40B4-BE49-F238E27FC236}">
+                    <a16:creationId xmlns:a16="http://schemas.microsoft.com/office/drawing/2014/main" id="{A01FC7CE-0AAA-435F-9101-2DB753CA44F9}"/>
+                  </a:ext>
+                </a:extLst>
+              </p:cNvPr>
+              <p:cNvPicPr>
+                <a:picLocks noChangeAspect="1"/>
+              </p:cNvPicPr>
+              <p:nvPr/>
+            </p:nvPicPr>
+            <p:blipFill rotWithShape="1">
+              <a:blip r:embed="rId2"/>
+              <a:srcRect t="6584"/>
+              <a:stretch/>
+            </p:blipFill>
+            <p:spPr>
+              <a:xfrm>
+                <a:off x="104776" y="438150"/>
+                <a:ext cx="11973960" cy="6291872"/>
+              </a:xfrm>
+              <a:prstGeom prst="rect">
+                <a:avLst/>
+              </a:prstGeom>
+            </p:spPr>
+          </p:pic>
+          <p:sp>
+            <p:nvSpPr>
+              <p:cNvPr id="24" name="Rectangle: Rounded Corners 23">
+                <a:extLst>
+                  <a:ext uri="{FF2B5EF4-FFF2-40B4-BE49-F238E27FC236}">
+                    <a16:creationId xmlns:a16="http://schemas.microsoft.com/office/drawing/2014/main" id="{6C7DB4B1-3BA7-44DD-A226-8C81F925E8A1}"/>
+                  </a:ext>
+                </a:extLst>
+              </p:cNvPr>
+              <p:cNvSpPr/>
+              <p:nvPr/>
+            </p:nvSpPr>
+            <p:spPr>
+              <a:xfrm>
+                <a:off x="1730376" y="946150"/>
+                <a:ext cx="403224" cy="114300"/>
+              </a:xfrm>
+              <a:prstGeom prst="roundRect">
+                <a:avLst/>
+              </a:prstGeom>
+              <a:solidFill>
+                <a:schemeClr val="bg1"/>
+              </a:solidFill>
+              <a:ln>
+                <a:noFill/>
+              </a:ln>
+            </p:spPr>
+            <p:style>
+              <a:lnRef idx="2">
+                <a:schemeClr val="accent1">
+                  <a:shade val="50000"/>
+                </a:schemeClr>
+              </a:lnRef>
+              <a:fillRef idx="1">
+                <a:schemeClr val="accent1"/>
+              </a:fillRef>
+              <a:effectRef idx="0">
+                <a:schemeClr val="accent1"/>
+              </a:effectRef>
+              <a:fontRef idx="minor">
+                <a:schemeClr val="lt1"/>
+              </a:fontRef>
+            </p:style>
+            <p:txBody>
+              <a:bodyPr rtlCol="0" anchor="ctr"/>
+              <a:lstStyle>
+                <a:defPPr>
+                  <a:defRPr lang="en-US"/>
+                </a:defPPr>
+                <a:lvl1pPr marL="0" algn="l" defTabSz="914400" rtl="0" eaLnBrk="1" latinLnBrk="0" hangingPunct="1">
+                  <a:defRPr sz="1800" kern="1200">
+                    <a:solidFill>
+                      <a:schemeClr val="lt1"/>
+                    </a:solidFill>
+                    <a:latin typeface="+mn-lt"/>
+                    <a:ea typeface="+mn-ea"/>
+                    <a:cs typeface="+mn-cs"/>
+                  </a:defRPr>
+                </a:lvl1pPr>
+                <a:lvl2pPr marL="457200" algn="l" defTabSz="914400" rtl="0" eaLnBrk="1" latinLnBrk="0" hangingPunct="1">
+                  <a:defRPr sz="1800" kern="1200">
+                    <a:solidFill>
+                      <a:schemeClr val="lt1"/>
+                    </a:solidFill>
+                    <a:latin typeface="+mn-lt"/>
+                    <a:ea typeface="+mn-ea"/>
+                    <a:cs typeface="+mn-cs"/>
+                  </a:defRPr>
+                </a:lvl2pPr>
+                <a:lvl3pPr marL="914400" algn="l" defTabSz="914400" rtl="0" eaLnBrk="1" latinLnBrk="0" hangingPunct="1">
+                  <a:defRPr sz="1800" kern="1200">
+                    <a:solidFill>
+                      <a:schemeClr val="lt1"/>
+                    </a:solidFill>
+                    <a:latin typeface="+mn-lt"/>
+                    <a:ea typeface="+mn-ea"/>
+                    <a:cs typeface="+mn-cs"/>
+                  </a:defRPr>
+                </a:lvl3pPr>
+                <a:lvl4pPr marL="1371600" algn="l" defTabSz="914400" rtl="0" eaLnBrk="1" latinLnBrk="0" hangingPunct="1">
+                  <a:defRPr sz="1800" kern="1200">
+                    <a:solidFill>
+                      <a:schemeClr val="lt1"/>
+                    </a:solidFill>
+                    <a:latin typeface="+mn-lt"/>
+                    <a:ea typeface="+mn-ea"/>
+                    <a:cs typeface="+mn-cs"/>
+                  </a:defRPr>
+                </a:lvl4pPr>
+                <a:lvl5pPr marL="1828800" algn="l" defTabSz="914400" rtl="0" eaLnBrk="1" latinLnBrk="0" hangingPunct="1">
+                  <a:defRPr sz="1800" kern="1200">
+                    <a:solidFill>
+                      <a:schemeClr val="lt1"/>
+                    </a:solidFill>
+                    <a:latin typeface="+mn-lt"/>
+                    <a:ea typeface="+mn-ea"/>
+                    <a:cs typeface="+mn-cs"/>
+                  </a:defRPr>
+                </a:lvl5pPr>
+                <a:lvl6pPr marL="2286000" algn="l" defTabSz="914400" rtl="0" eaLnBrk="1" latinLnBrk="0" hangingPunct="1">
+                  <a:defRPr sz="1800" kern="1200">
+                    <a:solidFill>
+                      <a:schemeClr val="lt1"/>
+                    </a:solidFill>
+                    <a:latin typeface="+mn-lt"/>
+                    <a:ea typeface="+mn-ea"/>
+                    <a:cs typeface="+mn-cs"/>
+                  </a:defRPr>
+                </a:lvl6pPr>
+                <a:lvl7pPr marL="2743200" algn="l" defTabSz="914400" rtl="0" eaLnBrk="1" latinLnBrk="0" hangingPunct="1">
+                  <a:defRPr sz="1800" kern="1200">
+                    <a:solidFill>
+                      <a:schemeClr val="lt1"/>
+                    </a:solidFill>
+                    <a:latin typeface="+mn-lt"/>
+                    <a:ea typeface="+mn-ea"/>
+                    <a:cs typeface="+mn-cs"/>
+                  </a:defRPr>
+                </a:lvl7pPr>
+                <a:lvl8pPr marL="3200400" algn="l" defTabSz="914400" rtl="0" eaLnBrk="1" latinLnBrk="0" hangingPunct="1">
+                  <a:defRPr sz="1800" kern="1200">
+                    <a:solidFill>
+                      <a:schemeClr val="lt1"/>
+                    </a:solidFill>
+                    <a:latin typeface="+mn-lt"/>
+                    <a:ea typeface="+mn-ea"/>
+                    <a:cs typeface="+mn-cs"/>
+                  </a:defRPr>
+                </a:lvl8pPr>
+                <a:lvl9pPr marL="3657600" algn="l" defTabSz="914400" rtl="0" eaLnBrk="1" latinLnBrk="0" hangingPunct="1">
+                  <a:defRPr sz="1800" kern="1200">
+                    <a:solidFill>
+                      <a:schemeClr val="lt1"/>
+                    </a:solidFill>
+                    <a:latin typeface="+mn-lt"/>
+                    <a:ea typeface="+mn-ea"/>
+                    <a:cs typeface="+mn-cs"/>
+                  </a:defRPr>
+                </a:lvl9pPr>
+              </a:lstStyle>
+              <a:p>
+                <a:pPr algn="ctr"/>
+                <a:endParaRPr lang="en-GB"/>
+              </a:p>
+            </p:txBody>
+          </p:sp>
+        </p:grpSp>
         <p:pic>
           <p:nvPicPr>
-            <p:cNvPr id="4" name="Picture 3">
+            <p:cNvPr id="22" name="Picture 21">
               <a:extLst>
                 <a:ext uri="{FF2B5EF4-FFF2-40B4-BE49-F238E27FC236}">
-                  <a16:creationId xmlns:a16="http://schemas.microsoft.com/office/drawing/2014/main" id="{59A2DF2A-DD66-4C91-90E3-39BE806A88FD}"/>
+                  <a16:creationId xmlns:a16="http://schemas.microsoft.com/office/drawing/2014/main" id="{E4D39772-2F5E-4556-9E7A-76B3409C6037}"/>
                 </a:ext>
               </a:extLst>
             </p:cNvPr>
@@ -15821,8 +16068,8 @@
           </p:blipFill>
           <p:spPr>
             <a:xfrm>
-              <a:off x="113263" y="438150"/>
-              <a:ext cx="1532177" cy="6271852"/>
+              <a:off x="109020" y="457688"/>
+              <a:ext cx="1496580" cy="6291872"/>
             </a:xfrm>
             <a:prstGeom prst="rect">
               <a:avLst/>
@@ -15830,6 +16077,36 @@
           </p:spPr>
         </p:pic>
       </p:grpSp>
+      <p:pic>
+        <p:nvPicPr>
+          <p:cNvPr id="9" name="Picture 8">
+            <a:extLst>
+              <a:ext uri="{FF2B5EF4-FFF2-40B4-BE49-F238E27FC236}">
+                <a16:creationId xmlns:a16="http://schemas.microsoft.com/office/drawing/2014/main" id="{C8BBE23A-B8D0-492F-9DAA-4C513B477FB2}"/>
+              </a:ext>
+            </a:extLst>
+          </p:cNvPr>
+          <p:cNvPicPr>
+            <a:picLocks noChangeAspect="1"/>
+          </p:cNvPicPr>
+          <p:nvPr/>
+        </p:nvPicPr>
+        <p:blipFill>
+          <a:blip r:embed="rId4"/>
+          <a:stretch>
+            <a:fillRect/>
+          </a:stretch>
+        </p:blipFill>
+        <p:spPr>
+          <a:xfrm>
+            <a:off x="1856857" y="1710372"/>
+            <a:ext cx="9934575" cy="4052436"/>
+          </a:xfrm>
+          <a:prstGeom prst="rect">
+            <a:avLst/>
+          </a:prstGeom>
+        </p:spPr>
+      </p:pic>
       <p:sp>
         <p:nvSpPr>
           <p:cNvPr id="6" name="Title 1">
@@ -15866,152 +16143,6 @@
           </a:p>
         </p:txBody>
       </p:sp>
-      <p:pic>
-        <p:nvPicPr>
-          <p:cNvPr id="8" name="Picture 7">
-            <a:extLst>
-              <a:ext uri="{FF2B5EF4-FFF2-40B4-BE49-F238E27FC236}">
-                <a16:creationId xmlns:a16="http://schemas.microsoft.com/office/drawing/2014/main" id="{55578109-4D69-498F-8FCE-CE5F53118050}"/>
-              </a:ext>
-            </a:extLst>
-          </p:cNvPr>
-          <p:cNvPicPr>
-            <a:picLocks noChangeAspect="1"/>
-          </p:cNvPicPr>
-          <p:nvPr/>
-        </p:nvPicPr>
-        <p:blipFill rotWithShape="1">
-          <a:blip r:embed="rId4"/>
-          <a:srcRect l="14919" t="10361" r="2390" b="25790"/>
-          <a:stretch/>
-        </p:blipFill>
-        <p:spPr>
-          <a:xfrm>
-            <a:off x="1730376" y="930275"/>
-            <a:ext cx="10204450" cy="4156076"/>
-          </a:xfrm>
-          <a:prstGeom prst="rect">
-            <a:avLst/>
-          </a:prstGeom>
-        </p:spPr>
-      </p:pic>
-      <p:pic>
-        <p:nvPicPr>
-          <p:cNvPr id="13" name="Picture 12">
-            <a:extLst>
-              <a:ext uri="{FF2B5EF4-FFF2-40B4-BE49-F238E27FC236}">
-                <a16:creationId xmlns:a16="http://schemas.microsoft.com/office/drawing/2014/main" id="{FEE46EBC-654E-4C1F-B22E-B4D47E892445}"/>
-              </a:ext>
-            </a:extLst>
-          </p:cNvPr>
-          <p:cNvPicPr>
-            <a:picLocks noChangeAspect="1"/>
-          </p:cNvPicPr>
-          <p:nvPr/>
-        </p:nvPicPr>
-        <p:blipFill rotWithShape="1">
-          <a:blip r:embed="rId5"/>
-          <a:srcRect b="73908"/>
-          <a:stretch/>
-        </p:blipFill>
-        <p:spPr>
-          <a:xfrm>
-            <a:off x="1816208" y="5924777"/>
-            <a:ext cx="10032786" cy="607950"/>
-          </a:xfrm>
-          <a:prstGeom prst="rect">
-            <a:avLst/>
-          </a:prstGeom>
-        </p:spPr>
-      </p:pic>
-      <p:pic>
-        <p:nvPicPr>
-          <p:cNvPr id="17" name="Picture 16">
-            <a:extLst>
-              <a:ext uri="{FF2B5EF4-FFF2-40B4-BE49-F238E27FC236}">
-                <a16:creationId xmlns:a16="http://schemas.microsoft.com/office/drawing/2014/main" id="{BE50435F-943B-4FCC-ACCE-007DDD8A04D8}"/>
-              </a:ext>
-            </a:extLst>
-          </p:cNvPr>
-          <p:cNvPicPr>
-            <a:picLocks noChangeAspect="1"/>
-          </p:cNvPicPr>
-          <p:nvPr/>
-        </p:nvPicPr>
-        <p:blipFill rotWithShape="1">
-          <a:blip r:embed="rId2"/>
-          <a:srcRect l="13543" t="26175" r="2476" b="67489"/>
-          <a:stretch/>
-        </p:blipFill>
-        <p:spPr>
-          <a:xfrm>
-            <a:off x="1730376" y="4940299"/>
-            <a:ext cx="10204450" cy="359411"/>
-          </a:xfrm>
-          <a:prstGeom prst="rect">
-            <a:avLst/>
-          </a:prstGeom>
-        </p:spPr>
-      </p:pic>
-      <p:pic>
-        <p:nvPicPr>
-          <p:cNvPr id="2" name="Picture 1">
-            <a:extLst>
-              <a:ext uri="{FF2B5EF4-FFF2-40B4-BE49-F238E27FC236}">
-                <a16:creationId xmlns:a16="http://schemas.microsoft.com/office/drawing/2014/main" id="{F7C307A8-CA7C-464F-AA16-19424DCB4152}"/>
-              </a:ext>
-            </a:extLst>
-          </p:cNvPr>
-          <p:cNvPicPr>
-            <a:picLocks noChangeAspect="1"/>
-          </p:cNvPicPr>
-          <p:nvPr/>
-        </p:nvPicPr>
-        <p:blipFill>
-          <a:blip r:embed="rId6"/>
-          <a:stretch>
-            <a:fillRect/>
-          </a:stretch>
-        </p:blipFill>
-        <p:spPr>
-          <a:xfrm>
-            <a:off x="1926430" y="1837848"/>
-            <a:ext cx="1097757" cy="251839"/>
-          </a:xfrm>
-          <a:prstGeom prst="rect">
-            <a:avLst/>
-          </a:prstGeom>
-        </p:spPr>
-      </p:pic>
-      <p:pic>
-        <p:nvPicPr>
-          <p:cNvPr id="3" name="Picture 2">
-            <a:extLst>
-              <a:ext uri="{FF2B5EF4-FFF2-40B4-BE49-F238E27FC236}">
-                <a16:creationId xmlns:a16="http://schemas.microsoft.com/office/drawing/2014/main" id="{72E55C90-B05F-4339-85A1-13767C64A2D4}"/>
-              </a:ext>
-            </a:extLst>
-          </p:cNvPr>
-          <p:cNvPicPr>
-            <a:picLocks noChangeAspect="1"/>
-          </p:cNvPicPr>
-          <p:nvPr/>
-        </p:nvPicPr>
-        <p:blipFill rotWithShape="1">
-          <a:blip r:embed="rId4"/>
-          <a:srcRect l="14919" t="15564" r="2390" b="25790"/>
-          <a:stretch/>
-        </p:blipFill>
-        <p:spPr>
-          <a:xfrm>
-            <a:off x="1730376" y="1926591"/>
-            <a:ext cx="10204450" cy="3817450"/>
-          </a:xfrm>
-          <a:prstGeom prst="rect">
-            <a:avLst/>
-          </a:prstGeom>
-        </p:spPr>
-      </p:pic>
       <p:grpSp>
         <p:nvGrpSpPr>
           <p:cNvPr id="21" name="Group 20">
@@ -16026,7 +16157,7 @@
         </p:nvGrpSpPr>
         <p:grpSpPr>
           <a:xfrm>
-            <a:off x="1730376" y="1279275"/>
+            <a:off x="1748873" y="975941"/>
             <a:ext cx="10204450" cy="659311"/>
             <a:chOff x="1730376" y="1351866"/>
             <a:chExt cx="10204450" cy="659311"/>
@@ -16047,7 +16178,7 @@
             <p:nvPr/>
           </p:nvPicPr>
           <p:blipFill rotWithShape="1">
-            <a:blip r:embed="rId4"/>
+            <a:blip r:embed="rId5"/>
             <a:srcRect l="14919" t="74645" r="2390" b="15227"/>
             <a:stretch/>
           </p:blipFill>
@@ -16076,7 +16207,7 @@
             <p:nvPr/>
           </p:nvPicPr>
           <p:blipFill rotWithShape="1">
-            <a:blip r:embed="rId4"/>
+            <a:blip r:embed="rId5"/>
             <a:srcRect l="27491" t="77444" r="59748" b="16890"/>
             <a:stretch/>
           </p:blipFill>
@@ -16093,10 +16224,10 @@
       </p:grpSp>
       <p:pic>
         <p:nvPicPr>
-          <p:cNvPr id="16" name="Picture 15">
+          <p:cNvPr id="14" name="Picture 13">
             <a:extLst>
               <a:ext uri="{FF2B5EF4-FFF2-40B4-BE49-F238E27FC236}">
-                <a16:creationId xmlns:a16="http://schemas.microsoft.com/office/drawing/2014/main" id="{CAC9959E-07CD-492D-B422-CC41D0F8EF7D}"/>
+                <a16:creationId xmlns:a16="http://schemas.microsoft.com/office/drawing/2014/main" id="{FF6B4A62-B6DB-44EF-B87F-61BB66D9E920}"/>
               </a:ext>
             </a:extLst>
           </p:cNvPr>
@@ -16106,14 +16237,14 @@
           <p:nvPr/>
         </p:nvPicPr>
         <p:blipFill rotWithShape="1">
-          <a:blip r:embed="rId2"/>
-          <a:srcRect l="13543" t="27696" r="2476" b="67489"/>
+          <a:blip r:embed="rId5"/>
+          <a:srcRect l="15614" t="15972" r="3085" b="28033"/>
           <a:stretch/>
         </p:blipFill>
         <p:spPr>
           <a:xfrm>
-            <a:off x="1730376" y="5628102"/>
-            <a:ext cx="10204450" cy="273116"/>
+            <a:off x="2019309" y="2106879"/>
+            <a:ext cx="9609667" cy="3491182"/>
           </a:xfrm>
           <a:prstGeom prst="rect">
             <a:avLst/>
@@ -16142,7 +16273,7 @@
         </p:blipFill>
         <p:spPr>
           <a:xfrm>
-            <a:off x="1926430" y="2485164"/>
+            <a:off x="2078830" y="2613501"/>
             <a:ext cx="1097757" cy="251839"/>
           </a:xfrm>
           <a:prstGeom prst="rect">
@@ -16150,6 +16281,125 @@
           </a:prstGeom>
         </p:spPr>
       </p:pic>
+      <p:pic>
+        <p:nvPicPr>
+          <p:cNvPr id="15" name="Picture 14">
+            <a:extLst>
+              <a:ext uri="{FF2B5EF4-FFF2-40B4-BE49-F238E27FC236}">
+                <a16:creationId xmlns:a16="http://schemas.microsoft.com/office/drawing/2014/main" id="{15258617-FD6F-472D-BFA2-26331D3F71C9}"/>
+              </a:ext>
+            </a:extLst>
+          </p:cNvPr>
+          <p:cNvPicPr>
+            <a:picLocks noChangeAspect="1"/>
+          </p:cNvPicPr>
+          <p:nvPr/>
+        </p:nvPicPr>
+        <p:blipFill rotWithShape="1">
+          <a:blip r:embed="rId7"/>
+          <a:srcRect l="-684" t="-683" b="51561"/>
+          <a:stretch/>
+        </p:blipFill>
+        <p:spPr>
+          <a:xfrm>
+            <a:off x="1856857" y="5777768"/>
+            <a:ext cx="9893057" cy="823057"/>
+          </a:xfrm>
+          <a:prstGeom prst="rect">
+            <a:avLst/>
+          </a:prstGeom>
+        </p:spPr>
+      </p:pic>
+      <p:grpSp>
+        <p:nvGrpSpPr>
+          <p:cNvPr id="16" name="Group 15">
+            <a:extLst>
+              <a:ext uri="{FF2B5EF4-FFF2-40B4-BE49-F238E27FC236}">
+                <a16:creationId xmlns:a16="http://schemas.microsoft.com/office/drawing/2014/main" id="{BDDA32AE-BBFB-49B6-830C-BF169FFB63F9}"/>
+              </a:ext>
+            </a:extLst>
+          </p:cNvPr>
+          <p:cNvGrpSpPr/>
+          <p:nvPr/>
+        </p:nvGrpSpPr>
+        <p:grpSpPr>
+          <a:xfrm>
+            <a:off x="1856857" y="1068597"/>
+            <a:ext cx="3847098" cy="385762"/>
+            <a:chOff x="1856857" y="1068597"/>
+            <a:chExt cx="3847098" cy="385762"/>
+          </a:xfrm>
+        </p:grpSpPr>
+        <p:pic>
+          <p:nvPicPr>
+            <p:cNvPr id="17" name="Picture 16">
+              <a:extLst>
+                <a:ext uri="{FF2B5EF4-FFF2-40B4-BE49-F238E27FC236}">
+                  <a16:creationId xmlns:a16="http://schemas.microsoft.com/office/drawing/2014/main" id="{FB60F29E-A47C-4293-978D-CD3548348C65}"/>
+                </a:ext>
+              </a:extLst>
+            </p:cNvPr>
+            <p:cNvPicPr>
+              <a:picLocks noChangeAspect="1"/>
+            </p:cNvPicPr>
+            <p:nvPr/>
+          </p:nvPicPr>
+          <p:blipFill rotWithShape="1">
+            <a:blip r:embed="rId8">
+              <a:clrChange>
+                <a:clrFrom>
+                  <a:srgbClr val="FFFFFF"/>
+                </a:clrFrom>
+                <a:clrTo>
+                  <a:srgbClr val="FFFFFF">
+                    <a:alpha val="0"/>
+                  </a:srgbClr>
+                </a:clrTo>
+              </a:clrChange>
+            </a:blip>
+            <a:srcRect r="50687" b="69098"/>
+            <a:stretch/>
+          </p:blipFill>
+          <p:spPr>
+            <a:xfrm>
+              <a:off x="1856857" y="1068597"/>
+              <a:ext cx="3847098" cy="206727"/>
+            </a:xfrm>
+            <a:prstGeom prst="rect">
+              <a:avLst/>
+            </a:prstGeom>
+          </p:spPr>
+        </p:pic>
+        <p:pic>
+          <p:nvPicPr>
+            <p:cNvPr id="25" name="Picture 24">
+              <a:extLst>
+                <a:ext uri="{FF2B5EF4-FFF2-40B4-BE49-F238E27FC236}">
+                  <a16:creationId xmlns:a16="http://schemas.microsoft.com/office/drawing/2014/main" id="{36DBE684-96A8-4B1F-BCDB-DDD3E3C106F0}"/>
+                </a:ext>
+              </a:extLst>
+            </p:cNvPr>
+            <p:cNvPicPr>
+              <a:picLocks noChangeAspect="1"/>
+            </p:cNvPicPr>
+            <p:nvPr/>
+          </p:nvPicPr>
+          <p:blipFill rotWithShape="1">
+            <a:blip r:embed="rId8"/>
+            <a:srcRect t="36640" r="50687" b="46274"/>
+            <a:stretch/>
+          </p:blipFill>
+          <p:spPr>
+            <a:xfrm>
+              <a:off x="1856857" y="1340059"/>
+              <a:ext cx="3847098" cy="114300"/>
+            </a:xfrm>
+            <a:prstGeom prst="rect">
+              <a:avLst/>
+            </a:prstGeom>
+          </p:spPr>
+        </p:pic>
+      </p:grpSp>
     </p:spTree>
     <p:extLst>
       <p:ext uri="{BB962C8B-B14F-4D97-AF65-F5344CB8AC3E}">
@@ -16163,7 +16413,7 @@
 </p:sld>
 </file>
 
-<file path=ppt/slides/slide8.xml><?xml version="1.0" encoding="utf-8"?>
+<file path=ppt/slides/slide7.xml><?xml version="1.0" encoding="utf-8"?>
 <p:sld xmlns:a="http://schemas.openxmlformats.org/drawingml/2006/main" xmlns:r="http://schemas.openxmlformats.org/officeDocument/2006/relationships" xmlns:p="http://schemas.openxmlformats.org/presentationml/2006/main">
   <p:cSld>
     <p:spTree>
@@ -16180,86 +16430,36 @@
           <a:chExt cx="0" cy="0"/>
         </a:xfrm>
       </p:grpSpPr>
-      <p:grpSp>
-        <p:nvGrpSpPr>
-          <p:cNvPr id="3" name="Group 2">
+      <p:pic>
+        <p:nvPicPr>
+          <p:cNvPr id="9" name="Picture 8">
             <a:extLst>
               <a:ext uri="{FF2B5EF4-FFF2-40B4-BE49-F238E27FC236}">
-                <a16:creationId xmlns:a16="http://schemas.microsoft.com/office/drawing/2014/main" id="{6BDA2211-6C91-4A78-8E93-1F90511C943E}"/>
+                <a16:creationId xmlns:a16="http://schemas.microsoft.com/office/drawing/2014/main" id="{2F13753F-6779-48C3-A9B2-69C5850B4450}"/>
               </a:ext>
             </a:extLst>
           </p:cNvPr>
-          <p:cNvGrpSpPr/>
+          <p:cNvPicPr>
+            <a:picLocks noChangeAspect="1"/>
+          </p:cNvPicPr>
           <p:nvPr/>
-        </p:nvGrpSpPr>
-        <p:grpSpPr>
+        </p:nvPicPr>
+        <p:blipFill>
+          <a:blip r:embed="rId2"/>
+          <a:stretch>
+            <a:fillRect/>
+          </a:stretch>
+        </p:blipFill>
+        <p:spPr>
           <a:xfrm>
-            <a:off x="104776" y="438150"/>
-            <a:ext cx="11973960" cy="6291872"/>
-            <a:chOff x="104776" y="438150"/>
-            <a:chExt cx="11973960" cy="6291872"/>
+            <a:off x="109537" y="473074"/>
+            <a:ext cx="11972925" cy="6296025"/>
           </a:xfrm>
-        </p:grpSpPr>
-        <p:pic>
-          <p:nvPicPr>
-            <p:cNvPr id="12" name="Picture 11">
-              <a:extLst>
-                <a:ext uri="{FF2B5EF4-FFF2-40B4-BE49-F238E27FC236}">
-                  <a16:creationId xmlns:a16="http://schemas.microsoft.com/office/drawing/2014/main" id="{E6FD92FC-4FEE-410B-9921-47DA8A48BC6D}"/>
-                </a:ext>
-              </a:extLst>
-            </p:cNvPr>
-            <p:cNvPicPr>
-              <a:picLocks noChangeAspect="1"/>
-            </p:cNvPicPr>
-            <p:nvPr/>
-          </p:nvPicPr>
-          <p:blipFill rotWithShape="1">
-            <a:blip r:embed="rId2"/>
-            <a:srcRect t="6584"/>
-            <a:stretch/>
-          </p:blipFill>
-          <p:spPr>
-            <a:xfrm>
-              <a:off x="104776" y="438150"/>
-              <a:ext cx="11973960" cy="6291872"/>
-            </a:xfrm>
-            <a:prstGeom prst="rect">
-              <a:avLst/>
-            </a:prstGeom>
-          </p:spPr>
-        </p:pic>
-        <p:pic>
-          <p:nvPicPr>
-            <p:cNvPr id="2" name="Picture 1">
-              <a:extLst>
-                <a:ext uri="{FF2B5EF4-FFF2-40B4-BE49-F238E27FC236}">
-                  <a16:creationId xmlns:a16="http://schemas.microsoft.com/office/drawing/2014/main" id="{75C87C02-A179-48D9-8304-026CAEE527F8}"/>
-                </a:ext>
-              </a:extLst>
-            </p:cNvPr>
-            <p:cNvPicPr>
-              <a:picLocks noChangeAspect="1"/>
-            </p:cNvPicPr>
-            <p:nvPr/>
-          </p:nvPicPr>
-          <p:blipFill>
-            <a:blip r:embed="rId3"/>
-            <a:stretch>
-              <a:fillRect/>
-            </a:stretch>
-          </p:blipFill>
-          <p:spPr>
-            <a:xfrm>
-              <a:off x="104776" y="438150"/>
-              <a:ext cx="1532177" cy="6291872"/>
-            </a:xfrm>
-            <a:prstGeom prst="rect">
-              <a:avLst/>
-            </a:prstGeom>
-          </p:spPr>
-        </p:pic>
-      </p:grpSp>
+          <a:prstGeom prst="rect">
+            <a:avLst/>
+          </a:prstGeom>
+        </p:spPr>
+      </p:pic>
       <p:sp>
         <p:nvSpPr>
           <p:cNvPr id="6" name="Title 1">
@@ -16298,64 +16498,6 @@
       </p:sp>
       <p:pic>
         <p:nvPicPr>
-          <p:cNvPr id="8" name="Picture 7">
-            <a:extLst>
-              <a:ext uri="{FF2B5EF4-FFF2-40B4-BE49-F238E27FC236}">
-                <a16:creationId xmlns:a16="http://schemas.microsoft.com/office/drawing/2014/main" id="{55578109-4D69-498F-8FCE-CE5F53118050}"/>
-              </a:ext>
-            </a:extLst>
-          </p:cNvPr>
-          <p:cNvPicPr>
-            <a:picLocks noChangeAspect="1"/>
-          </p:cNvPicPr>
-          <p:nvPr/>
-        </p:nvPicPr>
-        <p:blipFill rotWithShape="1">
-          <a:blip r:embed="rId4"/>
-          <a:srcRect l="14919" t="10362" r="2390" b="85199"/>
-          <a:stretch/>
-        </p:blipFill>
-        <p:spPr>
-          <a:xfrm>
-            <a:off x="1730376" y="930275"/>
-            <a:ext cx="10204450" cy="288925"/>
-          </a:xfrm>
-          <a:prstGeom prst="rect">
-            <a:avLst/>
-          </a:prstGeom>
-        </p:spPr>
-      </p:pic>
-      <p:pic>
-        <p:nvPicPr>
-          <p:cNvPr id="13" name="Picture 12">
-            <a:extLst>
-              <a:ext uri="{FF2B5EF4-FFF2-40B4-BE49-F238E27FC236}">
-                <a16:creationId xmlns:a16="http://schemas.microsoft.com/office/drawing/2014/main" id="{FEE46EBC-654E-4C1F-B22E-B4D47E892445}"/>
-              </a:ext>
-            </a:extLst>
-          </p:cNvPr>
-          <p:cNvPicPr>
-            <a:picLocks noChangeAspect="1"/>
-          </p:cNvPicPr>
-          <p:nvPr/>
-        </p:nvPicPr>
-        <p:blipFill rotWithShape="1">
-          <a:blip r:embed="rId5"/>
-          <a:srcRect t="-1" b="-1831"/>
-          <a:stretch/>
-        </p:blipFill>
-        <p:spPr>
-          <a:xfrm>
-            <a:off x="1816208" y="1313429"/>
-            <a:ext cx="10032786" cy="2372746"/>
-          </a:xfrm>
-          <a:prstGeom prst="rect">
-            <a:avLst/>
-          </a:prstGeom>
-        </p:spPr>
-      </p:pic>
-      <p:pic>
-        <p:nvPicPr>
           <p:cNvPr id="17" name="Picture 16">
             <a:extLst>
               <a:ext uri="{FF2B5EF4-FFF2-40B4-BE49-F238E27FC236}">
@@ -16369,7 +16511,7 @@
           <p:nvPr/>
         </p:nvPicPr>
         <p:blipFill rotWithShape="1">
-          <a:blip r:embed="rId2"/>
+          <a:blip r:embed="rId3"/>
           <a:srcRect l="13543" t="26175" r="2476" b="67489"/>
           <a:stretch/>
         </p:blipFill>
@@ -16383,6 +16525,205 @@
           </a:prstGeom>
         </p:spPr>
       </p:pic>
+      <p:pic>
+        <p:nvPicPr>
+          <p:cNvPr id="5" name="Picture 4">
+            <a:extLst>
+              <a:ext uri="{FF2B5EF4-FFF2-40B4-BE49-F238E27FC236}">
+                <a16:creationId xmlns:a16="http://schemas.microsoft.com/office/drawing/2014/main" id="{5D07086F-F188-49E1-B045-1B7380813213}"/>
+              </a:ext>
+            </a:extLst>
+          </p:cNvPr>
+          <p:cNvPicPr>
+            <a:picLocks noChangeAspect="1"/>
+          </p:cNvPicPr>
+          <p:nvPr/>
+        </p:nvPicPr>
+        <p:blipFill>
+          <a:blip r:embed="rId4"/>
+          <a:stretch>
+            <a:fillRect/>
+          </a:stretch>
+        </p:blipFill>
+        <p:spPr>
+          <a:xfrm>
+            <a:off x="1805552" y="1791425"/>
+            <a:ext cx="10054098" cy="1714409"/>
+          </a:xfrm>
+          <a:prstGeom prst="rect">
+            <a:avLst/>
+          </a:prstGeom>
+        </p:spPr>
+      </p:pic>
+      <p:grpSp>
+        <p:nvGrpSpPr>
+          <p:cNvPr id="14" name="Group 13">
+            <a:extLst>
+              <a:ext uri="{FF2B5EF4-FFF2-40B4-BE49-F238E27FC236}">
+                <a16:creationId xmlns:a16="http://schemas.microsoft.com/office/drawing/2014/main" id="{A8D76BED-B99A-4CA7-9077-59191B789D78}"/>
+              </a:ext>
+            </a:extLst>
+          </p:cNvPr>
+          <p:cNvGrpSpPr/>
+          <p:nvPr/>
+        </p:nvGrpSpPr>
+        <p:grpSpPr>
+          <a:xfrm>
+            <a:off x="1730376" y="973470"/>
+            <a:ext cx="10204450" cy="659311"/>
+            <a:chOff x="1730376" y="1351866"/>
+            <a:chExt cx="10204450" cy="659311"/>
+          </a:xfrm>
+        </p:grpSpPr>
+        <p:pic>
+          <p:nvPicPr>
+            <p:cNvPr id="15" name="Picture 14">
+              <a:extLst>
+                <a:ext uri="{FF2B5EF4-FFF2-40B4-BE49-F238E27FC236}">
+                  <a16:creationId xmlns:a16="http://schemas.microsoft.com/office/drawing/2014/main" id="{46A0CCD9-ECD5-466A-9ACD-4511ABEB3650}"/>
+                </a:ext>
+              </a:extLst>
+            </p:cNvPr>
+            <p:cNvPicPr>
+              <a:picLocks noChangeAspect="1"/>
+            </p:cNvPicPr>
+            <p:nvPr/>
+          </p:nvPicPr>
+          <p:blipFill rotWithShape="1">
+            <a:blip r:embed="rId5"/>
+            <a:srcRect l="14919" t="74645" r="2390" b="15227"/>
+            <a:stretch/>
+          </p:blipFill>
+          <p:spPr>
+            <a:xfrm>
+              <a:off x="1730376" y="1351866"/>
+              <a:ext cx="10204450" cy="659311"/>
+            </a:xfrm>
+            <a:prstGeom prst="rect">
+              <a:avLst/>
+            </a:prstGeom>
+          </p:spPr>
+        </p:pic>
+        <p:pic>
+          <p:nvPicPr>
+            <p:cNvPr id="16" name="Picture 15">
+              <a:extLst>
+                <a:ext uri="{FF2B5EF4-FFF2-40B4-BE49-F238E27FC236}">
+                  <a16:creationId xmlns:a16="http://schemas.microsoft.com/office/drawing/2014/main" id="{F5131E99-0D2F-4E9F-A402-D746054483AC}"/>
+                </a:ext>
+              </a:extLst>
+            </p:cNvPr>
+            <p:cNvPicPr>
+              <a:picLocks noChangeAspect="1"/>
+            </p:cNvPicPr>
+            <p:nvPr/>
+          </p:nvPicPr>
+          <p:blipFill rotWithShape="1">
+            <a:blip r:embed="rId5"/>
+            <a:srcRect l="27491" t="77444" r="59748" b="16890"/>
+            <a:stretch/>
+          </p:blipFill>
+          <p:spPr>
+            <a:xfrm>
+              <a:off x="1730376" y="1551539"/>
+              <a:ext cx="1574800" cy="368771"/>
+            </a:xfrm>
+            <a:prstGeom prst="rect">
+              <a:avLst/>
+            </a:prstGeom>
+          </p:spPr>
+        </p:pic>
+      </p:grpSp>
+      <p:grpSp>
+        <p:nvGrpSpPr>
+          <p:cNvPr id="10" name="Group 9">
+            <a:extLst>
+              <a:ext uri="{FF2B5EF4-FFF2-40B4-BE49-F238E27FC236}">
+                <a16:creationId xmlns:a16="http://schemas.microsoft.com/office/drawing/2014/main" id="{A8F8A566-CA46-4E4E-9C7E-936B6594B5FB}"/>
+              </a:ext>
+            </a:extLst>
+          </p:cNvPr>
+          <p:cNvGrpSpPr/>
+          <p:nvPr/>
+        </p:nvGrpSpPr>
+        <p:grpSpPr>
+          <a:xfrm>
+            <a:off x="1856857" y="1068597"/>
+            <a:ext cx="3847098" cy="385762"/>
+            <a:chOff x="1856857" y="1068597"/>
+            <a:chExt cx="3847098" cy="385762"/>
+          </a:xfrm>
+        </p:grpSpPr>
+        <p:pic>
+          <p:nvPicPr>
+            <p:cNvPr id="11" name="Picture 10">
+              <a:extLst>
+                <a:ext uri="{FF2B5EF4-FFF2-40B4-BE49-F238E27FC236}">
+                  <a16:creationId xmlns:a16="http://schemas.microsoft.com/office/drawing/2014/main" id="{466FDA19-A461-4BF2-9F73-CAE6835155EC}"/>
+                </a:ext>
+              </a:extLst>
+            </p:cNvPr>
+            <p:cNvPicPr>
+              <a:picLocks noChangeAspect="1"/>
+            </p:cNvPicPr>
+            <p:nvPr/>
+          </p:nvPicPr>
+          <p:blipFill rotWithShape="1">
+            <a:blip r:embed="rId6">
+              <a:clrChange>
+                <a:clrFrom>
+                  <a:srgbClr val="FFFFFF"/>
+                </a:clrFrom>
+                <a:clrTo>
+                  <a:srgbClr val="FFFFFF">
+                    <a:alpha val="0"/>
+                  </a:srgbClr>
+                </a:clrTo>
+              </a:clrChange>
+            </a:blip>
+            <a:srcRect r="50687" b="69098"/>
+            <a:stretch/>
+          </p:blipFill>
+          <p:spPr>
+            <a:xfrm>
+              <a:off x="1856857" y="1068597"/>
+              <a:ext cx="3847098" cy="206727"/>
+            </a:xfrm>
+            <a:prstGeom prst="rect">
+              <a:avLst/>
+            </a:prstGeom>
+          </p:spPr>
+        </p:pic>
+        <p:pic>
+          <p:nvPicPr>
+            <p:cNvPr id="12" name="Picture 11">
+              <a:extLst>
+                <a:ext uri="{FF2B5EF4-FFF2-40B4-BE49-F238E27FC236}">
+                  <a16:creationId xmlns:a16="http://schemas.microsoft.com/office/drawing/2014/main" id="{3545D18D-0847-40B1-B6D6-CDACCE5A0DF6}"/>
+                </a:ext>
+              </a:extLst>
+            </p:cNvPr>
+            <p:cNvPicPr>
+              <a:picLocks noChangeAspect="1"/>
+            </p:cNvPicPr>
+            <p:nvPr/>
+          </p:nvPicPr>
+          <p:blipFill rotWithShape="1">
+            <a:blip r:embed="rId6"/>
+            <a:srcRect t="36640" r="50687" b="46274"/>
+            <a:stretch/>
+          </p:blipFill>
+          <p:spPr>
+            <a:xfrm>
+              <a:off x="1856857" y="1340059"/>
+              <a:ext cx="3847098" cy="114300"/>
+            </a:xfrm>
+            <a:prstGeom prst="rect">
+              <a:avLst/>
+            </a:prstGeom>
+          </p:spPr>
+        </p:pic>
+      </p:grpSp>
     </p:spTree>
     <p:extLst>
       <p:ext uri="{BB962C8B-B14F-4D97-AF65-F5344CB8AC3E}">
@@ -16396,7 +16737,7 @@
 </p:sld>
 </file>
 
-<file path=ppt/slides/slide9.xml><?xml version="1.0" encoding="utf-8"?>
+<file path=ppt/slides/slide8.xml><?xml version="1.0" encoding="utf-8"?>
 <p:sld xmlns:a="http://schemas.openxmlformats.org/drawingml/2006/main" xmlns:r="http://schemas.openxmlformats.org/officeDocument/2006/relationships" xmlns:p="http://schemas.openxmlformats.org/presentationml/2006/main">
   <p:cSld>
     <p:spTree>
@@ -16563,6 +16904,377 @@
     <p:extLst>
       <p:ext uri="{BB962C8B-B14F-4D97-AF65-F5344CB8AC3E}">
         <p14:creationId xmlns:p14="http://schemas.microsoft.com/office/powerpoint/2010/main" val="1114297859"/>
+      </p:ext>
+    </p:extLst>
+  </p:cSld>
+  <p:clrMapOvr>
+    <a:masterClrMapping/>
+  </p:clrMapOvr>
+</p:sld>
+</file>
+
+<file path=ppt/slides/slide9.xml><?xml version="1.0" encoding="utf-8"?>
+<p:sld xmlns:a="http://schemas.openxmlformats.org/drawingml/2006/main" xmlns:r="http://schemas.openxmlformats.org/officeDocument/2006/relationships" xmlns:p="http://schemas.openxmlformats.org/presentationml/2006/main">
+  <p:cSld>
+    <p:spTree>
+      <p:nvGrpSpPr>
+        <p:cNvPr id="1" name=""/>
+        <p:cNvGrpSpPr/>
+        <p:nvPr/>
+      </p:nvGrpSpPr>
+      <p:grpSpPr>
+        <a:xfrm>
+          <a:off x="0" y="0"/>
+          <a:ext cx="0" cy="0"/>
+          <a:chOff x="0" y="0"/>
+          <a:chExt cx="0" cy="0"/>
+        </a:xfrm>
+      </p:grpSpPr>
+      <p:sp>
+        <p:nvSpPr>
+          <p:cNvPr id="8" name="Title 1">
+            <a:extLst>
+              <a:ext uri="{FF2B5EF4-FFF2-40B4-BE49-F238E27FC236}">
+                <a16:creationId xmlns:a16="http://schemas.microsoft.com/office/drawing/2014/main" id="{495F528B-8C71-4A5E-AC80-AB8789E96AA6}"/>
+              </a:ext>
+            </a:extLst>
+          </p:cNvPr>
+          <p:cNvSpPr>
+            <a:spLocks noGrp="1"/>
+          </p:cNvSpPr>
+          <p:nvPr>
+            <p:ph type="title"/>
+          </p:nvPr>
+        </p:nvSpPr>
+        <p:spPr>
+          <a:xfrm>
+            <a:off x="838200" y="88901"/>
+            <a:ext cx="10515600" cy="292099"/>
+          </a:xfrm>
+        </p:spPr>
+        <p:txBody>
+          <a:bodyPr>
+            <a:normAutofit fontScale="90000"/>
+          </a:bodyPr>
+          <a:lstStyle/>
+          <a:p>
+            <a:pPr algn="ctr"/>
+            <a:r>
+              <a:rPr lang="en-GB" sz="1800" b="1" dirty="0"/>
+              <a:t>3.2.2 – Policy Management – View a Previous Policy</a:t>
+            </a:r>
+          </a:p>
+        </p:txBody>
+      </p:sp>
+      <p:grpSp>
+        <p:nvGrpSpPr>
+          <p:cNvPr id="5" name="Group 4">
+            <a:extLst>
+              <a:ext uri="{FF2B5EF4-FFF2-40B4-BE49-F238E27FC236}">
+                <a16:creationId xmlns:a16="http://schemas.microsoft.com/office/drawing/2014/main" id="{35D48634-8846-4BBB-B002-5CDD0825C44D}"/>
+              </a:ext>
+            </a:extLst>
+          </p:cNvPr>
+          <p:cNvGrpSpPr/>
+          <p:nvPr/>
+        </p:nvGrpSpPr>
+        <p:grpSpPr>
+          <a:xfrm>
+            <a:off x="100529" y="467349"/>
+            <a:ext cx="11990941" cy="6285876"/>
+            <a:chOff x="100529" y="467349"/>
+            <a:chExt cx="11990941" cy="6285876"/>
+          </a:xfrm>
+        </p:grpSpPr>
+        <p:grpSp>
+          <p:nvGrpSpPr>
+            <p:cNvPr id="11" name="Group 10">
+              <a:extLst>
+                <a:ext uri="{FF2B5EF4-FFF2-40B4-BE49-F238E27FC236}">
+                  <a16:creationId xmlns:a16="http://schemas.microsoft.com/office/drawing/2014/main" id="{5CE6A3D1-4D2D-469E-9E23-0A85A1E51371}"/>
+                </a:ext>
+              </a:extLst>
+            </p:cNvPr>
+            <p:cNvGrpSpPr/>
+            <p:nvPr/>
+          </p:nvGrpSpPr>
+          <p:grpSpPr>
+            <a:xfrm>
+              <a:off x="100529" y="467349"/>
+              <a:ext cx="11990941" cy="6285876"/>
+              <a:chOff x="100529" y="467349"/>
+              <a:chExt cx="11990941" cy="6285876"/>
+            </a:xfrm>
+          </p:grpSpPr>
+          <p:pic>
+            <p:nvPicPr>
+              <p:cNvPr id="7" name="Picture 6">
+                <a:extLst>
+                  <a:ext uri="{FF2B5EF4-FFF2-40B4-BE49-F238E27FC236}">
+                    <a16:creationId xmlns:a16="http://schemas.microsoft.com/office/drawing/2014/main" id="{47FD72ED-E1B1-4062-9BF8-8A17BFD0E0B3}"/>
+                  </a:ext>
+                </a:extLst>
+              </p:cNvPr>
+              <p:cNvPicPr>
+                <a:picLocks noChangeAspect="1"/>
+              </p:cNvPicPr>
+              <p:nvPr/>
+            </p:nvPicPr>
+            <p:blipFill rotWithShape="1">
+              <a:blip r:embed="rId2">
+                <a:extLst>
+                  <a:ext uri="{BEBA8EAE-BF5A-486C-A8C5-ECC9F3942E4B}">
+                    <a14:imgProps xmlns:a14="http://schemas.microsoft.com/office/drawing/2010/main">
+                      <a14:imgLayer r:embed="rId3">
+                        <a14:imgEffect>
+                          <a14:artisticBlur/>
+                        </a14:imgEffect>
+                      </a14:imgLayer>
+                    </a14:imgProps>
+                  </a:ext>
+                </a:extLst>
+              </a:blip>
+              <a:srcRect t="6805"/>
+              <a:stretch/>
+            </p:blipFill>
+            <p:spPr>
+              <a:xfrm>
+                <a:off x="100529" y="467349"/>
+                <a:ext cx="11990941" cy="6285876"/>
+              </a:xfrm>
+              <a:prstGeom prst="rect">
+                <a:avLst/>
+              </a:prstGeom>
+            </p:spPr>
+          </p:pic>
+          <p:pic>
+            <p:nvPicPr>
+              <p:cNvPr id="10" name="Picture 9">
+                <a:extLst>
+                  <a:ext uri="{FF2B5EF4-FFF2-40B4-BE49-F238E27FC236}">
+                    <a16:creationId xmlns:a16="http://schemas.microsoft.com/office/drawing/2014/main" id="{8A8FE4EA-7640-4AEC-AA6A-143865BB0F0D}"/>
+                  </a:ext>
+                </a:extLst>
+              </p:cNvPr>
+              <p:cNvPicPr>
+                <a:picLocks noChangeAspect="1"/>
+              </p:cNvPicPr>
+              <p:nvPr/>
+            </p:nvPicPr>
+            <p:blipFill>
+              <a:blip r:embed="rId4">
+                <a:extLst>
+                  <a:ext uri="{BEBA8EAE-BF5A-486C-A8C5-ECC9F3942E4B}">
+                    <a14:imgProps xmlns:a14="http://schemas.microsoft.com/office/drawing/2010/main">
+                      <a14:imgLayer r:embed="rId5">
+                        <a14:imgEffect>
+                          <a14:artisticBlur/>
+                        </a14:imgEffect>
+                      </a14:imgLayer>
+                    </a14:imgProps>
+                  </a:ext>
+                </a:extLst>
+              </a:blip>
+              <a:stretch>
+                <a:fillRect/>
+              </a:stretch>
+            </p:blipFill>
+            <p:spPr>
+              <a:xfrm>
+                <a:off x="1730376" y="498278"/>
+                <a:ext cx="4651374" cy="263184"/>
+              </a:xfrm>
+              <a:prstGeom prst="rect">
+                <a:avLst/>
+              </a:prstGeom>
+            </p:spPr>
+          </p:pic>
+        </p:grpSp>
+        <p:pic>
+          <p:nvPicPr>
+            <p:cNvPr id="13" name="Picture 12">
+              <a:extLst>
+                <a:ext uri="{FF2B5EF4-FFF2-40B4-BE49-F238E27FC236}">
+                  <a16:creationId xmlns:a16="http://schemas.microsoft.com/office/drawing/2014/main" id="{BD711627-7BE6-4D33-B895-A94CB02087B8}"/>
+                </a:ext>
+              </a:extLst>
+            </p:cNvPr>
+            <p:cNvPicPr>
+              <a:picLocks noChangeAspect="1"/>
+            </p:cNvPicPr>
+            <p:nvPr/>
+          </p:nvPicPr>
+          <p:blipFill>
+            <a:blip r:embed="rId6">
+              <a:extLst>
+                <a:ext uri="{BEBA8EAE-BF5A-486C-A8C5-ECC9F3942E4B}">
+                  <a14:imgProps xmlns:a14="http://schemas.microsoft.com/office/drawing/2010/main">
+                    <a14:imgLayer r:embed="rId7">
+                      <a14:imgEffect>
+                        <a14:artisticBlur/>
+                      </a14:imgEffect>
+                    </a14:imgLayer>
+                  </a14:imgProps>
+                </a:ext>
+              </a:extLst>
+            </a:blip>
+            <a:stretch>
+              <a:fillRect/>
+            </a:stretch>
+          </p:blipFill>
+          <p:spPr>
+            <a:xfrm>
+              <a:off x="1847849" y="997822"/>
+              <a:ext cx="9912923" cy="850028"/>
+            </a:xfrm>
+            <a:prstGeom prst="rect">
+              <a:avLst/>
+            </a:prstGeom>
+          </p:spPr>
+        </p:pic>
+      </p:grpSp>
+      <p:pic>
+        <p:nvPicPr>
+          <p:cNvPr id="3" name="Picture 2">
+            <a:extLst>
+              <a:ext uri="{FF2B5EF4-FFF2-40B4-BE49-F238E27FC236}">
+                <a16:creationId xmlns:a16="http://schemas.microsoft.com/office/drawing/2014/main" id="{216E7151-AA3F-4CD5-9AD6-8E6CD2142DB8}"/>
+              </a:ext>
+            </a:extLst>
+          </p:cNvPr>
+          <p:cNvPicPr>
+            <a:picLocks noChangeAspect="1"/>
+          </p:cNvPicPr>
+          <p:nvPr/>
+        </p:nvPicPr>
+        <p:blipFill rotWithShape="1">
+          <a:blip r:embed="rId8"/>
+          <a:srcRect l="-1" r="105" b="539"/>
+          <a:stretch/>
+        </p:blipFill>
+        <p:spPr>
+          <a:xfrm>
+            <a:off x="740367" y="691886"/>
+            <a:ext cx="11075396" cy="5572556"/>
+          </a:xfrm>
+          <a:prstGeom prst="rect">
+            <a:avLst/>
+          </a:prstGeom>
+        </p:spPr>
+      </p:pic>
+      <p:grpSp>
+        <p:nvGrpSpPr>
+          <p:cNvPr id="2" name="Group 1">
+            <a:extLst>
+              <a:ext uri="{FF2B5EF4-FFF2-40B4-BE49-F238E27FC236}">
+                <a16:creationId xmlns:a16="http://schemas.microsoft.com/office/drawing/2014/main" id="{1B5D052A-68D6-4B2C-BA83-0A35660F1B79}"/>
+              </a:ext>
+            </a:extLst>
+          </p:cNvPr>
+          <p:cNvGrpSpPr/>
+          <p:nvPr/>
+        </p:nvGrpSpPr>
+        <p:grpSpPr>
+          <a:xfrm>
+            <a:off x="788987" y="1067398"/>
+            <a:ext cx="10747375" cy="3912975"/>
+            <a:chOff x="788987" y="1730551"/>
+            <a:chExt cx="10747375" cy="3912975"/>
+          </a:xfrm>
+        </p:grpSpPr>
+        <p:pic>
+          <p:nvPicPr>
+            <p:cNvPr id="4" name="Picture 3">
+              <a:extLst>
+                <a:ext uri="{FF2B5EF4-FFF2-40B4-BE49-F238E27FC236}">
+                  <a16:creationId xmlns:a16="http://schemas.microsoft.com/office/drawing/2014/main" id="{EB8A01E2-21C3-4024-AA1F-504D35A1A916}"/>
+                </a:ext>
+              </a:extLst>
+            </p:cNvPr>
+            <p:cNvPicPr>
+              <a:picLocks noChangeAspect="1"/>
+            </p:cNvPicPr>
+            <p:nvPr/>
+          </p:nvPicPr>
+          <p:blipFill rotWithShape="1">
+            <a:blip r:embed="rId9"/>
+            <a:srcRect l="14919" t="15625" r="2930" b="27670"/>
+            <a:stretch/>
+          </p:blipFill>
+          <p:spPr>
+            <a:xfrm>
+              <a:off x="788987" y="1730551"/>
+              <a:ext cx="10747375" cy="3912975"/>
+            </a:xfrm>
+            <a:prstGeom prst="rect">
+              <a:avLst/>
+            </a:prstGeom>
+          </p:spPr>
+        </p:pic>
+        <p:pic>
+          <p:nvPicPr>
+            <p:cNvPr id="9" name="Picture 8">
+              <a:extLst>
+                <a:ext uri="{FF2B5EF4-FFF2-40B4-BE49-F238E27FC236}">
+                  <a16:creationId xmlns:a16="http://schemas.microsoft.com/office/drawing/2014/main" id="{4A3BD407-D9D6-4B57-8191-FF9CD6183E5D}"/>
+                </a:ext>
+              </a:extLst>
+            </p:cNvPr>
+            <p:cNvPicPr>
+              <a:picLocks noChangeAspect="1"/>
+            </p:cNvPicPr>
+            <p:nvPr/>
+          </p:nvPicPr>
+          <p:blipFill>
+            <a:blip r:embed="rId10"/>
+            <a:stretch>
+              <a:fillRect/>
+            </a:stretch>
+          </p:blipFill>
+          <p:spPr>
+            <a:xfrm>
+              <a:off x="1002631" y="2319078"/>
+              <a:ext cx="1142907" cy="262197"/>
+            </a:xfrm>
+            <a:prstGeom prst="rect">
+              <a:avLst/>
+            </a:prstGeom>
+          </p:spPr>
+        </p:pic>
+      </p:grpSp>
+      <p:pic>
+        <p:nvPicPr>
+          <p:cNvPr id="15" name="Picture 14">
+            <a:extLst>
+              <a:ext uri="{FF2B5EF4-FFF2-40B4-BE49-F238E27FC236}">
+                <a16:creationId xmlns:a16="http://schemas.microsoft.com/office/drawing/2014/main" id="{933DABF2-A392-4295-A66B-399F545E6379}"/>
+              </a:ext>
+            </a:extLst>
+          </p:cNvPr>
+          <p:cNvPicPr>
+            <a:picLocks noChangeAspect="1"/>
+          </p:cNvPicPr>
+          <p:nvPr/>
+        </p:nvPicPr>
+        <p:blipFill rotWithShape="1">
+          <a:blip r:embed="rId11"/>
+          <a:srcRect b="32979"/>
+          <a:stretch/>
+        </p:blipFill>
+        <p:spPr>
+          <a:xfrm>
+            <a:off x="907194" y="5038817"/>
+            <a:ext cx="10629168" cy="1225626"/>
+          </a:xfrm>
+          <a:prstGeom prst="rect">
+            <a:avLst/>
+          </a:prstGeom>
+        </p:spPr>
+      </p:pic>
+    </p:spTree>
+    <p:extLst>
+      <p:ext uri="{BB962C8B-B14F-4D97-AF65-F5344CB8AC3E}">
+        <p14:creationId xmlns:p14="http://schemas.microsoft.com/office/powerpoint/2010/main" val="3349736007"/>
       </p:ext>
     </p:extLst>
   </p:cSld>

--- a/design/wireframe.pptx
+++ b/design/wireframe.pptx
@@ -5,7 +5,7 @@
     <p:sldMasterId id="2147483648" r:id="rId1"/>
   </p:sldMasterIdLst>
   <p:notesMasterIdLst>
-    <p:notesMasterId r:id="rId21"/>
+    <p:notesMasterId r:id="rId23"/>
   </p:notesMasterIdLst>
   <p:sldIdLst>
     <p:sldId id="256" r:id="rId2"/>
@@ -22,11 +22,13 @@
     <p:sldId id="278" r:id="rId13"/>
     <p:sldId id="266" r:id="rId14"/>
     <p:sldId id="277" r:id="rId15"/>
-    <p:sldId id="263" r:id="rId16"/>
-    <p:sldId id="268" r:id="rId17"/>
-    <p:sldId id="279" r:id="rId18"/>
-    <p:sldId id="280" r:id="rId19"/>
-    <p:sldId id="271" r:id="rId20"/>
+    <p:sldId id="285" r:id="rId16"/>
+    <p:sldId id="286" r:id="rId17"/>
+    <p:sldId id="263" r:id="rId18"/>
+    <p:sldId id="268" r:id="rId19"/>
+    <p:sldId id="279" r:id="rId20"/>
+    <p:sldId id="280" r:id="rId21"/>
+    <p:sldId id="271" r:id="rId22"/>
   </p:sldIdLst>
   <p:sldSz cx="12192000" cy="6858000"/>
   <p:notesSz cx="6858000" cy="9144000"/>
@@ -7088,7 +7090,7 @@
           <a:p>
             <a:fld id="{B7EBE38B-55AE-4351-BB05-58087A95BDC2}" type="datetimeFigureOut">
               <a:rPr lang="en-GB" smtClean="0"/>
-              <a:t>26/09/2020</a:t>
+              <a:t>28/09/2020</a:t>
             </a:fld>
             <a:endParaRPr lang="en-GB"/>
           </a:p>
@@ -7505,7 +7507,7 @@
           <a:p>
             <a:fld id="{624FC7A1-A2FE-47F2-A82A-8B79412D5120}" type="datetimeFigureOut">
               <a:rPr lang="en-GB" smtClean="0"/>
-              <a:t>26/09/2020</a:t>
+              <a:t>28/09/2020</a:t>
             </a:fld>
             <a:endParaRPr lang="en-GB"/>
           </a:p>
@@ -7705,7 +7707,7 @@
           <a:p>
             <a:fld id="{624FC7A1-A2FE-47F2-A82A-8B79412D5120}" type="datetimeFigureOut">
               <a:rPr lang="en-GB" smtClean="0"/>
-              <a:t>26/09/2020</a:t>
+              <a:t>28/09/2020</a:t>
             </a:fld>
             <a:endParaRPr lang="en-GB"/>
           </a:p>
@@ -7915,7 +7917,7 @@
           <a:p>
             <a:fld id="{624FC7A1-A2FE-47F2-A82A-8B79412D5120}" type="datetimeFigureOut">
               <a:rPr lang="en-GB" smtClean="0"/>
-              <a:t>26/09/2020</a:t>
+              <a:t>28/09/2020</a:t>
             </a:fld>
             <a:endParaRPr lang="en-GB"/>
           </a:p>
@@ -8115,7 +8117,7 @@
           <a:p>
             <a:fld id="{624FC7A1-A2FE-47F2-A82A-8B79412D5120}" type="datetimeFigureOut">
               <a:rPr lang="en-GB" smtClean="0"/>
-              <a:t>26/09/2020</a:t>
+              <a:t>28/09/2020</a:t>
             </a:fld>
             <a:endParaRPr lang="en-GB"/>
           </a:p>
@@ -8391,7 +8393,7 @@
           <a:p>
             <a:fld id="{624FC7A1-A2FE-47F2-A82A-8B79412D5120}" type="datetimeFigureOut">
               <a:rPr lang="en-GB" smtClean="0"/>
-              <a:t>26/09/2020</a:t>
+              <a:t>28/09/2020</a:t>
             </a:fld>
             <a:endParaRPr lang="en-GB"/>
           </a:p>
@@ -8659,7 +8661,7 @@
           <a:p>
             <a:fld id="{624FC7A1-A2FE-47F2-A82A-8B79412D5120}" type="datetimeFigureOut">
               <a:rPr lang="en-GB" smtClean="0"/>
-              <a:t>26/09/2020</a:t>
+              <a:t>28/09/2020</a:t>
             </a:fld>
             <a:endParaRPr lang="en-GB"/>
           </a:p>
@@ -9074,7 +9076,7 @@
           <a:p>
             <a:fld id="{624FC7A1-A2FE-47F2-A82A-8B79412D5120}" type="datetimeFigureOut">
               <a:rPr lang="en-GB" smtClean="0"/>
-              <a:t>26/09/2020</a:t>
+              <a:t>28/09/2020</a:t>
             </a:fld>
             <a:endParaRPr lang="en-GB"/>
           </a:p>
@@ -9216,7 +9218,7 @@
           <a:p>
             <a:fld id="{624FC7A1-A2FE-47F2-A82A-8B79412D5120}" type="datetimeFigureOut">
               <a:rPr lang="en-GB" smtClean="0"/>
-              <a:t>26/09/2020</a:t>
+              <a:t>28/09/2020</a:t>
             </a:fld>
             <a:endParaRPr lang="en-GB"/>
           </a:p>
@@ -9329,7 +9331,7 @@
           <a:p>
             <a:fld id="{624FC7A1-A2FE-47F2-A82A-8B79412D5120}" type="datetimeFigureOut">
               <a:rPr lang="en-GB" smtClean="0"/>
-              <a:t>26/09/2020</a:t>
+              <a:t>28/09/2020</a:t>
             </a:fld>
             <a:endParaRPr lang="en-GB"/>
           </a:p>
@@ -9642,7 +9644,7 @@
           <a:p>
             <a:fld id="{624FC7A1-A2FE-47F2-A82A-8B79412D5120}" type="datetimeFigureOut">
               <a:rPr lang="en-GB" smtClean="0"/>
-              <a:t>26/09/2020</a:t>
+              <a:t>28/09/2020</a:t>
             </a:fld>
             <a:endParaRPr lang="en-GB"/>
           </a:p>
@@ -9931,7 +9933,7 @@
           <a:p>
             <a:fld id="{624FC7A1-A2FE-47F2-A82A-8B79412D5120}" type="datetimeFigureOut">
               <a:rPr lang="en-GB" smtClean="0"/>
-              <a:t>26/09/2020</a:t>
+              <a:t>28/09/2020</a:t>
             </a:fld>
             <a:endParaRPr lang="en-GB"/>
           </a:p>
@@ -10174,7 +10176,7 @@
           <a:p>
             <a:fld id="{624FC7A1-A2FE-47F2-A82A-8B79412D5120}" type="datetimeFigureOut">
               <a:rPr lang="en-GB" smtClean="0"/>
-              <a:t>26/09/2020</a:t>
+              <a:t>28/09/2020</a:t>
             </a:fld>
             <a:endParaRPr lang="en-GB"/>
           </a:p>
@@ -12165,36 +12167,87 @@
           </a:prstGeom>
         </p:spPr>
       </p:pic>
-      <p:pic>
-        <p:nvPicPr>
-          <p:cNvPr id="10" name="Picture 9">
+      <p:grpSp>
+        <p:nvGrpSpPr>
+          <p:cNvPr id="7" name="Group 6">
             <a:extLst>
               <a:ext uri="{FF2B5EF4-FFF2-40B4-BE49-F238E27FC236}">
-                <a16:creationId xmlns:a16="http://schemas.microsoft.com/office/drawing/2014/main" id="{D31528F1-E94A-40BA-8BC6-7AC97F2DA713}"/>
+                <a16:creationId xmlns:a16="http://schemas.microsoft.com/office/drawing/2014/main" id="{DE93956A-DF72-4ABF-9D9B-793B15B20E1F}"/>
               </a:ext>
             </a:extLst>
           </p:cNvPr>
-          <p:cNvPicPr>
-            <a:picLocks noChangeAspect="1"/>
-          </p:cNvPicPr>
+          <p:cNvGrpSpPr/>
           <p:nvPr/>
-        </p:nvPicPr>
-        <p:blipFill>
-          <a:blip r:embed="rId5"/>
-          <a:stretch>
-            <a:fillRect/>
-          </a:stretch>
-        </p:blipFill>
-        <p:spPr>
+        </p:nvGrpSpPr>
+        <p:grpSpPr>
           <a:xfrm>
             <a:off x="1720573" y="949911"/>
             <a:ext cx="10233302" cy="4446022"/>
+            <a:chOff x="1720573" y="949911"/>
+            <a:chExt cx="10233302" cy="4446022"/>
           </a:xfrm>
-          <a:prstGeom prst="rect">
-            <a:avLst/>
-          </a:prstGeom>
-        </p:spPr>
-      </p:pic>
+        </p:grpSpPr>
+        <p:pic>
+          <p:nvPicPr>
+            <p:cNvPr id="10" name="Picture 9">
+              <a:extLst>
+                <a:ext uri="{FF2B5EF4-FFF2-40B4-BE49-F238E27FC236}">
+                  <a16:creationId xmlns:a16="http://schemas.microsoft.com/office/drawing/2014/main" id="{D31528F1-E94A-40BA-8BC6-7AC97F2DA713}"/>
+                </a:ext>
+              </a:extLst>
+            </p:cNvPr>
+            <p:cNvPicPr>
+              <a:picLocks noChangeAspect="1"/>
+            </p:cNvPicPr>
+            <p:nvPr/>
+          </p:nvPicPr>
+          <p:blipFill>
+            <a:blip r:embed="rId5"/>
+            <a:stretch>
+              <a:fillRect/>
+            </a:stretch>
+          </p:blipFill>
+          <p:spPr>
+            <a:xfrm>
+              <a:off x="1720573" y="949911"/>
+              <a:ext cx="10233302" cy="4446022"/>
+            </a:xfrm>
+            <a:prstGeom prst="rect">
+              <a:avLst/>
+            </a:prstGeom>
+          </p:spPr>
+        </p:pic>
+        <p:pic>
+          <p:nvPicPr>
+            <p:cNvPr id="6" name="Picture 5">
+              <a:extLst>
+                <a:ext uri="{FF2B5EF4-FFF2-40B4-BE49-F238E27FC236}">
+                  <a16:creationId xmlns:a16="http://schemas.microsoft.com/office/drawing/2014/main" id="{743E0849-87BB-4445-BEC2-B0AE15A05602}"/>
+                </a:ext>
+              </a:extLst>
+            </p:cNvPr>
+            <p:cNvPicPr>
+              <a:picLocks noChangeAspect="1"/>
+            </p:cNvPicPr>
+            <p:nvPr/>
+          </p:nvPicPr>
+          <p:blipFill>
+            <a:blip r:embed="rId6"/>
+            <a:stretch>
+              <a:fillRect/>
+            </a:stretch>
+          </p:blipFill>
+          <p:spPr>
+            <a:xfrm>
+              <a:off x="1756628" y="2063033"/>
+              <a:ext cx="907134" cy="1002622"/>
+            </a:xfrm>
+            <a:prstGeom prst="rect">
+              <a:avLst/>
+            </a:prstGeom>
+          </p:spPr>
+        </p:pic>
+      </p:grpSp>
     </p:spTree>
     <p:extLst>
       <p:ext uri="{BB962C8B-B14F-4D97-AF65-F5344CB8AC3E}">
@@ -12373,10 +12426,10 @@
       </p:sp>
       <p:pic>
         <p:nvPicPr>
-          <p:cNvPr id="14" name="Picture 13">
+          <p:cNvPr id="6" name="Picture 5">
             <a:extLst>
               <a:ext uri="{FF2B5EF4-FFF2-40B4-BE49-F238E27FC236}">
-                <a16:creationId xmlns:a16="http://schemas.microsoft.com/office/drawing/2014/main" id="{8858E3AE-1C27-4139-B6D8-C69445F20C78}"/>
+                <a16:creationId xmlns:a16="http://schemas.microsoft.com/office/drawing/2014/main" id="{009CC426-4C72-4CF7-A0F0-451AA5558E59}"/>
               </a:ext>
             </a:extLst>
           </p:cNvPr>
@@ -12393,8 +12446,8 @@
         </p:blipFill>
         <p:spPr>
           <a:xfrm>
-            <a:off x="1743075" y="2272198"/>
-            <a:ext cx="10191750" cy="1045630"/>
+            <a:off x="1809750" y="2180437"/>
+            <a:ext cx="10130612" cy="1362863"/>
           </a:xfrm>
           <a:prstGeom prst="rect">
             <a:avLst/>
@@ -12579,36 +12632,87 @@
           </a:prstGeom>
         </p:spPr>
       </p:pic>
-      <p:pic>
-        <p:nvPicPr>
-          <p:cNvPr id="9" name="Picture 8">
+      <p:grpSp>
+        <p:nvGrpSpPr>
+          <p:cNvPr id="14" name="Group 13">
             <a:extLst>
               <a:ext uri="{FF2B5EF4-FFF2-40B4-BE49-F238E27FC236}">
-                <a16:creationId xmlns:a16="http://schemas.microsoft.com/office/drawing/2014/main" id="{DEB0C0A5-735E-427B-B708-92C247CA7257}"/>
+                <a16:creationId xmlns:a16="http://schemas.microsoft.com/office/drawing/2014/main" id="{950981A4-D50F-464C-BF37-6A96AB798338}"/>
               </a:ext>
             </a:extLst>
           </p:cNvPr>
-          <p:cNvPicPr>
-            <a:picLocks noChangeAspect="1"/>
-          </p:cNvPicPr>
+          <p:cNvGrpSpPr/>
           <p:nvPr/>
-        </p:nvPicPr>
-        <p:blipFill>
-          <a:blip r:embed="rId5"/>
-          <a:stretch>
-            <a:fillRect/>
-          </a:stretch>
-        </p:blipFill>
-        <p:spPr>
+        </p:nvGrpSpPr>
+        <p:grpSpPr>
           <a:xfrm>
             <a:off x="1743074" y="1003272"/>
             <a:ext cx="10220325" cy="2041568"/>
+            <a:chOff x="1743074" y="1003272"/>
+            <a:chExt cx="10220325" cy="2041568"/>
           </a:xfrm>
-          <a:prstGeom prst="rect">
-            <a:avLst/>
-          </a:prstGeom>
-        </p:spPr>
-      </p:pic>
+        </p:grpSpPr>
+        <p:pic>
+          <p:nvPicPr>
+            <p:cNvPr id="9" name="Picture 8">
+              <a:extLst>
+                <a:ext uri="{FF2B5EF4-FFF2-40B4-BE49-F238E27FC236}">
+                  <a16:creationId xmlns:a16="http://schemas.microsoft.com/office/drawing/2014/main" id="{DEB0C0A5-735E-427B-B708-92C247CA7257}"/>
+                </a:ext>
+              </a:extLst>
+            </p:cNvPr>
+            <p:cNvPicPr>
+              <a:picLocks noChangeAspect="1"/>
+            </p:cNvPicPr>
+            <p:nvPr/>
+          </p:nvPicPr>
+          <p:blipFill>
+            <a:blip r:embed="rId5"/>
+            <a:stretch>
+              <a:fillRect/>
+            </a:stretch>
+          </p:blipFill>
+          <p:spPr>
+            <a:xfrm>
+              <a:off x="1743074" y="1003272"/>
+              <a:ext cx="10220325" cy="2041568"/>
+            </a:xfrm>
+            <a:prstGeom prst="rect">
+              <a:avLst/>
+            </a:prstGeom>
+          </p:spPr>
+        </p:pic>
+        <p:pic>
+          <p:nvPicPr>
+            <p:cNvPr id="13" name="Picture 12">
+              <a:extLst>
+                <a:ext uri="{FF2B5EF4-FFF2-40B4-BE49-F238E27FC236}">
+                  <a16:creationId xmlns:a16="http://schemas.microsoft.com/office/drawing/2014/main" id="{46F08914-9C7A-4E4A-AE50-0883BCC54514}"/>
+                </a:ext>
+              </a:extLst>
+            </p:cNvPr>
+            <p:cNvPicPr>
+              <a:picLocks noChangeAspect="1"/>
+            </p:cNvPicPr>
+            <p:nvPr/>
+          </p:nvPicPr>
+          <p:blipFill>
+            <a:blip r:embed="rId6"/>
+            <a:stretch>
+              <a:fillRect/>
+            </a:stretch>
+          </p:blipFill>
+          <p:spPr>
+            <a:xfrm>
+              <a:off x="1743074" y="2107451"/>
+              <a:ext cx="932056" cy="861724"/>
+            </a:xfrm>
+            <a:prstGeom prst="rect">
+              <a:avLst/>
+            </a:prstGeom>
+          </p:spPr>
+        </p:pic>
+      </p:grpSp>
     </p:spTree>
     <p:extLst>
       <p:ext uri="{BB962C8B-B14F-4D97-AF65-F5344CB8AC3E}">
@@ -12757,10 +12861,10 @@
       </p:sp>
       <p:pic>
         <p:nvPicPr>
-          <p:cNvPr id="5" name="Picture 4">
+          <p:cNvPr id="7" name="Picture 6">
             <a:extLst>
               <a:ext uri="{FF2B5EF4-FFF2-40B4-BE49-F238E27FC236}">
-                <a16:creationId xmlns:a16="http://schemas.microsoft.com/office/drawing/2014/main" id="{F589CF04-9AEF-4892-85EF-A85F20D118CB}"/>
+                <a16:creationId xmlns:a16="http://schemas.microsoft.com/office/drawing/2014/main" id="{57503FE0-A948-4F49-9E47-AC721FA04B52}"/>
               </a:ext>
             </a:extLst>
           </p:cNvPr>
@@ -12770,17 +12874,15 @@
           <p:nvPr/>
         </p:nvPicPr>
         <p:blipFill>
-          <a:blip r:embed="rId4">
-            <a:alphaModFix/>
-          </a:blip>
+          <a:blip r:embed="rId4"/>
           <a:stretch>
             <a:fillRect/>
           </a:stretch>
         </p:blipFill>
         <p:spPr>
           <a:xfrm>
-            <a:off x="1819275" y="2275771"/>
-            <a:ext cx="10043489" cy="1030419"/>
+            <a:off x="1733549" y="990600"/>
+            <a:ext cx="10267951" cy="1183571"/>
           </a:xfrm>
           <a:prstGeom prst="rect">
             <a:avLst/>
@@ -12789,10 +12891,10 @@
       </p:pic>
       <p:pic>
         <p:nvPicPr>
-          <p:cNvPr id="7" name="Picture 6">
+          <p:cNvPr id="6" name="Picture 5">
             <a:extLst>
               <a:ext uri="{FF2B5EF4-FFF2-40B4-BE49-F238E27FC236}">
-                <a16:creationId xmlns:a16="http://schemas.microsoft.com/office/drawing/2014/main" id="{57503FE0-A948-4F49-9E47-AC721FA04B52}"/>
+                <a16:creationId xmlns:a16="http://schemas.microsoft.com/office/drawing/2014/main" id="{ADC3F9E3-6F7E-471E-A067-9C126785945C}"/>
               </a:ext>
             </a:extLst>
           </p:cNvPr>
@@ -12809,8 +12911,8 @@
         </p:blipFill>
         <p:spPr>
           <a:xfrm>
-            <a:off x="1733549" y="990600"/>
-            <a:ext cx="10267951" cy="1183571"/>
+            <a:off x="1733549" y="2174171"/>
+            <a:ext cx="10189997" cy="1370852"/>
           </a:xfrm>
           <a:prstGeom prst="rect">
             <a:avLst/>
@@ -12831,6 +12933,387 @@
 </file>
 
 <file path=ppt/slides/slide15.xml><?xml version="1.0" encoding="utf-8"?>
+<p:sld xmlns:a="http://schemas.openxmlformats.org/drawingml/2006/main" xmlns:r="http://schemas.openxmlformats.org/officeDocument/2006/relationships" xmlns:p="http://schemas.openxmlformats.org/presentationml/2006/main">
+  <p:cSld>
+    <p:spTree>
+      <p:nvGrpSpPr>
+        <p:cNvPr id="1" name=""/>
+        <p:cNvGrpSpPr/>
+        <p:nvPr/>
+      </p:nvGrpSpPr>
+      <p:grpSpPr>
+        <a:xfrm>
+          <a:off x="0" y="0"/>
+          <a:ext cx="0" cy="0"/>
+          <a:chOff x="0" y="0"/>
+          <a:chExt cx="0" cy="0"/>
+        </a:xfrm>
+      </p:grpSpPr>
+      <p:grpSp>
+        <p:nvGrpSpPr>
+          <p:cNvPr id="3" name="Group 2">
+            <a:extLst>
+              <a:ext uri="{FF2B5EF4-FFF2-40B4-BE49-F238E27FC236}">
+                <a16:creationId xmlns:a16="http://schemas.microsoft.com/office/drawing/2014/main" id="{270FD94C-5C4D-4F58-806A-BC31CA54A192}"/>
+              </a:ext>
+            </a:extLst>
+          </p:cNvPr>
+          <p:cNvGrpSpPr/>
+          <p:nvPr/>
+        </p:nvGrpSpPr>
+        <p:grpSpPr>
+          <a:xfrm>
+            <a:off x="117754" y="499723"/>
+            <a:ext cx="11956491" cy="6289616"/>
+            <a:chOff x="117754" y="499723"/>
+            <a:chExt cx="11956491" cy="6289616"/>
+          </a:xfrm>
+        </p:grpSpPr>
+        <p:pic>
+          <p:nvPicPr>
+            <p:cNvPr id="8" name="Picture 7">
+              <a:extLst>
+                <a:ext uri="{FF2B5EF4-FFF2-40B4-BE49-F238E27FC236}">
+                  <a16:creationId xmlns:a16="http://schemas.microsoft.com/office/drawing/2014/main" id="{8F9D8351-5946-4BCD-A162-DF57024FD2DB}"/>
+                </a:ext>
+              </a:extLst>
+            </p:cNvPr>
+            <p:cNvPicPr>
+              <a:picLocks noChangeAspect="1"/>
+            </p:cNvPicPr>
+            <p:nvPr/>
+          </p:nvPicPr>
+          <p:blipFill rotWithShape="1">
+            <a:blip r:embed="rId2"/>
+            <a:srcRect t="6481"/>
+            <a:stretch/>
+          </p:blipFill>
+          <p:spPr>
+            <a:xfrm>
+              <a:off x="117754" y="499725"/>
+              <a:ext cx="11956491" cy="6289614"/>
+            </a:xfrm>
+            <a:prstGeom prst="rect">
+              <a:avLst/>
+            </a:prstGeom>
+          </p:spPr>
+        </p:pic>
+        <p:pic>
+          <p:nvPicPr>
+            <p:cNvPr id="2" name="Picture 1">
+              <a:extLst>
+                <a:ext uri="{FF2B5EF4-FFF2-40B4-BE49-F238E27FC236}">
+                  <a16:creationId xmlns:a16="http://schemas.microsoft.com/office/drawing/2014/main" id="{5EB88689-7C7F-4AEE-AAA6-B20AB343CF00}"/>
+                </a:ext>
+              </a:extLst>
+            </p:cNvPr>
+            <p:cNvPicPr>
+              <a:picLocks noChangeAspect="1"/>
+            </p:cNvPicPr>
+            <p:nvPr/>
+          </p:nvPicPr>
+          <p:blipFill>
+            <a:blip r:embed="rId3"/>
+            <a:stretch>
+              <a:fillRect/>
+            </a:stretch>
+          </p:blipFill>
+          <p:spPr>
+            <a:xfrm>
+              <a:off x="128561" y="499723"/>
+              <a:ext cx="1500789" cy="6289615"/>
+            </a:xfrm>
+            <a:prstGeom prst="rect">
+              <a:avLst/>
+            </a:prstGeom>
+          </p:spPr>
+        </p:pic>
+      </p:grpSp>
+      <p:sp>
+        <p:nvSpPr>
+          <p:cNvPr id="4" name="Title 1">
+            <a:extLst>
+              <a:ext uri="{FF2B5EF4-FFF2-40B4-BE49-F238E27FC236}">
+                <a16:creationId xmlns:a16="http://schemas.microsoft.com/office/drawing/2014/main" id="{E6CBCF4B-8EBB-4C69-8ED1-B5698B7CE542}"/>
+              </a:ext>
+            </a:extLst>
+          </p:cNvPr>
+          <p:cNvSpPr>
+            <a:spLocks noGrp="1"/>
+          </p:cNvSpPr>
+          <p:nvPr>
+            <p:ph type="title"/>
+          </p:nvPr>
+        </p:nvSpPr>
+        <p:spPr>
+          <a:xfrm>
+            <a:off x="838200" y="88901"/>
+            <a:ext cx="10515600" cy="292099"/>
+          </a:xfrm>
+        </p:spPr>
+        <p:txBody>
+          <a:bodyPr>
+            <a:normAutofit fontScale="90000"/>
+          </a:bodyPr>
+          <a:lstStyle/>
+          <a:p>
+            <a:pPr algn="ctr"/>
+            <a:r>
+              <a:rPr lang="en-GB" sz="1800" b="1" dirty="0"/>
+              <a:t>3.2.4 – Risk and File Extension-based Views – Selecting a File ID Filter</a:t>
+            </a:r>
+          </a:p>
+        </p:txBody>
+      </p:sp>
+      <p:pic>
+        <p:nvPicPr>
+          <p:cNvPr id="11" name="Picture 10">
+            <a:extLst>
+              <a:ext uri="{FF2B5EF4-FFF2-40B4-BE49-F238E27FC236}">
+                <a16:creationId xmlns:a16="http://schemas.microsoft.com/office/drawing/2014/main" id="{3C01AE83-0644-4478-BEC4-88076AF484A7}"/>
+              </a:ext>
+            </a:extLst>
+          </p:cNvPr>
+          <p:cNvPicPr>
+            <a:picLocks noChangeAspect="1"/>
+          </p:cNvPicPr>
+          <p:nvPr/>
+        </p:nvPicPr>
+        <p:blipFill>
+          <a:blip r:embed="rId4"/>
+          <a:stretch>
+            <a:fillRect/>
+          </a:stretch>
+        </p:blipFill>
+        <p:spPr>
+          <a:xfrm>
+            <a:off x="1733549" y="987094"/>
+            <a:ext cx="10230021" cy="2118056"/>
+          </a:xfrm>
+          <a:prstGeom prst="rect">
+            <a:avLst/>
+          </a:prstGeom>
+        </p:spPr>
+      </p:pic>
+    </p:spTree>
+    <p:extLst>
+      <p:ext uri="{BB962C8B-B14F-4D97-AF65-F5344CB8AC3E}">
+        <p14:creationId xmlns:p14="http://schemas.microsoft.com/office/powerpoint/2010/main" val="3527382878"/>
+      </p:ext>
+    </p:extLst>
+  </p:cSld>
+  <p:clrMapOvr>
+    <a:masterClrMapping/>
+  </p:clrMapOvr>
+</p:sld>
+</file>
+
+<file path=ppt/slides/slide16.xml><?xml version="1.0" encoding="utf-8"?>
+<p:sld xmlns:a="http://schemas.openxmlformats.org/drawingml/2006/main" xmlns:r="http://schemas.openxmlformats.org/officeDocument/2006/relationships" xmlns:p="http://schemas.openxmlformats.org/presentationml/2006/main">
+  <p:cSld>
+    <p:spTree>
+      <p:nvGrpSpPr>
+        <p:cNvPr id="1" name=""/>
+        <p:cNvGrpSpPr/>
+        <p:nvPr/>
+      </p:nvGrpSpPr>
+      <p:grpSpPr>
+        <a:xfrm>
+          <a:off x="0" y="0"/>
+          <a:ext cx="0" cy="0"/>
+          <a:chOff x="0" y="0"/>
+          <a:chExt cx="0" cy="0"/>
+        </a:xfrm>
+      </p:grpSpPr>
+      <p:grpSp>
+        <p:nvGrpSpPr>
+          <p:cNvPr id="3" name="Group 2">
+            <a:extLst>
+              <a:ext uri="{FF2B5EF4-FFF2-40B4-BE49-F238E27FC236}">
+                <a16:creationId xmlns:a16="http://schemas.microsoft.com/office/drawing/2014/main" id="{270FD94C-5C4D-4F58-806A-BC31CA54A192}"/>
+              </a:ext>
+            </a:extLst>
+          </p:cNvPr>
+          <p:cNvGrpSpPr/>
+          <p:nvPr/>
+        </p:nvGrpSpPr>
+        <p:grpSpPr>
+          <a:xfrm>
+            <a:off x="117754" y="499723"/>
+            <a:ext cx="11956491" cy="6289616"/>
+            <a:chOff x="117754" y="499723"/>
+            <a:chExt cx="11956491" cy="6289616"/>
+          </a:xfrm>
+        </p:grpSpPr>
+        <p:pic>
+          <p:nvPicPr>
+            <p:cNvPr id="8" name="Picture 7">
+              <a:extLst>
+                <a:ext uri="{FF2B5EF4-FFF2-40B4-BE49-F238E27FC236}">
+                  <a16:creationId xmlns:a16="http://schemas.microsoft.com/office/drawing/2014/main" id="{8F9D8351-5946-4BCD-A162-DF57024FD2DB}"/>
+                </a:ext>
+              </a:extLst>
+            </p:cNvPr>
+            <p:cNvPicPr>
+              <a:picLocks noChangeAspect="1"/>
+            </p:cNvPicPr>
+            <p:nvPr/>
+          </p:nvPicPr>
+          <p:blipFill rotWithShape="1">
+            <a:blip r:embed="rId2"/>
+            <a:srcRect t="6481"/>
+            <a:stretch/>
+          </p:blipFill>
+          <p:spPr>
+            <a:xfrm>
+              <a:off x="117754" y="499725"/>
+              <a:ext cx="11956491" cy="6289614"/>
+            </a:xfrm>
+            <a:prstGeom prst="rect">
+              <a:avLst/>
+            </a:prstGeom>
+          </p:spPr>
+        </p:pic>
+        <p:pic>
+          <p:nvPicPr>
+            <p:cNvPr id="2" name="Picture 1">
+              <a:extLst>
+                <a:ext uri="{FF2B5EF4-FFF2-40B4-BE49-F238E27FC236}">
+                  <a16:creationId xmlns:a16="http://schemas.microsoft.com/office/drawing/2014/main" id="{5EB88689-7C7F-4AEE-AAA6-B20AB343CF00}"/>
+                </a:ext>
+              </a:extLst>
+            </p:cNvPr>
+            <p:cNvPicPr>
+              <a:picLocks noChangeAspect="1"/>
+            </p:cNvPicPr>
+            <p:nvPr/>
+          </p:nvPicPr>
+          <p:blipFill>
+            <a:blip r:embed="rId3"/>
+            <a:stretch>
+              <a:fillRect/>
+            </a:stretch>
+          </p:blipFill>
+          <p:spPr>
+            <a:xfrm>
+              <a:off x="128561" y="499723"/>
+              <a:ext cx="1500789" cy="6289615"/>
+            </a:xfrm>
+            <a:prstGeom prst="rect">
+              <a:avLst/>
+            </a:prstGeom>
+          </p:spPr>
+        </p:pic>
+      </p:grpSp>
+      <p:sp>
+        <p:nvSpPr>
+          <p:cNvPr id="4" name="Title 1">
+            <a:extLst>
+              <a:ext uri="{FF2B5EF4-FFF2-40B4-BE49-F238E27FC236}">
+                <a16:creationId xmlns:a16="http://schemas.microsoft.com/office/drawing/2014/main" id="{E6CBCF4B-8EBB-4C69-8ED1-B5698B7CE542}"/>
+              </a:ext>
+            </a:extLst>
+          </p:cNvPr>
+          <p:cNvSpPr>
+            <a:spLocks noGrp="1"/>
+          </p:cNvSpPr>
+          <p:nvPr>
+            <p:ph type="title"/>
+          </p:nvPr>
+        </p:nvSpPr>
+        <p:spPr>
+          <a:xfrm>
+            <a:off x="838200" y="88901"/>
+            <a:ext cx="10515600" cy="292099"/>
+          </a:xfrm>
+        </p:spPr>
+        <p:txBody>
+          <a:bodyPr>
+            <a:normAutofit fontScale="90000"/>
+          </a:bodyPr>
+          <a:lstStyle/>
+          <a:p>
+            <a:pPr algn="ctr"/>
+            <a:r>
+              <a:rPr lang="en-GB" sz="1800" b="1" dirty="0"/>
+              <a:t>3.2.4 – Risk and File Extension-based Views – Adding a File ID Filter</a:t>
+            </a:r>
+          </a:p>
+        </p:txBody>
+      </p:sp>
+      <p:pic>
+        <p:nvPicPr>
+          <p:cNvPr id="14" name="Picture 13">
+            <a:extLst>
+              <a:ext uri="{FF2B5EF4-FFF2-40B4-BE49-F238E27FC236}">
+                <a16:creationId xmlns:a16="http://schemas.microsoft.com/office/drawing/2014/main" id="{205C7C33-5915-4104-BAE7-1EC7199EBC77}"/>
+              </a:ext>
+            </a:extLst>
+          </p:cNvPr>
+          <p:cNvPicPr>
+            <a:picLocks noChangeAspect="1"/>
+          </p:cNvPicPr>
+          <p:nvPr/>
+        </p:nvPicPr>
+        <p:blipFill rotWithShape="1">
+          <a:blip r:embed="rId4"/>
+          <a:srcRect l="131" t="2194" r="481" b="3228"/>
+          <a:stretch/>
+        </p:blipFill>
+        <p:spPr>
+          <a:xfrm>
+            <a:off x="1731169" y="997117"/>
+            <a:ext cx="10220058" cy="1112671"/>
+          </a:xfrm>
+          <a:prstGeom prst="rect">
+            <a:avLst/>
+          </a:prstGeom>
+        </p:spPr>
+      </p:pic>
+      <p:pic>
+        <p:nvPicPr>
+          <p:cNvPr id="16" name="Picture 15">
+            <a:extLst>
+              <a:ext uri="{FF2B5EF4-FFF2-40B4-BE49-F238E27FC236}">
+                <a16:creationId xmlns:a16="http://schemas.microsoft.com/office/drawing/2014/main" id="{C4C115C2-8446-4A27-B7C2-29D8E4DF1FA8}"/>
+              </a:ext>
+            </a:extLst>
+          </p:cNvPr>
+          <p:cNvPicPr>
+            <a:picLocks noChangeAspect="1"/>
+          </p:cNvPicPr>
+          <p:nvPr/>
+        </p:nvPicPr>
+        <p:blipFill>
+          <a:blip r:embed="rId5"/>
+          <a:stretch>
+            <a:fillRect/>
+          </a:stretch>
+        </p:blipFill>
+        <p:spPr>
+          <a:xfrm>
+            <a:off x="1761230" y="2109788"/>
+            <a:ext cx="10189997" cy="1370852"/>
+          </a:xfrm>
+          <a:prstGeom prst="rect">
+            <a:avLst/>
+          </a:prstGeom>
+        </p:spPr>
+      </p:pic>
+    </p:spTree>
+    <p:extLst>
+      <p:ext uri="{BB962C8B-B14F-4D97-AF65-F5344CB8AC3E}">
+        <p14:creationId xmlns:p14="http://schemas.microsoft.com/office/powerpoint/2010/main" val="1815830884"/>
+      </p:ext>
+    </p:extLst>
+  </p:cSld>
+  <p:clrMapOvr>
+    <a:masterClrMapping/>
+  </p:clrMapOvr>
+</p:sld>
+</file>
+
+<file path=ppt/slides/slide17.xml><?xml version="1.0" encoding="utf-8"?>
 <p:sld xmlns:a="http://schemas.openxmlformats.org/drawingml/2006/main" xmlns:r="http://schemas.openxmlformats.org/officeDocument/2006/relationships" xmlns:p="http://schemas.openxmlformats.org/presentationml/2006/main">
   <p:cSld>
     <p:spTree>
@@ -13036,7 +13519,7 @@
 </p:sld>
 </file>
 
-<file path=ppt/slides/slide16.xml><?xml version="1.0" encoding="utf-8"?>
+<file path=ppt/slides/slide18.xml><?xml version="1.0" encoding="utf-8"?>
 <p:sld xmlns:a="http://schemas.openxmlformats.org/drawingml/2006/main" xmlns:r="http://schemas.openxmlformats.org/officeDocument/2006/relationships" xmlns:p="http://schemas.openxmlformats.org/presentationml/2006/main">
   <p:cSld>
     <p:spTree>
@@ -13269,7 +13752,7 @@
 </p:sld>
 </file>
 
-<file path=ppt/slides/slide17.xml><?xml version="1.0" encoding="utf-8"?>
+<file path=ppt/slides/slide19.xml><?xml version="1.0" encoding="utf-8"?>
 <p:sld xmlns:a="http://schemas.openxmlformats.org/drawingml/2006/main" xmlns:r="http://schemas.openxmlformats.org/officeDocument/2006/relationships" xmlns:p="http://schemas.openxmlformats.org/presentationml/2006/main">
   <p:cSld>
     <p:spTree>
@@ -13686,424 +14169,6 @@
 </p:sld>
 </file>
 
-<file path=ppt/slides/slide18.xml><?xml version="1.0" encoding="utf-8"?>
-<p:sld xmlns:a="http://schemas.openxmlformats.org/drawingml/2006/main" xmlns:r="http://schemas.openxmlformats.org/officeDocument/2006/relationships" xmlns:p="http://schemas.openxmlformats.org/presentationml/2006/main">
-  <p:cSld>
-    <p:spTree>
-      <p:nvGrpSpPr>
-        <p:cNvPr id="1" name=""/>
-        <p:cNvGrpSpPr/>
-        <p:nvPr/>
-      </p:nvGrpSpPr>
-      <p:grpSpPr>
-        <a:xfrm>
-          <a:off x="0" y="0"/>
-          <a:ext cx="0" cy="0"/>
-          <a:chOff x="0" y="0"/>
-          <a:chExt cx="0" cy="0"/>
-        </a:xfrm>
-      </p:grpSpPr>
-      <p:grpSp>
-        <p:nvGrpSpPr>
-          <p:cNvPr id="6" name="Group 5">
-            <a:extLst>
-              <a:ext uri="{FF2B5EF4-FFF2-40B4-BE49-F238E27FC236}">
-                <a16:creationId xmlns:a16="http://schemas.microsoft.com/office/drawing/2014/main" id="{34BB4037-276A-425F-B618-D2BFD19033BE}"/>
-              </a:ext>
-            </a:extLst>
-          </p:cNvPr>
-          <p:cNvGrpSpPr/>
-          <p:nvPr/>
-        </p:nvGrpSpPr>
-        <p:grpSpPr>
-          <a:xfrm>
-            <a:off x="142874" y="496122"/>
-            <a:ext cx="11887201" cy="6249160"/>
-            <a:chOff x="142874" y="496122"/>
-            <a:chExt cx="11887201" cy="6249160"/>
-          </a:xfrm>
-        </p:grpSpPr>
-        <p:grpSp>
-          <p:nvGrpSpPr>
-            <p:cNvPr id="13" name="Group 12">
-              <a:extLst>
-                <a:ext uri="{FF2B5EF4-FFF2-40B4-BE49-F238E27FC236}">
-                  <a16:creationId xmlns:a16="http://schemas.microsoft.com/office/drawing/2014/main" id="{151506C3-C4CE-4784-8AF3-026BA48CC800}"/>
-                </a:ext>
-              </a:extLst>
-            </p:cNvPr>
-            <p:cNvGrpSpPr/>
-            <p:nvPr/>
-          </p:nvGrpSpPr>
-          <p:grpSpPr>
-            <a:xfrm>
-              <a:off x="142874" y="496123"/>
-              <a:ext cx="11887201" cy="6249159"/>
-              <a:chOff x="142874" y="496123"/>
-              <a:chExt cx="11887201" cy="6249159"/>
-            </a:xfrm>
-          </p:grpSpPr>
-          <p:pic>
-            <p:nvPicPr>
-              <p:cNvPr id="10" name="Picture 9">
-                <a:extLst>
-                  <a:ext uri="{FF2B5EF4-FFF2-40B4-BE49-F238E27FC236}">
-                    <a16:creationId xmlns:a16="http://schemas.microsoft.com/office/drawing/2014/main" id="{1108231C-E07F-49A6-855A-DF215A8065DD}"/>
-                  </a:ext>
-                </a:extLst>
-              </p:cNvPr>
-              <p:cNvPicPr>
-                <a:picLocks noChangeAspect="1"/>
-              </p:cNvPicPr>
-              <p:nvPr/>
-            </p:nvPicPr>
-            <p:blipFill rotWithShape="1">
-              <a:blip r:embed="rId2"/>
-              <a:srcRect t="6542"/>
-              <a:stretch/>
-            </p:blipFill>
-            <p:spPr>
-              <a:xfrm>
-                <a:off x="142874" y="496123"/>
-                <a:ext cx="11887201" cy="6249159"/>
-              </a:xfrm>
-              <a:prstGeom prst="rect">
-                <a:avLst/>
-              </a:prstGeom>
-            </p:spPr>
-          </p:pic>
-          <p:pic>
-            <p:nvPicPr>
-              <p:cNvPr id="12" name="Picture 11">
-                <a:extLst>
-                  <a:ext uri="{FF2B5EF4-FFF2-40B4-BE49-F238E27FC236}">
-                    <a16:creationId xmlns:a16="http://schemas.microsoft.com/office/drawing/2014/main" id="{695E984F-30ED-4467-AF0A-2AA580DBBC24}"/>
-                  </a:ext>
-                </a:extLst>
-              </p:cNvPr>
-              <p:cNvPicPr>
-                <a:picLocks noChangeAspect="1"/>
-              </p:cNvPicPr>
-              <p:nvPr/>
-            </p:nvPicPr>
-            <p:blipFill rotWithShape="1">
-              <a:blip r:embed="rId2"/>
-              <a:srcRect l="16366" t="19208" r="55109" b="74952"/>
-              <a:stretch/>
-            </p:blipFill>
-            <p:spPr>
-              <a:xfrm>
-                <a:off x="1757460" y="995774"/>
-                <a:ext cx="3390787" cy="390525"/>
-              </a:xfrm>
-              <a:prstGeom prst="rect">
-                <a:avLst/>
-              </a:prstGeom>
-            </p:spPr>
-          </p:pic>
-        </p:grpSp>
-        <p:pic>
-          <p:nvPicPr>
-            <p:cNvPr id="3" name="Picture 2">
-              <a:extLst>
-                <a:ext uri="{FF2B5EF4-FFF2-40B4-BE49-F238E27FC236}">
-                  <a16:creationId xmlns:a16="http://schemas.microsoft.com/office/drawing/2014/main" id="{88123051-B79B-4A45-83B0-60AF7729E3EC}"/>
-                </a:ext>
-              </a:extLst>
-            </p:cNvPr>
-            <p:cNvPicPr>
-              <a:picLocks noChangeAspect="1"/>
-            </p:cNvPicPr>
-            <p:nvPr/>
-          </p:nvPicPr>
-          <p:blipFill>
-            <a:blip r:embed="rId3"/>
-            <a:stretch>
-              <a:fillRect/>
-            </a:stretch>
-          </p:blipFill>
-          <p:spPr>
-            <a:xfrm>
-              <a:off x="142874" y="496122"/>
-              <a:ext cx="1492614" cy="6249160"/>
-            </a:xfrm>
-            <a:prstGeom prst="rect">
-              <a:avLst/>
-            </a:prstGeom>
-          </p:spPr>
-        </p:pic>
-      </p:grpSp>
-      <p:pic>
-        <p:nvPicPr>
-          <p:cNvPr id="19" name="Picture 18">
-            <a:extLst>
-              <a:ext uri="{FF2B5EF4-FFF2-40B4-BE49-F238E27FC236}">
-                <a16:creationId xmlns:a16="http://schemas.microsoft.com/office/drawing/2014/main" id="{8C405BEC-0B1F-4F51-BB95-1676143340FA}"/>
-              </a:ext>
-            </a:extLst>
-          </p:cNvPr>
-          <p:cNvPicPr>
-            <a:picLocks noChangeAspect="1"/>
-          </p:cNvPicPr>
-          <p:nvPr/>
-        </p:nvPicPr>
-        <p:blipFill>
-          <a:blip r:embed="rId4"/>
-          <a:stretch>
-            <a:fillRect/>
-          </a:stretch>
-        </p:blipFill>
-        <p:spPr>
-          <a:xfrm>
-            <a:off x="1770848" y="1021174"/>
-            <a:ext cx="10121900" cy="5530325"/>
-          </a:xfrm>
-          <a:prstGeom prst="rect">
-            <a:avLst/>
-          </a:prstGeom>
-        </p:spPr>
-      </p:pic>
-      <p:pic>
-        <p:nvPicPr>
-          <p:cNvPr id="2" name="Picture 1">
-            <a:extLst>
-              <a:ext uri="{FF2B5EF4-FFF2-40B4-BE49-F238E27FC236}">
-                <a16:creationId xmlns:a16="http://schemas.microsoft.com/office/drawing/2014/main" id="{F710D4CA-8D67-40E9-85AB-446711993C79}"/>
-              </a:ext>
-            </a:extLst>
-          </p:cNvPr>
-          <p:cNvPicPr>
-            <a:picLocks noChangeAspect="1"/>
-          </p:cNvPicPr>
-          <p:nvPr/>
-        </p:nvPicPr>
-        <p:blipFill>
-          <a:blip r:embed="rId5"/>
-          <a:stretch>
-            <a:fillRect/>
-          </a:stretch>
-        </p:blipFill>
-        <p:spPr>
-          <a:xfrm>
-            <a:off x="2079074" y="1425014"/>
-            <a:ext cx="4032933" cy="4437212"/>
-          </a:xfrm>
-          <a:prstGeom prst="rect">
-            <a:avLst/>
-          </a:prstGeom>
-          <a:effectLst>
-            <a:outerShdw blurRad="63500" sx="102000" sy="102000" algn="ctr" rotWithShape="0">
-              <a:prstClr val="black">
-                <a:alpha val="40000"/>
-              </a:prstClr>
-            </a:outerShdw>
-          </a:effectLst>
-        </p:spPr>
-      </p:pic>
-      <p:sp>
-        <p:nvSpPr>
-          <p:cNvPr id="4" name="Title 1">
-            <a:extLst>
-              <a:ext uri="{FF2B5EF4-FFF2-40B4-BE49-F238E27FC236}">
-                <a16:creationId xmlns:a16="http://schemas.microsoft.com/office/drawing/2014/main" id="{D8DDA9F2-98DC-478C-88B7-8BCD09BE610D}"/>
-              </a:ext>
-            </a:extLst>
-          </p:cNvPr>
-          <p:cNvSpPr>
-            <a:spLocks noGrp="1"/>
-          </p:cNvSpPr>
-          <p:nvPr>
-            <p:ph type="title"/>
-          </p:nvPr>
-        </p:nvSpPr>
-        <p:spPr>
-          <a:xfrm>
-            <a:off x="838200" y="88901"/>
-            <a:ext cx="10515600" cy="292099"/>
-          </a:xfrm>
-        </p:spPr>
-        <p:txBody>
-          <a:bodyPr>
-            <a:normAutofit fontScale="90000"/>
-          </a:bodyPr>
-          <a:lstStyle/>
-          <a:p>
-            <a:pPr algn="ctr"/>
-            <a:r>
-              <a:rPr lang="en-GB" sz="1800" b="1" dirty="0"/>
-              <a:t>3.2.5– File Drop Service</a:t>
-            </a:r>
-          </a:p>
-        </p:txBody>
-      </p:sp>
-      <p:pic>
-        <p:nvPicPr>
-          <p:cNvPr id="5" name="Picture 4">
-            <a:extLst>
-              <a:ext uri="{FF2B5EF4-FFF2-40B4-BE49-F238E27FC236}">
-                <a16:creationId xmlns:a16="http://schemas.microsoft.com/office/drawing/2014/main" id="{41BCB61F-4B56-4EB7-BB79-BB47EE20E057}"/>
-              </a:ext>
-            </a:extLst>
-          </p:cNvPr>
-          <p:cNvPicPr>
-            <a:picLocks noChangeAspect="1"/>
-          </p:cNvPicPr>
-          <p:nvPr/>
-        </p:nvPicPr>
-        <p:blipFill rotWithShape="1">
-          <a:blip r:embed="rId6"/>
-          <a:srcRect b="16346"/>
-          <a:stretch/>
-        </p:blipFill>
-        <p:spPr>
-          <a:xfrm>
-            <a:off x="7909903" y="2583879"/>
-            <a:ext cx="2792557" cy="2404914"/>
-          </a:xfrm>
-          <a:prstGeom prst="rect">
-            <a:avLst/>
-          </a:prstGeom>
-        </p:spPr>
-      </p:pic>
-    </p:spTree>
-    <p:extLst>
-      <p:ext uri="{BB962C8B-B14F-4D97-AF65-F5344CB8AC3E}">
-        <p14:creationId xmlns:p14="http://schemas.microsoft.com/office/powerpoint/2010/main" val="2951358235"/>
-      </p:ext>
-    </p:extLst>
-  </p:cSld>
-  <p:clrMapOvr>
-    <a:masterClrMapping/>
-  </p:clrMapOvr>
-</p:sld>
-</file>
-
-<file path=ppt/slides/slide19.xml><?xml version="1.0" encoding="utf-8"?>
-<p:sld xmlns:a="http://schemas.openxmlformats.org/drawingml/2006/main" xmlns:r="http://schemas.openxmlformats.org/officeDocument/2006/relationships" xmlns:p="http://schemas.openxmlformats.org/presentationml/2006/main">
-  <p:cSld>
-    <p:spTree>
-      <p:nvGrpSpPr>
-        <p:cNvPr id="1" name=""/>
-        <p:cNvGrpSpPr/>
-        <p:nvPr/>
-      </p:nvGrpSpPr>
-      <p:grpSpPr>
-        <a:xfrm>
-          <a:off x="0" y="0"/>
-          <a:ext cx="0" cy="0"/>
-          <a:chOff x="0" y="0"/>
-          <a:chExt cx="0" cy="0"/>
-        </a:xfrm>
-      </p:grpSpPr>
-      <p:sp>
-        <p:nvSpPr>
-          <p:cNvPr id="6" name="Title 1">
-            <a:extLst>
-              <a:ext uri="{FF2B5EF4-FFF2-40B4-BE49-F238E27FC236}">
-                <a16:creationId xmlns:a16="http://schemas.microsoft.com/office/drawing/2014/main" id="{DBB7A2C8-8B6C-405E-8B1A-67E529D9E305}"/>
-              </a:ext>
-            </a:extLst>
-          </p:cNvPr>
-          <p:cNvSpPr>
-            <a:spLocks noGrp="1"/>
-          </p:cNvSpPr>
-          <p:nvPr>
-            <p:ph type="title"/>
-          </p:nvPr>
-        </p:nvSpPr>
-        <p:spPr>
-          <a:xfrm>
-            <a:off x="838200" y="88901"/>
-            <a:ext cx="10515600" cy="292099"/>
-          </a:xfrm>
-        </p:spPr>
-        <p:txBody>
-          <a:bodyPr>
-            <a:normAutofit fontScale="90000"/>
-          </a:bodyPr>
-          <a:lstStyle/>
-          <a:p>
-            <a:pPr algn="ctr"/>
-            <a:r>
-              <a:rPr lang="en-GB" sz="1800" b="1" dirty="0"/>
-              <a:t>User Management</a:t>
-            </a:r>
-          </a:p>
-        </p:txBody>
-      </p:sp>
-      <p:pic>
-        <p:nvPicPr>
-          <p:cNvPr id="12" name="Picture 11">
-            <a:extLst>
-              <a:ext uri="{FF2B5EF4-FFF2-40B4-BE49-F238E27FC236}">
-                <a16:creationId xmlns:a16="http://schemas.microsoft.com/office/drawing/2014/main" id="{4D9FAE69-6E24-425F-9E76-64A7CE47C754}"/>
-              </a:ext>
-            </a:extLst>
-          </p:cNvPr>
-          <p:cNvPicPr>
-            <a:picLocks noChangeAspect="1"/>
-          </p:cNvPicPr>
-          <p:nvPr/>
-        </p:nvPicPr>
-        <p:blipFill>
-          <a:blip r:embed="rId2"/>
-          <a:stretch>
-            <a:fillRect/>
-          </a:stretch>
-        </p:blipFill>
-        <p:spPr>
-          <a:xfrm>
-            <a:off x="166687" y="304800"/>
-            <a:ext cx="11858625" cy="6248400"/>
-          </a:xfrm>
-          <a:prstGeom prst="rect">
-            <a:avLst/>
-          </a:prstGeom>
-        </p:spPr>
-      </p:pic>
-      <p:pic>
-        <p:nvPicPr>
-          <p:cNvPr id="14" name="Picture 13">
-            <a:extLst>
-              <a:ext uri="{FF2B5EF4-FFF2-40B4-BE49-F238E27FC236}">
-                <a16:creationId xmlns:a16="http://schemas.microsoft.com/office/drawing/2014/main" id="{D1E36270-EFF9-435D-B603-1C835450CF46}"/>
-              </a:ext>
-            </a:extLst>
-          </p:cNvPr>
-          <p:cNvPicPr>
-            <a:picLocks noChangeAspect="1"/>
-          </p:cNvPicPr>
-          <p:nvPr/>
-        </p:nvPicPr>
-        <p:blipFill>
-          <a:blip r:embed="rId3"/>
-          <a:stretch>
-            <a:fillRect/>
-          </a:stretch>
-        </p:blipFill>
-        <p:spPr>
-          <a:xfrm>
-            <a:off x="1924049" y="1301773"/>
-            <a:ext cx="9810751" cy="1213957"/>
-          </a:xfrm>
-          <a:prstGeom prst="rect">
-            <a:avLst/>
-          </a:prstGeom>
-        </p:spPr>
-      </p:pic>
-    </p:spTree>
-    <p:extLst>
-      <p:ext uri="{BB962C8B-B14F-4D97-AF65-F5344CB8AC3E}">
-        <p14:creationId xmlns:p14="http://schemas.microsoft.com/office/powerpoint/2010/main" val="176658636"/>
-      </p:ext>
-    </p:extLst>
-  </p:cSld>
-  <p:clrMapOvr>
-    <a:masterClrMapping/>
-  </p:clrMapOvr>
-</p:sld>
-</file>
-
 <file path=ppt/slides/slide2.xml><?xml version="1.0" encoding="utf-8"?>
 <p:sld xmlns:a="http://schemas.openxmlformats.org/drawingml/2006/main" xmlns:r="http://schemas.openxmlformats.org/officeDocument/2006/relationships" xmlns:p="http://schemas.openxmlformats.org/presentationml/2006/main">
   <p:cSld>
@@ -14446,6 +14511,424 @@
     <p:extLst>
       <p:ext uri="{BB962C8B-B14F-4D97-AF65-F5344CB8AC3E}">
         <p14:creationId xmlns:p14="http://schemas.microsoft.com/office/powerpoint/2010/main" val="3384355084"/>
+      </p:ext>
+    </p:extLst>
+  </p:cSld>
+  <p:clrMapOvr>
+    <a:masterClrMapping/>
+  </p:clrMapOvr>
+</p:sld>
+</file>
+
+<file path=ppt/slides/slide20.xml><?xml version="1.0" encoding="utf-8"?>
+<p:sld xmlns:a="http://schemas.openxmlformats.org/drawingml/2006/main" xmlns:r="http://schemas.openxmlformats.org/officeDocument/2006/relationships" xmlns:p="http://schemas.openxmlformats.org/presentationml/2006/main">
+  <p:cSld>
+    <p:spTree>
+      <p:nvGrpSpPr>
+        <p:cNvPr id="1" name=""/>
+        <p:cNvGrpSpPr/>
+        <p:nvPr/>
+      </p:nvGrpSpPr>
+      <p:grpSpPr>
+        <a:xfrm>
+          <a:off x="0" y="0"/>
+          <a:ext cx="0" cy="0"/>
+          <a:chOff x="0" y="0"/>
+          <a:chExt cx="0" cy="0"/>
+        </a:xfrm>
+      </p:grpSpPr>
+      <p:grpSp>
+        <p:nvGrpSpPr>
+          <p:cNvPr id="6" name="Group 5">
+            <a:extLst>
+              <a:ext uri="{FF2B5EF4-FFF2-40B4-BE49-F238E27FC236}">
+                <a16:creationId xmlns:a16="http://schemas.microsoft.com/office/drawing/2014/main" id="{34BB4037-276A-425F-B618-D2BFD19033BE}"/>
+              </a:ext>
+            </a:extLst>
+          </p:cNvPr>
+          <p:cNvGrpSpPr/>
+          <p:nvPr/>
+        </p:nvGrpSpPr>
+        <p:grpSpPr>
+          <a:xfrm>
+            <a:off x="142874" y="496122"/>
+            <a:ext cx="11887201" cy="6249160"/>
+            <a:chOff x="142874" y="496122"/>
+            <a:chExt cx="11887201" cy="6249160"/>
+          </a:xfrm>
+        </p:grpSpPr>
+        <p:grpSp>
+          <p:nvGrpSpPr>
+            <p:cNvPr id="13" name="Group 12">
+              <a:extLst>
+                <a:ext uri="{FF2B5EF4-FFF2-40B4-BE49-F238E27FC236}">
+                  <a16:creationId xmlns:a16="http://schemas.microsoft.com/office/drawing/2014/main" id="{151506C3-C4CE-4784-8AF3-026BA48CC800}"/>
+                </a:ext>
+              </a:extLst>
+            </p:cNvPr>
+            <p:cNvGrpSpPr/>
+            <p:nvPr/>
+          </p:nvGrpSpPr>
+          <p:grpSpPr>
+            <a:xfrm>
+              <a:off x="142874" y="496123"/>
+              <a:ext cx="11887201" cy="6249159"/>
+              <a:chOff x="142874" y="496123"/>
+              <a:chExt cx="11887201" cy="6249159"/>
+            </a:xfrm>
+          </p:grpSpPr>
+          <p:pic>
+            <p:nvPicPr>
+              <p:cNvPr id="10" name="Picture 9">
+                <a:extLst>
+                  <a:ext uri="{FF2B5EF4-FFF2-40B4-BE49-F238E27FC236}">
+                    <a16:creationId xmlns:a16="http://schemas.microsoft.com/office/drawing/2014/main" id="{1108231C-E07F-49A6-855A-DF215A8065DD}"/>
+                  </a:ext>
+                </a:extLst>
+              </p:cNvPr>
+              <p:cNvPicPr>
+                <a:picLocks noChangeAspect="1"/>
+              </p:cNvPicPr>
+              <p:nvPr/>
+            </p:nvPicPr>
+            <p:blipFill rotWithShape="1">
+              <a:blip r:embed="rId2"/>
+              <a:srcRect t="6542"/>
+              <a:stretch/>
+            </p:blipFill>
+            <p:spPr>
+              <a:xfrm>
+                <a:off x="142874" y="496123"/>
+                <a:ext cx="11887201" cy="6249159"/>
+              </a:xfrm>
+              <a:prstGeom prst="rect">
+                <a:avLst/>
+              </a:prstGeom>
+            </p:spPr>
+          </p:pic>
+          <p:pic>
+            <p:nvPicPr>
+              <p:cNvPr id="12" name="Picture 11">
+                <a:extLst>
+                  <a:ext uri="{FF2B5EF4-FFF2-40B4-BE49-F238E27FC236}">
+                    <a16:creationId xmlns:a16="http://schemas.microsoft.com/office/drawing/2014/main" id="{695E984F-30ED-4467-AF0A-2AA580DBBC24}"/>
+                  </a:ext>
+                </a:extLst>
+              </p:cNvPr>
+              <p:cNvPicPr>
+                <a:picLocks noChangeAspect="1"/>
+              </p:cNvPicPr>
+              <p:nvPr/>
+            </p:nvPicPr>
+            <p:blipFill rotWithShape="1">
+              <a:blip r:embed="rId2"/>
+              <a:srcRect l="16366" t="19208" r="55109" b="74952"/>
+              <a:stretch/>
+            </p:blipFill>
+            <p:spPr>
+              <a:xfrm>
+                <a:off x="1757460" y="995774"/>
+                <a:ext cx="3390787" cy="390525"/>
+              </a:xfrm>
+              <a:prstGeom prst="rect">
+                <a:avLst/>
+              </a:prstGeom>
+            </p:spPr>
+          </p:pic>
+        </p:grpSp>
+        <p:pic>
+          <p:nvPicPr>
+            <p:cNvPr id="3" name="Picture 2">
+              <a:extLst>
+                <a:ext uri="{FF2B5EF4-FFF2-40B4-BE49-F238E27FC236}">
+                  <a16:creationId xmlns:a16="http://schemas.microsoft.com/office/drawing/2014/main" id="{88123051-B79B-4A45-83B0-60AF7729E3EC}"/>
+                </a:ext>
+              </a:extLst>
+            </p:cNvPr>
+            <p:cNvPicPr>
+              <a:picLocks noChangeAspect="1"/>
+            </p:cNvPicPr>
+            <p:nvPr/>
+          </p:nvPicPr>
+          <p:blipFill>
+            <a:blip r:embed="rId3"/>
+            <a:stretch>
+              <a:fillRect/>
+            </a:stretch>
+          </p:blipFill>
+          <p:spPr>
+            <a:xfrm>
+              <a:off x="142874" y="496122"/>
+              <a:ext cx="1492614" cy="6249160"/>
+            </a:xfrm>
+            <a:prstGeom prst="rect">
+              <a:avLst/>
+            </a:prstGeom>
+          </p:spPr>
+        </p:pic>
+      </p:grpSp>
+      <p:pic>
+        <p:nvPicPr>
+          <p:cNvPr id="19" name="Picture 18">
+            <a:extLst>
+              <a:ext uri="{FF2B5EF4-FFF2-40B4-BE49-F238E27FC236}">
+                <a16:creationId xmlns:a16="http://schemas.microsoft.com/office/drawing/2014/main" id="{8C405BEC-0B1F-4F51-BB95-1676143340FA}"/>
+              </a:ext>
+            </a:extLst>
+          </p:cNvPr>
+          <p:cNvPicPr>
+            <a:picLocks noChangeAspect="1"/>
+          </p:cNvPicPr>
+          <p:nvPr/>
+        </p:nvPicPr>
+        <p:blipFill>
+          <a:blip r:embed="rId4"/>
+          <a:stretch>
+            <a:fillRect/>
+          </a:stretch>
+        </p:blipFill>
+        <p:spPr>
+          <a:xfrm>
+            <a:off x="1770848" y="1021174"/>
+            <a:ext cx="10121900" cy="5530325"/>
+          </a:xfrm>
+          <a:prstGeom prst="rect">
+            <a:avLst/>
+          </a:prstGeom>
+        </p:spPr>
+      </p:pic>
+      <p:pic>
+        <p:nvPicPr>
+          <p:cNvPr id="2" name="Picture 1">
+            <a:extLst>
+              <a:ext uri="{FF2B5EF4-FFF2-40B4-BE49-F238E27FC236}">
+                <a16:creationId xmlns:a16="http://schemas.microsoft.com/office/drawing/2014/main" id="{F710D4CA-8D67-40E9-85AB-446711993C79}"/>
+              </a:ext>
+            </a:extLst>
+          </p:cNvPr>
+          <p:cNvPicPr>
+            <a:picLocks noChangeAspect="1"/>
+          </p:cNvPicPr>
+          <p:nvPr/>
+        </p:nvPicPr>
+        <p:blipFill>
+          <a:blip r:embed="rId5"/>
+          <a:stretch>
+            <a:fillRect/>
+          </a:stretch>
+        </p:blipFill>
+        <p:spPr>
+          <a:xfrm>
+            <a:off x="2079074" y="1425014"/>
+            <a:ext cx="4032933" cy="4437212"/>
+          </a:xfrm>
+          <a:prstGeom prst="rect">
+            <a:avLst/>
+          </a:prstGeom>
+          <a:effectLst>
+            <a:outerShdw blurRad="63500" sx="102000" sy="102000" algn="ctr" rotWithShape="0">
+              <a:prstClr val="black">
+                <a:alpha val="40000"/>
+              </a:prstClr>
+            </a:outerShdw>
+          </a:effectLst>
+        </p:spPr>
+      </p:pic>
+      <p:sp>
+        <p:nvSpPr>
+          <p:cNvPr id="4" name="Title 1">
+            <a:extLst>
+              <a:ext uri="{FF2B5EF4-FFF2-40B4-BE49-F238E27FC236}">
+                <a16:creationId xmlns:a16="http://schemas.microsoft.com/office/drawing/2014/main" id="{D8DDA9F2-98DC-478C-88B7-8BCD09BE610D}"/>
+              </a:ext>
+            </a:extLst>
+          </p:cNvPr>
+          <p:cNvSpPr>
+            <a:spLocks noGrp="1"/>
+          </p:cNvSpPr>
+          <p:nvPr>
+            <p:ph type="title"/>
+          </p:nvPr>
+        </p:nvSpPr>
+        <p:spPr>
+          <a:xfrm>
+            <a:off x="838200" y="88901"/>
+            <a:ext cx="10515600" cy="292099"/>
+          </a:xfrm>
+        </p:spPr>
+        <p:txBody>
+          <a:bodyPr>
+            <a:normAutofit fontScale="90000"/>
+          </a:bodyPr>
+          <a:lstStyle/>
+          <a:p>
+            <a:pPr algn="ctr"/>
+            <a:r>
+              <a:rPr lang="en-GB" sz="1800" b="1" dirty="0"/>
+              <a:t>3.2.5– File Drop Service</a:t>
+            </a:r>
+          </a:p>
+        </p:txBody>
+      </p:sp>
+      <p:pic>
+        <p:nvPicPr>
+          <p:cNvPr id="5" name="Picture 4">
+            <a:extLst>
+              <a:ext uri="{FF2B5EF4-FFF2-40B4-BE49-F238E27FC236}">
+                <a16:creationId xmlns:a16="http://schemas.microsoft.com/office/drawing/2014/main" id="{41BCB61F-4B56-4EB7-BB79-BB47EE20E057}"/>
+              </a:ext>
+            </a:extLst>
+          </p:cNvPr>
+          <p:cNvPicPr>
+            <a:picLocks noChangeAspect="1"/>
+          </p:cNvPicPr>
+          <p:nvPr/>
+        </p:nvPicPr>
+        <p:blipFill rotWithShape="1">
+          <a:blip r:embed="rId6"/>
+          <a:srcRect b="16346"/>
+          <a:stretch/>
+        </p:blipFill>
+        <p:spPr>
+          <a:xfrm>
+            <a:off x="7909903" y="2583879"/>
+            <a:ext cx="2792557" cy="2404914"/>
+          </a:xfrm>
+          <a:prstGeom prst="rect">
+            <a:avLst/>
+          </a:prstGeom>
+        </p:spPr>
+      </p:pic>
+    </p:spTree>
+    <p:extLst>
+      <p:ext uri="{BB962C8B-B14F-4D97-AF65-F5344CB8AC3E}">
+        <p14:creationId xmlns:p14="http://schemas.microsoft.com/office/powerpoint/2010/main" val="2951358235"/>
+      </p:ext>
+    </p:extLst>
+  </p:cSld>
+  <p:clrMapOvr>
+    <a:masterClrMapping/>
+  </p:clrMapOvr>
+</p:sld>
+</file>
+
+<file path=ppt/slides/slide21.xml><?xml version="1.0" encoding="utf-8"?>
+<p:sld xmlns:a="http://schemas.openxmlformats.org/drawingml/2006/main" xmlns:r="http://schemas.openxmlformats.org/officeDocument/2006/relationships" xmlns:p="http://schemas.openxmlformats.org/presentationml/2006/main">
+  <p:cSld>
+    <p:spTree>
+      <p:nvGrpSpPr>
+        <p:cNvPr id="1" name=""/>
+        <p:cNvGrpSpPr/>
+        <p:nvPr/>
+      </p:nvGrpSpPr>
+      <p:grpSpPr>
+        <a:xfrm>
+          <a:off x="0" y="0"/>
+          <a:ext cx="0" cy="0"/>
+          <a:chOff x="0" y="0"/>
+          <a:chExt cx="0" cy="0"/>
+        </a:xfrm>
+      </p:grpSpPr>
+      <p:sp>
+        <p:nvSpPr>
+          <p:cNvPr id="6" name="Title 1">
+            <a:extLst>
+              <a:ext uri="{FF2B5EF4-FFF2-40B4-BE49-F238E27FC236}">
+                <a16:creationId xmlns:a16="http://schemas.microsoft.com/office/drawing/2014/main" id="{DBB7A2C8-8B6C-405E-8B1A-67E529D9E305}"/>
+              </a:ext>
+            </a:extLst>
+          </p:cNvPr>
+          <p:cNvSpPr>
+            <a:spLocks noGrp="1"/>
+          </p:cNvSpPr>
+          <p:nvPr>
+            <p:ph type="title"/>
+          </p:nvPr>
+        </p:nvSpPr>
+        <p:spPr>
+          <a:xfrm>
+            <a:off x="838200" y="88901"/>
+            <a:ext cx="10515600" cy="292099"/>
+          </a:xfrm>
+        </p:spPr>
+        <p:txBody>
+          <a:bodyPr>
+            <a:normAutofit fontScale="90000"/>
+          </a:bodyPr>
+          <a:lstStyle/>
+          <a:p>
+            <a:pPr algn="ctr"/>
+            <a:r>
+              <a:rPr lang="en-GB" sz="1800" b="1" dirty="0"/>
+              <a:t>User Management</a:t>
+            </a:r>
+          </a:p>
+        </p:txBody>
+      </p:sp>
+      <p:pic>
+        <p:nvPicPr>
+          <p:cNvPr id="12" name="Picture 11">
+            <a:extLst>
+              <a:ext uri="{FF2B5EF4-FFF2-40B4-BE49-F238E27FC236}">
+                <a16:creationId xmlns:a16="http://schemas.microsoft.com/office/drawing/2014/main" id="{4D9FAE69-6E24-425F-9E76-64A7CE47C754}"/>
+              </a:ext>
+            </a:extLst>
+          </p:cNvPr>
+          <p:cNvPicPr>
+            <a:picLocks noChangeAspect="1"/>
+          </p:cNvPicPr>
+          <p:nvPr/>
+        </p:nvPicPr>
+        <p:blipFill>
+          <a:blip r:embed="rId2"/>
+          <a:stretch>
+            <a:fillRect/>
+          </a:stretch>
+        </p:blipFill>
+        <p:spPr>
+          <a:xfrm>
+            <a:off x="166687" y="304800"/>
+            <a:ext cx="11858625" cy="6248400"/>
+          </a:xfrm>
+          <a:prstGeom prst="rect">
+            <a:avLst/>
+          </a:prstGeom>
+        </p:spPr>
+      </p:pic>
+      <p:pic>
+        <p:nvPicPr>
+          <p:cNvPr id="14" name="Picture 13">
+            <a:extLst>
+              <a:ext uri="{FF2B5EF4-FFF2-40B4-BE49-F238E27FC236}">
+                <a16:creationId xmlns:a16="http://schemas.microsoft.com/office/drawing/2014/main" id="{D1E36270-EFF9-435D-B603-1C835450CF46}"/>
+              </a:ext>
+            </a:extLst>
+          </p:cNvPr>
+          <p:cNvPicPr>
+            <a:picLocks noChangeAspect="1"/>
+          </p:cNvPicPr>
+          <p:nvPr/>
+        </p:nvPicPr>
+        <p:blipFill>
+          <a:blip r:embed="rId3"/>
+          <a:stretch>
+            <a:fillRect/>
+          </a:stretch>
+        </p:blipFill>
+        <p:spPr>
+          <a:xfrm>
+            <a:off x="1924049" y="1301773"/>
+            <a:ext cx="9810751" cy="1213957"/>
+          </a:xfrm>
+          <a:prstGeom prst="rect">
+            <a:avLst/>
+          </a:prstGeom>
+        </p:spPr>
+      </p:pic>
+    </p:spTree>
+    <p:extLst>
+      <p:ext uri="{BB962C8B-B14F-4D97-AF65-F5344CB8AC3E}">
+        <p14:creationId xmlns:p14="http://schemas.microsoft.com/office/powerpoint/2010/main" val="176658636"/>
       </p:ext>
     </p:extLst>
   </p:cSld>
@@ -15675,7 +16158,7 @@
           <a:graphicData uri="http://schemas.openxmlformats.org/presentationml/2006/ole">
             <mc:AlternateContent xmlns:mc="http://schemas.openxmlformats.org/markup-compatibility/2006">
               <mc:Choice xmlns:v="urn:schemas-microsoft-com:vml" Requires="v">
-                <p:oleObj spid="_x0000_s1035" name="Image" r:id="rId8" imgW="13599720" imgH="888840" progId="Photoshop.Image.13">
+                <p:oleObj spid="_x0000_s1038" name="Image" r:id="rId8" imgW="13599720" imgH="888840" progId="Photoshop.Image.13">
                   <p:embed/>
                 </p:oleObj>
               </mc:Choice>

--- a/design/wireframe.pptx
+++ b/design/wireframe.pptx
@@ -14449,10 +14449,10 @@
       </p:pic>
       <p:pic>
         <p:nvPicPr>
-          <p:cNvPr id="25" name="Picture 24">
+          <p:cNvPr id="28" name="Picture 27">
             <a:extLst>
               <a:ext uri="{FF2B5EF4-FFF2-40B4-BE49-F238E27FC236}">
-                <a16:creationId xmlns:a16="http://schemas.microsoft.com/office/drawing/2014/main" id="{11C5DBAB-2417-4AB1-A2C3-38B4ABD3999A}"/>
+                <a16:creationId xmlns:a16="http://schemas.microsoft.com/office/drawing/2014/main" id="{8AE26CE1-9386-4123-BC81-EEAFDCA78E71}"/>
               </a:ext>
             </a:extLst>
           </p:cNvPr>
@@ -14469,8 +14469,8 @@
         </p:blipFill>
         <p:spPr>
           <a:xfrm>
-            <a:off x="3239558" y="3051770"/>
-            <a:ext cx="2095200" cy="678518"/>
+            <a:off x="1733550" y="1256206"/>
+            <a:ext cx="10210799" cy="333755"/>
           </a:xfrm>
           <a:prstGeom prst="rect">
             <a:avLst/>
@@ -14479,10 +14479,10 @@
       </p:pic>
       <p:pic>
         <p:nvPicPr>
-          <p:cNvPr id="28" name="Picture 27">
+          <p:cNvPr id="6" name="Picture 5">
             <a:extLst>
               <a:ext uri="{FF2B5EF4-FFF2-40B4-BE49-F238E27FC236}">
-                <a16:creationId xmlns:a16="http://schemas.microsoft.com/office/drawing/2014/main" id="{8AE26CE1-9386-4123-BC81-EEAFDCA78E71}"/>
+                <a16:creationId xmlns:a16="http://schemas.microsoft.com/office/drawing/2014/main" id="{31CFDC6B-6AB6-4CD7-A345-DC35ED1F7FF2}"/>
               </a:ext>
             </a:extLst>
           </p:cNvPr>
@@ -14499,8 +14499,8 @@
         </p:blipFill>
         <p:spPr>
           <a:xfrm>
-            <a:off x="1733550" y="1256206"/>
-            <a:ext cx="10210799" cy="333755"/>
+            <a:off x="2953249" y="2944888"/>
+            <a:ext cx="2621381" cy="845853"/>
           </a:xfrm>
           <a:prstGeom prst="rect">
             <a:avLst/>
@@ -15277,10 +15277,10 @@
       </p:pic>
       <p:pic>
         <p:nvPicPr>
-          <p:cNvPr id="6" name="Picture 5">
+          <p:cNvPr id="7" name="Picture 6">
             <a:extLst>
               <a:ext uri="{FF2B5EF4-FFF2-40B4-BE49-F238E27FC236}">
-                <a16:creationId xmlns:a16="http://schemas.microsoft.com/office/drawing/2014/main" id="{5C192003-29ED-4406-9DA1-1A44F858762A}"/>
+                <a16:creationId xmlns:a16="http://schemas.microsoft.com/office/drawing/2014/main" id="{55507CFC-EC08-4708-B667-3EECBA3BCF0A}"/>
               </a:ext>
             </a:extLst>
           </p:cNvPr>
@@ -15297,8 +15297,8 @@
         </p:blipFill>
         <p:spPr>
           <a:xfrm>
-            <a:off x="3224302" y="3117102"/>
-            <a:ext cx="2095200" cy="678518"/>
+            <a:off x="2953249" y="2944888"/>
+            <a:ext cx="2621381" cy="845853"/>
           </a:xfrm>
           <a:prstGeom prst="rect">
             <a:avLst/>
@@ -15616,10 +15616,10 @@
       </p:pic>
       <p:pic>
         <p:nvPicPr>
-          <p:cNvPr id="6" name="Picture 5">
+          <p:cNvPr id="9" name="Picture 8">
             <a:extLst>
               <a:ext uri="{FF2B5EF4-FFF2-40B4-BE49-F238E27FC236}">
-                <a16:creationId xmlns:a16="http://schemas.microsoft.com/office/drawing/2014/main" id="{29857FA9-4667-4C42-A1BD-B6CDC4546E78}"/>
+                <a16:creationId xmlns:a16="http://schemas.microsoft.com/office/drawing/2014/main" id="{DD404D62-97AD-4651-9E3D-73DBAE8D35C5}"/>
               </a:ext>
             </a:extLst>
           </p:cNvPr>
@@ -15636,8 +15636,8 @@
         </p:blipFill>
         <p:spPr>
           <a:xfrm>
-            <a:off x="3239558" y="3051770"/>
-            <a:ext cx="2095200" cy="678518"/>
+            <a:off x="2953249" y="2944888"/>
+            <a:ext cx="2621381" cy="845853"/>
           </a:xfrm>
           <a:prstGeom prst="rect">
             <a:avLst/>
@@ -16074,35 +16074,6 @@
       </p:pic>
       <p:pic>
         <p:nvPicPr>
-          <p:cNvPr id="14" name="Picture 13">
-            <a:extLst>
-              <a:ext uri="{FF2B5EF4-FFF2-40B4-BE49-F238E27FC236}">
-                <a16:creationId xmlns:a16="http://schemas.microsoft.com/office/drawing/2014/main" id="{55578109-4D69-498F-8FCE-CE5F53118050}"/>
-              </a:ext>
-            </a:extLst>
-          </p:cNvPr>
-          <p:cNvPicPr>
-            <a:picLocks noChangeAspect="1"/>
-          </p:cNvPicPr>
-          <p:nvPr/>
-        </p:nvPicPr>
-        <p:blipFill rotWithShape="1">
-          <a:blip r:embed="rId6"/>
-          <a:srcRect l="15614" t="15972" r="3085" b="28033"/>
-          <a:stretch/>
-        </p:blipFill>
-        <p:spPr>
-          <a:xfrm>
-            <a:off x="2019309" y="2106879"/>
-            <a:ext cx="9609667" cy="3491182"/>
-          </a:xfrm>
-          <a:prstGeom prst="rect">
-            <a:avLst/>
-          </a:prstGeom>
-        </p:spPr>
-      </p:pic>
-      <p:pic>
-        <p:nvPicPr>
           <p:cNvPr id="2" name="Picture 1">
             <a:extLst>
               <a:ext uri="{FF2B5EF4-FFF2-40B4-BE49-F238E27FC236}">
@@ -16116,7 +16087,7 @@
           <p:nvPr/>
         </p:nvPicPr>
         <p:blipFill rotWithShape="1">
-          <a:blip r:embed="rId7"/>
+          <a:blip r:embed="rId6"/>
           <a:srcRect l="-684" t="-683" b="51561"/>
           <a:stretch/>
         </p:blipFill>
@@ -16158,12 +16129,12 @@
           <a:graphicData uri="http://schemas.openxmlformats.org/presentationml/2006/ole">
             <mc:AlternateContent xmlns:mc="http://schemas.openxmlformats.org/markup-compatibility/2006">
               <mc:Choice xmlns:v="urn:schemas-microsoft-com:vml" Requires="v">
-                <p:oleObj spid="_x0000_s1038" name="Image" r:id="rId8" imgW="13599720" imgH="888840" progId="Photoshop.Image.13">
+                <p:oleObj spid="_x0000_s1045" name="Image" r:id="rId7" imgW="13599720" imgH="888840" progId="Photoshop.Image.13">
                   <p:embed/>
                 </p:oleObj>
               </mc:Choice>
               <mc:Fallback>
-                <p:oleObj name="Image" r:id="rId8" imgW="13599720" imgH="888840" progId="Photoshop.Image.13">
+                <p:oleObj name="Image" r:id="rId7" imgW="13599720" imgH="888840" progId="Photoshop.Image.13">
                   <p:embed/>
                   <p:pic>
                     <p:nvPicPr>
@@ -16172,7 +16143,7 @@
                       <p:nvPr/>
                     </p:nvPicPr>
                     <p:blipFill>
-                      <a:blip r:embed="rId9"/>
+                      <a:blip r:embed="rId8"/>
                       <a:stretch>
                         <a:fillRect/>
                       </a:stretch>
@@ -16228,7 +16199,7 @@
             <p:nvPr/>
           </p:nvPicPr>
           <p:blipFill rotWithShape="1">
-            <a:blip r:embed="rId10">
+            <a:blip r:embed="rId9">
               <a:clrChange>
                 <a:clrFrom>
                   <a:srgbClr val="FFFFFF"/>
@@ -16268,7 +16239,7 @@
             <p:nvPr/>
           </p:nvPicPr>
           <p:blipFill rotWithShape="1">
-            <a:blip r:embed="rId10"/>
+            <a:blip r:embed="rId9"/>
             <a:srcRect t="36640" r="50687" b="46274"/>
             <a:stretch/>
           </p:blipFill>
@@ -16283,6 +16254,36 @@
           </p:spPr>
         </p:pic>
       </p:grpSp>
+      <p:pic>
+        <p:nvPicPr>
+          <p:cNvPr id="15" name="Picture 14">
+            <a:extLst>
+              <a:ext uri="{FF2B5EF4-FFF2-40B4-BE49-F238E27FC236}">
+                <a16:creationId xmlns:a16="http://schemas.microsoft.com/office/drawing/2014/main" id="{13F41AD8-1917-4ABD-A144-1D2F170044C5}"/>
+              </a:ext>
+            </a:extLst>
+          </p:cNvPr>
+          <p:cNvPicPr>
+            <a:picLocks noChangeAspect="1"/>
+          </p:cNvPicPr>
+          <p:nvPr/>
+        </p:nvPicPr>
+        <p:blipFill>
+          <a:blip r:embed="rId10"/>
+          <a:stretch>
+            <a:fillRect/>
+          </a:stretch>
+        </p:blipFill>
+        <p:spPr>
+          <a:xfrm>
+            <a:off x="2019309" y="2128073"/>
+            <a:ext cx="9609667" cy="3270210"/>
+          </a:xfrm>
+          <a:prstGeom prst="rect">
+            <a:avLst/>
+          </a:prstGeom>
+        </p:spPr>
+      </p:pic>
     </p:spTree>
     <p:extLst>
       <p:ext uri="{BB962C8B-B14F-4D97-AF65-F5344CB8AC3E}">
@@ -16707,65 +16708,6 @@
       </p:grpSp>
       <p:pic>
         <p:nvPicPr>
-          <p:cNvPr id="14" name="Picture 13">
-            <a:extLst>
-              <a:ext uri="{FF2B5EF4-FFF2-40B4-BE49-F238E27FC236}">
-                <a16:creationId xmlns:a16="http://schemas.microsoft.com/office/drawing/2014/main" id="{FF6B4A62-B6DB-44EF-B87F-61BB66D9E920}"/>
-              </a:ext>
-            </a:extLst>
-          </p:cNvPr>
-          <p:cNvPicPr>
-            <a:picLocks noChangeAspect="1"/>
-          </p:cNvPicPr>
-          <p:nvPr/>
-        </p:nvPicPr>
-        <p:blipFill rotWithShape="1">
-          <a:blip r:embed="rId5"/>
-          <a:srcRect l="15614" t="15972" r="3085" b="28033"/>
-          <a:stretch/>
-        </p:blipFill>
-        <p:spPr>
-          <a:xfrm>
-            <a:off x="2019309" y="2106879"/>
-            <a:ext cx="9609667" cy="3491182"/>
-          </a:xfrm>
-          <a:prstGeom prst="rect">
-            <a:avLst/>
-          </a:prstGeom>
-        </p:spPr>
-      </p:pic>
-      <p:pic>
-        <p:nvPicPr>
-          <p:cNvPr id="20" name="Picture 19">
-            <a:extLst>
-              <a:ext uri="{FF2B5EF4-FFF2-40B4-BE49-F238E27FC236}">
-                <a16:creationId xmlns:a16="http://schemas.microsoft.com/office/drawing/2014/main" id="{9D3B3893-E9F5-4D00-A6C1-8FC94E7DA099}"/>
-              </a:ext>
-            </a:extLst>
-          </p:cNvPr>
-          <p:cNvPicPr>
-            <a:picLocks noChangeAspect="1"/>
-          </p:cNvPicPr>
-          <p:nvPr/>
-        </p:nvPicPr>
-        <p:blipFill>
-          <a:blip r:embed="rId6"/>
-          <a:stretch>
-            <a:fillRect/>
-          </a:stretch>
-        </p:blipFill>
-        <p:spPr>
-          <a:xfrm>
-            <a:off x="2078830" y="2613501"/>
-            <a:ext cx="1097757" cy="251839"/>
-          </a:xfrm>
-          <a:prstGeom prst="rect">
-            <a:avLst/>
-          </a:prstGeom>
-        </p:spPr>
-      </p:pic>
-      <p:pic>
-        <p:nvPicPr>
           <p:cNvPr id="15" name="Picture 14">
             <a:extLst>
               <a:ext uri="{FF2B5EF4-FFF2-40B4-BE49-F238E27FC236}">
@@ -16779,7 +16721,7 @@
           <p:nvPr/>
         </p:nvPicPr>
         <p:blipFill rotWithShape="1">
-          <a:blip r:embed="rId7"/>
+          <a:blip r:embed="rId6"/>
           <a:srcRect l="-684" t="-683" b="51561"/>
           <a:stretch/>
         </p:blipFill>
@@ -16828,7 +16770,7 @@
             <p:nvPr/>
           </p:nvPicPr>
           <p:blipFill rotWithShape="1">
-            <a:blip r:embed="rId8">
+            <a:blip r:embed="rId7">
               <a:clrChange>
                 <a:clrFrom>
                   <a:srgbClr val="FFFFFF"/>
@@ -16868,7 +16810,7 @@
             <p:nvPr/>
           </p:nvPicPr>
           <p:blipFill rotWithShape="1">
-            <a:blip r:embed="rId8"/>
+            <a:blip r:embed="rId7"/>
             <a:srcRect t="36640" r="50687" b="46274"/>
             <a:stretch/>
           </p:blipFill>
@@ -16876,6 +16818,87 @@
             <a:xfrm>
               <a:off x="1856857" y="1340059"/>
               <a:ext cx="3847098" cy="114300"/>
+            </a:xfrm>
+            <a:prstGeom prst="rect">
+              <a:avLst/>
+            </a:prstGeom>
+          </p:spPr>
+        </p:pic>
+      </p:grpSp>
+      <p:grpSp>
+        <p:nvGrpSpPr>
+          <p:cNvPr id="7" name="Group 6">
+            <a:extLst>
+              <a:ext uri="{FF2B5EF4-FFF2-40B4-BE49-F238E27FC236}">
+                <a16:creationId xmlns:a16="http://schemas.microsoft.com/office/drawing/2014/main" id="{F387C980-E688-4D27-A719-49E5CD4D459A}"/>
+              </a:ext>
+            </a:extLst>
+          </p:cNvPr>
+          <p:cNvGrpSpPr/>
+          <p:nvPr/>
+        </p:nvGrpSpPr>
+        <p:grpSpPr>
+          <a:xfrm>
+            <a:off x="2019309" y="2128073"/>
+            <a:ext cx="9609667" cy="3270210"/>
+            <a:chOff x="2019309" y="2128073"/>
+            <a:chExt cx="9609667" cy="3270210"/>
+          </a:xfrm>
+        </p:grpSpPr>
+        <p:pic>
+          <p:nvPicPr>
+            <p:cNvPr id="3" name="Picture 2">
+              <a:extLst>
+                <a:ext uri="{FF2B5EF4-FFF2-40B4-BE49-F238E27FC236}">
+                  <a16:creationId xmlns:a16="http://schemas.microsoft.com/office/drawing/2014/main" id="{3C7ADA8A-7F5E-4E95-97B9-82E5C760C31E}"/>
+                </a:ext>
+              </a:extLst>
+            </p:cNvPr>
+            <p:cNvPicPr>
+              <a:picLocks noChangeAspect="1"/>
+            </p:cNvPicPr>
+            <p:nvPr/>
+          </p:nvPicPr>
+          <p:blipFill>
+            <a:blip r:embed="rId8"/>
+            <a:stretch>
+              <a:fillRect/>
+            </a:stretch>
+          </p:blipFill>
+          <p:spPr>
+            <a:xfrm>
+              <a:off x="2019309" y="2128073"/>
+              <a:ext cx="9609667" cy="3270210"/>
+            </a:xfrm>
+            <a:prstGeom prst="rect">
+              <a:avLst/>
+            </a:prstGeom>
+          </p:spPr>
+        </p:pic>
+        <p:pic>
+          <p:nvPicPr>
+            <p:cNvPr id="5" name="Picture 4">
+              <a:extLst>
+                <a:ext uri="{FF2B5EF4-FFF2-40B4-BE49-F238E27FC236}">
+                  <a16:creationId xmlns:a16="http://schemas.microsoft.com/office/drawing/2014/main" id="{09224CE6-0353-4E24-9ABA-4696253EF630}"/>
+                </a:ext>
+              </a:extLst>
+            </p:cNvPr>
+            <p:cNvPicPr>
+              <a:picLocks noChangeAspect="1"/>
+            </p:cNvPicPr>
+            <p:nvPr/>
+          </p:nvPicPr>
+          <p:blipFill>
+            <a:blip r:embed="rId9"/>
+            <a:stretch>
+              <a:fillRect/>
+            </a:stretch>
+          </p:blipFill>
+          <p:spPr>
+            <a:xfrm>
+              <a:off x="2137844" y="2605306"/>
+              <a:ext cx="981594" cy="261758"/>
             </a:xfrm>
             <a:prstGeom prst="rect">
               <a:avLst/>
@@ -17645,86 +17668,6 @@
           </a:prstGeom>
         </p:spPr>
       </p:pic>
-      <p:grpSp>
-        <p:nvGrpSpPr>
-          <p:cNvPr id="2" name="Group 1">
-            <a:extLst>
-              <a:ext uri="{FF2B5EF4-FFF2-40B4-BE49-F238E27FC236}">
-                <a16:creationId xmlns:a16="http://schemas.microsoft.com/office/drawing/2014/main" id="{1B5D052A-68D6-4B2C-BA83-0A35660F1B79}"/>
-              </a:ext>
-            </a:extLst>
-          </p:cNvPr>
-          <p:cNvGrpSpPr/>
-          <p:nvPr/>
-        </p:nvGrpSpPr>
-        <p:grpSpPr>
-          <a:xfrm>
-            <a:off x="788987" y="1067398"/>
-            <a:ext cx="10747375" cy="3912975"/>
-            <a:chOff x="788987" y="1730551"/>
-            <a:chExt cx="10747375" cy="3912975"/>
-          </a:xfrm>
-        </p:grpSpPr>
-        <p:pic>
-          <p:nvPicPr>
-            <p:cNvPr id="4" name="Picture 3">
-              <a:extLst>
-                <a:ext uri="{FF2B5EF4-FFF2-40B4-BE49-F238E27FC236}">
-                  <a16:creationId xmlns:a16="http://schemas.microsoft.com/office/drawing/2014/main" id="{EB8A01E2-21C3-4024-AA1F-504D35A1A916}"/>
-                </a:ext>
-              </a:extLst>
-            </p:cNvPr>
-            <p:cNvPicPr>
-              <a:picLocks noChangeAspect="1"/>
-            </p:cNvPicPr>
-            <p:nvPr/>
-          </p:nvPicPr>
-          <p:blipFill rotWithShape="1">
-            <a:blip r:embed="rId9"/>
-            <a:srcRect l="14919" t="15625" r="2930" b="27670"/>
-            <a:stretch/>
-          </p:blipFill>
-          <p:spPr>
-            <a:xfrm>
-              <a:off x="788987" y="1730551"/>
-              <a:ext cx="10747375" cy="3912975"/>
-            </a:xfrm>
-            <a:prstGeom prst="rect">
-              <a:avLst/>
-            </a:prstGeom>
-          </p:spPr>
-        </p:pic>
-        <p:pic>
-          <p:nvPicPr>
-            <p:cNvPr id="9" name="Picture 8">
-              <a:extLst>
-                <a:ext uri="{FF2B5EF4-FFF2-40B4-BE49-F238E27FC236}">
-                  <a16:creationId xmlns:a16="http://schemas.microsoft.com/office/drawing/2014/main" id="{4A3BD407-D9D6-4B57-8191-FF9CD6183E5D}"/>
-                </a:ext>
-              </a:extLst>
-            </p:cNvPr>
-            <p:cNvPicPr>
-              <a:picLocks noChangeAspect="1"/>
-            </p:cNvPicPr>
-            <p:nvPr/>
-          </p:nvPicPr>
-          <p:blipFill>
-            <a:blip r:embed="rId10"/>
-            <a:stretch>
-              <a:fillRect/>
-            </a:stretch>
-          </p:blipFill>
-          <p:spPr>
-            <a:xfrm>
-              <a:off x="1002631" y="2319078"/>
-              <a:ext cx="1142907" cy="262197"/>
-            </a:xfrm>
-            <a:prstGeom prst="rect">
-              <a:avLst/>
-            </a:prstGeom>
-          </p:spPr>
-        </p:pic>
-      </p:grpSp>
       <p:pic>
         <p:nvPicPr>
           <p:cNvPr id="15" name="Picture 14">
@@ -17740,7 +17683,7 @@
           <p:nvPr/>
         </p:nvPicPr>
         <p:blipFill rotWithShape="1">
-          <a:blip r:embed="rId11"/>
+          <a:blip r:embed="rId9"/>
           <a:srcRect b="32979"/>
           <a:stretch/>
         </p:blipFill>
@@ -17754,6 +17697,117 @@
           </a:prstGeom>
         </p:spPr>
       </p:pic>
+      <p:pic>
+        <p:nvPicPr>
+          <p:cNvPr id="6" name="Picture 5">
+            <a:extLst>
+              <a:ext uri="{FF2B5EF4-FFF2-40B4-BE49-F238E27FC236}">
+                <a16:creationId xmlns:a16="http://schemas.microsoft.com/office/drawing/2014/main" id="{64AE3537-2E03-47C8-8B58-ED1DDBCDE599}"/>
+              </a:ext>
+            </a:extLst>
+          </p:cNvPr>
+          <p:cNvPicPr>
+            <a:picLocks noChangeAspect="1"/>
+          </p:cNvPicPr>
+          <p:nvPr/>
+        </p:nvPicPr>
+        <p:blipFill>
+          <a:blip r:embed="rId10"/>
+          <a:stretch>
+            <a:fillRect/>
+          </a:stretch>
+        </p:blipFill>
+        <p:spPr>
+          <a:xfrm>
+            <a:off x="852203" y="1067398"/>
+            <a:ext cx="10629167" cy="3871882"/>
+          </a:xfrm>
+          <a:prstGeom prst="rect">
+            <a:avLst/>
+          </a:prstGeom>
+        </p:spPr>
+      </p:pic>
+      <p:grpSp>
+        <p:nvGrpSpPr>
+          <p:cNvPr id="14" name="Group 13">
+            <a:extLst>
+              <a:ext uri="{FF2B5EF4-FFF2-40B4-BE49-F238E27FC236}">
+                <a16:creationId xmlns:a16="http://schemas.microsoft.com/office/drawing/2014/main" id="{95E41A51-3009-4BC2-AA9C-1F9D3466E5D5}"/>
+              </a:ext>
+            </a:extLst>
+          </p:cNvPr>
+          <p:cNvGrpSpPr/>
+          <p:nvPr/>
+        </p:nvGrpSpPr>
+        <p:grpSpPr>
+          <a:xfrm>
+            <a:off x="1359222" y="1467180"/>
+            <a:ext cx="9473556" cy="3297325"/>
+            <a:chOff x="2019309" y="2128073"/>
+            <a:chExt cx="9609667" cy="3270210"/>
+          </a:xfrm>
+        </p:grpSpPr>
+        <p:pic>
+          <p:nvPicPr>
+            <p:cNvPr id="16" name="Picture 15">
+              <a:extLst>
+                <a:ext uri="{FF2B5EF4-FFF2-40B4-BE49-F238E27FC236}">
+                  <a16:creationId xmlns:a16="http://schemas.microsoft.com/office/drawing/2014/main" id="{E0549C02-D5E8-4B23-8814-3A5E72564FD2}"/>
+                </a:ext>
+              </a:extLst>
+            </p:cNvPr>
+            <p:cNvPicPr>
+              <a:picLocks noChangeAspect="1"/>
+            </p:cNvPicPr>
+            <p:nvPr/>
+          </p:nvPicPr>
+          <p:blipFill>
+            <a:blip r:embed="rId11"/>
+            <a:stretch>
+              <a:fillRect/>
+            </a:stretch>
+          </p:blipFill>
+          <p:spPr>
+            <a:xfrm>
+              <a:off x="2019309" y="2128073"/>
+              <a:ext cx="9609667" cy="3270210"/>
+            </a:xfrm>
+            <a:prstGeom prst="rect">
+              <a:avLst/>
+            </a:prstGeom>
+          </p:spPr>
+        </p:pic>
+        <p:pic>
+          <p:nvPicPr>
+            <p:cNvPr id="17" name="Picture 16">
+              <a:extLst>
+                <a:ext uri="{FF2B5EF4-FFF2-40B4-BE49-F238E27FC236}">
+                  <a16:creationId xmlns:a16="http://schemas.microsoft.com/office/drawing/2014/main" id="{053B4E83-4564-4DB0-90CD-9A4064C362C1}"/>
+                </a:ext>
+              </a:extLst>
+            </p:cNvPr>
+            <p:cNvPicPr>
+              <a:picLocks noChangeAspect="1"/>
+            </p:cNvPicPr>
+            <p:nvPr/>
+          </p:nvPicPr>
+          <p:blipFill>
+            <a:blip r:embed="rId12"/>
+            <a:stretch>
+              <a:fillRect/>
+            </a:stretch>
+          </p:blipFill>
+          <p:spPr>
+            <a:xfrm>
+              <a:off x="2137844" y="2605306"/>
+              <a:ext cx="981594" cy="261758"/>
+            </a:xfrm>
+            <a:prstGeom prst="rect">
+              <a:avLst/>
+            </a:prstGeom>
+          </p:spPr>
+        </p:pic>
+      </p:grpSp>
     </p:spTree>
     <p:extLst>
       <p:ext uri="{BB962C8B-B14F-4D97-AF65-F5344CB8AC3E}">

--- a/design/wireframe.pptx
+++ b/design/wireframe.pptx
@@ -16129,7 +16129,7 @@
           <a:graphicData uri="http://schemas.openxmlformats.org/presentationml/2006/ole">
             <mc:AlternateContent xmlns:mc="http://schemas.openxmlformats.org/markup-compatibility/2006">
               <mc:Choice xmlns:v="urn:schemas-microsoft-com:vml" Requires="v">
-                <p:oleObj spid="_x0000_s1045" name="Image" r:id="rId7" imgW="13599720" imgH="888840" progId="Photoshop.Image.13">
+                <p:oleObj spid="_x0000_s1052" name="Image" r:id="rId7" imgW="13599720" imgH="888840" progId="Photoshop.Image.13">
                   <p:embed/>
                 </p:oleObj>
               </mc:Choice>
@@ -16256,10 +16256,10 @@
       </p:grpSp>
       <p:pic>
         <p:nvPicPr>
-          <p:cNvPr id="15" name="Picture 14">
+          <p:cNvPr id="19" name="Picture 18">
             <a:extLst>
               <a:ext uri="{FF2B5EF4-FFF2-40B4-BE49-F238E27FC236}">
-                <a16:creationId xmlns:a16="http://schemas.microsoft.com/office/drawing/2014/main" id="{13F41AD8-1917-4ABD-A144-1D2F170044C5}"/>
+                <a16:creationId xmlns:a16="http://schemas.microsoft.com/office/drawing/2014/main" id="{CEDB832A-028E-4ABE-9EEC-352988EF2010}"/>
               </a:ext>
             </a:extLst>
           </p:cNvPr>
@@ -16276,8 +16276,8 @@
         </p:blipFill>
         <p:spPr>
           <a:xfrm>
-            <a:off x="2019309" y="2128073"/>
-            <a:ext cx="9609667" cy="3270210"/>
+            <a:off x="2013284" y="2122819"/>
+            <a:ext cx="9667511" cy="3275464"/>
           </a:xfrm>
           <a:prstGeom prst="rect">
             <a:avLst/>
@@ -16825,87 +16825,36 @@
           </p:spPr>
         </p:pic>
       </p:grpSp>
-      <p:grpSp>
-        <p:nvGrpSpPr>
-          <p:cNvPr id="7" name="Group 6">
+      <p:pic>
+        <p:nvPicPr>
+          <p:cNvPr id="8" name="Picture 7">
             <a:extLst>
               <a:ext uri="{FF2B5EF4-FFF2-40B4-BE49-F238E27FC236}">
-                <a16:creationId xmlns:a16="http://schemas.microsoft.com/office/drawing/2014/main" id="{F387C980-E688-4D27-A719-49E5CD4D459A}"/>
+                <a16:creationId xmlns:a16="http://schemas.microsoft.com/office/drawing/2014/main" id="{BA891303-242E-4C04-A708-22B11E26B0BC}"/>
               </a:ext>
             </a:extLst>
           </p:cNvPr>
-          <p:cNvGrpSpPr/>
+          <p:cNvPicPr>
+            <a:picLocks noChangeAspect="1"/>
+          </p:cNvPicPr>
           <p:nvPr/>
-        </p:nvGrpSpPr>
-        <p:grpSpPr>
+        </p:nvPicPr>
+        <p:blipFill>
+          <a:blip r:embed="rId8"/>
+          <a:stretch>
+            <a:fillRect/>
+          </a:stretch>
+        </p:blipFill>
+        <p:spPr>
           <a:xfrm>
-            <a:off x="2019309" y="2128073"/>
-            <a:ext cx="9609667" cy="3270210"/>
-            <a:chOff x="2019309" y="2128073"/>
-            <a:chExt cx="9609667" cy="3270210"/>
+            <a:off x="2030858" y="2106505"/>
+            <a:ext cx="9545053" cy="3260170"/>
           </a:xfrm>
-        </p:grpSpPr>
-        <p:pic>
-          <p:nvPicPr>
-            <p:cNvPr id="3" name="Picture 2">
-              <a:extLst>
-                <a:ext uri="{FF2B5EF4-FFF2-40B4-BE49-F238E27FC236}">
-                  <a16:creationId xmlns:a16="http://schemas.microsoft.com/office/drawing/2014/main" id="{3C7ADA8A-7F5E-4E95-97B9-82E5C760C31E}"/>
-                </a:ext>
-              </a:extLst>
-            </p:cNvPr>
-            <p:cNvPicPr>
-              <a:picLocks noChangeAspect="1"/>
-            </p:cNvPicPr>
-            <p:nvPr/>
-          </p:nvPicPr>
-          <p:blipFill>
-            <a:blip r:embed="rId8"/>
-            <a:stretch>
-              <a:fillRect/>
-            </a:stretch>
-          </p:blipFill>
-          <p:spPr>
-            <a:xfrm>
-              <a:off x="2019309" y="2128073"/>
-              <a:ext cx="9609667" cy="3270210"/>
-            </a:xfrm>
-            <a:prstGeom prst="rect">
-              <a:avLst/>
-            </a:prstGeom>
-          </p:spPr>
-        </p:pic>
-        <p:pic>
-          <p:nvPicPr>
-            <p:cNvPr id="5" name="Picture 4">
-              <a:extLst>
-                <a:ext uri="{FF2B5EF4-FFF2-40B4-BE49-F238E27FC236}">
-                  <a16:creationId xmlns:a16="http://schemas.microsoft.com/office/drawing/2014/main" id="{09224CE6-0353-4E24-9ABA-4696253EF630}"/>
-                </a:ext>
-              </a:extLst>
-            </p:cNvPr>
-            <p:cNvPicPr>
-              <a:picLocks noChangeAspect="1"/>
-            </p:cNvPicPr>
-            <p:nvPr/>
-          </p:nvPicPr>
-          <p:blipFill>
-            <a:blip r:embed="rId9"/>
-            <a:stretch>
-              <a:fillRect/>
-            </a:stretch>
-          </p:blipFill>
-          <p:spPr>
-            <a:xfrm>
-              <a:off x="2137844" y="2605306"/>
-              <a:ext cx="981594" cy="261758"/>
-            </a:xfrm>
-            <a:prstGeom prst="rect">
-              <a:avLst/>
-            </a:prstGeom>
-          </p:spPr>
-        </p:pic>
-      </p:grpSp>
+          <a:prstGeom prst="rect">
+            <a:avLst/>
+          </a:prstGeom>
+        </p:spPr>
+      </p:pic>
     </p:spTree>
     <p:extLst>
       <p:ext uri="{BB962C8B-B14F-4D97-AF65-F5344CB8AC3E}">
@@ -17727,87 +17676,36 @@
           </a:prstGeom>
         </p:spPr>
       </p:pic>
-      <p:grpSp>
-        <p:nvGrpSpPr>
-          <p:cNvPr id="14" name="Group 13">
+      <p:pic>
+        <p:nvPicPr>
+          <p:cNvPr id="2" name="Picture 1">
             <a:extLst>
               <a:ext uri="{FF2B5EF4-FFF2-40B4-BE49-F238E27FC236}">
-                <a16:creationId xmlns:a16="http://schemas.microsoft.com/office/drawing/2014/main" id="{95E41A51-3009-4BC2-AA9C-1F9D3466E5D5}"/>
+                <a16:creationId xmlns:a16="http://schemas.microsoft.com/office/drawing/2014/main" id="{E4CBED24-4A9F-42E3-8AB8-C049BB398F40}"/>
               </a:ext>
             </a:extLst>
           </p:cNvPr>
-          <p:cNvGrpSpPr/>
+          <p:cNvPicPr>
+            <a:picLocks noChangeAspect="1"/>
+          </p:cNvPicPr>
           <p:nvPr/>
-        </p:nvGrpSpPr>
-        <p:grpSpPr>
+        </p:nvPicPr>
+        <p:blipFill>
+          <a:blip r:embed="rId11"/>
+          <a:stretch>
+            <a:fillRect/>
+          </a:stretch>
+        </p:blipFill>
+        <p:spPr>
           <a:xfrm>
-            <a:off x="1359222" y="1467180"/>
-            <a:ext cx="9473556" cy="3297325"/>
-            <a:chOff x="2019309" y="2128073"/>
-            <a:chExt cx="9609667" cy="3270210"/>
+            <a:off x="1394259" y="1488884"/>
+            <a:ext cx="9545053" cy="3260170"/>
           </a:xfrm>
-        </p:grpSpPr>
-        <p:pic>
-          <p:nvPicPr>
-            <p:cNvPr id="16" name="Picture 15">
-              <a:extLst>
-                <a:ext uri="{FF2B5EF4-FFF2-40B4-BE49-F238E27FC236}">
-                  <a16:creationId xmlns:a16="http://schemas.microsoft.com/office/drawing/2014/main" id="{E0549C02-D5E8-4B23-8814-3A5E72564FD2}"/>
-                </a:ext>
-              </a:extLst>
-            </p:cNvPr>
-            <p:cNvPicPr>
-              <a:picLocks noChangeAspect="1"/>
-            </p:cNvPicPr>
-            <p:nvPr/>
-          </p:nvPicPr>
-          <p:blipFill>
-            <a:blip r:embed="rId11"/>
-            <a:stretch>
-              <a:fillRect/>
-            </a:stretch>
-          </p:blipFill>
-          <p:spPr>
-            <a:xfrm>
-              <a:off x="2019309" y="2128073"/>
-              <a:ext cx="9609667" cy="3270210"/>
-            </a:xfrm>
-            <a:prstGeom prst="rect">
-              <a:avLst/>
-            </a:prstGeom>
-          </p:spPr>
-        </p:pic>
-        <p:pic>
-          <p:nvPicPr>
-            <p:cNvPr id="17" name="Picture 16">
-              <a:extLst>
-                <a:ext uri="{FF2B5EF4-FFF2-40B4-BE49-F238E27FC236}">
-                  <a16:creationId xmlns:a16="http://schemas.microsoft.com/office/drawing/2014/main" id="{053B4E83-4564-4DB0-90CD-9A4064C362C1}"/>
-                </a:ext>
-              </a:extLst>
-            </p:cNvPr>
-            <p:cNvPicPr>
-              <a:picLocks noChangeAspect="1"/>
-            </p:cNvPicPr>
-            <p:nvPr/>
-          </p:nvPicPr>
-          <p:blipFill>
-            <a:blip r:embed="rId12"/>
-            <a:stretch>
-              <a:fillRect/>
-            </a:stretch>
-          </p:blipFill>
-          <p:spPr>
-            <a:xfrm>
-              <a:off x="2137844" y="2605306"/>
-              <a:ext cx="981594" cy="261758"/>
-            </a:xfrm>
-            <a:prstGeom prst="rect">
-              <a:avLst/>
-            </a:prstGeom>
-          </p:spPr>
-        </p:pic>
-      </p:grpSp>
+          <a:prstGeom prst="rect">
+            <a:avLst/>
+          </a:prstGeom>
+        </p:spPr>
+      </p:pic>
     </p:spTree>
     <p:extLst>
       <p:ext uri="{BB962C8B-B14F-4D97-AF65-F5344CB8AC3E}">

--- a/design/wireframe.pptx
+++ b/design/wireframe.pptx
@@ -11961,10 +11961,10 @@
       </p:pic>
       <p:pic>
         <p:nvPicPr>
-          <p:cNvPr id="3" name="Picture 2">
+          <p:cNvPr id="9" name="Picture 8">
             <a:extLst>
               <a:ext uri="{FF2B5EF4-FFF2-40B4-BE49-F238E27FC236}">
-                <a16:creationId xmlns:a16="http://schemas.microsoft.com/office/drawing/2014/main" id="{0F6C4D70-C9B9-444E-96F6-CB8E91A1AC17}"/>
+                <a16:creationId xmlns:a16="http://schemas.microsoft.com/office/drawing/2014/main" id="{57A9BF85-8418-45E9-B204-CD9318E66955}"/>
               </a:ext>
             </a:extLst>
           </p:cNvPr>
@@ -11981,8 +11981,8 @@
         </p:blipFill>
         <p:spPr>
           <a:xfrm>
-            <a:off x="1748460" y="1346829"/>
-            <a:ext cx="10189997" cy="1370852"/>
+            <a:off x="1777436" y="1346829"/>
+            <a:ext cx="10132045" cy="1034522"/>
           </a:xfrm>
           <a:prstGeom prst="rect">
             <a:avLst/>
@@ -12426,10 +12426,10 @@
       </p:sp>
       <p:pic>
         <p:nvPicPr>
-          <p:cNvPr id="6" name="Picture 5">
+          <p:cNvPr id="9" name="Picture 8">
             <a:extLst>
               <a:ext uri="{FF2B5EF4-FFF2-40B4-BE49-F238E27FC236}">
-                <a16:creationId xmlns:a16="http://schemas.microsoft.com/office/drawing/2014/main" id="{009CC426-4C72-4CF7-A0F0-451AA5558E59}"/>
+                <a16:creationId xmlns:a16="http://schemas.microsoft.com/office/drawing/2014/main" id="{D3EC76EA-0263-4AA3-8874-7E49A437B6DA}"/>
               </a:ext>
             </a:extLst>
           </p:cNvPr>
@@ -12446,8 +12446,8 @@
         </p:blipFill>
         <p:spPr>
           <a:xfrm>
-            <a:off x="1809750" y="2180437"/>
-            <a:ext cx="10130612" cy="1362863"/>
+            <a:off x="1777436" y="2201921"/>
+            <a:ext cx="10132045" cy="1034522"/>
           </a:xfrm>
           <a:prstGeom prst="rect">
             <a:avLst/>
@@ -12891,10 +12891,10 @@
       </p:pic>
       <p:pic>
         <p:nvPicPr>
-          <p:cNvPr id="6" name="Picture 5">
+          <p:cNvPr id="5" name="Picture 4">
             <a:extLst>
               <a:ext uri="{FF2B5EF4-FFF2-40B4-BE49-F238E27FC236}">
-                <a16:creationId xmlns:a16="http://schemas.microsoft.com/office/drawing/2014/main" id="{ADC3F9E3-6F7E-471E-A067-9C126785945C}"/>
+                <a16:creationId xmlns:a16="http://schemas.microsoft.com/office/drawing/2014/main" id="{0F693E60-E552-4315-8060-C5DB67201322}"/>
               </a:ext>
             </a:extLst>
           </p:cNvPr>
@@ -12911,8 +12911,8 @@
         </p:blipFill>
         <p:spPr>
           <a:xfrm>
-            <a:off x="1733549" y="2174171"/>
-            <a:ext cx="10189997" cy="1370852"/>
+            <a:off x="1777436" y="2230944"/>
+            <a:ext cx="10132045" cy="1034522"/>
           </a:xfrm>
           <a:prstGeom prst="rect">
             <a:avLst/>
@@ -13272,10 +13272,10 @@
       </p:pic>
       <p:pic>
         <p:nvPicPr>
-          <p:cNvPr id="16" name="Picture 15">
+          <p:cNvPr id="5" name="Picture 4">
             <a:extLst>
               <a:ext uri="{FF2B5EF4-FFF2-40B4-BE49-F238E27FC236}">
-                <a16:creationId xmlns:a16="http://schemas.microsoft.com/office/drawing/2014/main" id="{C4C115C2-8446-4A27-B7C2-29D8E4DF1FA8}"/>
+                <a16:creationId xmlns:a16="http://schemas.microsoft.com/office/drawing/2014/main" id="{1EC6ED00-04A2-4715-A1E8-DF3E01E3B926}"/>
               </a:ext>
             </a:extLst>
           </p:cNvPr>
@@ -13292,8 +13292,8 @@
         </p:blipFill>
         <p:spPr>
           <a:xfrm>
-            <a:off x="1761230" y="2109788"/>
-            <a:ext cx="10189997" cy="1370852"/>
+            <a:off x="1777436" y="2109788"/>
+            <a:ext cx="10132045" cy="1034522"/>
           </a:xfrm>
           <a:prstGeom prst="rect">
             <a:avLst/>
@@ -16129,7 +16129,7 @@
           <a:graphicData uri="http://schemas.openxmlformats.org/presentationml/2006/ole">
             <mc:AlternateContent xmlns:mc="http://schemas.openxmlformats.org/markup-compatibility/2006">
               <mc:Choice xmlns:v="urn:schemas-microsoft-com:vml" Requires="v">
-                <p:oleObj spid="_x0000_s1052" name="Image" r:id="rId7" imgW="13599720" imgH="888840" progId="Photoshop.Image.13">
+                <p:oleObj spid="_x0000_s1053" name="Image" r:id="rId7" imgW="13599720" imgH="888840" progId="Photoshop.Image.13">
                   <p:embed/>
                 </p:oleObj>
               </mc:Choice>

--- a/design/wireframe.pptx
+++ b/design/wireframe.pptx
@@ -7090,7 +7090,7 @@
           <a:p>
             <a:fld id="{B7EBE38B-55AE-4351-BB05-58087A95BDC2}" type="datetimeFigureOut">
               <a:rPr lang="en-GB" smtClean="0"/>
-              <a:t>28/09/2020</a:t>
+              <a:t>30/09/2020</a:t>
             </a:fld>
             <a:endParaRPr lang="en-GB"/>
           </a:p>
@@ -7507,7 +7507,7 @@
           <a:p>
             <a:fld id="{624FC7A1-A2FE-47F2-A82A-8B79412D5120}" type="datetimeFigureOut">
               <a:rPr lang="en-GB" smtClean="0"/>
-              <a:t>28/09/2020</a:t>
+              <a:t>30/09/2020</a:t>
             </a:fld>
             <a:endParaRPr lang="en-GB"/>
           </a:p>
@@ -7707,7 +7707,7 @@
           <a:p>
             <a:fld id="{624FC7A1-A2FE-47F2-A82A-8B79412D5120}" type="datetimeFigureOut">
               <a:rPr lang="en-GB" smtClean="0"/>
-              <a:t>28/09/2020</a:t>
+              <a:t>30/09/2020</a:t>
             </a:fld>
             <a:endParaRPr lang="en-GB"/>
           </a:p>
@@ -7917,7 +7917,7 @@
           <a:p>
             <a:fld id="{624FC7A1-A2FE-47F2-A82A-8B79412D5120}" type="datetimeFigureOut">
               <a:rPr lang="en-GB" smtClean="0"/>
-              <a:t>28/09/2020</a:t>
+              <a:t>30/09/2020</a:t>
             </a:fld>
             <a:endParaRPr lang="en-GB"/>
           </a:p>
@@ -8117,7 +8117,7 @@
           <a:p>
             <a:fld id="{624FC7A1-A2FE-47F2-A82A-8B79412D5120}" type="datetimeFigureOut">
               <a:rPr lang="en-GB" smtClean="0"/>
-              <a:t>28/09/2020</a:t>
+              <a:t>30/09/2020</a:t>
             </a:fld>
             <a:endParaRPr lang="en-GB"/>
           </a:p>
@@ -8393,7 +8393,7 @@
           <a:p>
             <a:fld id="{624FC7A1-A2FE-47F2-A82A-8B79412D5120}" type="datetimeFigureOut">
               <a:rPr lang="en-GB" smtClean="0"/>
-              <a:t>28/09/2020</a:t>
+              <a:t>30/09/2020</a:t>
             </a:fld>
             <a:endParaRPr lang="en-GB"/>
           </a:p>
@@ -8661,7 +8661,7 @@
           <a:p>
             <a:fld id="{624FC7A1-A2FE-47F2-A82A-8B79412D5120}" type="datetimeFigureOut">
               <a:rPr lang="en-GB" smtClean="0"/>
-              <a:t>28/09/2020</a:t>
+              <a:t>30/09/2020</a:t>
             </a:fld>
             <a:endParaRPr lang="en-GB"/>
           </a:p>
@@ -9076,7 +9076,7 @@
           <a:p>
             <a:fld id="{624FC7A1-A2FE-47F2-A82A-8B79412D5120}" type="datetimeFigureOut">
               <a:rPr lang="en-GB" smtClean="0"/>
-              <a:t>28/09/2020</a:t>
+              <a:t>30/09/2020</a:t>
             </a:fld>
             <a:endParaRPr lang="en-GB"/>
           </a:p>
@@ -9218,7 +9218,7 @@
           <a:p>
             <a:fld id="{624FC7A1-A2FE-47F2-A82A-8B79412D5120}" type="datetimeFigureOut">
               <a:rPr lang="en-GB" smtClean="0"/>
-              <a:t>28/09/2020</a:t>
+              <a:t>30/09/2020</a:t>
             </a:fld>
             <a:endParaRPr lang="en-GB"/>
           </a:p>
@@ -9331,7 +9331,7 @@
           <a:p>
             <a:fld id="{624FC7A1-A2FE-47F2-A82A-8B79412D5120}" type="datetimeFigureOut">
               <a:rPr lang="en-GB" smtClean="0"/>
-              <a:t>28/09/2020</a:t>
+              <a:t>30/09/2020</a:t>
             </a:fld>
             <a:endParaRPr lang="en-GB"/>
           </a:p>
@@ -9644,7 +9644,7 @@
           <a:p>
             <a:fld id="{624FC7A1-A2FE-47F2-A82A-8B79412D5120}" type="datetimeFigureOut">
               <a:rPr lang="en-GB" smtClean="0"/>
-              <a:t>28/09/2020</a:t>
+              <a:t>30/09/2020</a:t>
             </a:fld>
             <a:endParaRPr lang="en-GB"/>
           </a:p>
@@ -9933,7 +9933,7 @@
           <a:p>
             <a:fld id="{624FC7A1-A2FE-47F2-A82A-8B79412D5120}" type="datetimeFigureOut">
               <a:rPr lang="en-GB" smtClean="0"/>
-              <a:t>28/09/2020</a:t>
+              <a:t>30/09/2020</a:t>
             </a:fld>
             <a:endParaRPr lang="en-GB"/>
           </a:p>
@@ -10176,7 +10176,7 @@
           <a:p>
             <a:fld id="{624FC7A1-A2FE-47F2-A82A-8B79412D5120}" type="datetimeFigureOut">
               <a:rPr lang="en-GB" smtClean="0"/>
-              <a:t>28/09/2020</a:t>
+              <a:t>30/09/2020</a:t>
             </a:fld>
             <a:endParaRPr lang="en-GB"/>
           </a:p>
@@ -13470,42 +13470,93 @@
           </a:p>
         </p:txBody>
       </p:sp>
-      <p:pic>
-        <p:nvPicPr>
-          <p:cNvPr id="6" name="Picture 5" descr="Graphical user interface, text, application, email&#10;&#10;Description automatically generated">
+      <p:grpSp>
+        <p:nvGrpSpPr>
+          <p:cNvPr id="7" name="Group 6">
             <a:extLst>
               <a:ext uri="{FF2B5EF4-FFF2-40B4-BE49-F238E27FC236}">
-                <a16:creationId xmlns:a16="http://schemas.microsoft.com/office/drawing/2014/main" id="{4EF73A8D-8F20-4DF0-9DC9-D8CA03E8C910}"/>
+                <a16:creationId xmlns:a16="http://schemas.microsoft.com/office/drawing/2014/main" id="{768E0CFD-E009-41BA-846F-5B2B1716764A}"/>
               </a:ext>
             </a:extLst>
           </p:cNvPr>
-          <p:cNvPicPr>
-            <a:picLocks noChangeAspect="1"/>
-          </p:cNvPicPr>
+          <p:cNvGrpSpPr/>
           <p:nvPr/>
-        </p:nvPicPr>
-        <p:blipFill>
-          <a:blip r:embed="rId6">
-            <a:extLst>
-              <a:ext uri="{28A0092B-C50C-407E-A947-70E740481C1C}">
-                <a14:useLocalDpi xmlns:a14="http://schemas.microsoft.com/office/drawing/2010/main" val="0"/>
-              </a:ext>
-            </a:extLst>
-          </a:blip>
-          <a:stretch>
-            <a:fillRect/>
-          </a:stretch>
-        </p:blipFill>
-        <p:spPr>
+        </p:nvGrpSpPr>
+        <p:grpSpPr>
           <a:xfrm>
             <a:off x="1894554" y="1158716"/>
             <a:ext cx="9093807" cy="4824000"/>
+            <a:chOff x="1894554" y="1158716"/>
+            <a:chExt cx="9093807" cy="4824000"/>
           </a:xfrm>
-          <a:prstGeom prst="rect">
-            <a:avLst/>
-          </a:prstGeom>
-        </p:spPr>
-      </p:pic>
+        </p:grpSpPr>
+        <p:pic>
+          <p:nvPicPr>
+            <p:cNvPr id="6" name="Picture 5" descr="Graphical user interface, text, application, email&#10;&#10;Description automatically generated">
+              <a:extLst>
+                <a:ext uri="{FF2B5EF4-FFF2-40B4-BE49-F238E27FC236}">
+                  <a16:creationId xmlns:a16="http://schemas.microsoft.com/office/drawing/2014/main" id="{4EF73A8D-8F20-4DF0-9DC9-D8CA03E8C910}"/>
+                </a:ext>
+              </a:extLst>
+            </p:cNvPr>
+            <p:cNvPicPr>
+              <a:picLocks noChangeAspect="1"/>
+            </p:cNvPicPr>
+            <p:nvPr/>
+          </p:nvPicPr>
+          <p:blipFill>
+            <a:blip r:embed="rId6">
+              <a:extLst>
+                <a:ext uri="{28A0092B-C50C-407E-A947-70E740481C1C}">
+                  <a14:useLocalDpi xmlns:a14="http://schemas.microsoft.com/office/drawing/2010/main" val="0"/>
+                </a:ext>
+              </a:extLst>
+            </a:blip>
+            <a:stretch>
+              <a:fillRect/>
+            </a:stretch>
+          </p:blipFill>
+          <p:spPr>
+            <a:xfrm>
+              <a:off x="1894554" y="1158716"/>
+              <a:ext cx="9093807" cy="4824000"/>
+            </a:xfrm>
+            <a:prstGeom prst="rect">
+              <a:avLst/>
+            </a:prstGeom>
+          </p:spPr>
+        </p:pic>
+        <p:pic>
+          <p:nvPicPr>
+            <p:cNvPr id="5" name="Picture 4">
+              <a:extLst>
+                <a:ext uri="{FF2B5EF4-FFF2-40B4-BE49-F238E27FC236}">
+                  <a16:creationId xmlns:a16="http://schemas.microsoft.com/office/drawing/2014/main" id="{802AE75D-AF13-48B7-A60C-889FDD8D13AA}"/>
+                </a:ext>
+              </a:extLst>
+            </p:cNvPr>
+            <p:cNvPicPr>
+              <a:picLocks noChangeAspect="1"/>
+            </p:cNvPicPr>
+            <p:nvPr/>
+          </p:nvPicPr>
+          <p:blipFill>
+            <a:blip r:embed="rId7"/>
+            <a:stretch>
+              <a:fillRect/>
+            </a:stretch>
+          </p:blipFill>
+          <p:spPr>
+            <a:xfrm>
+              <a:off x="1981201" y="1576938"/>
+              <a:ext cx="8934450" cy="1166269"/>
+            </a:xfrm>
+            <a:prstGeom prst="rect">
+              <a:avLst/>
+            </a:prstGeom>
+          </p:spPr>
+        </p:pic>
+      </p:grpSp>
     </p:spTree>
     <p:extLst>
       <p:ext uri="{BB962C8B-B14F-4D97-AF65-F5344CB8AC3E}">
@@ -16129,7 +16180,7 @@
           <a:graphicData uri="http://schemas.openxmlformats.org/presentationml/2006/ole">
             <mc:AlternateContent xmlns:mc="http://schemas.openxmlformats.org/markup-compatibility/2006">
               <mc:Choice xmlns:v="urn:schemas-microsoft-com:vml" Requires="v">
-                <p:oleObj spid="_x0000_s1053" name="Image" r:id="rId7" imgW="13599720" imgH="888840" progId="Photoshop.Image.13">
+                <p:oleObj spid="_x0000_s1057" name="Image" r:id="rId7" imgW="13599720" imgH="888840" progId="Photoshop.Image.13">
                   <p:embed/>
                 </p:oleObj>
               </mc:Choice>

--- a/design/wireframe.pptx
+++ b/design/wireframe.pptx
@@ -7090,7 +7090,7 @@
           <a:p>
             <a:fld id="{B7EBE38B-55AE-4351-BB05-58087A95BDC2}" type="datetimeFigureOut">
               <a:rPr lang="en-GB" smtClean="0"/>
-              <a:t>30/09/2020</a:t>
+              <a:t>02/10/2020</a:t>
             </a:fld>
             <a:endParaRPr lang="en-GB"/>
           </a:p>
@@ -7507,7 +7507,7 @@
           <a:p>
             <a:fld id="{624FC7A1-A2FE-47F2-A82A-8B79412D5120}" type="datetimeFigureOut">
               <a:rPr lang="en-GB" smtClean="0"/>
-              <a:t>30/09/2020</a:t>
+              <a:t>02/10/2020</a:t>
             </a:fld>
             <a:endParaRPr lang="en-GB"/>
           </a:p>
@@ -7707,7 +7707,7 @@
           <a:p>
             <a:fld id="{624FC7A1-A2FE-47F2-A82A-8B79412D5120}" type="datetimeFigureOut">
               <a:rPr lang="en-GB" smtClean="0"/>
-              <a:t>30/09/2020</a:t>
+              <a:t>02/10/2020</a:t>
             </a:fld>
             <a:endParaRPr lang="en-GB"/>
           </a:p>
@@ -7917,7 +7917,7 @@
           <a:p>
             <a:fld id="{624FC7A1-A2FE-47F2-A82A-8B79412D5120}" type="datetimeFigureOut">
               <a:rPr lang="en-GB" smtClean="0"/>
-              <a:t>30/09/2020</a:t>
+              <a:t>02/10/2020</a:t>
             </a:fld>
             <a:endParaRPr lang="en-GB"/>
           </a:p>
@@ -8117,7 +8117,7 @@
           <a:p>
             <a:fld id="{624FC7A1-A2FE-47F2-A82A-8B79412D5120}" type="datetimeFigureOut">
               <a:rPr lang="en-GB" smtClean="0"/>
-              <a:t>30/09/2020</a:t>
+              <a:t>02/10/2020</a:t>
             </a:fld>
             <a:endParaRPr lang="en-GB"/>
           </a:p>
@@ -8393,7 +8393,7 @@
           <a:p>
             <a:fld id="{624FC7A1-A2FE-47F2-A82A-8B79412D5120}" type="datetimeFigureOut">
               <a:rPr lang="en-GB" smtClean="0"/>
-              <a:t>30/09/2020</a:t>
+              <a:t>02/10/2020</a:t>
             </a:fld>
             <a:endParaRPr lang="en-GB"/>
           </a:p>
@@ -8661,7 +8661,7 @@
           <a:p>
             <a:fld id="{624FC7A1-A2FE-47F2-A82A-8B79412D5120}" type="datetimeFigureOut">
               <a:rPr lang="en-GB" smtClean="0"/>
-              <a:t>30/09/2020</a:t>
+              <a:t>02/10/2020</a:t>
             </a:fld>
             <a:endParaRPr lang="en-GB"/>
           </a:p>
@@ -9076,7 +9076,7 @@
           <a:p>
             <a:fld id="{624FC7A1-A2FE-47F2-A82A-8B79412D5120}" type="datetimeFigureOut">
               <a:rPr lang="en-GB" smtClean="0"/>
-              <a:t>30/09/2020</a:t>
+              <a:t>02/10/2020</a:t>
             </a:fld>
             <a:endParaRPr lang="en-GB"/>
           </a:p>
@@ -9218,7 +9218,7 @@
           <a:p>
             <a:fld id="{624FC7A1-A2FE-47F2-A82A-8B79412D5120}" type="datetimeFigureOut">
               <a:rPr lang="en-GB" smtClean="0"/>
-              <a:t>30/09/2020</a:t>
+              <a:t>02/10/2020</a:t>
             </a:fld>
             <a:endParaRPr lang="en-GB"/>
           </a:p>
@@ -9331,7 +9331,7 @@
           <a:p>
             <a:fld id="{624FC7A1-A2FE-47F2-A82A-8B79412D5120}" type="datetimeFigureOut">
               <a:rPr lang="en-GB" smtClean="0"/>
-              <a:t>30/09/2020</a:t>
+              <a:t>02/10/2020</a:t>
             </a:fld>
             <a:endParaRPr lang="en-GB"/>
           </a:p>
@@ -9644,7 +9644,7 @@
           <a:p>
             <a:fld id="{624FC7A1-A2FE-47F2-A82A-8B79412D5120}" type="datetimeFigureOut">
               <a:rPr lang="en-GB" smtClean="0"/>
-              <a:t>30/09/2020</a:t>
+              <a:t>02/10/2020</a:t>
             </a:fld>
             <a:endParaRPr lang="en-GB"/>
           </a:p>
@@ -9933,7 +9933,7 @@
           <a:p>
             <a:fld id="{624FC7A1-A2FE-47F2-A82A-8B79412D5120}" type="datetimeFigureOut">
               <a:rPr lang="en-GB" smtClean="0"/>
-              <a:t>30/09/2020</a:t>
+              <a:t>02/10/2020</a:t>
             </a:fld>
             <a:endParaRPr lang="en-GB"/>
           </a:p>
@@ -10176,7 +10176,7 @@
           <a:p>
             <a:fld id="{624FC7A1-A2FE-47F2-A82A-8B79412D5120}" type="datetimeFigureOut">
               <a:rPr lang="en-GB" smtClean="0"/>
-              <a:t>30/09/2020</a:t>
+              <a:t>02/10/2020</a:t>
             </a:fld>
             <a:endParaRPr lang="en-GB"/>
           </a:p>
@@ -12169,10 +12169,10 @@
       </p:pic>
       <p:grpSp>
         <p:nvGrpSpPr>
-          <p:cNvPr id="7" name="Group 6">
+          <p:cNvPr id="9" name="Group 8">
             <a:extLst>
               <a:ext uri="{FF2B5EF4-FFF2-40B4-BE49-F238E27FC236}">
-                <a16:creationId xmlns:a16="http://schemas.microsoft.com/office/drawing/2014/main" id="{DE93956A-DF72-4ABF-9D9B-793B15B20E1F}"/>
+                <a16:creationId xmlns:a16="http://schemas.microsoft.com/office/drawing/2014/main" id="{3B5C4A75-57D9-4447-9F53-87F13726109A}"/>
               </a:ext>
             </a:extLst>
           </p:cNvPr>
@@ -12181,18 +12181,99 @@
         </p:nvGrpSpPr>
         <p:grpSpPr>
           <a:xfrm>
-            <a:off x="1720573" y="949911"/>
-            <a:ext cx="10233302" cy="4446022"/>
-            <a:chOff x="1720573" y="949911"/>
-            <a:chExt cx="10233302" cy="4446022"/>
+            <a:off x="1574800" y="949911"/>
+            <a:ext cx="10379075" cy="4446022"/>
+            <a:chOff x="1574800" y="949911"/>
+            <a:chExt cx="10379075" cy="4446022"/>
           </a:xfrm>
         </p:grpSpPr>
+        <p:grpSp>
+          <p:nvGrpSpPr>
+            <p:cNvPr id="7" name="Group 6">
+              <a:extLst>
+                <a:ext uri="{FF2B5EF4-FFF2-40B4-BE49-F238E27FC236}">
+                  <a16:creationId xmlns:a16="http://schemas.microsoft.com/office/drawing/2014/main" id="{DE93956A-DF72-4ABF-9D9B-793B15B20E1F}"/>
+                </a:ext>
+              </a:extLst>
+            </p:cNvPr>
+            <p:cNvGrpSpPr/>
+            <p:nvPr/>
+          </p:nvGrpSpPr>
+          <p:grpSpPr>
+            <a:xfrm>
+              <a:off x="1720573" y="949911"/>
+              <a:ext cx="10233302" cy="4446022"/>
+              <a:chOff x="1720573" y="949911"/>
+              <a:chExt cx="10233302" cy="4446022"/>
+            </a:xfrm>
+          </p:grpSpPr>
+          <p:pic>
+            <p:nvPicPr>
+              <p:cNvPr id="10" name="Picture 9">
+                <a:extLst>
+                  <a:ext uri="{FF2B5EF4-FFF2-40B4-BE49-F238E27FC236}">
+                    <a16:creationId xmlns:a16="http://schemas.microsoft.com/office/drawing/2014/main" id="{D31528F1-E94A-40BA-8BC6-7AC97F2DA713}"/>
+                  </a:ext>
+                </a:extLst>
+              </p:cNvPr>
+              <p:cNvPicPr>
+                <a:picLocks noChangeAspect="1"/>
+              </p:cNvPicPr>
+              <p:nvPr/>
+            </p:nvPicPr>
+            <p:blipFill>
+              <a:blip r:embed="rId5"/>
+              <a:stretch>
+                <a:fillRect/>
+              </a:stretch>
+            </p:blipFill>
+            <p:spPr>
+              <a:xfrm>
+                <a:off x="1720573" y="949911"/>
+                <a:ext cx="10233302" cy="4446022"/>
+              </a:xfrm>
+              <a:prstGeom prst="rect">
+                <a:avLst/>
+              </a:prstGeom>
+            </p:spPr>
+          </p:pic>
+          <p:pic>
+            <p:nvPicPr>
+              <p:cNvPr id="6" name="Picture 5">
+                <a:extLst>
+                  <a:ext uri="{FF2B5EF4-FFF2-40B4-BE49-F238E27FC236}">
+                    <a16:creationId xmlns:a16="http://schemas.microsoft.com/office/drawing/2014/main" id="{743E0849-87BB-4445-BEC2-B0AE15A05602}"/>
+                  </a:ext>
+                </a:extLst>
+              </p:cNvPr>
+              <p:cNvPicPr>
+                <a:picLocks noChangeAspect="1"/>
+              </p:cNvPicPr>
+              <p:nvPr/>
+            </p:nvPicPr>
+            <p:blipFill>
+              <a:blip r:embed="rId6"/>
+              <a:stretch>
+                <a:fillRect/>
+              </a:stretch>
+            </p:blipFill>
+            <p:spPr>
+              <a:xfrm>
+                <a:off x="1756628" y="2063033"/>
+                <a:ext cx="907134" cy="1002622"/>
+              </a:xfrm>
+              <a:prstGeom prst="rect">
+                <a:avLst/>
+              </a:prstGeom>
+            </p:spPr>
+          </p:pic>
+        </p:grpSp>
         <p:pic>
           <p:nvPicPr>
-            <p:cNvPr id="10" name="Picture 9">
+            <p:cNvPr id="5" name="Picture 4">
               <a:extLst>
                 <a:ext uri="{FF2B5EF4-FFF2-40B4-BE49-F238E27FC236}">
-                  <a16:creationId xmlns:a16="http://schemas.microsoft.com/office/drawing/2014/main" id="{D31528F1-E94A-40BA-8BC6-7AC97F2DA713}"/>
+                  <a16:creationId xmlns:a16="http://schemas.microsoft.com/office/drawing/2014/main" id="{7ED873E0-DB87-455F-A35F-ABEEA285B58B}"/>
                 </a:ext>
               </a:extLst>
             </p:cNvPr>
@@ -12201,46 +12282,15 @@
             </p:cNvPicPr>
             <p:nvPr/>
           </p:nvPicPr>
-          <p:blipFill>
-            <a:blip r:embed="rId5"/>
-            <a:stretch>
-              <a:fillRect/>
-            </a:stretch>
+          <p:blipFill rotWithShape="1">
+            <a:blip r:embed="rId7"/>
+            <a:srcRect l="1632" t="1" b="2964"/>
+            <a:stretch/>
           </p:blipFill>
           <p:spPr>
             <a:xfrm>
-              <a:off x="1720573" y="949911"/>
-              <a:ext cx="10233302" cy="4446022"/>
-            </a:xfrm>
-            <a:prstGeom prst="rect">
-              <a:avLst/>
-            </a:prstGeom>
-          </p:spPr>
-        </p:pic>
-        <p:pic>
-          <p:nvPicPr>
-            <p:cNvPr id="6" name="Picture 5">
-              <a:extLst>
-                <a:ext uri="{FF2B5EF4-FFF2-40B4-BE49-F238E27FC236}">
-                  <a16:creationId xmlns:a16="http://schemas.microsoft.com/office/drawing/2014/main" id="{743E0849-87BB-4445-BEC2-B0AE15A05602}"/>
-                </a:ext>
-              </a:extLst>
-            </p:cNvPr>
-            <p:cNvPicPr>
-              <a:picLocks noChangeAspect="1"/>
-            </p:cNvPicPr>
-            <p:nvPr/>
-          </p:nvPicPr>
-          <p:blipFill>
-            <a:blip r:embed="rId6"/>
-            <a:stretch>
-              <a:fillRect/>
-            </a:stretch>
-          </p:blipFill>
-          <p:spPr>
-            <a:xfrm>
-              <a:off x="1756628" y="2063033"/>
-              <a:ext cx="907134" cy="1002622"/>
+              <a:off x="1574800" y="2094802"/>
+              <a:ext cx="1088962" cy="955550"/>
             </a:xfrm>
             <a:prstGeom prst="rect">
               <a:avLst/>
@@ -12632,87 +12682,36 @@
           </a:prstGeom>
         </p:spPr>
       </p:pic>
-      <p:grpSp>
-        <p:nvGrpSpPr>
-          <p:cNvPr id="14" name="Group 13">
+      <p:pic>
+        <p:nvPicPr>
+          <p:cNvPr id="6" name="Picture 5">
             <a:extLst>
               <a:ext uri="{FF2B5EF4-FFF2-40B4-BE49-F238E27FC236}">
-                <a16:creationId xmlns:a16="http://schemas.microsoft.com/office/drawing/2014/main" id="{950981A4-D50F-464C-BF37-6A96AB798338}"/>
+                <a16:creationId xmlns:a16="http://schemas.microsoft.com/office/drawing/2014/main" id="{0B50E49D-E25D-4522-B64E-4533A87728E2}"/>
               </a:ext>
             </a:extLst>
           </p:cNvPr>
-          <p:cNvGrpSpPr/>
+          <p:cNvPicPr>
+            <a:picLocks noChangeAspect="1"/>
+          </p:cNvPicPr>
           <p:nvPr/>
-        </p:nvGrpSpPr>
-        <p:grpSpPr>
+        </p:nvPicPr>
+        <p:blipFill>
+          <a:blip r:embed="rId5"/>
+          <a:stretch>
+            <a:fillRect/>
+          </a:stretch>
+        </p:blipFill>
+        <p:spPr>
           <a:xfrm>
-            <a:off x="1743074" y="1003272"/>
-            <a:ext cx="10220325" cy="2041568"/>
-            <a:chOff x="1743074" y="1003272"/>
-            <a:chExt cx="10220325" cy="2041568"/>
+            <a:off x="1743073" y="984088"/>
+            <a:ext cx="10191751" cy="2486891"/>
           </a:xfrm>
-        </p:grpSpPr>
-        <p:pic>
-          <p:nvPicPr>
-            <p:cNvPr id="9" name="Picture 8">
-              <a:extLst>
-                <a:ext uri="{FF2B5EF4-FFF2-40B4-BE49-F238E27FC236}">
-                  <a16:creationId xmlns:a16="http://schemas.microsoft.com/office/drawing/2014/main" id="{DEB0C0A5-735E-427B-B708-92C247CA7257}"/>
-                </a:ext>
-              </a:extLst>
-            </p:cNvPr>
-            <p:cNvPicPr>
-              <a:picLocks noChangeAspect="1"/>
-            </p:cNvPicPr>
-            <p:nvPr/>
-          </p:nvPicPr>
-          <p:blipFill>
-            <a:blip r:embed="rId5"/>
-            <a:stretch>
-              <a:fillRect/>
-            </a:stretch>
-          </p:blipFill>
-          <p:spPr>
-            <a:xfrm>
-              <a:off x="1743074" y="1003272"/>
-              <a:ext cx="10220325" cy="2041568"/>
-            </a:xfrm>
-            <a:prstGeom prst="rect">
-              <a:avLst/>
-            </a:prstGeom>
-          </p:spPr>
-        </p:pic>
-        <p:pic>
-          <p:nvPicPr>
-            <p:cNvPr id="13" name="Picture 12">
-              <a:extLst>
-                <a:ext uri="{FF2B5EF4-FFF2-40B4-BE49-F238E27FC236}">
-                  <a16:creationId xmlns:a16="http://schemas.microsoft.com/office/drawing/2014/main" id="{46F08914-9C7A-4E4A-AE50-0883BCC54514}"/>
-                </a:ext>
-              </a:extLst>
-            </p:cNvPr>
-            <p:cNvPicPr>
-              <a:picLocks noChangeAspect="1"/>
-            </p:cNvPicPr>
-            <p:nvPr/>
-          </p:nvPicPr>
-          <p:blipFill>
-            <a:blip r:embed="rId6"/>
-            <a:stretch>
-              <a:fillRect/>
-            </a:stretch>
-          </p:blipFill>
-          <p:spPr>
-            <a:xfrm>
-              <a:off x="1743074" y="2107451"/>
-              <a:ext cx="932056" cy="861724"/>
-            </a:xfrm>
-            <a:prstGeom prst="rect">
-              <a:avLst/>
-            </a:prstGeom>
-          </p:spPr>
-        </p:pic>
-      </p:grpSp>
+          <a:prstGeom prst="rect">
+            <a:avLst/>
+          </a:prstGeom>
+        </p:spPr>
+      </p:pic>
     </p:spTree>
     <p:extLst>
       <p:ext uri="{BB962C8B-B14F-4D97-AF65-F5344CB8AC3E}">
@@ -13065,36 +13064,87 @@
           </a:p>
         </p:txBody>
       </p:sp>
-      <p:pic>
-        <p:nvPicPr>
-          <p:cNvPr id="11" name="Picture 10">
+      <p:grpSp>
+        <p:nvGrpSpPr>
+          <p:cNvPr id="6" name="Group 5">
             <a:extLst>
               <a:ext uri="{FF2B5EF4-FFF2-40B4-BE49-F238E27FC236}">
-                <a16:creationId xmlns:a16="http://schemas.microsoft.com/office/drawing/2014/main" id="{3C01AE83-0644-4478-BEC4-88076AF484A7}"/>
+                <a16:creationId xmlns:a16="http://schemas.microsoft.com/office/drawing/2014/main" id="{A40EA84D-4FFE-4FB7-9D3E-FF5A9E2C9ACF}"/>
               </a:ext>
             </a:extLst>
           </p:cNvPr>
-          <p:cNvPicPr>
-            <a:picLocks noChangeAspect="1"/>
-          </p:cNvPicPr>
+          <p:cNvGrpSpPr/>
           <p:nvPr/>
-        </p:nvPicPr>
-        <p:blipFill>
-          <a:blip r:embed="rId4"/>
-          <a:stretch>
-            <a:fillRect/>
-          </a:stretch>
-        </p:blipFill>
-        <p:spPr>
+        </p:nvGrpSpPr>
+        <p:grpSpPr>
           <a:xfrm>
             <a:off x="1733549" y="987094"/>
             <a:ext cx="10230021" cy="2118056"/>
+            <a:chOff x="1733549" y="987094"/>
+            <a:chExt cx="10230021" cy="2118056"/>
           </a:xfrm>
-          <a:prstGeom prst="rect">
-            <a:avLst/>
-          </a:prstGeom>
-        </p:spPr>
-      </p:pic>
+        </p:grpSpPr>
+        <p:pic>
+          <p:nvPicPr>
+            <p:cNvPr id="11" name="Picture 10">
+              <a:extLst>
+                <a:ext uri="{FF2B5EF4-FFF2-40B4-BE49-F238E27FC236}">
+                  <a16:creationId xmlns:a16="http://schemas.microsoft.com/office/drawing/2014/main" id="{3C01AE83-0644-4478-BEC4-88076AF484A7}"/>
+                </a:ext>
+              </a:extLst>
+            </p:cNvPr>
+            <p:cNvPicPr>
+              <a:picLocks noChangeAspect="1"/>
+            </p:cNvPicPr>
+            <p:nvPr/>
+          </p:nvPicPr>
+          <p:blipFill>
+            <a:blip r:embed="rId4"/>
+            <a:stretch>
+              <a:fillRect/>
+            </a:stretch>
+          </p:blipFill>
+          <p:spPr>
+            <a:xfrm>
+              <a:off x="1733549" y="987094"/>
+              <a:ext cx="10230021" cy="2118056"/>
+            </a:xfrm>
+            <a:prstGeom prst="rect">
+              <a:avLst/>
+            </a:prstGeom>
+          </p:spPr>
+        </p:pic>
+        <p:pic>
+          <p:nvPicPr>
+            <p:cNvPr id="5" name="Picture 4">
+              <a:extLst>
+                <a:ext uri="{FF2B5EF4-FFF2-40B4-BE49-F238E27FC236}">
+                  <a16:creationId xmlns:a16="http://schemas.microsoft.com/office/drawing/2014/main" id="{4C4F9DB6-EB4C-4F89-8C1A-9DA48BFABEE1}"/>
+                </a:ext>
+              </a:extLst>
+            </p:cNvPr>
+            <p:cNvPicPr>
+              <a:picLocks noChangeAspect="1"/>
+            </p:cNvPicPr>
+            <p:nvPr/>
+          </p:nvPicPr>
+          <p:blipFill>
+            <a:blip r:embed="rId5"/>
+            <a:stretch>
+              <a:fillRect/>
+            </a:stretch>
+          </p:blipFill>
+          <p:spPr>
+            <a:xfrm>
+              <a:off x="1798955" y="2114875"/>
+              <a:ext cx="885826" cy="792582"/>
+            </a:xfrm>
+            <a:prstGeom prst="rect">
+              <a:avLst/>
+            </a:prstGeom>
+          </p:spPr>
+        </p:pic>
+      </p:grpSp>
     </p:spTree>
     <p:extLst>
       <p:ext uri="{BB962C8B-B14F-4D97-AF65-F5344CB8AC3E}">
@@ -16180,7 +16230,7 @@
           <a:graphicData uri="http://schemas.openxmlformats.org/presentationml/2006/ole">
             <mc:AlternateContent xmlns:mc="http://schemas.openxmlformats.org/markup-compatibility/2006">
               <mc:Choice xmlns:v="urn:schemas-microsoft-com:vml" Requires="v">
-                <p:oleObj spid="_x0000_s1057" name="Image" r:id="rId7" imgW="13599720" imgH="888840" progId="Photoshop.Image.13">
+                <p:oleObj spid="_x0000_s1060" name="Image" r:id="rId7" imgW="13599720" imgH="888840" progId="Photoshop.Image.13">
                   <p:embed/>
                 </p:oleObj>
               </mc:Choice>

--- a/design/wireframe.pptx
+++ b/design/wireframe.pptx
@@ -7090,7 +7090,7 @@
           <a:p>
             <a:fld id="{B7EBE38B-55AE-4351-BB05-58087A95BDC2}" type="datetimeFigureOut">
               <a:rPr lang="en-GB" smtClean="0"/>
-              <a:t>02/10/2020</a:t>
+              <a:t>06/10/2020</a:t>
             </a:fld>
             <a:endParaRPr lang="en-GB"/>
           </a:p>
@@ -7507,7 +7507,7 @@
           <a:p>
             <a:fld id="{624FC7A1-A2FE-47F2-A82A-8B79412D5120}" type="datetimeFigureOut">
               <a:rPr lang="en-GB" smtClean="0"/>
-              <a:t>02/10/2020</a:t>
+              <a:t>06/10/2020</a:t>
             </a:fld>
             <a:endParaRPr lang="en-GB"/>
           </a:p>
@@ -7707,7 +7707,7 @@
           <a:p>
             <a:fld id="{624FC7A1-A2FE-47F2-A82A-8B79412D5120}" type="datetimeFigureOut">
               <a:rPr lang="en-GB" smtClean="0"/>
-              <a:t>02/10/2020</a:t>
+              <a:t>06/10/2020</a:t>
             </a:fld>
             <a:endParaRPr lang="en-GB"/>
           </a:p>
@@ -7917,7 +7917,7 @@
           <a:p>
             <a:fld id="{624FC7A1-A2FE-47F2-A82A-8B79412D5120}" type="datetimeFigureOut">
               <a:rPr lang="en-GB" smtClean="0"/>
-              <a:t>02/10/2020</a:t>
+              <a:t>06/10/2020</a:t>
             </a:fld>
             <a:endParaRPr lang="en-GB"/>
           </a:p>
@@ -8117,7 +8117,7 @@
           <a:p>
             <a:fld id="{624FC7A1-A2FE-47F2-A82A-8B79412D5120}" type="datetimeFigureOut">
               <a:rPr lang="en-GB" smtClean="0"/>
-              <a:t>02/10/2020</a:t>
+              <a:t>06/10/2020</a:t>
             </a:fld>
             <a:endParaRPr lang="en-GB"/>
           </a:p>
@@ -8393,7 +8393,7 @@
           <a:p>
             <a:fld id="{624FC7A1-A2FE-47F2-A82A-8B79412D5120}" type="datetimeFigureOut">
               <a:rPr lang="en-GB" smtClean="0"/>
-              <a:t>02/10/2020</a:t>
+              <a:t>06/10/2020</a:t>
             </a:fld>
             <a:endParaRPr lang="en-GB"/>
           </a:p>
@@ -8661,7 +8661,7 @@
           <a:p>
             <a:fld id="{624FC7A1-A2FE-47F2-A82A-8B79412D5120}" type="datetimeFigureOut">
               <a:rPr lang="en-GB" smtClean="0"/>
-              <a:t>02/10/2020</a:t>
+              <a:t>06/10/2020</a:t>
             </a:fld>
             <a:endParaRPr lang="en-GB"/>
           </a:p>
@@ -9076,7 +9076,7 @@
           <a:p>
             <a:fld id="{624FC7A1-A2FE-47F2-A82A-8B79412D5120}" type="datetimeFigureOut">
               <a:rPr lang="en-GB" smtClean="0"/>
-              <a:t>02/10/2020</a:t>
+              <a:t>06/10/2020</a:t>
             </a:fld>
             <a:endParaRPr lang="en-GB"/>
           </a:p>
@@ -9218,7 +9218,7 @@
           <a:p>
             <a:fld id="{624FC7A1-A2FE-47F2-A82A-8B79412D5120}" type="datetimeFigureOut">
               <a:rPr lang="en-GB" smtClean="0"/>
-              <a:t>02/10/2020</a:t>
+              <a:t>06/10/2020</a:t>
             </a:fld>
             <a:endParaRPr lang="en-GB"/>
           </a:p>
@@ -9331,7 +9331,7 @@
           <a:p>
             <a:fld id="{624FC7A1-A2FE-47F2-A82A-8B79412D5120}" type="datetimeFigureOut">
               <a:rPr lang="en-GB" smtClean="0"/>
-              <a:t>02/10/2020</a:t>
+              <a:t>06/10/2020</a:t>
             </a:fld>
             <a:endParaRPr lang="en-GB"/>
           </a:p>
@@ -9644,7 +9644,7 @@
           <a:p>
             <a:fld id="{624FC7A1-A2FE-47F2-A82A-8B79412D5120}" type="datetimeFigureOut">
               <a:rPr lang="en-GB" smtClean="0"/>
-              <a:t>02/10/2020</a:t>
+              <a:t>06/10/2020</a:t>
             </a:fld>
             <a:endParaRPr lang="en-GB"/>
           </a:p>
@@ -9933,7 +9933,7 @@
           <a:p>
             <a:fld id="{624FC7A1-A2FE-47F2-A82A-8B79412D5120}" type="datetimeFigureOut">
               <a:rPr lang="en-GB" smtClean="0"/>
-              <a:t>02/10/2020</a:t>
+              <a:t>06/10/2020</a:t>
             </a:fld>
             <a:endParaRPr lang="en-GB"/>
           </a:p>
@@ -10176,7 +10176,7 @@
           <a:p>
             <a:fld id="{624FC7A1-A2FE-47F2-A82A-8B79412D5120}" type="datetimeFigureOut">
               <a:rPr lang="en-GB" smtClean="0"/>
-              <a:t>02/10/2020</a:t>
+              <a:t>06/10/2020</a:t>
             </a:fld>
             <a:endParaRPr lang="en-GB"/>
           </a:p>
@@ -11961,10 +11961,10 @@
       </p:pic>
       <p:pic>
         <p:nvPicPr>
-          <p:cNvPr id="9" name="Picture 8">
+          <p:cNvPr id="8" name="Picture 7">
             <a:extLst>
               <a:ext uri="{FF2B5EF4-FFF2-40B4-BE49-F238E27FC236}">
-                <a16:creationId xmlns:a16="http://schemas.microsoft.com/office/drawing/2014/main" id="{57A9BF85-8418-45E9-B204-CD9318E66955}"/>
+                <a16:creationId xmlns:a16="http://schemas.microsoft.com/office/drawing/2014/main" id="{101E77B5-4A0A-490D-9929-3747B7714FD6}"/>
               </a:ext>
             </a:extLst>
           </p:cNvPr>
@@ -11982,7 +11982,7 @@
         <p:spPr>
           <a:xfrm>
             <a:off x="1777436" y="1346829"/>
-            <a:ext cx="10132045" cy="1034522"/>
+            <a:ext cx="10132045" cy="1599139"/>
           </a:xfrm>
           <a:prstGeom prst="rect">
             <a:avLst/>
@@ -12476,10 +12476,10 @@
       </p:sp>
       <p:pic>
         <p:nvPicPr>
-          <p:cNvPr id="9" name="Picture 8">
+          <p:cNvPr id="8" name="Picture 7">
             <a:extLst>
               <a:ext uri="{FF2B5EF4-FFF2-40B4-BE49-F238E27FC236}">
-                <a16:creationId xmlns:a16="http://schemas.microsoft.com/office/drawing/2014/main" id="{D3EC76EA-0263-4AA3-8874-7E49A437B6DA}"/>
+                <a16:creationId xmlns:a16="http://schemas.microsoft.com/office/drawing/2014/main" id="{DB91C728-86A7-43E3-AE35-C9F6498AAEC6}"/>
               </a:ext>
             </a:extLst>
           </p:cNvPr>
@@ -12496,8 +12496,8 @@
         </p:blipFill>
         <p:spPr>
           <a:xfrm>
-            <a:off x="1777436" y="2201921"/>
-            <a:ext cx="10132045" cy="1034522"/>
+            <a:off x="1763402" y="2196389"/>
+            <a:ext cx="10132045" cy="1005088"/>
           </a:xfrm>
           <a:prstGeom prst="rect">
             <a:avLst/>
@@ -12684,10 +12684,10 @@
       </p:pic>
       <p:pic>
         <p:nvPicPr>
-          <p:cNvPr id="6" name="Picture 5">
+          <p:cNvPr id="8" name="Picture 7">
             <a:extLst>
               <a:ext uri="{FF2B5EF4-FFF2-40B4-BE49-F238E27FC236}">
-                <a16:creationId xmlns:a16="http://schemas.microsoft.com/office/drawing/2014/main" id="{0B50E49D-E25D-4522-B64E-4533A87728E2}"/>
+                <a16:creationId xmlns:a16="http://schemas.microsoft.com/office/drawing/2014/main" id="{1641913F-7B55-4812-BB71-C7C54ADE86E6}"/>
               </a:ext>
             </a:extLst>
           </p:cNvPr>
@@ -12704,8 +12704,8 @@
         </p:blipFill>
         <p:spPr>
           <a:xfrm>
-            <a:off x="1743073" y="984088"/>
-            <a:ext cx="10191751" cy="2486891"/>
+            <a:off x="1743073" y="1001216"/>
+            <a:ext cx="10191752" cy="3074193"/>
           </a:xfrm>
           <a:prstGeom prst="rect">
             <a:avLst/>
@@ -12860,10 +12860,10 @@
       </p:sp>
       <p:pic>
         <p:nvPicPr>
-          <p:cNvPr id="7" name="Picture 6">
+          <p:cNvPr id="9" name="Picture 8">
             <a:extLst>
               <a:ext uri="{FF2B5EF4-FFF2-40B4-BE49-F238E27FC236}">
-                <a16:creationId xmlns:a16="http://schemas.microsoft.com/office/drawing/2014/main" id="{57503FE0-A948-4F49-9E47-AC721FA04B52}"/>
+                <a16:creationId xmlns:a16="http://schemas.microsoft.com/office/drawing/2014/main" id="{AEF61484-8C6C-48CD-8F92-DEA0A14D8893}"/>
               </a:ext>
             </a:extLst>
           </p:cNvPr>
@@ -12880,8 +12880,8 @@
         </p:blipFill>
         <p:spPr>
           <a:xfrm>
-            <a:off x="1733549" y="990600"/>
-            <a:ext cx="10267951" cy="1183571"/>
+            <a:off x="1730162" y="964732"/>
+            <a:ext cx="10253291" cy="1155826"/>
           </a:xfrm>
           <a:prstGeom prst="rect">
             <a:avLst/>
@@ -12890,10 +12890,10 @@
       </p:pic>
       <p:pic>
         <p:nvPicPr>
-          <p:cNvPr id="5" name="Picture 4">
+          <p:cNvPr id="11" name="Picture 10">
             <a:extLst>
               <a:ext uri="{FF2B5EF4-FFF2-40B4-BE49-F238E27FC236}">
-                <a16:creationId xmlns:a16="http://schemas.microsoft.com/office/drawing/2014/main" id="{0F693E60-E552-4315-8060-C5DB67201322}"/>
+                <a16:creationId xmlns:a16="http://schemas.microsoft.com/office/drawing/2014/main" id="{91918F61-EF65-4D0A-8289-378DF856767D}"/>
               </a:ext>
             </a:extLst>
           </p:cNvPr>
@@ -12910,8 +12910,8 @@
         </p:blipFill>
         <p:spPr>
           <a:xfrm>
-            <a:off x="1777436" y="2230944"/>
-            <a:ext cx="10132045" cy="1034522"/>
+            <a:off x="1762246" y="2139239"/>
+            <a:ext cx="10108912" cy="1143234"/>
           </a:xfrm>
           <a:prstGeom prst="rect">
             <a:avLst/>
@@ -13322,10 +13322,10 @@
       </p:pic>
       <p:pic>
         <p:nvPicPr>
-          <p:cNvPr id="5" name="Picture 4">
+          <p:cNvPr id="7" name="Picture 6">
             <a:extLst>
               <a:ext uri="{FF2B5EF4-FFF2-40B4-BE49-F238E27FC236}">
-                <a16:creationId xmlns:a16="http://schemas.microsoft.com/office/drawing/2014/main" id="{1EC6ED00-04A2-4715-A1E8-DF3E01E3B926}"/>
+                <a16:creationId xmlns:a16="http://schemas.microsoft.com/office/drawing/2014/main" id="{3369436B-555E-422B-AF34-2E8711A9B742}"/>
               </a:ext>
             </a:extLst>
           </p:cNvPr>
@@ -13342,8 +13342,8 @@
         </p:blipFill>
         <p:spPr>
           <a:xfrm>
-            <a:off x="1777436" y="2109788"/>
-            <a:ext cx="10132045" cy="1034522"/>
+            <a:off x="1762246" y="2139239"/>
+            <a:ext cx="10108912" cy="1143234"/>
           </a:xfrm>
           <a:prstGeom prst="rect">
             <a:avLst/>
@@ -13522,10 +13522,10 @@
       </p:sp>
       <p:grpSp>
         <p:nvGrpSpPr>
-          <p:cNvPr id="7" name="Group 6">
+          <p:cNvPr id="9" name="Group 8">
             <a:extLst>
               <a:ext uri="{FF2B5EF4-FFF2-40B4-BE49-F238E27FC236}">
-                <a16:creationId xmlns:a16="http://schemas.microsoft.com/office/drawing/2014/main" id="{768E0CFD-E009-41BA-846F-5B2B1716764A}"/>
+                <a16:creationId xmlns:a16="http://schemas.microsoft.com/office/drawing/2014/main" id="{4CF129BB-1423-411F-B52D-200A48781654}"/>
               </a:ext>
             </a:extLst>
           </p:cNvPr>
@@ -13540,72 +13540,136 @@
             <a:chExt cx="9093807" cy="4824000"/>
           </a:xfrm>
         </p:grpSpPr>
-        <p:pic>
-          <p:nvPicPr>
-            <p:cNvPr id="6" name="Picture 5" descr="Graphical user interface, text, application, email&#10;&#10;Description automatically generated">
+        <p:grpSp>
+          <p:nvGrpSpPr>
+            <p:cNvPr id="7" name="Group 6">
               <a:extLst>
                 <a:ext uri="{FF2B5EF4-FFF2-40B4-BE49-F238E27FC236}">
-                  <a16:creationId xmlns:a16="http://schemas.microsoft.com/office/drawing/2014/main" id="{4EF73A8D-8F20-4DF0-9DC9-D8CA03E8C910}"/>
+                  <a16:creationId xmlns:a16="http://schemas.microsoft.com/office/drawing/2014/main" id="{768E0CFD-E009-41BA-846F-5B2B1716764A}"/>
                 </a:ext>
               </a:extLst>
             </p:cNvPr>
-            <p:cNvPicPr>
-              <a:picLocks noChangeAspect="1"/>
-            </p:cNvPicPr>
+            <p:cNvGrpSpPr/>
             <p:nvPr/>
-          </p:nvPicPr>
-          <p:blipFill>
-            <a:blip r:embed="rId6">
-              <a:extLst>
-                <a:ext uri="{28A0092B-C50C-407E-A947-70E740481C1C}">
-                  <a14:useLocalDpi xmlns:a14="http://schemas.microsoft.com/office/drawing/2010/main" val="0"/>
-                </a:ext>
-              </a:extLst>
-            </a:blip>
-            <a:stretch>
-              <a:fillRect/>
-            </a:stretch>
-          </p:blipFill>
-          <p:spPr>
+          </p:nvGrpSpPr>
+          <p:grpSpPr>
             <a:xfrm>
               <a:off x="1894554" y="1158716"/>
               <a:ext cx="9093807" cy="4824000"/>
+              <a:chOff x="1894554" y="1158716"/>
+              <a:chExt cx="9093807" cy="4824000"/>
+            </a:xfrm>
+          </p:grpSpPr>
+          <p:pic>
+            <p:nvPicPr>
+              <p:cNvPr id="6" name="Picture 5" descr="Graphical user interface, text, application, email&#10;&#10;Description automatically generated">
+                <a:extLst>
+                  <a:ext uri="{FF2B5EF4-FFF2-40B4-BE49-F238E27FC236}">
+                    <a16:creationId xmlns:a16="http://schemas.microsoft.com/office/drawing/2014/main" id="{4EF73A8D-8F20-4DF0-9DC9-D8CA03E8C910}"/>
+                  </a:ext>
+                </a:extLst>
+              </p:cNvPr>
+              <p:cNvPicPr>
+                <a:picLocks noChangeAspect="1"/>
+              </p:cNvPicPr>
+              <p:nvPr/>
+            </p:nvPicPr>
+            <p:blipFill>
+              <a:blip r:embed="rId6">
+                <a:extLst>
+                  <a:ext uri="{28A0092B-C50C-407E-A947-70E740481C1C}">
+                    <a14:useLocalDpi xmlns:a14="http://schemas.microsoft.com/office/drawing/2010/main" val="0"/>
+                  </a:ext>
+                </a:extLst>
+              </a:blip>
+              <a:stretch>
+                <a:fillRect/>
+              </a:stretch>
+            </p:blipFill>
+            <p:spPr>
+              <a:xfrm>
+                <a:off x="1894554" y="1158716"/>
+                <a:ext cx="9093807" cy="4824000"/>
+              </a:xfrm>
+              <a:prstGeom prst="rect">
+                <a:avLst/>
+              </a:prstGeom>
+            </p:spPr>
+          </p:pic>
+          <p:pic>
+            <p:nvPicPr>
+              <p:cNvPr id="5" name="Picture 4">
+                <a:extLst>
+                  <a:ext uri="{FF2B5EF4-FFF2-40B4-BE49-F238E27FC236}">
+                    <a16:creationId xmlns:a16="http://schemas.microsoft.com/office/drawing/2014/main" id="{802AE75D-AF13-48B7-A60C-889FDD8D13AA}"/>
+                  </a:ext>
+                </a:extLst>
+              </p:cNvPr>
+              <p:cNvPicPr>
+                <a:picLocks noChangeAspect="1"/>
+              </p:cNvPicPr>
+              <p:nvPr/>
+            </p:nvPicPr>
+            <p:blipFill>
+              <a:blip r:embed="rId7"/>
+              <a:stretch>
+                <a:fillRect/>
+              </a:stretch>
+            </p:blipFill>
+            <p:spPr>
+              <a:xfrm>
+                <a:off x="1981201" y="1576938"/>
+                <a:ext cx="8934450" cy="1166269"/>
+              </a:xfrm>
+              <a:prstGeom prst="rect">
+                <a:avLst/>
+              </a:prstGeom>
+            </p:spPr>
+          </p:pic>
+        </p:grpSp>
+        <p:sp>
+          <p:nvSpPr>
+            <p:cNvPr id="8" name="TextBox 7">
+              <a:extLst>
+                <a:ext uri="{FF2B5EF4-FFF2-40B4-BE49-F238E27FC236}">
+                  <a16:creationId xmlns:a16="http://schemas.microsoft.com/office/drawing/2014/main" id="{09CEE16E-D2AE-4C5C-BE40-9EA9E214E451}"/>
+                </a:ext>
+              </a:extLst>
+            </p:cNvPr>
+            <p:cNvSpPr txBox="1"/>
+            <p:nvPr/>
+          </p:nvSpPr>
+          <p:spPr>
+            <a:xfrm>
+              <a:off x="9140257" y="2269958"/>
+              <a:ext cx="1170513" cy="261610"/>
             </a:xfrm>
             <a:prstGeom prst="rect">
               <a:avLst/>
             </a:prstGeom>
+            <a:solidFill>
+              <a:schemeClr val="bg1"/>
+            </a:solidFill>
           </p:spPr>
-        </p:pic>
-        <p:pic>
-          <p:nvPicPr>
-            <p:cNvPr id="5" name="Picture 4">
-              <a:extLst>
-                <a:ext uri="{FF2B5EF4-FFF2-40B4-BE49-F238E27FC236}">
-                  <a16:creationId xmlns:a16="http://schemas.microsoft.com/office/drawing/2014/main" id="{802AE75D-AF13-48B7-A60C-889FDD8D13AA}"/>
-                </a:ext>
-              </a:extLst>
-            </p:cNvPr>
-            <p:cNvPicPr>
-              <a:picLocks noChangeAspect="1"/>
-            </p:cNvPicPr>
-            <p:nvPr/>
-          </p:nvPicPr>
-          <p:blipFill>
-            <a:blip r:embed="rId7"/>
-            <a:stretch>
-              <a:fillRect/>
-            </a:stretch>
-          </p:blipFill>
-          <p:spPr>
-            <a:xfrm>
-              <a:off x="1981201" y="1576938"/>
-              <a:ext cx="8934450" cy="1166269"/>
-            </a:xfrm>
-            <a:prstGeom prst="rect">
-              <a:avLst/>
-            </a:prstGeom>
-          </p:spPr>
-        </p:pic>
+          <p:txBody>
+            <a:bodyPr wrap="none" rtlCol="0">
+              <a:spAutoFit/>
+            </a:bodyPr>
+            <a:lstStyle/>
+            <a:p>
+              <a:r>
+                <a:rPr lang="en-GB" sz="1050" dirty="0">
+                  <a:solidFill>
+                    <a:schemeClr val="bg1">
+                      <a:lumMod val="50000"/>
+                    </a:schemeClr>
+                  </a:solidFill>
+                </a:rPr>
+                <a:t>Blocked by Policy</a:t>
+              </a:r>
+            </a:p>
+          </p:txBody>
+        </p:sp>
       </p:grpSp>
     </p:spTree>
     <p:extLst>
@@ -16230,7 +16294,7 @@
           <a:graphicData uri="http://schemas.openxmlformats.org/presentationml/2006/ole">
             <mc:AlternateContent xmlns:mc="http://schemas.openxmlformats.org/markup-compatibility/2006">
               <mc:Choice xmlns:v="urn:schemas-microsoft-com:vml" Requires="v">
-                <p:oleObj spid="_x0000_s1060" name="Image" r:id="rId7" imgW="13599720" imgH="888840" progId="Photoshop.Image.13">
+                <p:oleObj spid="_x0000_s1070" name="Image" r:id="rId7" imgW="13599720" imgH="888840" progId="Photoshop.Image.13">
                   <p:embed/>
                 </p:oleObj>
               </mc:Choice>

--- a/design/wireframe.pptx
+++ b/design/wireframe.pptx
@@ -5,7 +5,7 @@
     <p:sldMasterId id="2147483648" r:id="rId1"/>
   </p:sldMasterIdLst>
   <p:notesMasterIdLst>
-    <p:notesMasterId r:id="rId23"/>
+    <p:notesMasterId r:id="rId24"/>
   </p:notesMasterIdLst>
   <p:sldIdLst>
     <p:sldId id="256" r:id="rId2"/>
@@ -15,20 +15,21 @@
     <p:sldId id="259" r:id="rId6"/>
     <p:sldId id="283" r:id="rId7"/>
     <p:sldId id="284" r:id="rId8"/>
-    <p:sldId id="260" r:id="rId9"/>
-    <p:sldId id="261" r:id="rId10"/>
-    <p:sldId id="262" r:id="rId11"/>
-    <p:sldId id="265" r:id="rId12"/>
-    <p:sldId id="278" r:id="rId13"/>
-    <p:sldId id="266" r:id="rId14"/>
-    <p:sldId id="277" r:id="rId15"/>
-    <p:sldId id="285" r:id="rId16"/>
-    <p:sldId id="286" r:id="rId17"/>
-    <p:sldId id="263" r:id="rId18"/>
-    <p:sldId id="268" r:id="rId19"/>
-    <p:sldId id="279" r:id="rId20"/>
-    <p:sldId id="280" r:id="rId21"/>
-    <p:sldId id="271" r:id="rId22"/>
+    <p:sldId id="287" r:id="rId9"/>
+    <p:sldId id="260" r:id="rId10"/>
+    <p:sldId id="261" r:id="rId11"/>
+    <p:sldId id="262" r:id="rId12"/>
+    <p:sldId id="265" r:id="rId13"/>
+    <p:sldId id="278" r:id="rId14"/>
+    <p:sldId id="266" r:id="rId15"/>
+    <p:sldId id="277" r:id="rId16"/>
+    <p:sldId id="285" r:id="rId17"/>
+    <p:sldId id="286" r:id="rId18"/>
+    <p:sldId id="263" r:id="rId19"/>
+    <p:sldId id="268" r:id="rId20"/>
+    <p:sldId id="279" r:id="rId21"/>
+    <p:sldId id="280" r:id="rId22"/>
+    <p:sldId id="271" r:id="rId23"/>
   </p:sldIdLst>
   <p:sldSz cx="12192000" cy="6858000"/>
   <p:notesSz cx="6858000" cy="9144000"/>
@@ -7090,7 +7091,7 @@
           <a:p>
             <a:fld id="{B7EBE38B-55AE-4351-BB05-58087A95BDC2}" type="datetimeFigureOut">
               <a:rPr lang="en-GB" smtClean="0"/>
-              <a:t>06/10/2020</a:t>
+              <a:t>07/10/2020</a:t>
             </a:fld>
             <a:endParaRPr lang="en-GB"/>
           </a:p>
@@ -7507,7 +7508,7 @@
           <a:p>
             <a:fld id="{624FC7A1-A2FE-47F2-A82A-8B79412D5120}" type="datetimeFigureOut">
               <a:rPr lang="en-GB" smtClean="0"/>
-              <a:t>06/10/2020</a:t>
+              <a:t>07/10/2020</a:t>
             </a:fld>
             <a:endParaRPr lang="en-GB"/>
           </a:p>
@@ -7707,7 +7708,7 @@
           <a:p>
             <a:fld id="{624FC7A1-A2FE-47F2-A82A-8B79412D5120}" type="datetimeFigureOut">
               <a:rPr lang="en-GB" smtClean="0"/>
-              <a:t>06/10/2020</a:t>
+              <a:t>07/10/2020</a:t>
             </a:fld>
             <a:endParaRPr lang="en-GB"/>
           </a:p>
@@ -7917,7 +7918,7 @@
           <a:p>
             <a:fld id="{624FC7A1-A2FE-47F2-A82A-8B79412D5120}" type="datetimeFigureOut">
               <a:rPr lang="en-GB" smtClean="0"/>
-              <a:t>06/10/2020</a:t>
+              <a:t>07/10/2020</a:t>
             </a:fld>
             <a:endParaRPr lang="en-GB"/>
           </a:p>
@@ -8117,7 +8118,7 @@
           <a:p>
             <a:fld id="{624FC7A1-A2FE-47F2-A82A-8B79412D5120}" type="datetimeFigureOut">
               <a:rPr lang="en-GB" smtClean="0"/>
-              <a:t>06/10/2020</a:t>
+              <a:t>07/10/2020</a:t>
             </a:fld>
             <a:endParaRPr lang="en-GB"/>
           </a:p>
@@ -8393,7 +8394,7 @@
           <a:p>
             <a:fld id="{624FC7A1-A2FE-47F2-A82A-8B79412D5120}" type="datetimeFigureOut">
               <a:rPr lang="en-GB" smtClean="0"/>
-              <a:t>06/10/2020</a:t>
+              <a:t>07/10/2020</a:t>
             </a:fld>
             <a:endParaRPr lang="en-GB"/>
           </a:p>
@@ -8661,7 +8662,7 @@
           <a:p>
             <a:fld id="{624FC7A1-A2FE-47F2-A82A-8B79412D5120}" type="datetimeFigureOut">
               <a:rPr lang="en-GB" smtClean="0"/>
-              <a:t>06/10/2020</a:t>
+              <a:t>07/10/2020</a:t>
             </a:fld>
             <a:endParaRPr lang="en-GB"/>
           </a:p>
@@ -9076,7 +9077,7 @@
           <a:p>
             <a:fld id="{624FC7A1-A2FE-47F2-A82A-8B79412D5120}" type="datetimeFigureOut">
               <a:rPr lang="en-GB" smtClean="0"/>
-              <a:t>06/10/2020</a:t>
+              <a:t>07/10/2020</a:t>
             </a:fld>
             <a:endParaRPr lang="en-GB"/>
           </a:p>
@@ -9218,7 +9219,7 @@
           <a:p>
             <a:fld id="{624FC7A1-A2FE-47F2-A82A-8B79412D5120}" type="datetimeFigureOut">
               <a:rPr lang="en-GB" smtClean="0"/>
-              <a:t>06/10/2020</a:t>
+              <a:t>07/10/2020</a:t>
             </a:fld>
             <a:endParaRPr lang="en-GB"/>
           </a:p>
@@ -9331,7 +9332,7 @@
           <a:p>
             <a:fld id="{624FC7A1-A2FE-47F2-A82A-8B79412D5120}" type="datetimeFigureOut">
               <a:rPr lang="en-GB" smtClean="0"/>
-              <a:t>06/10/2020</a:t>
+              <a:t>07/10/2020</a:t>
             </a:fld>
             <a:endParaRPr lang="en-GB"/>
           </a:p>
@@ -9644,7 +9645,7 @@
           <a:p>
             <a:fld id="{624FC7A1-A2FE-47F2-A82A-8B79412D5120}" type="datetimeFigureOut">
               <a:rPr lang="en-GB" smtClean="0"/>
-              <a:t>06/10/2020</a:t>
+              <a:t>07/10/2020</a:t>
             </a:fld>
             <a:endParaRPr lang="en-GB"/>
           </a:p>
@@ -9933,7 +9934,7 @@
           <a:p>
             <a:fld id="{624FC7A1-A2FE-47F2-A82A-8B79412D5120}" type="datetimeFigureOut">
               <a:rPr lang="en-GB" smtClean="0"/>
-              <a:t>06/10/2020</a:t>
+              <a:t>07/10/2020</a:t>
             </a:fld>
             <a:endParaRPr lang="en-GB"/>
           </a:p>
@@ -10176,7 +10177,7 @@
           <a:p>
             <a:fld id="{624FC7A1-A2FE-47F2-A82A-8B79412D5120}" type="datetimeFigureOut">
               <a:rPr lang="en-GB" smtClean="0"/>
-              <a:t>06/10/2020</a:t>
+              <a:t>07/10/2020</a:t>
             </a:fld>
             <a:endParaRPr lang="en-GB"/>
           </a:p>
@@ -11813,6 +11814,357 @@
           <a:chExt cx="0" cy="0"/>
         </a:xfrm>
       </p:grpSpPr>
+      <p:sp>
+        <p:nvSpPr>
+          <p:cNvPr id="8" name="Title 1">
+            <a:extLst>
+              <a:ext uri="{FF2B5EF4-FFF2-40B4-BE49-F238E27FC236}">
+                <a16:creationId xmlns:a16="http://schemas.microsoft.com/office/drawing/2014/main" id="{495F528B-8C71-4A5E-AC80-AB8789E96AA6}"/>
+              </a:ext>
+            </a:extLst>
+          </p:cNvPr>
+          <p:cNvSpPr>
+            <a:spLocks noGrp="1"/>
+          </p:cNvSpPr>
+          <p:nvPr>
+            <p:ph type="title"/>
+          </p:nvPr>
+        </p:nvSpPr>
+        <p:spPr>
+          <a:xfrm>
+            <a:off x="838200" y="88901"/>
+            <a:ext cx="10515600" cy="292099"/>
+          </a:xfrm>
+        </p:spPr>
+        <p:txBody>
+          <a:bodyPr>
+            <a:normAutofit fontScale="90000"/>
+          </a:bodyPr>
+          <a:lstStyle/>
+          <a:p>
+            <a:pPr algn="ctr"/>
+            <a:r>
+              <a:rPr lang="en-GB" sz="1800" b="1" dirty="0"/>
+              <a:t>3.2.2 – Policy Management – View a Previous Policy</a:t>
+            </a:r>
+          </a:p>
+        </p:txBody>
+      </p:sp>
+      <p:grpSp>
+        <p:nvGrpSpPr>
+          <p:cNvPr id="5" name="Group 4">
+            <a:extLst>
+              <a:ext uri="{FF2B5EF4-FFF2-40B4-BE49-F238E27FC236}">
+                <a16:creationId xmlns:a16="http://schemas.microsoft.com/office/drawing/2014/main" id="{35D48634-8846-4BBB-B002-5CDD0825C44D}"/>
+              </a:ext>
+            </a:extLst>
+          </p:cNvPr>
+          <p:cNvGrpSpPr/>
+          <p:nvPr/>
+        </p:nvGrpSpPr>
+        <p:grpSpPr>
+          <a:xfrm>
+            <a:off x="100529" y="467349"/>
+            <a:ext cx="11990941" cy="6285876"/>
+            <a:chOff x="100529" y="467349"/>
+            <a:chExt cx="11990941" cy="6285876"/>
+          </a:xfrm>
+        </p:grpSpPr>
+        <p:grpSp>
+          <p:nvGrpSpPr>
+            <p:cNvPr id="11" name="Group 10">
+              <a:extLst>
+                <a:ext uri="{FF2B5EF4-FFF2-40B4-BE49-F238E27FC236}">
+                  <a16:creationId xmlns:a16="http://schemas.microsoft.com/office/drawing/2014/main" id="{5CE6A3D1-4D2D-469E-9E23-0A85A1E51371}"/>
+                </a:ext>
+              </a:extLst>
+            </p:cNvPr>
+            <p:cNvGrpSpPr/>
+            <p:nvPr/>
+          </p:nvGrpSpPr>
+          <p:grpSpPr>
+            <a:xfrm>
+              <a:off x="100529" y="467349"/>
+              <a:ext cx="11990941" cy="6285876"/>
+              <a:chOff x="100529" y="467349"/>
+              <a:chExt cx="11990941" cy="6285876"/>
+            </a:xfrm>
+          </p:grpSpPr>
+          <p:pic>
+            <p:nvPicPr>
+              <p:cNvPr id="7" name="Picture 6">
+                <a:extLst>
+                  <a:ext uri="{FF2B5EF4-FFF2-40B4-BE49-F238E27FC236}">
+                    <a16:creationId xmlns:a16="http://schemas.microsoft.com/office/drawing/2014/main" id="{47FD72ED-E1B1-4062-9BF8-8A17BFD0E0B3}"/>
+                  </a:ext>
+                </a:extLst>
+              </p:cNvPr>
+              <p:cNvPicPr>
+                <a:picLocks noChangeAspect="1"/>
+              </p:cNvPicPr>
+              <p:nvPr/>
+            </p:nvPicPr>
+            <p:blipFill rotWithShape="1">
+              <a:blip r:embed="rId2">
+                <a:extLst>
+                  <a:ext uri="{BEBA8EAE-BF5A-486C-A8C5-ECC9F3942E4B}">
+                    <a14:imgProps xmlns:a14="http://schemas.microsoft.com/office/drawing/2010/main">
+                      <a14:imgLayer r:embed="rId3">
+                        <a14:imgEffect>
+                          <a14:artisticBlur/>
+                        </a14:imgEffect>
+                      </a14:imgLayer>
+                    </a14:imgProps>
+                  </a:ext>
+                </a:extLst>
+              </a:blip>
+              <a:srcRect t="6805"/>
+              <a:stretch/>
+            </p:blipFill>
+            <p:spPr>
+              <a:xfrm>
+                <a:off x="100529" y="467349"/>
+                <a:ext cx="11990941" cy="6285876"/>
+              </a:xfrm>
+              <a:prstGeom prst="rect">
+                <a:avLst/>
+              </a:prstGeom>
+            </p:spPr>
+          </p:pic>
+          <p:pic>
+            <p:nvPicPr>
+              <p:cNvPr id="10" name="Picture 9">
+                <a:extLst>
+                  <a:ext uri="{FF2B5EF4-FFF2-40B4-BE49-F238E27FC236}">
+                    <a16:creationId xmlns:a16="http://schemas.microsoft.com/office/drawing/2014/main" id="{8A8FE4EA-7640-4AEC-AA6A-143865BB0F0D}"/>
+                  </a:ext>
+                </a:extLst>
+              </p:cNvPr>
+              <p:cNvPicPr>
+                <a:picLocks noChangeAspect="1"/>
+              </p:cNvPicPr>
+              <p:nvPr/>
+            </p:nvPicPr>
+            <p:blipFill>
+              <a:blip r:embed="rId4">
+                <a:extLst>
+                  <a:ext uri="{BEBA8EAE-BF5A-486C-A8C5-ECC9F3942E4B}">
+                    <a14:imgProps xmlns:a14="http://schemas.microsoft.com/office/drawing/2010/main">
+                      <a14:imgLayer r:embed="rId5">
+                        <a14:imgEffect>
+                          <a14:artisticBlur/>
+                        </a14:imgEffect>
+                      </a14:imgLayer>
+                    </a14:imgProps>
+                  </a:ext>
+                </a:extLst>
+              </a:blip>
+              <a:stretch>
+                <a:fillRect/>
+              </a:stretch>
+            </p:blipFill>
+            <p:spPr>
+              <a:xfrm>
+                <a:off x="1730376" y="498278"/>
+                <a:ext cx="4651374" cy="263184"/>
+              </a:xfrm>
+              <a:prstGeom prst="rect">
+                <a:avLst/>
+              </a:prstGeom>
+            </p:spPr>
+          </p:pic>
+        </p:grpSp>
+        <p:pic>
+          <p:nvPicPr>
+            <p:cNvPr id="13" name="Picture 12">
+              <a:extLst>
+                <a:ext uri="{FF2B5EF4-FFF2-40B4-BE49-F238E27FC236}">
+                  <a16:creationId xmlns:a16="http://schemas.microsoft.com/office/drawing/2014/main" id="{BD711627-7BE6-4D33-B895-A94CB02087B8}"/>
+                </a:ext>
+              </a:extLst>
+            </p:cNvPr>
+            <p:cNvPicPr>
+              <a:picLocks noChangeAspect="1"/>
+            </p:cNvPicPr>
+            <p:nvPr/>
+          </p:nvPicPr>
+          <p:blipFill>
+            <a:blip r:embed="rId6">
+              <a:extLst>
+                <a:ext uri="{BEBA8EAE-BF5A-486C-A8C5-ECC9F3942E4B}">
+                  <a14:imgProps xmlns:a14="http://schemas.microsoft.com/office/drawing/2010/main">
+                    <a14:imgLayer r:embed="rId7">
+                      <a14:imgEffect>
+                        <a14:artisticBlur/>
+                      </a14:imgEffect>
+                    </a14:imgLayer>
+                  </a14:imgProps>
+                </a:ext>
+              </a:extLst>
+            </a:blip>
+            <a:stretch>
+              <a:fillRect/>
+            </a:stretch>
+          </p:blipFill>
+          <p:spPr>
+            <a:xfrm>
+              <a:off x="1847849" y="997822"/>
+              <a:ext cx="9912923" cy="850028"/>
+            </a:xfrm>
+            <a:prstGeom prst="rect">
+              <a:avLst/>
+            </a:prstGeom>
+          </p:spPr>
+        </p:pic>
+      </p:grpSp>
+      <p:pic>
+        <p:nvPicPr>
+          <p:cNvPr id="3" name="Picture 2">
+            <a:extLst>
+              <a:ext uri="{FF2B5EF4-FFF2-40B4-BE49-F238E27FC236}">
+                <a16:creationId xmlns:a16="http://schemas.microsoft.com/office/drawing/2014/main" id="{216E7151-AA3F-4CD5-9AD6-8E6CD2142DB8}"/>
+              </a:ext>
+            </a:extLst>
+          </p:cNvPr>
+          <p:cNvPicPr>
+            <a:picLocks noChangeAspect="1"/>
+          </p:cNvPicPr>
+          <p:nvPr/>
+        </p:nvPicPr>
+        <p:blipFill rotWithShape="1">
+          <a:blip r:embed="rId8"/>
+          <a:srcRect l="-1" r="105" b="539"/>
+          <a:stretch/>
+        </p:blipFill>
+        <p:spPr>
+          <a:xfrm>
+            <a:off x="740367" y="691886"/>
+            <a:ext cx="11075396" cy="5572556"/>
+          </a:xfrm>
+          <a:prstGeom prst="rect">
+            <a:avLst/>
+          </a:prstGeom>
+        </p:spPr>
+      </p:pic>
+      <p:pic>
+        <p:nvPicPr>
+          <p:cNvPr id="15" name="Picture 14">
+            <a:extLst>
+              <a:ext uri="{FF2B5EF4-FFF2-40B4-BE49-F238E27FC236}">
+                <a16:creationId xmlns:a16="http://schemas.microsoft.com/office/drawing/2014/main" id="{933DABF2-A392-4295-A66B-399F545E6379}"/>
+              </a:ext>
+            </a:extLst>
+          </p:cNvPr>
+          <p:cNvPicPr>
+            <a:picLocks noChangeAspect="1"/>
+          </p:cNvPicPr>
+          <p:nvPr/>
+        </p:nvPicPr>
+        <p:blipFill rotWithShape="1">
+          <a:blip r:embed="rId9"/>
+          <a:srcRect b="32979"/>
+          <a:stretch/>
+        </p:blipFill>
+        <p:spPr>
+          <a:xfrm>
+            <a:off x="907194" y="5038817"/>
+            <a:ext cx="10629168" cy="1225626"/>
+          </a:xfrm>
+          <a:prstGeom prst="rect">
+            <a:avLst/>
+          </a:prstGeom>
+        </p:spPr>
+      </p:pic>
+      <p:pic>
+        <p:nvPicPr>
+          <p:cNvPr id="6" name="Picture 5">
+            <a:extLst>
+              <a:ext uri="{FF2B5EF4-FFF2-40B4-BE49-F238E27FC236}">
+                <a16:creationId xmlns:a16="http://schemas.microsoft.com/office/drawing/2014/main" id="{64AE3537-2E03-47C8-8B58-ED1DDBCDE599}"/>
+              </a:ext>
+            </a:extLst>
+          </p:cNvPr>
+          <p:cNvPicPr>
+            <a:picLocks noChangeAspect="1"/>
+          </p:cNvPicPr>
+          <p:nvPr/>
+        </p:nvPicPr>
+        <p:blipFill>
+          <a:blip r:embed="rId10"/>
+          <a:stretch>
+            <a:fillRect/>
+          </a:stretch>
+        </p:blipFill>
+        <p:spPr>
+          <a:xfrm>
+            <a:off x="852203" y="1067398"/>
+            <a:ext cx="10629167" cy="3871882"/>
+          </a:xfrm>
+          <a:prstGeom prst="rect">
+            <a:avLst/>
+          </a:prstGeom>
+        </p:spPr>
+      </p:pic>
+      <p:pic>
+        <p:nvPicPr>
+          <p:cNvPr id="2" name="Picture 1">
+            <a:extLst>
+              <a:ext uri="{FF2B5EF4-FFF2-40B4-BE49-F238E27FC236}">
+                <a16:creationId xmlns:a16="http://schemas.microsoft.com/office/drawing/2014/main" id="{E4CBED24-4A9F-42E3-8AB8-C049BB398F40}"/>
+              </a:ext>
+            </a:extLst>
+          </p:cNvPr>
+          <p:cNvPicPr>
+            <a:picLocks noChangeAspect="1"/>
+          </p:cNvPicPr>
+          <p:nvPr/>
+        </p:nvPicPr>
+        <p:blipFill>
+          <a:blip r:embed="rId11"/>
+          <a:stretch>
+            <a:fillRect/>
+          </a:stretch>
+        </p:blipFill>
+        <p:spPr>
+          <a:xfrm>
+            <a:off x="1394259" y="1488884"/>
+            <a:ext cx="9545053" cy="3260170"/>
+          </a:xfrm>
+          <a:prstGeom prst="rect">
+            <a:avLst/>
+          </a:prstGeom>
+        </p:spPr>
+      </p:pic>
+    </p:spTree>
+    <p:extLst>
+      <p:ext uri="{BB962C8B-B14F-4D97-AF65-F5344CB8AC3E}">
+        <p14:creationId xmlns:p14="http://schemas.microsoft.com/office/powerpoint/2010/main" val="3349736007"/>
+      </p:ext>
+    </p:extLst>
+  </p:cSld>
+  <p:clrMapOvr>
+    <a:masterClrMapping/>
+  </p:clrMapOvr>
+</p:sld>
+</file>
+
+<file path=ppt/slides/slide11.xml><?xml version="1.0" encoding="utf-8"?>
+<p:sld xmlns:a="http://schemas.openxmlformats.org/drawingml/2006/main" xmlns:r="http://schemas.openxmlformats.org/officeDocument/2006/relationships" xmlns:p="http://schemas.openxmlformats.org/presentationml/2006/main">
+  <p:cSld>
+    <p:spTree>
+      <p:nvGrpSpPr>
+        <p:cNvPr id="1" name=""/>
+        <p:cNvGrpSpPr/>
+        <p:nvPr/>
+      </p:nvGrpSpPr>
+      <p:grpSpPr>
+        <a:xfrm>
+          <a:off x="0" y="0"/>
+          <a:ext cx="0" cy="0"/>
+          <a:chOff x="0" y="0"/>
+          <a:chExt cx="0" cy="0"/>
+        </a:xfrm>
+      </p:grpSpPr>
       <p:grpSp>
         <p:nvGrpSpPr>
           <p:cNvPr id="6" name="Group 5">
@@ -12002,7 +12354,7 @@
 </p:sld>
 </file>
 
-<file path=ppt/slides/slide11.xml><?xml version="1.0" encoding="utf-8"?>
+<file path=ppt/slides/slide12.xml><?xml version="1.0" encoding="utf-8"?>
 <p:sld xmlns:a="http://schemas.openxmlformats.org/drawingml/2006/main" xmlns:r="http://schemas.openxmlformats.org/officeDocument/2006/relationships" xmlns:p="http://schemas.openxmlformats.org/presentationml/2006/main">
   <p:cSld>
     <p:spTree>
@@ -12311,7 +12663,7 @@
 </p:sld>
 </file>
 
-<file path=ppt/slides/slide12.xml><?xml version="1.0" encoding="utf-8"?>
+<file path=ppt/slides/slide13.xml><?xml version="1.0" encoding="utf-8"?>
 <p:sld xmlns:a="http://schemas.openxmlformats.org/drawingml/2006/main" xmlns:r="http://schemas.openxmlformats.org/officeDocument/2006/relationships" xmlns:p="http://schemas.openxmlformats.org/presentationml/2006/main">
   <p:cSld>
     <p:spTree>
@@ -12517,7 +12869,7 @@
 </p:sld>
 </file>
 
-<file path=ppt/slides/slide13.xml><?xml version="1.0" encoding="utf-8"?>
+<file path=ppt/slides/slide14.xml><?xml version="1.0" encoding="utf-8"?>
 <p:sld xmlns:a="http://schemas.openxmlformats.org/drawingml/2006/main" xmlns:r="http://schemas.openxmlformats.org/officeDocument/2006/relationships" xmlns:p="http://schemas.openxmlformats.org/presentationml/2006/main">
   <p:cSld>
     <p:spTree>
@@ -12725,7 +13077,7 @@
 </p:sld>
 </file>
 
-<file path=ppt/slides/slide14.xml><?xml version="1.0" encoding="utf-8"?>
+<file path=ppt/slides/slide15.xml><?xml version="1.0" encoding="utf-8"?>
 <p:sld xmlns:a="http://schemas.openxmlformats.org/drawingml/2006/main" xmlns:r="http://schemas.openxmlformats.org/officeDocument/2006/relationships" xmlns:p="http://schemas.openxmlformats.org/presentationml/2006/main">
   <p:cSld>
     <p:spTree>
@@ -12931,7 +13283,7 @@
 </p:sld>
 </file>
 
-<file path=ppt/slides/slide15.xml><?xml version="1.0" encoding="utf-8"?>
+<file path=ppt/slides/slide16.xml><?xml version="1.0" encoding="utf-8"?>
 <p:sld xmlns:a="http://schemas.openxmlformats.org/drawingml/2006/main" xmlns:r="http://schemas.openxmlformats.org/officeDocument/2006/relationships" xmlns:p="http://schemas.openxmlformats.org/presentationml/2006/main">
   <p:cSld>
     <p:spTree>
@@ -13158,7 +13510,7 @@
 </p:sld>
 </file>
 
-<file path=ppt/slides/slide16.xml><?xml version="1.0" encoding="utf-8"?>
+<file path=ppt/slides/slide17.xml><?xml version="1.0" encoding="utf-8"?>
 <p:sld xmlns:a="http://schemas.openxmlformats.org/drawingml/2006/main" xmlns:r="http://schemas.openxmlformats.org/officeDocument/2006/relationships" xmlns:p="http://schemas.openxmlformats.org/presentationml/2006/main">
   <p:cSld>
     <p:spTree>
@@ -13363,7 +13715,7 @@
 </p:sld>
 </file>
 
-<file path=ppt/slides/slide17.xml><?xml version="1.0" encoding="utf-8"?>
+<file path=ppt/slides/slide18.xml><?xml version="1.0" encoding="utf-8"?>
 <p:sld xmlns:a="http://schemas.openxmlformats.org/drawingml/2006/main" xmlns:r="http://schemas.openxmlformats.org/officeDocument/2006/relationships" xmlns:p="http://schemas.openxmlformats.org/presentationml/2006/main">
   <p:cSld>
     <p:spTree>
@@ -13684,7 +14036,7 @@
 </p:sld>
 </file>
 
-<file path=ppt/slides/slide18.xml><?xml version="1.0" encoding="utf-8"?>
+<file path=ppt/slides/slide19.xml><?xml version="1.0" encoding="utf-8"?>
 <p:sld xmlns:a="http://schemas.openxmlformats.org/drawingml/2006/main" xmlns:r="http://schemas.openxmlformats.org/officeDocument/2006/relationships" xmlns:p="http://schemas.openxmlformats.org/presentationml/2006/main">
   <p:cSld>
     <p:spTree>
@@ -13889,7 +14241,7 @@
         </p:blipFill>
         <p:spPr>
           <a:xfrm>
-            <a:off x="4695786" y="1501422"/>
+            <a:off x="2249365" y="1629759"/>
             <a:ext cx="4032933" cy="4466793"/>
           </a:xfrm>
           <a:prstGeom prst="rect">
@@ -13904,6 +14256,70 @@
           </a:effectLst>
         </p:spPr>
       </p:pic>
+      <p:sp>
+        <p:nvSpPr>
+          <p:cNvPr id="2" name="TextBox 1">
+            <a:extLst>
+              <a:ext uri="{FF2B5EF4-FFF2-40B4-BE49-F238E27FC236}">
+                <a16:creationId xmlns:a16="http://schemas.microsoft.com/office/drawing/2014/main" id="{93A9D849-EA27-4C19-8EE6-1C4B857E5C92}"/>
+              </a:ext>
+            </a:extLst>
+          </p:cNvPr>
+          <p:cNvSpPr txBox="1"/>
+          <p:nvPr/>
+        </p:nvSpPr>
+        <p:spPr>
+          <a:xfrm>
+            <a:off x="7496601" y="3413032"/>
+            <a:ext cx="2786388" cy="900246"/>
+          </a:xfrm>
+          <a:prstGeom prst="rect">
+            <a:avLst/>
+          </a:prstGeom>
+          <a:solidFill>
+            <a:schemeClr val="bg1"/>
+          </a:solidFill>
+        </p:spPr>
+        <p:txBody>
+          <a:bodyPr wrap="square" rtlCol="0">
+            <a:spAutoFit/>
+          </a:bodyPr>
+          <a:lstStyle/>
+          <a:p>
+            <a:r>
+              <a:rPr lang="en-GB" sz="1050" dirty="0">
+                <a:solidFill>
+                  <a:schemeClr val="bg1">
+                    <a:lumMod val="50000"/>
+                  </a:schemeClr>
+                </a:solidFill>
+              </a:rPr>
+              <a:t>Once the file has been uploaded, it is passed through the Analysis API of the Glasswall</a:t>
+            </a:r>
+          </a:p>
+          <a:p>
+            <a:r>
+              <a:rPr lang="en-GB" sz="1050" dirty="0">
+                <a:solidFill>
+                  <a:schemeClr val="bg1">
+                    <a:lumMod val="50000"/>
+                  </a:schemeClr>
+                </a:solidFill>
+              </a:rPr>
+              <a:t>SDK. The applied content management policy has all content flags set to ‘Sanitise’.</a:t>
+            </a:r>
+          </a:p>
+          <a:p>
+            <a:endParaRPr lang="en-GB" sz="1050" dirty="0">
+              <a:solidFill>
+                <a:schemeClr val="bg1">
+                  <a:lumMod val="50000"/>
+                </a:schemeClr>
+              </a:solidFill>
+            </a:endParaRPr>
+          </a:p>
+        </p:txBody>
+      </p:sp>
     </p:spTree>
     <p:extLst>
       <p:ext uri="{BB962C8B-B14F-4D97-AF65-F5344CB8AC3E}">
@@ -13917,7 +14333,358 @@
 </p:sld>
 </file>
 
-<file path=ppt/slides/slide19.xml><?xml version="1.0" encoding="utf-8"?>
+<file path=ppt/slides/slide2.xml><?xml version="1.0" encoding="utf-8"?>
+<p:sld xmlns:a="http://schemas.openxmlformats.org/drawingml/2006/main" xmlns:r="http://schemas.openxmlformats.org/officeDocument/2006/relationships" xmlns:p="http://schemas.openxmlformats.org/presentationml/2006/main">
+  <p:cSld>
+    <p:spTree>
+      <p:nvGrpSpPr>
+        <p:cNvPr id="1" name=""/>
+        <p:cNvGrpSpPr/>
+        <p:nvPr/>
+      </p:nvGrpSpPr>
+      <p:grpSpPr>
+        <a:xfrm>
+          <a:off x="0" y="0"/>
+          <a:ext cx="0" cy="0"/>
+          <a:chOff x="0" y="0"/>
+          <a:chExt cx="0" cy="0"/>
+        </a:xfrm>
+      </p:grpSpPr>
+      <p:grpSp>
+        <p:nvGrpSpPr>
+          <p:cNvPr id="5" name="Group 4">
+            <a:extLst>
+              <a:ext uri="{FF2B5EF4-FFF2-40B4-BE49-F238E27FC236}">
+                <a16:creationId xmlns:a16="http://schemas.microsoft.com/office/drawing/2014/main" id="{90B661F0-1C3E-4DF9-8667-D7DCCEB97928}"/>
+              </a:ext>
+            </a:extLst>
+          </p:cNvPr>
+          <p:cNvGrpSpPr/>
+          <p:nvPr/>
+        </p:nvGrpSpPr>
+        <p:grpSpPr>
+          <a:xfrm>
+            <a:off x="132559" y="380999"/>
+            <a:ext cx="11926881" cy="6284620"/>
+            <a:chOff x="132559" y="380999"/>
+            <a:chExt cx="11926881" cy="6284620"/>
+          </a:xfrm>
+        </p:grpSpPr>
+        <p:pic>
+          <p:nvPicPr>
+            <p:cNvPr id="11" name="Picture 10">
+              <a:extLst>
+                <a:ext uri="{FF2B5EF4-FFF2-40B4-BE49-F238E27FC236}">
+                  <a16:creationId xmlns:a16="http://schemas.microsoft.com/office/drawing/2014/main" id="{D1714B7C-7372-4342-AB3E-29E3F2FC307A}"/>
+                </a:ext>
+              </a:extLst>
+            </p:cNvPr>
+            <p:cNvPicPr>
+              <a:picLocks noChangeAspect="1"/>
+            </p:cNvPicPr>
+            <p:nvPr/>
+          </p:nvPicPr>
+          <p:blipFill rotWithShape="1">
+            <a:blip r:embed="rId2"/>
+            <a:srcRect t="6323"/>
+            <a:stretch/>
+          </p:blipFill>
+          <p:spPr>
+            <a:xfrm>
+              <a:off x="132559" y="381000"/>
+              <a:ext cx="11926881" cy="6284619"/>
+            </a:xfrm>
+            <a:prstGeom prst="rect">
+              <a:avLst/>
+            </a:prstGeom>
+          </p:spPr>
+        </p:pic>
+        <p:pic>
+          <p:nvPicPr>
+            <p:cNvPr id="4" name="Picture 3">
+              <a:extLst>
+                <a:ext uri="{FF2B5EF4-FFF2-40B4-BE49-F238E27FC236}">
+                  <a16:creationId xmlns:a16="http://schemas.microsoft.com/office/drawing/2014/main" id="{7789D4B5-282B-42C2-AC42-5BCA86C041BF}"/>
+                </a:ext>
+              </a:extLst>
+            </p:cNvPr>
+            <p:cNvPicPr>
+              <a:picLocks noChangeAspect="1"/>
+            </p:cNvPicPr>
+            <p:nvPr/>
+          </p:nvPicPr>
+          <p:blipFill>
+            <a:blip r:embed="rId3"/>
+            <a:stretch>
+              <a:fillRect/>
+            </a:stretch>
+          </p:blipFill>
+          <p:spPr>
+            <a:xfrm>
+              <a:off x="132560" y="380999"/>
+              <a:ext cx="1498114" cy="6284620"/>
+            </a:xfrm>
+            <a:prstGeom prst="rect">
+              <a:avLst/>
+            </a:prstGeom>
+          </p:spPr>
+        </p:pic>
+      </p:grpSp>
+      <p:pic>
+        <p:nvPicPr>
+          <p:cNvPr id="15" name="Picture 14">
+            <a:extLst>
+              <a:ext uri="{FF2B5EF4-FFF2-40B4-BE49-F238E27FC236}">
+                <a16:creationId xmlns:a16="http://schemas.microsoft.com/office/drawing/2014/main" id="{4BE2D429-E650-4089-B5BB-D9531764BDBF}"/>
+              </a:ext>
+            </a:extLst>
+          </p:cNvPr>
+          <p:cNvPicPr>
+            <a:picLocks noChangeAspect="1"/>
+          </p:cNvPicPr>
+          <p:nvPr/>
+        </p:nvPicPr>
+        <p:blipFill rotWithShape="1">
+          <a:blip r:embed="rId4"/>
+          <a:srcRect l="1912" t="3131" r="2194" b="3129"/>
+          <a:stretch/>
+        </p:blipFill>
+        <p:spPr>
+          <a:xfrm>
+            <a:off x="1752478" y="865414"/>
+            <a:ext cx="10191871" cy="5664059"/>
+          </a:xfrm>
+          <a:prstGeom prst="rect">
+            <a:avLst/>
+          </a:prstGeom>
+        </p:spPr>
+      </p:pic>
+      <p:sp>
+        <p:nvSpPr>
+          <p:cNvPr id="2" name="Title 1">
+            <a:extLst>
+              <a:ext uri="{FF2B5EF4-FFF2-40B4-BE49-F238E27FC236}">
+                <a16:creationId xmlns:a16="http://schemas.microsoft.com/office/drawing/2014/main" id="{68E1338A-396C-4358-8642-6941DC0A23FD}"/>
+              </a:ext>
+            </a:extLst>
+          </p:cNvPr>
+          <p:cNvSpPr>
+            <a:spLocks noGrp="1"/>
+          </p:cNvSpPr>
+          <p:nvPr>
+            <p:ph type="title"/>
+          </p:nvPr>
+        </p:nvSpPr>
+        <p:spPr>
+          <a:xfrm>
+            <a:off x="838200" y="88901"/>
+            <a:ext cx="10515600" cy="292099"/>
+          </a:xfrm>
+        </p:spPr>
+        <p:txBody>
+          <a:bodyPr>
+            <a:normAutofit fontScale="90000"/>
+          </a:bodyPr>
+          <a:lstStyle/>
+          <a:p>
+            <a:pPr algn="ctr"/>
+            <a:r>
+              <a:rPr lang="en-GB" sz="1800" b="1" dirty="0"/>
+              <a:t>3.2.1 – Performance Display</a:t>
+            </a:r>
+          </a:p>
+        </p:txBody>
+      </p:sp>
+      <p:graphicFrame>
+        <p:nvGraphicFramePr>
+          <p:cNvPr id="12" name="Chart 11">
+            <a:extLst>
+              <a:ext uri="{FF2B5EF4-FFF2-40B4-BE49-F238E27FC236}">
+                <a16:creationId xmlns:a16="http://schemas.microsoft.com/office/drawing/2014/main" id="{2035DAC9-9AAD-4F72-A9CB-571CB7707E89}"/>
+              </a:ext>
+            </a:extLst>
+          </p:cNvPr>
+          <p:cNvGraphicFramePr/>
+          <p:nvPr>
+            <p:extLst>
+              <p:ext uri="{D42A27DB-BD31-4B8C-83A1-F6EECF244321}">
+                <p14:modId xmlns:p14="http://schemas.microsoft.com/office/powerpoint/2010/main" val="2276952693"/>
+              </p:ext>
+            </p:extLst>
+          </p:nvPr>
+        </p:nvGraphicFramePr>
+        <p:xfrm>
+          <a:off x="7287020" y="1633074"/>
+          <a:ext cx="3533775" cy="2416126"/>
+        </p:xfrm>
+        <a:graphic>
+          <a:graphicData uri="http://schemas.openxmlformats.org/drawingml/2006/chart">
+            <c:chart xmlns:c="http://schemas.openxmlformats.org/drawingml/2006/chart" xmlns:r="http://schemas.openxmlformats.org/officeDocument/2006/relationships" r:id="rId5"/>
+          </a:graphicData>
+        </a:graphic>
+      </p:graphicFrame>
+      <p:graphicFrame>
+        <p:nvGraphicFramePr>
+          <p:cNvPr id="22" name="Chart 21">
+            <a:extLst>
+              <a:ext uri="{FF2B5EF4-FFF2-40B4-BE49-F238E27FC236}">
+                <a16:creationId xmlns:a16="http://schemas.microsoft.com/office/drawing/2014/main" id="{C8329CD2-8A18-42AD-AD5A-CC3B77EE5C1B}"/>
+              </a:ext>
+            </a:extLst>
+          </p:cNvPr>
+          <p:cNvGraphicFramePr/>
+          <p:nvPr>
+            <p:extLst>
+              <p:ext uri="{D42A27DB-BD31-4B8C-83A1-F6EECF244321}">
+                <p14:modId xmlns:p14="http://schemas.microsoft.com/office/powerpoint/2010/main" val="1282408924"/>
+              </p:ext>
+            </p:extLst>
+          </p:nvPr>
+        </p:nvGraphicFramePr>
+        <p:xfrm>
+          <a:off x="1990725" y="3694271"/>
+          <a:ext cx="9363075" cy="2672106"/>
+        </p:xfrm>
+        <a:graphic>
+          <a:graphicData uri="http://schemas.openxmlformats.org/drawingml/2006/chart">
+            <c:chart xmlns:c="http://schemas.openxmlformats.org/drawingml/2006/chart" xmlns:r="http://schemas.openxmlformats.org/officeDocument/2006/relationships" r:id="rId6"/>
+          </a:graphicData>
+        </a:graphic>
+      </p:graphicFrame>
+      <p:pic>
+        <p:nvPicPr>
+          <p:cNvPr id="24" name="Picture 23">
+            <a:extLst>
+              <a:ext uri="{FF2B5EF4-FFF2-40B4-BE49-F238E27FC236}">
+                <a16:creationId xmlns:a16="http://schemas.microsoft.com/office/drawing/2014/main" id="{CE5E92F0-CFAF-40A1-A87A-E0FF75D95BDF}"/>
+              </a:ext>
+            </a:extLst>
+          </p:cNvPr>
+          <p:cNvPicPr>
+            <a:picLocks noChangeAspect="1"/>
+          </p:cNvPicPr>
+          <p:nvPr/>
+        </p:nvPicPr>
+        <p:blipFill>
+          <a:blip r:embed="rId7"/>
+          <a:stretch>
+            <a:fillRect/>
+          </a:stretch>
+        </p:blipFill>
+        <p:spPr>
+          <a:xfrm>
+            <a:off x="1990725" y="2086295"/>
+            <a:ext cx="2095201" cy="711007"/>
+          </a:xfrm>
+          <a:prstGeom prst="rect">
+            <a:avLst/>
+          </a:prstGeom>
+        </p:spPr>
+      </p:pic>
+      <p:pic>
+        <p:nvPicPr>
+          <p:cNvPr id="17" name="Picture 16">
+            <a:extLst>
+              <a:ext uri="{FF2B5EF4-FFF2-40B4-BE49-F238E27FC236}">
+                <a16:creationId xmlns:a16="http://schemas.microsoft.com/office/drawing/2014/main" id="{A486CF6C-4CE7-4291-8C86-F28424C066F7}"/>
+              </a:ext>
+            </a:extLst>
+          </p:cNvPr>
+          <p:cNvPicPr>
+            <a:picLocks noChangeAspect="1"/>
+          </p:cNvPicPr>
+          <p:nvPr/>
+        </p:nvPicPr>
+        <p:blipFill>
+          <a:blip r:embed="rId8"/>
+          <a:stretch>
+            <a:fillRect/>
+          </a:stretch>
+        </p:blipFill>
+        <p:spPr>
+          <a:xfrm>
+            <a:off x="4467225" y="2086295"/>
+            <a:ext cx="2095201" cy="685973"/>
+          </a:xfrm>
+          <a:prstGeom prst="rect">
+            <a:avLst/>
+          </a:prstGeom>
+        </p:spPr>
+      </p:pic>
+      <p:pic>
+        <p:nvPicPr>
+          <p:cNvPr id="28" name="Picture 27">
+            <a:extLst>
+              <a:ext uri="{FF2B5EF4-FFF2-40B4-BE49-F238E27FC236}">
+                <a16:creationId xmlns:a16="http://schemas.microsoft.com/office/drawing/2014/main" id="{8AE26CE1-9386-4123-BC81-EEAFDCA78E71}"/>
+              </a:ext>
+            </a:extLst>
+          </p:cNvPr>
+          <p:cNvPicPr>
+            <a:picLocks noChangeAspect="1"/>
+          </p:cNvPicPr>
+          <p:nvPr/>
+        </p:nvPicPr>
+        <p:blipFill>
+          <a:blip r:embed="rId9"/>
+          <a:stretch>
+            <a:fillRect/>
+          </a:stretch>
+        </p:blipFill>
+        <p:spPr>
+          <a:xfrm>
+            <a:off x="1733550" y="1256206"/>
+            <a:ext cx="10210799" cy="333755"/>
+          </a:xfrm>
+          <a:prstGeom prst="rect">
+            <a:avLst/>
+          </a:prstGeom>
+        </p:spPr>
+      </p:pic>
+      <p:pic>
+        <p:nvPicPr>
+          <p:cNvPr id="6" name="Picture 5">
+            <a:extLst>
+              <a:ext uri="{FF2B5EF4-FFF2-40B4-BE49-F238E27FC236}">
+                <a16:creationId xmlns:a16="http://schemas.microsoft.com/office/drawing/2014/main" id="{31CFDC6B-6AB6-4CD7-A345-DC35ED1F7FF2}"/>
+              </a:ext>
+            </a:extLst>
+          </p:cNvPr>
+          <p:cNvPicPr>
+            <a:picLocks noChangeAspect="1"/>
+          </p:cNvPicPr>
+          <p:nvPr/>
+        </p:nvPicPr>
+        <p:blipFill>
+          <a:blip r:embed="rId10"/>
+          <a:stretch>
+            <a:fillRect/>
+          </a:stretch>
+        </p:blipFill>
+        <p:spPr>
+          <a:xfrm>
+            <a:off x="2953249" y="2944888"/>
+            <a:ext cx="2621381" cy="845853"/>
+          </a:xfrm>
+          <a:prstGeom prst="rect">
+            <a:avLst/>
+          </a:prstGeom>
+        </p:spPr>
+      </p:pic>
+    </p:spTree>
+    <p:extLst>
+      <p:ext uri="{BB962C8B-B14F-4D97-AF65-F5344CB8AC3E}">
+        <p14:creationId xmlns:p14="http://schemas.microsoft.com/office/powerpoint/2010/main" val="3384355084"/>
+      </p:ext>
+    </p:extLst>
+  </p:cSld>
+  <p:clrMapOvr>
+    <a:masterClrMapping/>
+  </p:clrMapOvr>
+</p:sld>
+</file>
+
+<file path=ppt/slides/slide20.xml><?xml version="1.0" encoding="utf-8"?>
 <p:sld xmlns:a="http://schemas.openxmlformats.org/drawingml/2006/main" xmlns:r="http://schemas.openxmlformats.org/officeDocument/2006/relationships" xmlns:p="http://schemas.openxmlformats.org/presentationml/2006/main">
   <p:cSld>
     <p:spTree>
@@ -14334,358 +15101,7 @@
 </p:sld>
 </file>
 
-<file path=ppt/slides/slide2.xml><?xml version="1.0" encoding="utf-8"?>
-<p:sld xmlns:a="http://schemas.openxmlformats.org/drawingml/2006/main" xmlns:r="http://schemas.openxmlformats.org/officeDocument/2006/relationships" xmlns:p="http://schemas.openxmlformats.org/presentationml/2006/main">
-  <p:cSld>
-    <p:spTree>
-      <p:nvGrpSpPr>
-        <p:cNvPr id="1" name=""/>
-        <p:cNvGrpSpPr/>
-        <p:nvPr/>
-      </p:nvGrpSpPr>
-      <p:grpSpPr>
-        <a:xfrm>
-          <a:off x="0" y="0"/>
-          <a:ext cx="0" cy="0"/>
-          <a:chOff x="0" y="0"/>
-          <a:chExt cx="0" cy="0"/>
-        </a:xfrm>
-      </p:grpSpPr>
-      <p:grpSp>
-        <p:nvGrpSpPr>
-          <p:cNvPr id="5" name="Group 4">
-            <a:extLst>
-              <a:ext uri="{FF2B5EF4-FFF2-40B4-BE49-F238E27FC236}">
-                <a16:creationId xmlns:a16="http://schemas.microsoft.com/office/drawing/2014/main" id="{90B661F0-1C3E-4DF9-8667-D7DCCEB97928}"/>
-              </a:ext>
-            </a:extLst>
-          </p:cNvPr>
-          <p:cNvGrpSpPr/>
-          <p:nvPr/>
-        </p:nvGrpSpPr>
-        <p:grpSpPr>
-          <a:xfrm>
-            <a:off x="132559" y="380999"/>
-            <a:ext cx="11926881" cy="6284620"/>
-            <a:chOff x="132559" y="380999"/>
-            <a:chExt cx="11926881" cy="6284620"/>
-          </a:xfrm>
-        </p:grpSpPr>
-        <p:pic>
-          <p:nvPicPr>
-            <p:cNvPr id="11" name="Picture 10">
-              <a:extLst>
-                <a:ext uri="{FF2B5EF4-FFF2-40B4-BE49-F238E27FC236}">
-                  <a16:creationId xmlns:a16="http://schemas.microsoft.com/office/drawing/2014/main" id="{D1714B7C-7372-4342-AB3E-29E3F2FC307A}"/>
-                </a:ext>
-              </a:extLst>
-            </p:cNvPr>
-            <p:cNvPicPr>
-              <a:picLocks noChangeAspect="1"/>
-            </p:cNvPicPr>
-            <p:nvPr/>
-          </p:nvPicPr>
-          <p:blipFill rotWithShape="1">
-            <a:blip r:embed="rId2"/>
-            <a:srcRect t="6323"/>
-            <a:stretch/>
-          </p:blipFill>
-          <p:spPr>
-            <a:xfrm>
-              <a:off x="132559" y="381000"/>
-              <a:ext cx="11926881" cy="6284619"/>
-            </a:xfrm>
-            <a:prstGeom prst="rect">
-              <a:avLst/>
-            </a:prstGeom>
-          </p:spPr>
-        </p:pic>
-        <p:pic>
-          <p:nvPicPr>
-            <p:cNvPr id="4" name="Picture 3">
-              <a:extLst>
-                <a:ext uri="{FF2B5EF4-FFF2-40B4-BE49-F238E27FC236}">
-                  <a16:creationId xmlns:a16="http://schemas.microsoft.com/office/drawing/2014/main" id="{7789D4B5-282B-42C2-AC42-5BCA86C041BF}"/>
-                </a:ext>
-              </a:extLst>
-            </p:cNvPr>
-            <p:cNvPicPr>
-              <a:picLocks noChangeAspect="1"/>
-            </p:cNvPicPr>
-            <p:nvPr/>
-          </p:nvPicPr>
-          <p:blipFill>
-            <a:blip r:embed="rId3"/>
-            <a:stretch>
-              <a:fillRect/>
-            </a:stretch>
-          </p:blipFill>
-          <p:spPr>
-            <a:xfrm>
-              <a:off x="132560" y="380999"/>
-              <a:ext cx="1498114" cy="6284620"/>
-            </a:xfrm>
-            <a:prstGeom prst="rect">
-              <a:avLst/>
-            </a:prstGeom>
-          </p:spPr>
-        </p:pic>
-      </p:grpSp>
-      <p:pic>
-        <p:nvPicPr>
-          <p:cNvPr id="15" name="Picture 14">
-            <a:extLst>
-              <a:ext uri="{FF2B5EF4-FFF2-40B4-BE49-F238E27FC236}">
-                <a16:creationId xmlns:a16="http://schemas.microsoft.com/office/drawing/2014/main" id="{4BE2D429-E650-4089-B5BB-D9531764BDBF}"/>
-              </a:ext>
-            </a:extLst>
-          </p:cNvPr>
-          <p:cNvPicPr>
-            <a:picLocks noChangeAspect="1"/>
-          </p:cNvPicPr>
-          <p:nvPr/>
-        </p:nvPicPr>
-        <p:blipFill rotWithShape="1">
-          <a:blip r:embed="rId4"/>
-          <a:srcRect l="1912" t="3131" r="2194" b="3129"/>
-          <a:stretch/>
-        </p:blipFill>
-        <p:spPr>
-          <a:xfrm>
-            <a:off x="1752478" y="865414"/>
-            <a:ext cx="10191871" cy="5664059"/>
-          </a:xfrm>
-          <a:prstGeom prst="rect">
-            <a:avLst/>
-          </a:prstGeom>
-        </p:spPr>
-      </p:pic>
-      <p:sp>
-        <p:nvSpPr>
-          <p:cNvPr id="2" name="Title 1">
-            <a:extLst>
-              <a:ext uri="{FF2B5EF4-FFF2-40B4-BE49-F238E27FC236}">
-                <a16:creationId xmlns:a16="http://schemas.microsoft.com/office/drawing/2014/main" id="{68E1338A-396C-4358-8642-6941DC0A23FD}"/>
-              </a:ext>
-            </a:extLst>
-          </p:cNvPr>
-          <p:cNvSpPr>
-            <a:spLocks noGrp="1"/>
-          </p:cNvSpPr>
-          <p:nvPr>
-            <p:ph type="title"/>
-          </p:nvPr>
-        </p:nvSpPr>
-        <p:spPr>
-          <a:xfrm>
-            <a:off x="838200" y="88901"/>
-            <a:ext cx="10515600" cy="292099"/>
-          </a:xfrm>
-        </p:spPr>
-        <p:txBody>
-          <a:bodyPr>
-            <a:normAutofit fontScale="90000"/>
-          </a:bodyPr>
-          <a:lstStyle/>
-          <a:p>
-            <a:pPr algn="ctr"/>
-            <a:r>
-              <a:rPr lang="en-GB" sz="1800" b="1" dirty="0"/>
-              <a:t>3.2.1 – Performance Display</a:t>
-            </a:r>
-          </a:p>
-        </p:txBody>
-      </p:sp>
-      <p:graphicFrame>
-        <p:nvGraphicFramePr>
-          <p:cNvPr id="12" name="Chart 11">
-            <a:extLst>
-              <a:ext uri="{FF2B5EF4-FFF2-40B4-BE49-F238E27FC236}">
-                <a16:creationId xmlns:a16="http://schemas.microsoft.com/office/drawing/2014/main" id="{2035DAC9-9AAD-4F72-A9CB-571CB7707E89}"/>
-              </a:ext>
-            </a:extLst>
-          </p:cNvPr>
-          <p:cNvGraphicFramePr/>
-          <p:nvPr>
-            <p:extLst>
-              <p:ext uri="{D42A27DB-BD31-4B8C-83A1-F6EECF244321}">
-                <p14:modId xmlns:p14="http://schemas.microsoft.com/office/powerpoint/2010/main" val="2276952693"/>
-              </p:ext>
-            </p:extLst>
-          </p:nvPr>
-        </p:nvGraphicFramePr>
-        <p:xfrm>
-          <a:off x="7287020" y="1633074"/>
-          <a:ext cx="3533775" cy="2416126"/>
-        </p:xfrm>
-        <a:graphic>
-          <a:graphicData uri="http://schemas.openxmlformats.org/drawingml/2006/chart">
-            <c:chart xmlns:c="http://schemas.openxmlformats.org/drawingml/2006/chart" xmlns:r="http://schemas.openxmlformats.org/officeDocument/2006/relationships" r:id="rId5"/>
-          </a:graphicData>
-        </a:graphic>
-      </p:graphicFrame>
-      <p:graphicFrame>
-        <p:nvGraphicFramePr>
-          <p:cNvPr id="22" name="Chart 21">
-            <a:extLst>
-              <a:ext uri="{FF2B5EF4-FFF2-40B4-BE49-F238E27FC236}">
-                <a16:creationId xmlns:a16="http://schemas.microsoft.com/office/drawing/2014/main" id="{C8329CD2-8A18-42AD-AD5A-CC3B77EE5C1B}"/>
-              </a:ext>
-            </a:extLst>
-          </p:cNvPr>
-          <p:cNvGraphicFramePr/>
-          <p:nvPr>
-            <p:extLst>
-              <p:ext uri="{D42A27DB-BD31-4B8C-83A1-F6EECF244321}">
-                <p14:modId xmlns:p14="http://schemas.microsoft.com/office/powerpoint/2010/main" val="1282408924"/>
-              </p:ext>
-            </p:extLst>
-          </p:nvPr>
-        </p:nvGraphicFramePr>
-        <p:xfrm>
-          <a:off x="1990725" y="3694271"/>
-          <a:ext cx="9363075" cy="2672106"/>
-        </p:xfrm>
-        <a:graphic>
-          <a:graphicData uri="http://schemas.openxmlformats.org/drawingml/2006/chart">
-            <c:chart xmlns:c="http://schemas.openxmlformats.org/drawingml/2006/chart" xmlns:r="http://schemas.openxmlformats.org/officeDocument/2006/relationships" r:id="rId6"/>
-          </a:graphicData>
-        </a:graphic>
-      </p:graphicFrame>
-      <p:pic>
-        <p:nvPicPr>
-          <p:cNvPr id="24" name="Picture 23">
-            <a:extLst>
-              <a:ext uri="{FF2B5EF4-FFF2-40B4-BE49-F238E27FC236}">
-                <a16:creationId xmlns:a16="http://schemas.microsoft.com/office/drawing/2014/main" id="{CE5E92F0-CFAF-40A1-A87A-E0FF75D95BDF}"/>
-              </a:ext>
-            </a:extLst>
-          </p:cNvPr>
-          <p:cNvPicPr>
-            <a:picLocks noChangeAspect="1"/>
-          </p:cNvPicPr>
-          <p:nvPr/>
-        </p:nvPicPr>
-        <p:blipFill>
-          <a:blip r:embed="rId7"/>
-          <a:stretch>
-            <a:fillRect/>
-          </a:stretch>
-        </p:blipFill>
-        <p:spPr>
-          <a:xfrm>
-            <a:off x="1990725" y="2086295"/>
-            <a:ext cx="2095201" cy="711007"/>
-          </a:xfrm>
-          <a:prstGeom prst="rect">
-            <a:avLst/>
-          </a:prstGeom>
-        </p:spPr>
-      </p:pic>
-      <p:pic>
-        <p:nvPicPr>
-          <p:cNvPr id="17" name="Picture 16">
-            <a:extLst>
-              <a:ext uri="{FF2B5EF4-FFF2-40B4-BE49-F238E27FC236}">
-                <a16:creationId xmlns:a16="http://schemas.microsoft.com/office/drawing/2014/main" id="{A486CF6C-4CE7-4291-8C86-F28424C066F7}"/>
-              </a:ext>
-            </a:extLst>
-          </p:cNvPr>
-          <p:cNvPicPr>
-            <a:picLocks noChangeAspect="1"/>
-          </p:cNvPicPr>
-          <p:nvPr/>
-        </p:nvPicPr>
-        <p:blipFill>
-          <a:blip r:embed="rId8"/>
-          <a:stretch>
-            <a:fillRect/>
-          </a:stretch>
-        </p:blipFill>
-        <p:spPr>
-          <a:xfrm>
-            <a:off x="4467225" y="2086295"/>
-            <a:ext cx="2095201" cy="685973"/>
-          </a:xfrm>
-          <a:prstGeom prst="rect">
-            <a:avLst/>
-          </a:prstGeom>
-        </p:spPr>
-      </p:pic>
-      <p:pic>
-        <p:nvPicPr>
-          <p:cNvPr id="28" name="Picture 27">
-            <a:extLst>
-              <a:ext uri="{FF2B5EF4-FFF2-40B4-BE49-F238E27FC236}">
-                <a16:creationId xmlns:a16="http://schemas.microsoft.com/office/drawing/2014/main" id="{8AE26CE1-9386-4123-BC81-EEAFDCA78E71}"/>
-              </a:ext>
-            </a:extLst>
-          </p:cNvPr>
-          <p:cNvPicPr>
-            <a:picLocks noChangeAspect="1"/>
-          </p:cNvPicPr>
-          <p:nvPr/>
-        </p:nvPicPr>
-        <p:blipFill>
-          <a:blip r:embed="rId9"/>
-          <a:stretch>
-            <a:fillRect/>
-          </a:stretch>
-        </p:blipFill>
-        <p:spPr>
-          <a:xfrm>
-            <a:off x="1733550" y="1256206"/>
-            <a:ext cx="10210799" cy="333755"/>
-          </a:xfrm>
-          <a:prstGeom prst="rect">
-            <a:avLst/>
-          </a:prstGeom>
-        </p:spPr>
-      </p:pic>
-      <p:pic>
-        <p:nvPicPr>
-          <p:cNvPr id="6" name="Picture 5">
-            <a:extLst>
-              <a:ext uri="{FF2B5EF4-FFF2-40B4-BE49-F238E27FC236}">
-                <a16:creationId xmlns:a16="http://schemas.microsoft.com/office/drawing/2014/main" id="{31CFDC6B-6AB6-4CD7-A345-DC35ED1F7FF2}"/>
-              </a:ext>
-            </a:extLst>
-          </p:cNvPr>
-          <p:cNvPicPr>
-            <a:picLocks noChangeAspect="1"/>
-          </p:cNvPicPr>
-          <p:nvPr/>
-        </p:nvPicPr>
-        <p:blipFill>
-          <a:blip r:embed="rId10"/>
-          <a:stretch>
-            <a:fillRect/>
-          </a:stretch>
-        </p:blipFill>
-        <p:spPr>
-          <a:xfrm>
-            <a:off x="2953249" y="2944888"/>
-            <a:ext cx="2621381" cy="845853"/>
-          </a:xfrm>
-          <a:prstGeom prst="rect">
-            <a:avLst/>
-          </a:prstGeom>
-        </p:spPr>
-      </p:pic>
-    </p:spTree>
-    <p:extLst>
-      <p:ext uri="{BB962C8B-B14F-4D97-AF65-F5344CB8AC3E}">
-        <p14:creationId xmlns:p14="http://schemas.microsoft.com/office/powerpoint/2010/main" val="3384355084"/>
-      </p:ext>
-    </p:extLst>
-  </p:cSld>
-  <p:clrMapOvr>
-    <a:masterClrMapping/>
-  </p:clrMapOvr>
-</p:sld>
-</file>
-
-<file path=ppt/slides/slide20.xml><?xml version="1.0" encoding="utf-8"?>
+<file path=ppt/slides/slide21.xml><?xml version="1.0" encoding="utf-8"?>
 <p:sld xmlns:a="http://schemas.openxmlformats.org/drawingml/2006/main" xmlns:r="http://schemas.openxmlformats.org/officeDocument/2006/relationships" xmlns:p="http://schemas.openxmlformats.org/presentationml/2006/main">
   <p:cSld>
     <p:spTree>
@@ -14977,7 +15393,7 @@
 </p:sld>
 </file>
 
-<file path=ppt/slides/slide21.xml><?xml version="1.0" encoding="utf-8"?>
+<file path=ppt/slides/slide22.xml><?xml version="1.0" encoding="utf-8"?>
 <p:sld xmlns:a="http://schemas.openxmlformats.org/drawingml/2006/main" xmlns:r="http://schemas.openxmlformats.org/officeDocument/2006/relationships" xmlns:p="http://schemas.openxmlformats.org/presentationml/2006/main">
   <p:cSld>
     <p:spTree>
@@ -16294,7 +16710,7 @@
           <a:graphicData uri="http://schemas.openxmlformats.org/presentationml/2006/ole">
             <mc:AlternateContent xmlns:mc="http://schemas.openxmlformats.org/markup-compatibility/2006">
               <mc:Choice xmlns:v="urn:schemas-microsoft-com:vml" Requires="v">
-                <p:oleObj spid="_x0000_s1070" name="Image" r:id="rId7" imgW="13599720" imgH="888840" progId="Photoshop.Image.13">
+                <p:oleObj spid="_x0000_s1075" name="Image" r:id="rId7" imgW="13599720" imgH="888840" progId="Photoshop.Image.13">
                   <p:embed/>
                 </p:oleObj>
               </mc:Choice>
@@ -17111,7 +17527,7 @@
             <a:pPr algn="ctr"/>
             <a:r>
               <a:rPr lang="en-GB" sz="1800" b="1" dirty="0"/>
-              <a:t>3.2.2 – Policy Management – Non Compliant Files</a:t>
+              <a:t>3.2.2 – Policy Management – Non Compliant Files 1</a:t>
             </a:r>
           </a:p>
         </p:txBody>
@@ -17344,6 +17760,35 @@
           </p:spPr>
         </p:pic>
       </p:grpSp>
+      <p:pic>
+        <p:nvPicPr>
+          <p:cNvPr id="4" name="Picture 3">
+            <a:extLst>
+              <a:ext uri="{FF2B5EF4-FFF2-40B4-BE49-F238E27FC236}">
+                <a16:creationId xmlns:a16="http://schemas.microsoft.com/office/drawing/2014/main" id="{3949E69A-D28D-418F-AE0A-D37969BCF09A}"/>
+              </a:ext>
+            </a:extLst>
+          </p:cNvPr>
+          <p:cNvPicPr>
+            <a:picLocks noChangeAspect="1"/>
+          </p:cNvPicPr>
+          <p:nvPr/>
+        </p:nvPicPr>
+        <p:blipFill rotWithShape="1">
+          <a:blip r:embed="rId7"/>
+          <a:srcRect t="-1" b="35471"/>
+          <a:stretch/>
+        </p:blipFill>
+        <p:spPr>
+          <a:xfrm>
+            <a:off x="1805552" y="3621085"/>
+            <a:ext cx="10054098" cy="2865440"/>
+          </a:xfrm>
+          <a:prstGeom prst="rect">
+            <a:avLst/>
+          </a:prstGeom>
+        </p:spPr>
+      </p:pic>
     </p:spTree>
     <p:extLst>
       <p:ext uri="{BB962C8B-B14F-4D97-AF65-F5344CB8AC3E}">
@@ -17358,6 +17803,329 @@
 </file>
 
 <file path=ppt/slides/slide8.xml><?xml version="1.0" encoding="utf-8"?>
+<p:sld xmlns:a="http://schemas.openxmlformats.org/drawingml/2006/main" xmlns:r="http://schemas.openxmlformats.org/officeDocument/2006/relationships" xmlns:p="http://schemas.openxmlformats.org/presentationml/2006/main">
+  <p:cSld>
+    <p:spTree>
+      <p:nvGrpSpPr>
+        <p:cNvPr id="1" name=""/>
+        <p:cNvGrpSpPr/>
+        <p:nvPr/>
+      </p:nvGrpSpPr>
+      <p:grpSpPr>
+        <a:xfrm>
+          <a:off x="0" y="0"/>
+          <a:ext cx="0" cy="0"/>
+          <a:chOff x="0" y="0"/>
+          <a:chExt cx="0" cy="0"/>
+        </a:xfrm>
+      </p:grpSpPr>
+      <p:pic>
+        <p:nvPicPr>
+          <p:cNvPr id="9" name="Picture 8">
+            <a:extLst>
+              <a:ext uri="{FF2B5EF4-FFF2-40B4-BE49-F238E27FC236}">
+                <a16:creationId xmlns:a16="http://schemas.microsoft.com/office/drawing/2014/main" id="{2F13753F-6779-48C3-A9B2-69C5850B4450}"/>
+              </a:ext>
+            </a:extLst>
+          </p:cNvPr>
+          <p:cNvPicPr>
+            <a:picLocks noChangeAspect="1"/>
+          </p:cNvPicPr>
+          <p:nvPr/>
+        </p:nvPicPr>
+        <p:blipFill>
+          <a:blip r:embed="rId2"/>
+          <a:stretch>
+            <a:fillRect/>
+          </a:stretch>
+        </p:blipFill>
+        <p:spPr>
+          <a:xfrm>
+            <a:off x="109537" y="473074"/>
+            <a:ext cx="11972925" cy="6296025"/>
+          </a:xfrm>
+          <a:prstGeom prst="rect">
+            <a:avLst/>
+          </a:prstGeom>
+        </p:spPr>
+      </p:pic>
+      <p:sp>
+        <p:nvSpPr>
+          <p:cNvPr id="6" name="Title 1">
+            <a:extLst>
+              <a:ext uri="{FF2B5EF4-FFF2-40B4-BE49-F238E27FC236}">
+                <a16:creationId xmlns:a16="http://schemas.microsoft.com/office/drawing/2014/main" id="{6722E98C-1726-42B3-B853-7850D5D3FD20}"/>
+              </a:ext>
+            </a:extLst>
+          </p:cNvPr>
+          <p:cNvSpPr>
+            <a:spLocks noGrp="1"/>
+          </p:cNvSpPr>
+          <p:nvPr>
+            <p:ph type="title"/>
+          </p:nvPr>
+        </p:nvSpPr>
+        <p:spPr>
+          <a:xfrm>
+            <a:off x="838200" y="88901"/>
+            <a:ext cx="10515600" cy="292099"/>
+          </a:xfrm>
+        </p:spPr>
+        <p:txBody>
+          <a:bodyPr>
+            <a:normAutofit fontScale="90000"/>
+          </a:bodyPr>
+          <a:lstStyle/>
+          <a:p>
+            <a:pPr algn="ctr"/>
+            <a:r>
+              <a:rPr lang="en-GB" sz="1800" b="1" dirty="0"/>
+              <a:t>3.2.2 – Policy Management – Non Compliant Files 2</a:t>
+            </a:r>
+          </a:p>
+        </p:txBody>
+      </p:sp>
+      <p:pic>
+        <p:nvPicPr>
+          <p:cNvPr id="17" name="Picture 16">
+            <a:extLst>
+              <a:ext uri="{FF2B5EF4-FFF2-40B4-BE49-F238E27FC236}">
+                <a16:creationId xmlns:a16="http://schemas.microsoft.com/office/drawing/2014/main" id="{BE50435F-943B-4FCC-ACCE-007DDD8A04D8}"/>
+              </a:ext>
+            </a:extLst>
+          </p:cNvPr>
+          <p:cNvPicPr>
+            <a:picLocks noChangeAspect="1"/>
+          </p:cNvPicPr>
+          <p:nvPr/>
+        </p:nvPicPr>
+        <p:blipFill rotWithShape="1">
+          <a:blip r:embed="rId3"/>
+          <a:srcRect l="13543" t="26175" r="2476" b="67489"/>
+          <a:stretch/>
+        </p:blipFill>
+        <p:spPr>
+          <a:xfrm>
+            <a:off x="1730376" y="4940299"/>
+            <a:ext cx="10204450" cy="359411"/>
+          </a:xfrm>
+          <a:prstGeom prst="rect">
+            <a:avLst/>
+          </a:prstGeom>
+        </p:spPr>
+      </p:pic>
+      <p:grpSp>
+        <p:nvGrpSpPr>
+          <p:cNvPr id="14" name="Group 13">
+            <a:extLst>
+              <a:ext uri="{FF2B5EF4-FFF2-40B4-BE49-F238E27FC236}">
+                <a16:creationId xmlns:a16="http://schemas.microsoft.com/office/drawing/2014/main" id="{A8D76BED-B99A-4CA7-9077-59191B789D78}"/>
+              </a:ext>
+            </a:extLst>
+          </p:cNvPr>
+          <p:cNvGrpSpPr/>
+          <p:nvPr/>
+        </p:nvGrpSpPr>
+        <p:grpSpPr>
+          <a:xfrm>
+            <a:off x="1730376" y="973470"/>
+            <a:ext cx="10204450" cy="659311"/>
+            <a:chOff x="1730376" y="1351866"/>
+            <a:chExt cx="10204450" cy="659311"/>
+          </a:xfrm>
+        </p:grpSpPr>
+        <p:pic>
+          <p:nvPicPr>
+            <p:cNvPr id="15" name="Picture 14">
+              <a:extLst>
+                <a:ext uri="{FF2B5EF4-FFF2-40B4-BE49-F238E27FC236}">
+                  <a16:creationId xmlns:a16="http://schemas.microsoft.com/office/drawing/2014/main" id="{46A0CCD9-ECD5-466A-9ACD-4511ABEB3650}"/>
+                </a:ext>
+              </a:extLst>
+            </p:cNvPr>
+            <p:cNvPicPr>
+              <a:picLocks noChangeAspect="1"/>
+            </p:cNvPicPr>
+            <p:nvPr/>
+          </p:nvPicPr>
+          <p:blipFill rotWithShape="1">
+            <a:blip r:embed="rId4"/>
+            <a:srcRect l="14919" t="74645" r="2390" b="15227"/>
+            <a:stretch/>
+          </p:blipFill>
+          <p:spPr>
+            <a:xfrm>
+              <a:off x="1730376" y="1351866"/>
+              <a:ext cx="10204450" cy="659311"/>
+            </a:xfrm>
+            <a:prstGeom prst="rect">
+              <a:avLst/>
+            </a:prstGeom>
+          </p:spPr>
+        </p:pic>
+        <p:pic>
+          <p:nvPicPr>
+            <p:cNvPr id="16" name="Picture 15">
+              <a:extLst>
+                <a:ext uri="{FF2B5EF4-FFF2-40B4-BE49-F238E27FC236}">
+                  <a16:creationId xmlns:a16="http://schemas.microsoft.com/office/drawing/2014/main" id="{F5131E99-0D2F-4E9F-A402-D746054483AC}"/>
+                </a:ext>
+              </a:extLst>
+            </p:cNvPr>
+            <p:cNvPicPr>
+              <a:picLocks noChangeAspect="1"/>
+            </p:cNvPicPr>
+            <p:nvPr/>
+          </p:nvPicPr>
+          <p:blipFill rotWithShape="1">
+            <a:blip r:embed="rId4"/>
+            <a:srcRect l="27491" t="77444" r="59748" b="16890"/>
+            <a:stretch/>
+          </p:blipFill>
+          <p:spPr>
+            <a:xfrm>
+              <a:off x="1730376" y="1551539"/>
+              <a:ext cx="1574800" cy="368771"/>
+            </a:xfrm>
+            <a:prstGeom prst="rect">
+              <a:avLst/>
+            </a:prstGeom>
+          </p:spPr>
+        </p:pic>
+      </p:grpSp>
+      <p:grpSp>
+        <p:nvGrpSpPr>
+          <p:cNvPr id="10" name="Group 9">
+            <a:extLst>
+              <a:ext uri="{FF2B5EF4-FFF2-40B4-BE49-F238E27FC236}">
+                <a16:creationId xmlns:a16="http://schemas.microsoft.com/office/drawing/2014/main" id="{A8F8A566-CA46-4E4E-9C7E-936B6594B5FB}"/>
+              </a:ext>
+            </a:extLst>
+          </p:cNvPr>
+          <p:cNvGrpSpPr/>
+          <p:nvPr/>
+        </p:nvGrpSpPr>
+        <p:grpSpPr>
+          <a:xfrm>
+            <a:off x="1856857" y="1068597"/>
+            <a:ext cx="3847098" cy="385762"/>
+            <a:chOff x="1856857" y="1068597"/>
+            <a:chExt cx="3847098" cy="385762"/>
+          </a:xfrm>
+        </p:grpSpPr>
+        <p:pic>
+          <p:nvPicPr>
+            <p:cNvPr id="11" name="Picture 10">
+              <a:extLst>
+                <a:ext uri="{FF2B5EF4-FFF2-40B4-BE49-F238E27FC236}">
+                  <a16:creationId xmlns:a16="http://schemas.microsoft.com/office/drawing/2014/main" id="{466FDA19-A461-4BF2-9F73-CAE6835155EC}"/>
+                </a:ext>
+              </a:extLst>
+            </p:cNvPr>
+            <p:cNvPicPr>
+              <a:picLocks noChangeAspect="1"/>
+            </p:cNvPicPr>
+            <p:nvPr/>
+          </p:nvPicPr>
+          <p:blipFill rotWithShape="1">
+            <a:blip r:embed="rId5">
+              <a:clrChange>
+                <a:clrFrom>
+                  <a:srgbClr val="FFFFFF"/>
+                </a:clrFrom>
+                <a:clrTo>
+                  <a:srgbClr val="FFFFFF">
+                    <a:alpha val="0"/>
+                  </a:srgbClr>
+                </a:clrTo>
+              </a:clrChange>
+            </a:blip>
+            <a:srcRect r="50687" b="69098"/>
+            <a:stretch/>
+          </p:blipFill>
+          <p:spPr>
+            <a:xfrm>
+              <a:off x="1856857" y="1068597"/>
+              <a:ext cx="3847098" cy="206727"/>
+            </a:xfrm>
+            <a:prstGeom prst="rect">
+              <a:avLst/>
+            </a:prstGeom>
+          </p:spPr>
+        </p:pic>
+        <p:pic>
+          <p:nvPicPr>
+            <p:cNvPr id="12" name="Picture 11">
+              <a:extLst>
+                <a:ext uri="{FF2B5EF4-FFF2-40B4-BE49-F238E27FC236}">
+                  <a16:creationId xmlns:a16="http://schemas.microsoft.com/office/drawing/2014/main" id="{3545D18D-0847-40B1-B6D6-CDACCE5A0DF6}"/>
+                </a:ext>
+              </a:extLst>
+            </p:cNvPr>
+            <p:cNvPicPr>
+              <a:picLocks noChangeAspect="1"/>
+            </p:cNvPicPr>
+            <p:nvPr/>
+          </p:nvPicPr>
+          <p:blipFill rotWithShape="1">
+            <a:blip r:embed="rId5"/>
+            <a:srcRect t="36640" r="50687" b="46274"/>
+            <a:stretch/>
+          </p:blipFill>
+          <p:spPr>
+            <a:xfrm>
+              <a:off x="1856857" y="1340059"/>
+              <a:ext cx="3847098" cy="114300"/>
+            </a:xfrm>
+            <a:prstGeom prst="rect">
+              <a:avLst/>
+            </a:prstGeom>
+          </p:spPr>
+        </p:pic>
+      </p:grpSp>
+      <p:pic>
+        <p:nvPicPr>
+          <p:cNvPr id="4" name="Picture 3">
+            <a:extLst>
+              <a:ext uri="{FF2B5EF4-FFF2-40B4-BE49-F238E27FC236}">
+                <a16:creationId xmlns:a16="http://schemas.microsoft.com/office/drawing/2014/main" id="{3949E69A-D28D-418F-AE0A-D37969BCF09A}"/>
+              </a:ext>
+            </a:extLst>
+          </p:cNvPr>
+          <p:cNvPicPr>
+            <a:picLocks noChangeAspect="1"/>
+          </p:cNvPicPr>
+          <p:nvPr/>
+        </p:nvPicPr>
+        <p:blipFill rotWithShape="1">
+          <a:blip r:embed="rId6"/>
+          <a:srcRect t="-1" b="-631"/>
+          <a:stretch/>
+        </p:blipFill>
+        <p:spPr>
+          <a:xfrm>
+            <a:off x="1805552" y="1646460"/>
+            <a:ext cx="10054098" cy="4468590"/>
+          </a:xfrm>
+          <a:prstGeom prst="rect">
+            <a:avLst/>
+          </a:prstGeom>
+        </p:spPr>
+      </p:pic>
+    </p:spTree>
+    <p:extLst>
+      <p:ext uri="{BB962C8B-B14F-4D97-AF65-F5344CB8AC3E}">
+        <p14:creationId xmlns:p14="http://schemas.microsoft.com/office/powerpoint/2010/main" val="3238249156"/>
+      </p:ext>
+    </p:extLst>
+  </p:cSld>
+  <p:clrMapOvr>
+    <a:masterClrMapping/>
+  </p:clrMapOvr>
+</p:sld>
+</file>
+
+<file path=ppt/slides/slide9.xml><?xml version="1.0" encoding="utf-8"?>
 <p:sld xmlns:a="http://schemas.openxmlformats.org/drawingml/2006/main" xmlns:r="http://schemas.openxmlformats.org/officeDocument/2006/relationships" xmlns:p="http://schemas.openxmlformats.org/presentationml/2006/main">
   <p:cSld>
     <p:spTree>
@@ -17524,357 +18292,6 @@
     <p:extLst>
       <p:ext uri="{BB962C8B-B14F-4D97-AF65-F5344CB8AC3E}">
         <p14:creationId xmlns:p14="http://schemas.microsoft.com/office/powerpoint/2010/main" val="1114297859"/>
-      </p:ext>
-    </p:extLst>
-  </p:cSld>
-  <p:clrMapOvr>
-    <a:masterClrMapping/>
-  </p:clrMapOvr>
-</p:sld>
-</file>
-
-<file path=ppt/slides/slide9.xml><?xml version="1.0" encoding="utf-8"?>
-<p:sld xmlns:a="http://schemas.openxmlformats.org/drawingml/2006/main" xmlns:r="http://schemas.openxmlformats.org/officeDocument/2006/relationships" xmlns:p="http://schemas.openxmlformats.org/presentationml/2006/main">
-  <p:cSld>
-    <p:spTree>
-      <p:nvGrpSpPr>
-        <p:cNvPr id="1" name=""/>
-        <p:cNvGrpSpPr/>
-        <p:nvPr/>
-      </p:nvGrpSpPr>
-      <p:grpSpPr>
-        <a:xfrm>
-          <a:off x="0" y="0"/>
-          <a:ext cx="0" cy="0"/>
-          <a:chOff x="0" y="0"/>
-          <a:chExt cx="0" cy="0"/>
-        </a:xfrm>
-      </p:grpSpPr>
-      <p:sp>
-        <p:nvSpPr>
-          <p:cNvPr id="8" name="Title 1">
-            <a:extLst>
-              <a:ext uri="{FF2B5EF4-FFF2-40B4-BE49-F238E27FC236}">
-                <a16:creationId xmlns:a16="http://schemas.microsoft.com/office/drawing/2014/main" id="{495F528B-8C71-4A5E-AC80-AB8789E96AA6}"/>
-              </a:ext>
-            </a:extLst>
-          </p:cNvPr>
-          <p:cNvSpPr>
-            <a:spLocks noGrp="1"/>
-          </p:cNvSpPr>
-          <p:nvPr>
-            <p:ph type="title"/>
-          </p:nvPr>
-        </p:nvSpPr>
-        <p:spPr>
-          <a:xfrm>
-            <a:off x="838200" y="88901"/>
-            <a:ext cx="10515600" cy="292099"/>
-          </a:xfrm>
-        </p:spPr>
-        <p:txBody>
-          <a:bodyPr>
-            <a:normAutofit fontScale="90000"/>
-          </a:bodyPr>
-          <a:lstStyle/>
-          <a:p>
-            <a:pPr algn="ctr"/>
-            <a:r>
-              <a:rPr lang="en-GB" sz="1800" b="1" dirty="0"/>
-              <a:t>3.2.2 – Policy Management – View a Previous Policy</a:t>
-            </a:r>
-          </a:p>
-        </p:txBody>
-      </p:sp>
-      <p:grpSp>
-        <p:nvGrpSpPr>
-          <p:cNvPr id="5" name="Group 4">
-            <a:extLst>
-              <a:ext uri="{FF2B5EF4-FFF2-40B4-BE49-F238E27FC236}">
-                <a16:creationId xmlns:a16="http://schemas.microsoft.com/office/drawing/2014/main" id="{35D48634-8846-4BBB-B002-5CDD0825C44D}"/>
-              </a:ext>
-            </a:extLst>
-          </p:cNvPr>
-          <p:cNvGrpSpPr/>
-          <p:nvPr/>
-        </p:nvGrpSpPr>
-        <p:grpSpPr>
-          <a:xfrm>
-            <a:off x="100529" y="467349"/>
-            <a:ext cx="11990941" cy="6285876"/>
-            <a:chOff x="100529" y="467349"/>
-            <a:chExt cx="11990941" cy="6285876"/>
-          </a:xfrm>
-        </p:grpSpPr>
-        <p:grpSp>
-          <p:nvGrpSpPr>
-            <p:cNvPr id="11" name="Group 10">
-              <a:extLst>
-                <a:ext uri="{FF2B5EF4-FFF2-40B4-BE49-F238E27FC236}">
-                  <a16:creationId xmlns:a16="http://schemas.microsoft.com/office/drawing/2014/main" id="{5CE6A3D1-4D2D-469E-9E23-0A85A1E51371}"/>
-                </a:ext>
-              </a:extLst>
-            </p:cNvPr>
-            <p:cNvGrpSpPr/>
-            <p:nvPr/>
-          </p:nvGrpSpPr>
-          <p:grpSpPr>
-            <a:xfrm>
-              <a:off x="100529" y="467349"/>
-              <a:ext cx="11990941" cy="6285876"/>
-              <a:chOff x="100529" y="467349"/>
-              <a:chExt cx="11990941" cy="6285876"/>
-            </a:xfrm>
-          </p:grpSpPr>
-          <p:pic>
-            <p:nvPicPr>
-              <p:cNvPr id="7" name="Picture 6">
-                <a:extLst>
-                  <a:ext uri="{FF2B5EF4-FFF2-40B4-BE49-F238E27FC236}">
-                    <a16:creationId xmlns:a16="http://schemas.microsoft.com/office/drawing/2014/main" id="{47FD72ED-E1B1-4062-9BF8-8A17BFD0E0B3}"/>
-                  </a:ext>
-                </a:extLst>
-              </p:cNvPr>
-              <p:cNvPicPr>
-                <a:picLocks noChangeAspect="1"/>
-              </p:cNvPicPr>
-              <p:nvPr/>
-            </p:nvPicPr>
-            <p:blipFill rotWithShape="1">
-              <a:blip r:embed="rId2">
-                <a:extLst>
-                  <a:ext uri="{BEBA8EAE-BF5A-486C-A8C5-ECC9F3942E4B}">
-                    <a14:imgProps xmlns:a14="http://schemas.microsoft.com/office/drawing/2010/main">
-                      <a14:imgLayer r:embed="rId3">
-                        <a14:imgEffect>
-                          <a14:artisticBlur/>
-                        </a14:imgEffect>
-                      </a14:imgLayer>
-                    </a14:imgProps>
-                  </a:ext>
-                </a:extLst>
-              </a:blip>
-              <a:srcRect t="6805"/>
-              <a:stretch/>
-            </p:blipFill>
-            <p:spPr>
-              <a:xfrm>
-                <a:off x="100529" y="467349"/>
-                <a:ext cx="11990941" cy="6285876"/>
-              </a:xfrm>
-              <a:prstGeom prst="rect">
-                <a:avLst/>
-              </a:prstGeom>
-            </p:spPr>
-          </p:pic>
-          <p:pic>
-            <p:nvPicPr>
-              <p:cNvPr id="10" name="Picture 9">
-                <a:extLst>
-                  <a:ext uri="{FF2B5EF4-FFF2-40B4-BE49-F238E27FC236}">
-                    <a16:creationId xmlns:a16="http://schemas.microsoft.com/office/drawing/2014/main" id="{8A8FE4EA-7640-4AEC-AA6A-143865BB0F0D}"/>
-                  </a:ext>
-                </a:extLst>
-              </p:cNvPr>
-              <p:cNvPicPr>
-                <a:picLocks noChangeAspect="1"/>
-              </p:cNvPicPr>
-              <p:nvPr/>
-            </p:nvPicPr>
-            <p:blipFill>
-              <a:blip r:embed="rId4">
-                <a:extLst>
-                  <a:ext uri="{BEBA8EAE-BF5A-486C-A8C5-ECC9F3942E4B}">
-                    <a14:imgProps xmlns:a14="http://schemas.microsoft.com/office/drawing/2010/main">
-                      <a14:imgLayer r:embed="rId5">
-                        <a14:imgEffect>
-                          <a14:artisticBlur/>
-                        </a14:imgEffect>
-                      </a14:imgLayer>
-                    </a14:imgProps>
-                  </a:ext>
-                </a:extLst>
-              </a:blip>
-              <a:stretch>
-                <a:fillRect/>
-              </a:stretch>
-            </p:blipFill>
-            <p:spPr>
-              <a:xfrm>
-                <a:off x="1730376" y="498278"/>
-                <a:ext cx="4651374" cy="263184"/>
-              </a:xfrm>
-              <a:prstGeom prst="rect">
-                <a:avLst/>
-              </a:prstGeom>
-            </p:spPr>
-          </p:pic>
-        </p:grpSp>
-        <p:pic>
-          <p:nvPicPr>
-            <p:cNvPr id="13" name="Picture 12">
-              <a:extLst>
-                <a:ext uri="{FF2B5EF4-FFF2-40B4-BE49-F238E27FC236}">
-                  <a16:creationId xmlns:a16="http://schemas.microsoft.com/office/drawing/2014/main" id="{BD711627-7BE6-4D33-B895-A94CB02087B8}"/>
-                </a:ext>
-              </a:extLst>
-            </p:cNvPr>
-            <p:cNvPicPr>
-              <a:picLocks noChangeAspect="1"/>
-            </p:cNvPicPr>
-            <p:nvPr/>
-          </p:nvPicPr>
-          <p:blipFill>
-            <a:blip r:embed="rId6">
-              <a:extLst>
-                <a:ext uri="{BEBA8EAE-BF5A-486C-A8C5-ECC9F3942E4B}">
-                  <a14:imgProps xmlns:a14="http://schemas.microsoft.com/office/drawing/2010/main">
-                    <a14:imgLayer r:embed="rId7">
-                      <a14:imgEffect>
-                        <a14:artisticBlur/>
-                      </a14:imgEffect>
-                    </a14:imgLayer>
-                  </a14:imgProps>
-                </a:ext>
-              </a:extLst>
-            </a:blip>
-            <a:stretch>
-              <a:fillRect/>
-            </a:stretch>
-          </p:blipFill>
-          <p:spPr>
-            <a:xfrm>
-              <a:off x="1847849" y="997822"/>
-              <a:ext cx="9912923" cy="850028"/>
-            </a:xfrm>
-            <a:prstGeom prst="rect">
-              <a:avLst/>
-            </a:prstGeom>
-          </p:spPr>
-        </p:pic>
-      </p:grpSp>
-      <p:pic>
-        <p:nvPicPr>
-          <p:cNvPr id="3" name="Picture 2">
-            <a:extLst>
-              <a:ext uri="{FF2B5EF4-FFF2-40B4-BE49-F238E27FC236}">
-                <a16:creationId xmlns:a16="http://schemas.microsoft.com/office/drawing/2014/main" id="{216E7151-AA3F-4CD5-9AD6-8E6CD2142DB8}"/>
-              </a:ext>
-            </a:extLst>
-          </p:cNvPr>
-          <p:cNvPicPr>
-            <a:picLocks noChangeAspect="1"/>
-          </p:cNvPicPr>
-          <p:nvPr/>
-        </p:nvPicPr>
-        <p:blipFill rotWithShape="1">
-          <a:blip r:embed="rId8"/>
-          <a:srcRect l="-1" r="105" b="539"/>
-          <a:stretch/>
-        </p:blipFill>
-        <p:spPr>
-          <a:xfrm>
-            <a:off x="740367" y="691886"/>
-            <a:ext cx="11075396" cy="5572556"/>
-          </a:xfrm>
-          <a:prstGeom prst="rect">
-            <a:avLst/>
-          </a:prstGeom>
-        </p:spPr>
-      </p:pic>
-      <p:pic>
-        <p:nvPicPr>
-          <p:cNvPr id="15" name="Picture 14">
-            <a:extLst>
-              <a:ext uri="{FF2B5EF4-FFF2-40B4-BE49-F238E27FC236}">
-                <a16:creationId xmlns:a16="http://schemas.microsoft.com/office/drawing/2014/main" id="{933DABF2-A392-4295-A66B-399F545E6379}"/>
-              </a:ext>
-            </a:extLst>
-          </p:cNvPr>
-          <p:cNvPicPr>
-            <a:picLocks noChangeAspect="1"/>
-          </p:cNvPicPr>
-          <p:nvPr/>
-        </p:nvPicPr>
-        <p:blipFill rotWithShape="1">
-          <a:blip r:embed="rId9"/>
-          <a:srcRect b="32979"/>
-          <a:stretch/>
-        </p:blipFill>
-        <p:spPr>
-          <a:xfrm>
-            <a:off x="907194" y="5038817"/>
-            <a:ext cx="10629168" cy="1225626"/>
-          </a:xfrm>
-          <a:prstGeom prst="rect">
-            <a:avLst/>
-          </a:prstGeom>
-        </p:spPr>
-      </p:pic>
-      <p:pic>
-        <p:nvPicPr>
-          <p:cNvPr id="6" name="Picture 5">
-            <a:extLst>
-              <a:ext uri="{FF2B5EF4-FFF2-40B4-BE49-F238E27FC236}">
-                <a16:creationId xmlns:a16="http://schemas.microsoft.com/office/drawing/2014/main" id="{64AE3537-2E03-47C8-8B58-ED1DDBCDE599}"/>
-              </a:ext>
-            </a:extLst>
-          </p:cNvPr>
-          <p:cNvPicPr>
-            <a:picLocks noChangeAspect="1"/>
-          </p:cNvPicPr>
-          <p:nvPr/>
-        </p:nvPicPr>
-        <p:blipFill>
-          <a:blip r:embed="rId10"/>
-          <a:stretch>
-            <a:fillRect/>
-          </a:stretch>
-        </p:blipFill>
-        <p:spPr>
-          <a:xfrm>
-            <a:off x="852203" y="1067398"/>
-            <a:ext cx="10629167" cy="3871882"/>
-          </a:xfrm>
-          <a:prstGeom prst="rect">
-            <a:avLst/>
-          </a:prstGeom>
-        </p:spPr>
-      </p:pic>
-      <p:pic>
-        <p:nvPicPr>
-          <p:cNvPr id="2" name="Picture 1">
-            <a:extLst>
-              <a:ext uri="{FF2B5EF4-FFF2-40B4-BE49-F238E27FC236}">
-                <a16:creationId xmlns:a16="http://schemas.microsoft.com/office/drawing/2014/main" id="{E4CBED24-4A9F-42E3-8AB8-C049BB398F40}"/>
-              </a:ext>
-            </a:extLst>
-          </p:cNvPr>
-          <p:cNvPicPr>
-            <a:picLocks noChangeAspect="1"/>
-          </p:cNvPicPr>
-          <p:nvPr/>
-        </p:nvPicPr>
-        <p:blipFill>
-          <a:blip r:embed="rId11"/>
-          <a:stretch>
-            <a:fillRect/>
-          </a:stretch>
-        </p:blipFill>
-        <p:spPr>
-          <a:xfrm>
-            <a:off x="1394259" y="1488884"/>
-            <a:ext cx="9545053" cy="3260170"/>
-          </a:xfrm>
-          <a:prstGeom prst="rect">
-            <a:avLst/>
-          </a:prstGeom>
-        </p:spPr>
-      </p:pic>
-    </p:spTree>
-    <p:extLst>
-      <p:ext uri="{BB962C8B-B14F-4D97-AF65-F5344CB8AC3E}">
-        <p14:creationId xmlns:p14="http://schemas.microsoft.com/office/powerpoint/2010/main" val="3349736007"/>
       </p:ext>
     </p:extLst>
   </p:cSld>
